--- a/IWES/IWES_Task.pptx
+++ b/IWES/IWES_Task.pptx
@@ -20307,6 +20307,51 @@
           </a:fontRef>
         </p:style>
       </p:cxnSp>
+      <p:sp>
+        <p:nvSpPr>
+          <p:cNvPr id="6" name="TextBox 5">
+            <a:extLst>
+              <a:ext uri="{FF2B5EF4-FFF2-40B4-BE49-F238E27FC236}">
+                <a16:creationId xmlns:a16="http://schemas.microsoft.com/office/drawing/2014/main" id="{2633D53A-3D7C-E164-E184-D297DA9BBFE5}"/>
+              </a:ext>
+            </a:extLst>
+          </p:cNvPr>
+          <p:cNvSpPr txBox="1"/>
+          <p:nvPr/>
+        </p:nvSpPr>
+        <p:spPr>
+          <a:xfrm>
+            <a:off x="2381547" y="5924939"/>
+            <a:ext cx="7667522" cy="369332"/>
+          </a:xfrm>
+          <a:prstGeom prst="rect">
+            <a:avLst/>
+          </a:prstGeom>
+          <a:noFill/>
+        </p:spPr>
+        <p:txBody>
+          <a:bodyPr wrap="square" rtlCol="0">
+            <a:spAutoFit/>
+          </a:bodyPr>
+          <a:lstStyle/>
+          <a:p>
+            <a:r>
+              <a:rPr lang="en-IN" dirty="0"/>
+              <a:t>Code: </a:t>
+            </a:r>
+            <a:r>
+              <a:rPr lang="en-IN" sz="1400" dirty="0">
+                <a:hlinkClick r:id="rId4"/>
+              </a:rPr>
+              <a:t>https://github.com/KSoni1505/Fraunhofer_IWES_Interview_Task_Offshore-Decommissioning</a:t>
+            </a:r>
+            <a:r>
+              <a:rPr lang="en-IN" sz="1400" dirty="0"/>
+              <a:t> </a:t>
+            </a:r>
+          </a:p>
+        </p:txBody>
+      </p:sp>
     </p:spTree>
     <p:extLst>
       <p:ext uri="{BB962C8B-B14F-4D97-AF65-F5344CB8AC3E}">

--- a/IWES/IWES_Task.pptx
+++ b/IWES/IWES_Task.pptx
@@ -12196,8 +12196,12 @@
               <a:t>Dive support Vessel		</a:t>
             </a:r>
             <a:r>
+              <a:rPr lang="en-IN" dirty="0"/>
+              <a:t>Of</a:t>
+            </a:r>
+            <a:r>
               <a:rPr lang="en-US" dirty="0"/>
-              <a:t>offer a place to launch, supply, recover and, in general, to assist divers</a:t>
+              <a:t>fer a place to launch, supply, recover, to assist divers</a:t>
             </a:r>
             <a:endParaRPr lang="en-IN" b="1" dirty="0"/>
           </a:p>
@@ -12215,7 +12219,7 @@
             </a:r>
             <a:r>
               <a:rPr lang="en-IN" dirty="0"/>
-              <a:t>transferring personnel, </a:t>
+              <a:t>Transferring personnel, </a:t>
             </a:r>
             <a:r>
               <a:rPr lang="en-US" dirty="0"/>
@@ -12262,15 +12266,7 @@
             </a:r>
             <a:r>
               <a:rPr lang="en-IN" dirty="0"/>
-              <a:t>Light transport, diver support and </a:t>
-            </a:r>
-            <a:r>
-              <a:rPr lang="en-IN" dirty="0" err="1"/>
-              <a:t>anchore</a:t>
-            </a:r>
-            <a:r>
-              <a:rPr lang="en-IN" dirty="0"/>
-              <a:t> handling</a:t>
+              <a:t>Light transport, diver support and anchor handling</a:t>
             </a:r>
             <a:endParaRPr lang="en-IN" b="1" dirty="0"/>
           </a:p>
@@ -23326,7 +23322,7 @@
             </a:pPr>
             <a:r>
               <a:rPr lang="en-IN" sz="2400" dirty="0"/>
-              <a:t>Steps involved on Offshore Decommissioning</a:t>
+              <a:t>Steps involved for Offshore Decommissioning</a:t>
             </a:r>
           </a:p>
           <a:p>
@@ -23339,7 +23335,7 @@
             </a:pPr>
             <a:r>
               <a:rPr lang="en-IN" sz="2400" dirty="0"/>
-              <a:t>Factors effects on Decommissioning</a:t>
+              <a:t>Factors Affecting Decommissioning</a:t>
             </a:r>
           </a:p>
           <a:p>
@@ -23365,7 +23361,7 @@
             </a:pPr>
             <a:r>
               <a:rPr lang="en-IN" sz="2400" dirty="0"/>
-              <a:t>My approach to Decommissioning offshore Wind Farm</a:t>
+              <a:t>My approach to Decommissioning Offshore Wind Farm</a:t>
             </a:r>
           </a:p>
           <a:p>
@@ -26223,7 +26219,7 @@
             <a:pPr algn="ctr"/>
             <a:r>
               <a:rPr lang="en-IN" sz="3200" b="1" dirty="0"/>
-              <a:t>1. Step involved on offshore Decommissioning</a:t>
+              <a:t>1. Steps involved in Offshore Decommissioning</a:t>
             </a:r>
           </a:p>
         </p:txBody>
@@ -30822,7 +30818,7 @@
             <a:pPr algn="ctr"/>
             <a:r>
               <a:rPr lang="en-IN" sz="3200" b="1" dirty="0"/>
-              <a:t>2. Factors effects on Decommissioning </a:t>
+              <a:t>2. Factors Affecting Decommissioning </a:t>
             </a:r>
           </a:p>
         </p:txBody>
@@ -30880,7 +30876,7 @@
         <p:spPr>
           <a:xfrm>
             <a:off x="284966" y="1441306"/>
-            <a:ext cx="11622068" cy="3764749"/>
+            <a:ext cx="11622068" cy="3760068"/>
           </a:xfrm>
           <a:prstGeom prst="rect">
             <a:avLst/>
@@ -30914,7 +30910,7 @@
                 <a:ea typeface="Aptos" panose="020B0004020202020204" pitchFamily="34" charset="0"/>
                 <a:cs typeface="Times New Roman" panose="02020603050405020304" pitchFamily="18" charset="0"/>
               </a:rPr>
-              <a:t> 			available</a:t>
+              <a:t> 			</a:t>
             </a:r>
           </a:p>
           <a:p>
@@ -30931,16 +30927,28 @@
                 <a:ea typeface="Aptos" panose="020B0004020202020204" pitchFamily="34" charset="0"/>
                 <a:cs typeface="Times New Roman" panose="02020603050405020304" pitchFamily="18" charset="0"/>
               </a:rPr>
-              <a:t>availability Vessel 			</a:t>
-            </a:r>
-            <a:r>
-              <a:rPr lang="en-IN" sz="2800" kern="100" dirty="0">
+              <a:t>Vessel </a:t>
+            </a:r>
+            <a:r>
+              <a:rPr lang="en-IN" sz="2800" b="1" kern="100" dirty="0">
+                <a:ea typeface="Aptos" panose="020B0004020202020204" pitchFamily="34" charset="0"/>
+                <a:cs typeface="Times New Roman" panose="02020603050405020304" pitchFamily="18" charset="0"/>
+              </a:rPr>
+              <a:t>A</a:t>
+            </a:r>
+            <a:r>
+              <a:rPr lang="en-IN" sz="2800" b="1" kern="100" dirty="0">
                 <a:effectLst/>
                 <a:ea typeface="Aptos" panose="020B0004020202020204" pitchFamily="34" charset="0"/>
                 <a:cs typeface="Times New Roman" panose="02020603050405020304" pitchFamily="18" charset="0"/>
               </a:rPr>
-              <a:t>Selected</a:t>
-            </a:r>
+              <a:t>vailability 			</a:t>
+            </a:r>
+            <a:endParaRPr lang="en-IN" sz="2800" kern="100" dirty="0">
+              <a:effectLst/>
+              <a:ea typeface="Aptos" panose="020B0004020202020204" pitchFamily="34" charset="0"/>
+              <a:cs typeface="Times New Roman" panose="02020603050405020304" pitchFamily="18" charset="0"/>
+            </a:endParaRPr>
           </a:p>
           <a:p>
             <a:pPr marL="457200" lvl="0" indent="-457200">
@@ -30958,14 +30966,11 @@
               </a:rPr>
               <a:t>Distance to port			</a:t>
             </a:r>
-            <a:r>
-              <a:rPr lang="en-IN" sz="2800" kern="100" dirty="0">
-                <a:effectLst/>
-                <a:ea typeface="Aptos" panose="020B0004020202020204" pitchFamily="34" charset="0"/>
-                <a:cs typeface="Times New Roman" panose="02020603050405020304" pitchFamily="18" charset="0"/>
-              </a:rPr>
-              <a:t>Available </a:t>
-            </a:r>
+            <a:endParaRPr lang="en-IN" sz="2800" kern="100" dirty="0">
+              <a:effectLst/>
+              <a:ea typeface="Aptos" panose="020B0004020202020204" pitchFamily="34" charset="0"/>
+              <a:cs typeface="Times New Roman" panose="02020603050405020304" pitchFamily="18" charset="0"/>
+            </a:endParaRPr>
           </a:p>
           <a:p>
             <a:pPr marL="457200" lvl="0" indent="-457200">
@@ -30983,21 +30988,11 @@
               </a:rPr>
               <a:t>Water depth				</a:t>
             </a:r>
-            <a:r>
-              <a:rPr lang="en-IN" sz="2800" kern="100" dirty="0">
-                <a:ea typeface="Aptos" panose="020B0004020202020204" pitchFamily="34" charset="0"/>
-                <a:cs typeface="Times New Roman" panose="02020603050405020304" pitchFamily="18" charset="0"/>
-              </a:rPr>
-              <a:t>As</a:t>
-            </a:r>
-            <a:r>
-              <a:rPr lang="en-IN" sz="2800" kern="100" dirty="0">
-                <a:effectLst/>
-                <a:ea typeface="Aptos" panose="020B0004020202020204" pitchFamily="34" charset="0"/>
-                <a:cs typeface="Times New Roman" panose="02020603050405020304" pitchFamily="18" charset="0"/>
-              </a:rPr>
-              <a:t>sumed</a:t>
-            </a:r>
+            <a:endParaRPr lang="en-IN" sz="2800" kern="100" dirty="0">
+              <a:effectLst/>
+              <a:ea typeface="Aptos" panose="020B0004020202020204" pitchFamily="34" charset="0"/>
+              <a:cs typeface="Times New Roman" panose="02020603050405020304" pitchFamily="18" charset="0"/>
+            </a:endParaRPr>
           </a:p>
           <a:p>
             <a:pPr marL="457200" lvl="0" indent="-457200">
@@ -31015,14 +31010,11 @@
               </a:rPr>
               <a:t>Weather conditions			</a:t>
             </a:r>
-            <a:r>
-              <a:rPr lang="en-IN" sz="2800" kern="100" dirty="0">
-                <a:effectLst/>
-                <a:ea typeface="Aptos" panose="020B0004020202020204" pitchFamily="34" charset="0"/>
-                <a:cs typeface="Times New Roman" panose="02020603050405020304" pitchFamily="18" charset="0"/>
-              </a:rPr>
-              <a:t>Assumed</a:t>
-            </a:r>
+            <a:endParaRPr lang="en-IN" sz="2800" kern="100" dirty="0">
+              <a:effectLst/>
+              <a:ea typeface="Aptos" panose="020B0004020202020204" pitchFamily="34" charset="0"/>
+              <a:cs typeface="Times New Roman" panose="02020603050405020304" pitchFamily="18" charset="0"/>
+            </a:endParaRPr>
           </a:p>
           <a:p>
             <a:pPr marL="457200" lvl="0" indent="-457200">
@@ -31040,21 +31032,11 @@
               </a:rPr>
               <a:t>Time					</a:t>
             </a:r>
-            <a:r>
-              <a:rPr lang="en-IN" sz="2800" kern="100" dirty="0">
-                <a:ea typeface="Aptos" panose="020B0004020202020204" pitchFamily="34" charset="0"/>
-                <a:cs typeface="Times New Roman" panose="02020603050405020304" pitchFamily="18" charset="0"/>
-              </a:rPr>
-              <a:t>A</a:t>
-            </a:r>
-            <a:r>
-              <a:rPr lang="en-IN" sz="2800" kern="100" dirty="0">
-                <a:effectLst/>
-                <a:ea typeface="Aptos" panose="020B0004020202020204" pitchFamily="34" charset="0"/>
-                <a:cs typeface="Times New Roman" panose="02020603050405020304" pitchFamily="18" charset="0"/>
-              </a:rPr>
-              <a:t>ssumed</a:t>
-            </a:r>
+            <a:endParaRPr lang="en-IN" sz="2800" kern="100" dirty="0">
+              <a:effectLst/>
+              <a:ea typeface="Aptos" panose="020B0004020202020204" pitchFamily="34" charset="0"/>
+              <a:cs typeface="Times New Roman" panose="02020603050405020304" pitchFamily="18" charset="0"/>
+            </a:endParaRPr>
           </a:p>
           <a:p>
             <a:pPr marL="457200" lvl="0" indent="-457200">
@@ -31070,16 +31052,28 @@
                 <a:ea typeface="Aptos" panose="020B0004020202020204" pitchFamily="34" charset="0"/>
                 <a:cs typeface="Times New Roman" panose="02020603050405020304" pitchFamily="18" charset="0"/>
               </a:rPr>
-              <a:t>Co2 Emission 				</a:t>
-            </a:r>
-            <a:r>
-              <a:rPr lang="en-IN" sz="2800" kern="100" dirty="0">
+              <a:t>C</a:t>
+            </a:r>
+            <a:r>
+              <a:rPr lang="en-IN" sz="2800" b="1" kern="100" dirty="0">
+                <a:ea typeface="Aptos" panose="020B0004020202020204" pitchFamily="34" charset="0"/>
+                <a:cs typeface="Times New Roman" panose="02020603050405020304" pitchFamily="18" charset="0"/>
+              </a:rPr>
+              <a:t>O</a:t>
+            </a:r>
+            <a:r>
+              <a:rPr lang="en-IN" sz="2800" b="1" kern="100" dirty="0">
                 <a:effectLst/>
                 <a:ea typeface="Aptos" panose="020B0004020202020204" pitchFamily="34" charset="0"/>
                 <a:cs typeface="Times New Roman" panose="02020603050405020304" pitchFamily="18" charset="0"/>
               </a:rPr>
-              <a:t>Finding</a:t>
-            </a:r>
+              <a:t>2 Emission 				</a:t>
+            </a:r>
+            <a:endParaRPr lang="en-IN" sz="2800" kern="100" dirty="0">
+              <a:effectLst/>
+              <a:ea typeface="Aptos" panose="020B0004020202020204" pitchFamily="34" charset="0"/>
+              <a:cs typeface="Times New Roman" panose="02020603050405020304" pitchFamily="18" charset="0"/>
+            </a:endParaRPr>
           </a:p>
           <a:p>
             <a:pPr marL="457200" lvl="0" indent="-457200">
@@ -31106,7 +31100,7 @@
                 <a:ea typeface="Aptos" panose="020B0004020202020204" pitchFamily="34" charset="0"/>
                 <a:cs typeface="Times New Roman" panose="02020603050405020304" pitchFamily="18" charset="0"/>
               </a:rPr>
-              <a:t> 					Finding (only for fuel)</a:t>
+              <a:t> 					</a:t>
             </a:r>
           </a:p>
         </p:txBody>
@@ -31567,7 +31561,7 @@
             </a:pPr>
             <a:r>
               <a:rPr lang="en-IN" sz="2400" b="1" u="sng" dirty="0"/>
-              <a:t>Survey Vessel:</a:t>
+              <a:t>Vessel Survey:</a:t>
             </a:r>
           </a:p>
           <a:p>

--- a/IWES/IWES_Task.pptx
+++ b/IWES/IWES_Task.pptx
@@ -4314,7 +4314,7 @@
           <a:p>
             <a:fld id="{A5C718D9-2C87-4814-8471-598F3A0B7D9E}" type="datetimeFigureOut">
               <a:rPr lang="en-IN" smtClean="0"/>
-              <a:t>19-11-2024</a:t>
+              <a:t>20-11-2024</a:t>
             </a:fld>
             <a:endParaRPr lang="en-IN"/>
           </a:p>
@@ -4731,7 +4731,7 @@
           <a:p>
             <a:fld id="{0AED1C6D-64A9-4E2D-9A6C-E91105B63EC9}" type="datetime1">
               <a:rPr lang="en-IN" smtClean="0"/>
-              <a:t>19-11-2024</a:t>
+              <a:t>20-11-2024</a:t>
             </a:fld>
             <a:endParaRPr lang="en-IN"/>
           </a:p>
@@ -4935,7 +4935,7 @@
           <a:p>
             <a:fld id="{DFEE0DA8-2651-4482-A0A2-AFA6C595E0B7}" type="datetime1">
               <a:rPr lang="en-IN" smtClean="0"/>
-              <a:t>19-11-2024</a:t>
+              <a:t>20-11-2024</a:t>
             </a:fld>
             <a:endParaRPr lang="en-IN"/>
           </a:p>
@@ -5149,7 +5149,7 @@
           <a:p>
             <a:fld id="{6CFC59C5-25AD-40A2-B8B6-710A7403660D}" type="datetime1">
               <a:rPr lang="en-IN" smtClean="0"/>
-              <a:t>19-11-2024</a:t>
+              <a:t>20-11-2024</a:t>
             </a:fld>
             <a:endParaRPr lang="en-IN"/>
           </a:p>
@@ -5375,7 +5375,7 @@
           <a:p>
             <a:fld id="{77BFAF5D-0002-429C-B0C5-8EE1E95ADF60}" type="datetime1">
               <a:rPr lang="en-IN" smtClean="0"/>
-              <a:t>19-11-2024</a:t>
+              <a:t>20-11-2024</a:t>
             </a:fld>
             <a:endParaRPr lang="en-IN" dirty="0"/>
           </a:p>
@@ -5579,7 +5579,7 @@
           <a:p>
             <a:fld id="{0409A6EE-35CB-4C55-BD57-77600E238904}" type="datetime1">
               <a:rPr lang="en-IN" smtClean="0"/>
-              <a:t>19-11-2024</a:t>
+              <a:t>20-11-2024</a:t>
             </a:fld>
             <a:endParaRPr lang="en-IN"/>
           </a:p>
@@ -5859,7 +5859,7 @@
           <a:p>
             <a:fld id="{91D31A59-5885-47CE-A56F-31BBD2ED4A81}" type="datetime1">
               <a:rPr lang="en-IN" smtClean="0"/>
-              <a:t>19-11-2024</a:t>
+              <a:t>20-11-2024</a:t>
             </a:fld>
             <a:endParaRPr lang="en-IN"/>
           </a:p>
@@ -6131,7 +6131,7 @@
           <a:p>
             <a:fld id="{FC71A6C9-A2A6-47CD-824A-3864682612D8}" type="datetime1">
               <a:rPr lang="en-IN" smtClean="0"/>
-              <a:t>19-11-2024</a:t>
+              <a:t>20-11-2024</a:t>
             </a:fld>
             <a:endParaRPr lang="en-IN"/>
           </a:p>
@@ -6550,7 +6550,7 @@
           <a:p>
             <a:fld id="{7CDF4A07-182A-4523-9400-45AF01FFCFA7}" type="datetime1">
               <a:rPr lang="en-IN" smtClean="0"/>
-              <a:t>19-11-2024</a:t>
+              <a:t>20-11-2024</a:t>
             </a:fld>
             <a:endParaRPr lang="en-IN"/>
           </a:p>
@@ -6696,7 +6696,7 @@
           <a:p>
             <a:fld id="{CCDD7BA3-CFC4-4702-BC50-593A513A0209}" type="datetime1">
               <a:rPr lang="en-IN" smtClean="0"/>
-              <a:t>19-11-2024</a:t>
+              <a:t>20-11-2024</a:t>
             </a:fld>
             <a:endParaRPr lang="en-IN"/>
           </a:p>
@@ -6813,7 +6813,7 @@
           <a:p>
             <a:fld id="{EC2F84AA-5082-4373-AD01-1489AA108879}" type="datetime1">
               <a:rPr lang="en-IN" smtClean="0"/>
-              <a:t>19-11-2024</a:t>
+              <a:t>20-11-2024</a:t>
             </a:fld>
             <a:endParaRPr lang="en-IN"/>
           </a:p>
@@ -7130,7 +7130,7 @@
           <a:p>
             <a:fld id="{49D1921A-33A5-44B8-8CE1-DF8DE646E4D6}" type="datetime1">
               <a:rPr lang="en-IN" smtClean="0"/>
-              <a:t>19-11-2024</a:t>
+              <a:t>20-11-2024</a:t>
             </a:fld>
             <a:endParaRPr lang="en-IN"/>
           </a:p>
@@ -7334,7 +7334,7 @@
           <a:p>
             <a:fld id="{32B90065-3C61-4839-BF62-6C1FD32A9DEF}" type="datetime1">
               <a:rPr lang="en-IN" smtClean="0"/>
-              <a:t>19-11-2024</a:t>
+              <a:t>20-11-2024</a:t>
             </a:fld>
             <a:endParaRPr lang="en-IN"/>
           </a:p>
@@ -7627,7 +7627,7 @@
           <a:p>
             <a:fld id="{D828FC35-AEDD-49BF-AE2C-325672DF1847}" type="datetime1">
               <a:rPr lang="en-IN" smtClean="0"/>
-              <a:t>19-11-2024</a:t>
+              <a:t>20-11-2024</a:t>
             </a:fld>
             <a:endParaRPr lang="en-IN"/>
           </a:p>
@@ -7831,7 +7831,7 @@
           <a:p>
             <a:fld id="{EEA70672-32A4-47E7-9497-9F5CB1C3C59E}" type="datetime1">
               <a:rPr lang="en-IN" smtClean="0"/>
-              <a:t>19-11-2024</a:t>
+              <a:t>20-11-2024</a:t>
             </a:fld>
             <a:endParaRPr lang="en-IN"/>
           </a:p>
@@ -8045,7 +8045,7 @@
           <a:p>
             <a:fld id="{ED98EDF0-2D2A-4441-B0F4-25DD1E88333E}" type="datetime1">
               <a:rPr lang="en-IN" smtClean="0"/>
-              <a:t>19-11-2024</a:t>
+              <a:t>20-11-2024</a:t>
             </a:fld>
             <a:endParaRPr lang="en-IN"/>
           </a:p>
@@ -8191,7 +8191,7 @@
           <a:p>
             <a:fld id="{BD29AC1A-A558-4C8B-AB6D-938DF87C7B21}" type="datetime1">
               <a:rPr lang="en-IN" smtClean="0"/>
-              <a:t>19-11-2024</a:t>
+              <a:t>20-11-2024</a:t>
             </a:fld>
             <a:endParaRPr lang="en-IN"/>
           </a:p>
@@ -8543,7 +8543,7 @@
           <a:p>
             <a:fld id="{811F9F72-8D0A-4C05-9342-DF72BE5EC6CB}" type="datetime1">
               <a:rPr lang="en-IN" smtClean="0"/>
-              <a:t>19-11-2024</a:t>
+              <a:t>20-11-2024</a:t>
             </a:fld>
             <a:endParaRPr lang="en-IN"/>
           </a:p>
@@ -8815,7 +8815,7 @@
           <a:p>
             <a:fld id="{CB1A39C3-845A-43B9-BEFB-7A236C2A4F79}" type="datetime1">
               <a:rPr lang="en-IN" smtClean="0"/>
-              <a:t>19-11-2024</a:t>
+              <a:t>20-11-2024</a:t>
             </a:fld>
             <a:endParaRPr lang="en-IN"/>
           </a:p>
@@ -9234,7 +9234,7 @@
           <a:p>
             <a:fld id="{872BE9B0-62DA-46AB-B07C-33A6CC14DBE0}" type="datetime1">
               <a:rPr lang="en-IN" smtClean="0"/>
-              <a:t>19-11-2024</a:t>
+              <a:t>20-11-2024</a:t>
             </a:fld>
             <a:endParaRPr lang="en-IN"/>
           </a:p>
@@ -9380,7 +9380,7 @@
           <a:p>
             <a:fld id="{E6D99EF7-647C-46B2-B1BC-7C7B1B904BC0}" type="datetime1">
               <a:rPr lang="en-IN" smtClean="0"/>
-              <a:t>19-11-2024</a:t>
+              <a:t>20-11-2024</a:t>
             </a:fld>
             <a:endParaRPr lang="en-IN"/>
           </a:p>
@@ -9497,7 +9497,7 @@
           <a:p>
             <a:fld id="{BB877DA7-96CC-40A9-B14D-4B9D7065EBC1}" type="datetime1">
               <a:rPr lang="en-IN" smtClean="0"/>
-              <a:t>19-11-2024</a:t>
+              <a:t>20-11-2024</a:t>
             </a:fld>
             <a:endParaRPr lang="en-IN"/>
           </a:p>
@@ -9814,7 +9814,7 @@
           <a:p>
             <a:fld id="{82083700-E7A2-4513-89D6-336D202C5B31}" type="datetime1">
               <a:rPr lang="en-IN" smtClean="0"/>
-              <a:t>19-11-2024</a:t>
+              <a:t>20-11-2024</a:t>
             </a:fld>
             <a:endParaRPr lang="en-IN"/>
           </a:p>
@@ -10107,7 +10107,7 @@
           <a:p>
             <a:fld id="{57E400B8-A844-477B-AC8D-F8435E419499}" type="datetime1">
               <a:rPr lang="en-IN" smtClean="0"/>
-              <a:t>19-11-2024</a:t>
+              <a:t>20-11-2024</a:t>
             </a:fld>
             <a:endParaRPr lang="en-IN"/>
           </a:p>
@@ -10354,7 +10354,7 @@
           <a:p>
             <a:fld id="{9E447CD2-85B9-4037-8D99-9B029080F3C1}" type="datetime1">
               <a:rPr lang="en-IN" smtClean="0"/>
-              <a:t>19-11-2024</a:t>
+              <a:t>20-11-2024</a:t>
             </a:fld>
             <a:endParaRPr lang="en-IN"/>
           </a:p>
@@ -10929,7 +10929,7 @@
           <a:p>
             <a:fld id="{38AFC714-A3AB-4562-85D8-8980BF3275E7}" type="datetime1">
               <a:rPr lang="en-IN" smtClean="0"/>
-              <a:t>19-11-2024</a:t>
+              <a:t>20-11-2024</a:t>
             </a:fld>
             <a:endParaRPr lang="en-IN"/>
           </a:p>
@@ -11580,7 +11580,7 @@
                   <a:schemeClr val="tx1"/>
                 </a:solidFill>
               </a:rPr>
-              <a:t>19-11-2024</a:t>
+              <a:t>20-11-2024</a:t>
             </a:fld>
             <a:endParaRPr lang="en-IN" dirty="0">
               <a:solidFill>
@@ -11926,7 +11926,7 @@
                   <a:schemeClr val="tx1"/>
                 </a:solidFill>
               </a:rPr>
-              <a:t>19-11-2024</a:t>
+              <a:t>20-11-2024</a:t>
             </a:fld>
             <a:endParaRPr lang="en-IN" dirty="0">
               <a:solidFill>
@@ -12201,7 +12201,7 @@
             </a:r>
             <a:r>
               <a:rPr lang="en-US" dirty="0"/>
-              <a:t>fer a place to launch, supply, recover, to assist divers</a:t>
+              <a:t>fer a place to launch, supply, recover, to assist underwater</a:t>
             </a:r>
             <a:endParaRPr lang="en-IN" b="1" dirty="0"/>
           </a:p>
@@ -12219,11 +12219,11 @@
             </a:r>
             <a:r>
               <a:rPr lang="en-IN" dirty="0"/>
-              <a:t>Transferring personnel, </a:t>
+              <a:t>Transferring person, </a:t>
             </a:r>
             <a:r>
               <a:rPr lang="en-US" dirty="0"/>
-              <a:t>conduction of environmental studies, support of divers in 				shallow waters or the enforcement of safety zones</a:t>
+              <a:t>environmental studies, support of shallow waters or the 					enforcement of safety zones</a:t>
             </a:r>
           </a:p>
           <a:p>
@@ -12266,7 +12266,7 @@
             </a:r>
             <a:r>
               <a:rPr lang="en-IN" dirty="0"/>
-              <a:t>Light transport, diver support and anchor handling</a:t>
+              <a:t>Light transport, underwater support and stability handling</a:t>
             </a:r>
             <a:endParaRPr lang="en-IN" b="1" dirty="0"/>
           </a:p>
@@ -12284,7 +12284,7 @@
             </a:r>
             <a:r>
               <a:rPr lang="en-US" dirty="0"/>
-              <a:t>Normally they come with a small crane for anchor handling.</a:t>
+              <a:t>Normally they come with a small crane for stability handling.</a:t>
             </a:r>
             <a:endParaRPr lang="en-IN" b="1" dirty="0"/>
           </a:p>
@@ -12485,7 +12485,7 @@
                   <a:schemeClr val="tx1"/>
                 </a:solidFill>
               </a:rPr>
-              <a:t>19-11-2024</a:t>
+              <a:t>20-11-2024</a:t>
             </a:fld>
             <a:endParaRPr lang="en-IN" dirty="0">
               <a:solidFill>
@@ -13384,7 +13384,7 @@
                   <a:schemeClr val="tx1"/>
                 </a:solidFill>
               </a:rPr>
-              <a:t>19-11-2024</a:t>
+              <a:t>20-11-2024</a:t>
             </a:fld>
             <a:endParaRPr lang="en-IN" dirty="0">
               <a:solidFill>
@@ -13980,7 +13980,7 @@
                   <a:schemeClr val="tx1"/>
                 </a:solidFill>
               </a:rPr>
-              <a:t>19-11-2024</a:t>
+              <a:t>20-11-2024</a:t>
             </a:fld>
             <a:endParaRPr lang="en-IN" dirty="0">
               <a:solidFill>
@@ -14593,7 +14593,7 @@
                   <a:schemeClr val="tx1"/>
                 </a:solidFill>
               </a:rPr>
-              <a:t>19-11-2024</a:t>
+              <a:t>20-11-2024</a:t>
             </a:fld>
             <a:endParaRPr lang="en-IN" dirty="0">
               <a:solidFill>
@@ -15885,7 +15885,7 @@
                   <a:schemeClr val="tx1"/>
                 </a:solidFill>
               </a:rPr>
-              <a:t>19-11-2024</a:t>
+              <a:t>20-11-2024</a:t>
             </a:fld>
             <a:endParaRPr lang="en-IN" dirty="0">
               <a:solidFill>
@@ -17189,7 +17189,7 @@
                   <a:schemeClr val="tx1"/>
                 </a:solidFill>
               </a:rPr>
-              <a:t>19-11-2024</a:t>
+              <a:t>20-11-2024</a:t>
             </a:fld>
             <a:endParaRPr lang="en-IN" dirty="0">
               <a:solidFill>
@@ -18376,7 +18376,7 @@
                   <a:schemeClr val="tx1"/>
                 </a:solidFill>
               </a:rPr>
-              <a:t>19-11-2024</a:t>
+              <a:t>20-11-2024</a:t>
             </a:fld>
             <a:endParaRPr lang="en-IN" dirty="0">
               <a:solidFill>
@@ -20513,7 +20513,7 @@
                   <a:schemeClr val="tx1"/>
                 </a:solidFill>
               </a:rPr>
-              <a:t>19-11-2024</a:t>
+              <a:t>20-11-2024</a:t>
             </a:fld>
             <a:endParaRPr lang="en-IN" dirty="0">
               <a:solidFill>
@@ -22346,7 +22346,7 @@
                   <a:schemeClr val="tx1"/>
                 </a:solidFill>
               </a:rPr>
-              <a:t>19-11-2024</a:t>
+              <a:t>20-11-2024</a:t>
             </a:fld>
             <a:endParaRPr lang="en-IN" dirty="0">
               <a:solidFill>
@@ -23068,7 +23068,7 @@
                   <a:schemeClr val="tx1"/>
                 </a:solidFill>
               </a:rPr>
-              <a:t>19-11-2024</a:t>
+              <a:t>20-11-2024</a:t>
             </a:fld>
             <a:endParaRPr lang="en-IN" dirty="0">
               <a:solidFill>
@@ -23584,7 +23584,7 @@
                   <a:schemeClr val="tx1"/>
                 </a:solidFill>
               </a:rPr>
-              <a:t>19-11-2024</a:t>
+              <a:t>20-11-2024</a:t>
             </a:fld>
             <a:endParaRPr lang="en-IN" dirty="0">
               <a:solidFill>
@@ -24142,7 +24142,7 @@
                   <a:schemeClr val="tx1"/>
                 </a:solidFill>
               </a:rPr>
-              <a:t>19-11-2024</a:t>
+              <a:t>20-11-2024</a:t>
             </a:fld>
             <a:endParaRPr lang="en-IN" dirty="0">
               <a:solidFill>
@@ -24775,7 +24775,7 @@
                   <a:schemeClr val="tx1"/>
                 </a:solidFill>
               </a:rPr>
-              <a:t>19-11-2024</a:t>
+              <a:t>20-11-2024</a:t>
             </a:fld>
             <a:endParaRPr lang="en-IN" dirty="0">
               <a:solidFill>
@@ -25590,7 +25590,7 @@
                   <a:schemeClr val="tx1"/>
                 </a:solidFill>
               </a:rPr>
-              <a:t>19-11-2024</a:t>
+              <a:t>20-11-2024</a:t>
             </a:fld>
             <a:endParaRPr lang="en-IN" dirty="0">
               <a:solidFill>
@@ -26045,7 +26045,7 @@
                   <a:schemeClr val="tx1"/>
                 </a:solidFill>
               </a:rPr>
-              <a:t>19-11-2024</a:t>
+              <a:t>20-11-2024</a:t>
             </a:fld>
             <a:endParaRPr lang="en-IN" dirty="0">
               <a:solidFill>
@@ -26657,7 +26657,7 @@
                   <a:schemeClr val="tx1"/>
                 </a:solidFill>
               </a:rPr>
-              <a:t>19-11-2024</a:t>
+              <a:t>20-11-2024</a:t>
             </a:fld>
             <a:endParaRPr lang="en-IN" dirty="0">
               <a:solidFill>
@@ -28027,7 +28027,7 @@
                   <a:schemeClr val="tx1"/>
                 </a:solidFill>
               </a:rPr>
-              <a:t>19-11-2024</a:t>
+              <a:t>20-11-2024</a:t>
             </a:fld>
             <a:endParaRPr lang="en-IN" dirty="0">
               <a:solidFill>
@@ -29604,7 +29604,7 @@
                   <a:schemeClr val="tx1"/>
                 </a:solidFill>
               </a:rPr>
-              <a:t>19-11-2024</a:t>
+              <a:t>20-11-2024</a:t>
             </a:fld>
             <a:endParaRPr lang="en-IN" dirty="0">
               <a:solidFill>
@@ -30644,7 +30644,7 @@
                   <a:schemeClr val="tx1"/>
                 </a:solidFill>
               </a:rPr>
-              <a:t>19-11-2024</a:t>
+              <a:t>20-11-2024</a:t>
             </a:fld>
             <a:endParaRPr lang="en-IN" dirty="0">
               <a:solidFill>
@@ -31270,7 +31270,7 @@
                   <a:schemeClr val="tx1"/>
                 </a:solidFill>
               </a:rPr>
-              <a:t>19-11-2024</a:t>
+              <a:t>20-11-2024</a:t>
             </a:fld>
             <a:endParaRPr lang="en-IN" dirty="0">
               <a:solidFill>
@@ -31561,7 +31561,7 @@
             </a:pPr>
             <a:r>
               <a:rPr lang="en-IN" sz="2400" b="1" u="sng" dirty="0"/>
-              <a:t>Vessel Survey:</a:t>
+              <a:t>Survey Vessel:</a:t>
             </a:r>
           </a:p>
           <a:p>
@@ -31658,9 +31658,6 @@
             </a:r>
           </a:p>
           <a:p>
-            <a:pPr marL="342900" indent="-342900">
-              <a:buAutoNum type="arabicPeriod"/>
-            </a:pPr>
             <a:endParaRPr lang="en-IN" b="1" dirty="0"/>
           </a:p>
         </p:txBody>

--- a/IWES/IWES_Task.pptx
+++ b/IWES/IWES_Task.pptx
@@ -14832,14 +14832,14 @@
           <p:nvPr>
             <p:extLst>
               <p:ext uri="{D42A27DB-BD31-4B8C-83A1-F6EECF244321}">
-                <p14:modId xmlns:p14="http://schemas.microsoft.com/office/powerpoint/2010/main" val="585656755"/>
+                <p14:modId xmlns:p14="http://schemas.microsoft.com/office/powerpoint/2010/main" val="1600846185"/>
               </p:ext>
             </p:extLst>
           </p:nvPr>
         </p:nvGraphicFramePr>
         <p:xfrm>
-          <a:off x="561582" y="1543512"/>
-          <a:ext cx="11068835" cy="4243115"/>
+          <a:off x="561582" y="1414193"/>
+          <a:ext cx="11068835" cy="4502984"/>
         </p:xfrm>
         <a:graphic>
           <a:graphicData uri="http://schemas.openxmlformats.org/drawingml/2006/table">
@@ -14907,7 +14907,7 @@
                       <a:pPr algn="ctr"/>
                       <a:r>
                         <a:rPr lang="en-IN" dirty="0"/>
-                        <a:t>Fuel Consumptions ranges (litres/h)</a:t>
+                        <a:t>Fuel Consumptions ranges (litres/h) for Diesel</a:t>
                       </a:r>
                     </a:p>
                   </a:txBody>
@@ -22596,7 +22596,7 @@
         <p:spPr>
           <a:xfrm>
             <a:off x="0" y="1918592"/>
-            <a:ext cx="5865854" cy="3519512"/>
+            <a:ext cx="5865853" cy="3519512"/>
           </a:xfrm>
           <a:prstGeom prst="rect">
             <a:avLst/>
@@ -22631,7 +22631,7 @@
         <p:spPr>
           <a:xfrm>
             <a:off x="6122437" y="1918593"/>
-            <a:ext cx="5865854" cy="3519512"/>
+            <a:ext cx="5865853" cy="3519512"/>
           </a:xfrm>
           <a:prstGeom prst="rect">
             <a:avLst/>
@@ -22652,8 +22652,8 @@
         </p:nvSpPr>
         <p:spPr>
           <a:xfrm>
-            <a:off x="838200" y="5576876"/>
-            <a:ext cx="5027654" cy="369332"/>
+            <a:off x="630198" y="5576875"/>
+            <a:ext cx="5580888" cy="307777"/>
           </a:xfrm>
           <a:prstGeom prst="rect">
             <a:avLst/>
@@ -22667,7 +22667,7 @@
           <a:lstStyle/>
           <a:p>
             <a:r>
-              <a:rPr lang="en-IN" sz="1800" b="1" kern="100" dirty="0">
+              <a:rPr lang="en-IN" sz="1400" b="1" kern="100" dirty="0">
                 <a:effectLst/>
                 <a:latin typeface="Aptos" panose="020B0004020202020204" pitchFamily="34" charset="0"/>
                 <a:ea typeface="Aptos" panose="020B0004020202020204" pitchFamily="34" charset="0"/>
@@ -22676,7 +22676,7 @@
               <a:t>Figure </a:t>
             </a:r>
             <a:r>
-              <a:rPr lang="en-IN" sz="1800" b="1" kern="100" dirty="0">
+              <a:rPr lang="en-IN" sz="1400" b="1" kern="100" dirty="0">
                 <a:latin typeface="Aptos" panose="020B0004020202020204" pitchFamily="34" charset="0"/>
                 <a:ea typeface="Aptos" panose="020B0004020202020204" pitchFamily="34" charset="0"/>
                 <a:cs typeface="Times New Roman" panose="02020603050405020304" pitchFamily="18" charset="0"/>
@@ -22684,7 +22684,7 @@
               <a:t>6</a:t>
             </a:r>
             <a:r>
-              <a:rPr lang="en-IN" sz="1800" b="1" kern="100" dirty="0">
+              <a:rPr lang="en-IN" sz="1400" b="1" kern="100" dirty="0">
                 <a:effectLst/>
                 <a:latin typeface="Aptos" panose="020B0004020202020204" pitchFamily="34" charset="0"/>
                 <a:ea typeface="Aptos" panose="020B0004020202020204" pitchFamily="34" charset="0"/>
@@ -22693,7 +22693,7 @@
               <a:t>.1</a:t>
             </a:r>
             <a:r>
-              <a:rPr lang="en-IN" sz="1800" b="1" kern="100" dirty="0">
+              <a:rPr lang="en-IN" sz="1400" b="1" kern="100" dirty="0">
                 <a:latin typeface="Aptos" panose="020B0004020202020204" pitchFamily="34" charset="0"/>
                 <a:ea typeface="Aptos" panose="020B0004020202020204" pitchFamily="34" charset="0"/>
                 <a:cs typeface="Times New Roman" panose="02020603050405020304" pitchFamily="18" charset="0"/>
@@ -22701,7 +22701,24 @@
               <a:t>:</a:t>
             </a:r>
             <a:r>
-              <a:rPr lang="en-IN" sz="1800" kern="100" dirty="0">
+              <a:rPr lang="en-IN" sz="1400" kern="100" dirty="0">
+                <a:effectLst/>
+                <a:latin typeface="Aptos" panose="020B0004020202020204" pitchFamily="34" charset="0"/>
+                <a:ea typeface="Aptos" panose="020B0004020202020204" pitchFamily="34" charset="0"/>
+                <a:cs typeface="Times New Roman" panose="02020603050405020304" pitchFamily="18" charset="0"/>
+              </a:rPr>
+              <a:t> Energy Consumption</a:t>
+            </a:r>
+            <a:r>
+              <a:rPr lang="en-IN" sz="1400" kern="100" dirty="0">
+                <a:latin typeface="Aptos" panose="020B0004020202020204" pitchFamily="34" charset="0"/>
+                <a:ea typeface="Aptos" panose="020B0004020202020204" pitchFamily="34" charset="0"/>
+                <a:cs typeface="Times New Roman" panose="02020603050405020304" pitchFamily="18" charset="0"/>
+              </a:rPr>
+              <a:t> Vs Co2 Emission</a:t>
+            </a:r>
+            <a:r>
+              <a:rPr lang="en-IN" sz="1400" kern="100" dirty="0">
                 <a:effectLst/>
                 <a:latin typeface="Aptos" panose="020B0004020202020204" pitchFamily="34" charset="0"/>
                 <a:ea typeface="Aptos" panose="020B0004020202020204" pitchFamily="34" charset="0"/>
@@ -22710,24 +22727,7 @@
               <a:t> </a:t>
             </a:r>
             <a:r>
-              <a:rPr lang="en-IN" kern="100" dirty="0">
-                <a:latin typeface="Aptos" panose="020B0004020202020204" pitchFamily="34" charset="0"/>
-                <a:ea typeface="Aptos" panose="020B0004020202020204" pitchFamily="34" charset="0"/>
-                <a:cs typeface="Times New Roman" panose="02020603050405020304" pitchFamily="18" charset="0"/>
-              </a:rPr>
-              <a:t>Fuel Vs Co2 Emission</a:t>
-            </a:r>
-            <a:r>
-              <a:rPr lang="en-IN" sz="1800" kern="100" dirty="0">
-                <a:effectLst/>
-                <a:latin typeface="Aptos" panose="020B0004020202020204" pitchFamily="34" charset="0"/>
-                <a:ea typeface="Aptos" panose="020B0004020202020204" pitchFamily="34" charset="0"/>
-                <a:cs typeface="Times New Roman" panose="02020603050405020304" pitchFamily="18" charset="0"/>
-              </a:rPr>
-              <a:t> </a:t>
-            </a:r>
-            <a:r>
-              <a:rPr lang="en-IN" sz="1800" kern="100" dirty="0">
+              <a:rPr lang="en-IN" sz="1400" kern="100" dirty="0">
                 <a:solidFill>
                   <a:schemeClr val="accent5">
                     <a:lumMod val="75000"/>
@@ -22741,7 +22741,7 @@
               <a:t>[</a:t>
             </a:r>
             <a:r>
-              <a:rPr lang="en-IN" sz="1800" kern="100" dirty="0">
+              <a:rPr lang="en-IN" sz="1400" kern="100" dirty="0">
                 <a:solidFill>
                   <a:schemeClr val="accent5">
                     <a:lumMod val="75000"/>
@@ -22754,7 +22754,7 @@
               <a:t>own drawing</a:t>
             </a:r>
             <a:r>
-              <a:rPr lang="en-IN" sz="1800" kern="100" dirty="0">
+              <a:rPr lang="en-IN" sz="1400" kern="100" dirty="0">
                 <a:solidFill>
                   <a:schemeClr val="accent5">
                     <a:lumMod val="75000"/>
@@ -22784,8 +22784,8 @@
         </p:nvSpPr>
         <p:spPr>
           <a:xfrm>
-            <a:off x="7346600" y="5551714"/>
-            <a:ext cx="4007200" cy="369332"/>
+            <a:off x="7117713" y="5536494"/>
+            <a:ext cx="4444090" cy="307777"/>
           </a:xfrm>
           <a:prstGeom prst="rect">
             <a:avLst/>
@@ -22799,42 +22799,41 @@
           <a:lstStyle/>
           <a:p>
             <a:r>
-              <a:rPr lang="en-IN" sz="1800" b="1" kern="100" dirty="0">
+              <a:rPr lang="en-IN" sz="1400" b="1" kern="100" dirty="0">
                 <a:effectLst/>
                 <a:latin typeface="Aptos" panose="020B0004020202020204" pitchFamily="34" charset="0"/>
                 <a:ea typeface="Aptos" panose="020B0004020202020204" pitchFamily="34" charset="0"/>
                 <a:cs typeface="Times New Roman" panose="02020603050405020304" pitchFamily="18" charset="0"/>
               </a:rPr>
-              <a:t>Figure </a:t>
-            </a:r>
-            <a:r>
-              <a:rPr lang="en-IN" b="1" kern="100" dirty="0">
+              <a:t>Figure 6.2</a:t>
+            </a:r>
+            <a:r>
+              <a:rPr lang="en-IN" sz="1400" b="1" kern="100" dirty="0">
+                <a:latin typeface="Aptos" panose="020B0004020202020204" pitchFamily="34" charset="0"/>
+                <a:ea typeface="Aptos" panose="020B0004020202020204" pitchFamily="34" charset="0"/>
+                <a:cs typeface="Times New Roman" panose="02020603050405020304" pitchFamily="18" charset="0"/>
+              </a:rPr>
+              <a:t>:</a:t>
+            </a:r>
+            <a:r>
+              <a:rPr lang="en-IN" sz="1400" kern="100" dirty="0">
                 <a:effectLst/>
                 <a:latin typeface="Aptos" panose="020B0004020202020204" pitchFamily="34" charset="0"/>
                 <a:ea typeface="Aptos" panose="020B0004020202020204" pitchFamily="34" charset="0"/>
                 <a:cs typeface="Times New Roman" panose="02020603050405020304" pitchFamily="18" charset="0"/>
               </a:rPr>
-              <a:t>6</a:t>
-            </a:r>
-            <a:r>
-              <a:rPr lang="en-IN" sz="1800" b="1" kern="100" dirty="0">
-                <a:effectLst/>
+              <a:t> Energy Consumption</a:t>
+            </a:r>
+            <a:r>
+              <a:rPr lang="en-IN" sz="1400" kern="100" dirty="0">
                 <a:latin typeface="Aptos" panose="020B0004020202020204" pitchFamily="34" charset="0"/>
                 <a:ea typeface="Aptos" panose="020B0004020202020204" pitchFamily="34" charset="0"/>
                 <a:cs typeface="Times New Roman" panose="02020603050405020304" pitchFamily="18" charset="0"/>
               </a:rPr>
-              <a:t>.2</a:t>
-            </a:r>
-            <a:r>
-              <a:rPr lang="en-IN" sz="1800" b="1" kern="100" dirty="0">
-                <a:latin typeface="Aptos" panose="020B0004020202020204" pitchFamily="34" charset="0"/>
-                <a:ea typeface="Aptos" panose="020B0004020202020204" pitchFamily="34" charset="0"/>
-                <a:cs typeface="Times New Roman" panose="02020603050405020304" pitchFamily="18" charset="0"/>
-              </a:rPr>
-              <a:t>:</a:t>
-            </a:r>
-            <a:r>
-              <a:rPr lang="en-IN" sz="1800" kern="100" dirty="0">
+              <a:t> Vs Cost</a:t>
+            </a:r>
+            <a:r>
+              <a:rPr lang="en-IN" sz="1400" kern="100" dirty="0">
                 <a:effectLst/>
                 <a:latin typeface="Aptos" panose="020B0004020202020204" pitchFamily="34" charset="0"/>
                 <a:ea typeface="Aptos" panose="020B0004020202020204" pitchFamily="34" charset="0"/>
@@ -22843,24 +22842,7 @@
               <a:t> </a:t>
             </a:r>
             <a:r>
-              <a:rPr lang="en-IN" kern="100" dirty="0">
-                <a:latin typeface="Aptos" panose="020B0004020202020204" pitchFamily="34" charset="0"/>
-                <a:ea typeface="Aptos" panose="020B0004020202020204" pitchFamily="34" charset="0"/>
-                <a:cs typeface="Times New Roman" panose="02020603050405020304" pitchFamily="18" charset="0"/>
-              </a:rPr>
-              <a:t>Fuel Vs Cost</a:t>
-            </a:r>
-            <a:r>
-              <a:rPr lang="en-IN" sz="1800" kern="100" dirty="0">
-                <a:effectLst/>
-                <a:latin typeface="Aptos" panose="020B0004020202020204" pitchFamily="34" charset="0"/>
-                <a:ea typeface="Aptos" panose="020B0004020202020204" pitchFamily="34" charset="0"/>
-                <a:cs typeface="Times New Roman" panose="02020603050405020304" pitchFamily="18" charset="0"/>
-              </a:rPr>
-              <a:t> </a:t>
-            </a:r>
-            <a:r>
-              <a:rPr lang="en-IN" sz="1800" kern="100" dirty="0">
+              <a:rPr lang="en-IN" sz="1400" kern="100" dirty="0">
                 <a:solidFill>
                   <a:schemeClr val="accent5">
                     <a:lumMod val="75000"/>
@@ -22874,7 +22856,7 @@
               <a:t>[</a:t>
             </a:r>
             <a:r>
-              <a:rPr lang="en-IN" sz="1800" kern="100" dirty="0">
+              <a:rPr lang="en-IN" sz="1400" kern="100" dirty="0">
                 <a:solidFill>
                   <a:schemeClr val="accent5">
                     <a:lumMod val="75000"/>
@@ -22887,7 +22869,7 @@
               <a:t>own drawing</a:t>
             </a:r>
             <a:r>
-              <a:rPr lang="en-IN" sz="1800" kern="100" dirty="0">
+              <a:rPr lang="en-IN" sz="1400" kern="100" dirty="0">
                 <a:solidFill>
                   <a:schemeClr val="accent5">
                     <a:lumMod val="75000"/>
@@ -23943,7 +23925,7 @@
       </p:sp>
       <p:pic>
         <p:nvPicPr>
-          <p:cNvPr id="9" name="Picture 8" descr="A graph of a bar chart&#10;&#10;Description automatically generated with medium confidence">
+          <p:cNvPr id="9" name="Picture 8">
             <a:extLst>
               <a:ext uri="{FF2B5EF4-FFF2-40B4-BE49-F238E27FC236}">
                 <a16:creationId xmlns:a16="http://schemas.microsoft.com/office/drawing/2014/main" id="{3EFFCDB6-F48A-9847-070A-2C0D67D16DA0}"/>
@@ -23963,14 +23945,13 @@
               </a:ext>
             </a:extLst>
           </a:blip>
-          <a:stretch>
-            <a:fillRect/>
-          </a:stretch>
+          <a:srcRect/>
+          <a:stretch/>
         </p:blipFill>
         <p:spPr>
           <a:xfrm>
             <a:off x="1569562" y="1350327"/>
-            <a:ext cx="9105749" cy="4552875"/>
+            <a:ext cx="9105749" cy="4552874"/>
           </a:xfrm>
           <a:prstGeom prst="rect">
             <a:avLst/>
@@ -24468,7 +24449,7 @@
       </p:sp>
       <p:pic>
         <p:nvPicPr>
-          <p:cNvPr id="12" name="Picture 11" descr="A screen shot of a computer&#10;&#10;Description automatically generated">
+          <p:cNvPr id="12" name="Picture 11">
             <a:extLst>
               <a:ext uri="{FF2B5EF4-FFF2-40B4-BE49-F238E27FC236}">
                 <a16:creationId xmlns:a16="http://schemas.microsoft.com/office/drawing/2014/main" id="{F2476E5A-D666-AEBD-9725-D7068ADDFCF3}"/>
@@ -24488,14 +24469,13 @@
               </a:ext>
             </a:extLst>
           </a:blip>
-          <a:stretch>
-            <a:fillRect/>
-          </a:stretch>
+          <a:srcRect/>
+          <a:stretch/>
         </p:blipFill>
         <p:spPr>
           <a:xfrm>
-            <a:off x="135674" y="1382653"/>
-            <a:ext cx="4940177" cy="2363848"/>
+            <a:off x="135674" y="1393724"/>
+            <a:ext cx="4940177" cy="2341705"/>
           </a:xfrm>
           <a:prstGeom prst="rect">
             <a:avLst/>
@@ -24504,7 +24484,7 @@
       </p:pic>
       <p:pic>
         <p:nvPicPr>
-          <p:cNvPr id="16" name="Picture 15" descr="A black screen with white text&#10;&#10;Description automatically generated">
+          <p:cNvPr id="16" name="Picture 15">
             <a:extLst>
               <a:ext uri="{FF2B5EF4-FFF2-40B4-BE49-F238E27FC236}">
                 <a16:creationId xmlns:a16="http://schemas.microsoft.com/office/drawing/2014/main" id="{53FC4863-4DA4-02FC-F83F-F4CC5E6F49B3}"/>
@@ -24524,14 +24504,13 @@
               </a:ext>
             </a:extLst>
           </a:blip>
-          <a:stretch>
-            <a:fillRect/>
-          </a:stretch>
+          <a:srcRect/>
+          <a:stretch/>
         </p:blipFill>
         <p:spPr>
           <a:xfrm>
-            <a:off x="5448441" y="1395136"/>
-            <a:ext cx="6307375" cy="3005085"/>
+            <a:off x="5448441" y="1422567"/>
+            <a:ext cx="6307375" cy="2950223"/>
           </a:xfrm>
           <a:prstGeom prst="rect">
             <a:avLst/>
@@ -24540,7 +24519,7 @@
       </p:pic>
       <p:pic>
         <p:nvPicPr>
-          <p:cNvPr id="18" name="Picture 17" descr="A screenshot of a computer&#10;&#10;Description automatically generated">
+          <p:cNvPr id="18" name="Picture 17">
             <a:extLst>
               <a:ext uri="{FF2B5EF4-FFF2-40B4-BE49-F238E27FC236}">
                 <a16:creationId xmlns:a16="http://schemas.microsoft.com/office/drawing/2014/main" id="{D0BA7F9A-73CA-0587-BC51-7369D5A5C7F6}"/>
@@ -24560,14 +24539,13 @@
               </a:ext>
             </a:extLst>
           </a:blip>
-          <a:stretch>
-            <a:fillRect/>
-          </a:stretch>
+          <a:srcRect/>
+          <a:stretch/>
         </p:blipFill>
         <p:spPr>
           <a:xfrm>
-            <a:off x="135675" y="3833741"/>
-            <a:ext cx="4940178" cy="2409183"/>
+            <a:off x="175812" y="3833741"/>
+            <a:ext cx="4859903" cy="2409183"/>
           </a:xfrm>
           <a:prstGeom prst="rect">
             <a:avLst/>
@@ -24576,7 +24554,7 @@
       </p:pic>
       <p:pic>
         <p:nvPicPr>
-          <p:cNvPr id="20" name="Picture 19" descr="A black background with white numbers&#10;&#10;Description automatically generated">
+          <p:cNvPr id="20" name="Picture 19">
             <a:extLst>
               <a:ext uri="{FF2B5EF4-FFF2-40B4-BE49-F238E27FC236}">
                 <a16:creationId xmlns:a16="http://schemas.microsoft.com/office/drawing/2014/main" id="{378DD447-D3CE-A8B5-B2AC-FD4CD85FC650}"/>
@@ -24596,14 +24574,13 @@
               </a:ext>
             </a:extLst>
           </a:blip>
-          <a:stretch>
-            <a:fillRect/>
-          </a:stretch>
+          <a:srcRect/>
+          <a:stretch/>
         </p:blipFill>
         <p:spPr>
           <a:xfrm>
-            <a:off x="5448442" y="4498814"/>
-            <a:ext cx="6307376" cy="1218247"/>
+            <a:off x="5448442" y="4600012"/>
+            <a:ext cx="6307376" cy="1015851"/>
           </a:xfrm>
           <a:prstGeom prst="rect">
             <a:avLst/>

--- a/IWES/IWES_Task.pptx
+++ b/IWES/IWES_Task.pptx
@@ -25,9 +25,9 @@
     <p:sldId id="271" r:id="rId16"/>
     <p:sldId id="272" r:id="rId17"/>
     <p:sldId id="273" r:id="rId18"/>
-    <p:sldId id="274" r:id="rId19"/>
-    <p:sldId id="278" r:id="rId20"/>
-    <p:sldId id="275" r:id="rId21"/>
+    <p:sldId id="275" r:id="rId19"/>
+    <p:sldId id="274" r:id="rId20"/>
+    <p:sldId id="278" r:id="rId21"/>
     <p:sldId id="276" r:id="rId22"/>
     <p:sldId id="277" r:id="rId23"/>
     <p:sldId id="265" r:id="rId24"/>
@@ -18232,7 +18232,7 @@
         <p:cNvPr id="1" name="">
           <a:extLst>
             <a:ext uri="{FF2B5EF4-FFF2-40B4-BE49-F238E27FC236}">
-              <a16:creationId xmlns:a16="http://schemas.microsoft.com/office/drawing/2014/main" id="{143A41E5-EACE-91B3-9B4F-D4BED18F1D8D}"/>
+              <a16:creationId xmlns:a16="http://schemas.microsoft.com/office/drawing/2014/main" id="{C56AAB35-70ED-7011-D23F-C760F06A7239}"/>
             </a:ext>
           </a:extLst>
         </p:cNvPr>
@@ -18252,7 +18252,7 @@
           <p:cNvPr id="5" name="Picture 4">
             <a:extLst>
               <a:ext uri="{FF2B5EF4-FFF2-40B4-BE49-F238E27FC236}">
-                <a16:creationId xmlns:a16="http://schemas.microsoft.com/office/drawing/2014/main" id="{B4C8BDBA-B6C0-843E-9BE0-57AA3ABB251A}"/>
+                <a16:creationId xmlns:a16="http://schemas.microsoft.com/office/drawing/2014/main" id="{7AE8434C-8ADE-1F6E-9B38-7E0390D87442}"/>
               </a:ext>
             </a:extLst>
           </p:cNvPr>
@@ -18287,7 +18287,7 @@
           <p:cNvPr id="3" name="Rectangle 2">
             <a:extLst>
               <a:ext uri="{FF2B5EF4-FFF2-40B4-BE49-F238E27FC236}">
-                <a16:creationId xmlns:a16="http://schemas.microsoft.com/office/drawing/2014/main" id="{4A78779C-2F3C-9ED7-693C-882CE271C164}"/>
+                <a16:creationId xmlns:a16="http://schemas.microsoft.com/office/drawing/2014/main" id="{2D7E4AB8-AB5F-9DC3-9E18-654B3D344E92}"/>
               </a:ext>
             </a:extLst>
           </p:cNvPr>
@@ -18354,7 +18354,7 @@
           <p:cNvPr id="11" name="Date Placeholder 10">
             <a:extLst>
               <a:ext uri="{FF2B5EF4-FFF2-40B4-BE49-F238E27FC236}">
-                <a16:creationId xmlns:a16="http://schemas.microsoft.com/office/drawing/2014/main" id="{AA9D6A28-D500-3181-A45C-C6481CC77DFE}"/>
+                <a16:creationId xmlns:a16="http://schemas.microsoft.com/office/drawing/2014/main" id="{B22212EE-8E3F-946C-2F4A-C3DD9968FD51}"/>
               </a:ext>
             </a:extLst>
           </p:cNvPr>
@@ -18391,7 +18391,7 @@
           <p:cNvPr id="14" name="Slide Number Placeholder 13">
             <a:extLst>
               <a:ext uri="{FF2B5EF4-FFF2-40B4-BE49-F238E27FC236}">
-                <a16:creationId xmlns:a16="http://schemas.microsoft.com/office/drawing/2014/main" id="{28522F4D-2174-6BC4-82E1-33CED82E906A}"/>
+                <a16:creationId xmlns:a16="http://schemas.microsoft.com/office/drawing/2014/main" id="{EAA176BA-ABAE-D66E-8E15-D6EACB29E1C3}"/>
               </a:ext>
             </a:extLst>
           </p:cNvPr>
@@ -18428,7 +18428,7 @@
           <p:cNvPr id="2" name="Footer Placeholder 1">
             <a:extLst>
               <a:ext uri="{FF2B5EF4-FFF2-40B4-BE49-F238E27FC236}">
-                <a16:creationId xmlns:a16="http://schemas.microsoft.com/office/drawing/2014/main" id="{FE55A9D2-7DAF-5FEE-1B01-4DC6E14D0DE2}"/>
+                <a16:creationId xmlns:a16="http://schemas.microsoft.com/office/drawing/2014/main" id="{3F1B0384-C549-EE1D-2FA9-D31BA695390D}"/>
               </a:ext>
             </a:extLst>
           </p:cNvPr>
@@ -18477,7 +18477,7 @@
           <p:cNvPr id="1026" name="Picture 2" descr="Image result for Franhofer IWES">
             <a:extLst>
               <a:ext uri="{FF2B5EF4-FFF2-40B4-BE49-F238E27FC236}">
-                <a16:creationId xmlns:a16="http://schemas.microsoft.com/office/drawing/2014/main" id="{89C2E0FC-B4EE-9929-624A-88EC8E3277A8}"/>
+                <a16:creationId xmlns:a16="http://schemas.microsoft.com/office/drawing/2014/main" id="{60C04C6D-9C49-9F3B-9CC9-48B6C3685D53}"/>
               </a:ext>
             </a:extLst>
           </p:cNvPr>
@@ -18524,7 +18524,7 @@
           <p:cNvPr id="4" name="TextBox 3">
             <a:extLst>
               <a:ext uri="{FF2B5EF4-FFF2-40B4-BE49-F238E27FC236}">
-                <a16:creationId xmlns:a16="http://schemas.microsoft.com/office/drawing/2014/main" id="{2D82299E-D37D-80F4-2A34-7EB98512BD08}"/>
+                <a16:creationId xmlns:a16="http://schemas.microsoft.com/office/drawing/2014/main" id="{662653B3-F9F4-49D2-35F3-2780077DC540}"/>
               </a:ext>
             </a:extLst>
           </p:cNvPr>
@@ -18534,7 +18534,7 @@
         <p:spPr>
           <a:xfrm>
             <a:off x="1987420" y="303403"/>
-            <a:ext cx="7330272" cy="584775"/>
+            <a:ext cx="7330272" cy="1077218"/>
           </a:xfrm>
           <a:prstGeom prst="rect">
             <a:avLst/>
@@ -18550,8 +18550,13 @@
             <a:pPr algn="ctr"/>
             <a:r>
               <a:rPr lang="en-IN" sz="3200" b="1" dirty="0"/>
-              <a:t>5. Flowchart of the code</a:t>
-            </a:r>
+              <a:t>5. </a:t>
+            </a:r>
+            <a:r>
+              <a:rPr lang="en-US" sz="3200" b="1" dirty="0"/>
+              <a:t>Fuel Usage, CO2 Emissions, and Cost Analysis for Ships</a:t>
+            </a:r>
+            <a:endParaRPr lang="en-IN" sz="3200" b="1" dirty="0"/>
           </a:p>
         </p:txBody>
       </p:sp>
@@ -18560,7 +18565,7 @@
           <p:cNvPr id="7" name="Straight Connector 6">
             <a:extLst>
               <a:ext uri="{FF2B5EF4-FFF2-40B4-BE49-F238E27FC236}">
-                <a16:creationId xmlns:a16="http://schemas.microsoft.com/office/drawing/2014/main" id="{493D2F6E-4813-7D23-6AFA-94517B5A70BE}"/>
+                <a16:creationId xmlns:a16="http://schemas.microsoft.com/office/drawing/2014/main" id="{0203ED00-7F3C-58A3-440F-059CEC377CA4}"/>
               </a:ext>
             </a:extLst>
           </p:cNvPr>
@@ -18593,12 +18598,82 @@
           </a:fontRef>
         </p:style>
       </p:cxnSp>
+      <p:pic>
+        <p:nvPicPr>
+          <p:cNvPr id="8" name="Picture 7">
+            <a:extLst>
+              <a:ext uri="{FF2B5EF4-FFF2-40B4-BE49-F238E27FC236}">
+                <a16:creationId xmlns:a16="http://schemas.microsoft.com/office/drawing/2014/main" id="{CAD5C3AE-8C6E-CC69-68F1-DDFA4E3A6315}"/>
+              </a:ext>
+            </a:extLst>
+          </p:cNvPr>
+          <p:cNvPicPr>
+            <a:picLocks noChangeAspect="1"/>
+          </p:cNvPicPr>
+          <p:nvPr/>
+        </p:nvPicPr>
+        <p:blipFill>
+          <a:blip r:embed="rId4">
+            <a:extLst>
+              <a:ext uri="{28A0092B-C50C-407E-A947-70E740481C1C}">
+                <a14:useLocalDpi xmlns:a14="http://schemas.microsoft.com/office/drawing/2010/main" val="0"/>
+              </a:ext>
+            </a:extLst>
+          </a:blip>
+          <a:srcRect/>
+          <a:stretch/>
+        </p:blipFill>
+        <p:spPr>
+          <a:xfrm>
+            <a:off x="0" y="1918592"/>
+            <a:ext cx="5865853" cy="3519512"/>
+          </a:xfrm>
+          <a:prstGeom prst="rect">
+            <a:avLst/>
+          </a:prstGeom>
+        </p:spPr>
+      </p:pic>
+      <p:pic>
+        <p:nvPicPr>
+          <p:cNvPr id="10" name="Picture 9">
+            <a:extLst>
+              <a:ext uri="{FF2B5EF4-FFF2-40B4-BE49-F238E27FC236}">
+                <a16:creationId xmlns:a16="http://schemas.microsoft.com/office/drawing/2014/main" id="{D1B230EE-EF62-7190-E592-33BF3B6764C9}"/>
+              </a:ext>
+            </a:extLst>
+          </p:cNvPr>
+          <p:cNvPicPr>
+            <a:picLocks noChangeAspect="1"/>
+          </p:cNvPicPr>
+          <p:nvPr/>
+        </p:nvPicPr>
+        <p:blipFill>
+          <a:blip r:embed="rId5">
+            <a:extLst>
+              <a:ext uri="{28A0092B-C50C-407E-A947-70E740481C1C}">
+                <a14:useLocalDpi xmlns:a14="http://schemas.microsoft.com/office/drawing/2010/main" val="0"/>
+              </a:ext>
+            </a:extLst>
+          </a:blip>
+          <a:srcRect/>
+          <a:stretch/>
+        </p:blipFill>
+        <p:spPr>
+          <a:xfrm>
+            <a:off x="6122437" y="1918593"/>
+            <a:ext cx="5865853" cy="3519512"/>
+          </a:xfrm>
+          <a:prstGeom prst="rect">
+            <a:avLst/>
+          </a:prstGeom>
+        </p:spPr>
+      </p:pic>
       <p:sp>
         <p:nvSpPr>
-          <p:cNvPr id="50" name="TextBox 49">
-            <a:extLst>
-              <a:ext uri="{FF2B5EF4-FFF2-40B4-BE49-F238E27FC236}">
-                <a16:creationId xmlns:a16="http://schemas.microsoft.com/office/drawing/2014/main" id="{306D34C4-5263-483F-6D68-97546C427E75}"/>
+          <p:cNvPr id="12" name="TextBox 11">
+            <a:extLst>
+              <a:ext uri="{FF2B5EF4-FFF2-40B4-BE49-F238E27FC236}">
+                <a16:creationId xmlns:a16="http://schemas.microsoft.com/office/drawing/2014/main" id="{13F8430C-E5E0-D59D-1976-3EC466D350D0}"/>
               </a:ext>
             </a:extLst>
           </p:cNvPr>
@@ -18607,8 +18682,8 @@
         </p:nvSpPr>
         <p:spPr>
           <a:xfrm>
-            <a:off x="3311949" y="3950787"/>
-            <a:ext cx="295888" cy="369332"/>
+            <a:off x="630198" y="5576875"/>
+            <a:ext cx="5580888" cy="307777"/>
           </a:xfrm>
           <a:prstGeom prst="rect">
             <a:avLst/>
@@ -18616,1587 +18691,121 @@
           <a:noFill/>
         </p:spPr>
         <p:txBody>
-          <a:bodyPr wrap="square" rtlCol="0">
+          <a:bodyPr wrap="square">
             <a:spAutoFit/>
           </a:bodyPr>
           <a:lstStyle/>
           <a:p>
             <a:r>
-              <a:rPr lang="en-IN" dirty="0"/>
-              <a:t>+</a:t>
+              <a:rPr lang="en-IN" sz="1400" b="1" kern="100" dirty="0">
+                <a:effectLst/>
+                <a:latin typeface="Aptos" panose="020B0004020202020204" pitchFamily="34" charset="0"/>
+                <a:ea typeface="Aptos" panose="020B0004020202020204" pitchFamily="34" charset="0"/>
+                <a:cs typeface="Times New Roman" panose="02020603050405020304" pitchFamily="18" charset="0"/>
+              </a:rPr>
+              <a:t>Figure </a:t>
+            </a:r>
+            <a:r>
+              <a:rPr lang="en-IN" sz="1400" b="1" kern="100" dirty="0">
+                <a:latin typeface="Aptos" panose="020B0004020202020204" pitchFamily="34" charset="0"/>
+                <a:ea typeface="Aptos" panose="020B0004020202020204" pitchFamily="34" charset="0"/>
+                <a:cs typeface="Times New Roman" panose="02020603050405020304" pitchFamily="18" charset="0"/>
+              </a:rPr>
+              <a:t>6</a:t>
+            </a:r>
+            <a:r>
+              <a:rPr lang="en-IN" sz="1400" b="1" kern="100" dirty="0">
+                <a:effectLst/>
+                <a:latin typeface="Aptos" panose="020B0004020202020204" pitchFamily="34" charset="0"/>
+                <a:ea typeface="Aptos" panose="020B0004020202020204" pitchFamily="34" charset="0"/>
+                <a:cs typeface="Times New Roman" panose="02020603050405020304" pitchFamily="18" charset="0"/>
+              </a:rPr>
+              <a:t>.1</a:t>
+            </a:r>
+            <a:r>
+              <a:rPr lang="en-IN" sz="1400" b="1" kern="100" dirty="0">
+                <a:latin typeface="Aptos" panose="020B0004020202020204" pitchFamily="34" charset="0"/>
+                <a:ea typeface="Aptos" panose="020B0004020202020204" pitchFamily="34" charset="0"/>
+                <a:cs typeface="Times New Roman" panose="02020603050405020304" pitchFamily="18" charset="0"/>
+              </a:rPr>
+              <a:t>:</a:t>
+            </a:r>
+            <a:r>
+              <a:rPr lang="en-IN" sz="1400" kern="100" dirty="0">
+                <a:effectLst/>
+                <a:latin typeface="Aptos" panose="020B0004020202020204" pitchFamily="34" charset="0"/>
+                <a:ea typeface="Aptos" panose="020B0004020202020204" pitchFamily="34" charset="0"/>
+                <a:cs typeface="Times New Roman" panose="02020603050405020304" pitchFamily="18" charset="0"/>
+              </a:rPr>
+              <a:t> Energy Consumption</a:t>
+            </a:r>
+            <a:r>
+              <a:rPr lang="en-IN" sz="1400" kern="100" dirty="0">
+                <a:latin typeface="Aptos" panose="020B0004020202020204" pitchFamily="34" charset="0"/>
+                <a:ea typeface="Aptos" panose="020B0004020202020204" pitchFamily="34" charset="0"/>
+                <a:cs typeface="Times New Roman" panose="02020603050405020304" pitchFamily="18" charset="0"/>
+              </a:rPr>
+              <a:t> Vs Co2 Emission</a:t>
+            </a:r>
+            <a:r>
+              <a:rPr lang="en-IN" sz="1400" kern="100" dirty="0">
+                <a:effectLst/>
+                <a:latin typeface="Aptos" panose="020B0004020202020204" pitchFamily="34" charset="0"/>
+                <a:ea typeface="Aptos" panose="020B0004020202020204" pitchFamily="34" charset="0"/>
+                <a:cs typeface="Times New Roman" panose="02020603050405020304" pitchFamily="18" charset="0"/>
+              </a:rPr>
+              <a:t> </a:t>
+            </a:r>
+            <a:r>
+              <a:rPr lang="en-IN" sz="1400" kern="100" dirty="0">
+                <a:solidFill>
+                  <a:schemeClr val="accent5">
+                    <a:lumMod val="75000"/>
+                  </a:schemeClr>
+                </a:solidFill>
+                <a:effectLst/>
+                <a:latin typeface="Aptos" panose="020B0004020202020204" pitchFamily="34" charset="0"/>
+                <a:ea typeface="Aptos" panose="020B0004020202020204" pitchFamily="34" charset="0"/>
+                <a:cs typeface="Times New Roman" panose="02020603050405020304" pitchFamily="18" charset="0"/>
+              </a:rPr>
+              <a:t>[</a:t>
+            </a:r>
+            <a:r>
+              <a:rPr lang="en-IN" sz="1400" kern="100" dirty="0">
+                <a:solidFill>
+                  <a:schemeClr val="accent5">
+                    <a:lumMod val="75000"/>
+                  </a:schemeClr>
+                </a:solidFill>
+                <a:latin typeface="Aptos" panose="020B0004020202020204" pitchFamily="34" charset="0"/>
+                <a:ea typeface="Aptos" panose="020B0004020202020204" pitchFamily="34" charset="0"/>
+                <a:cs typeface="Times New Roman" panose="02020603050405020304" pitchFamily="18" charset="0"/>
+              </a:rPr>
+              <a:t>own drawing</a:t>
+            </a:r>
+            <a:r>
+              <a:rPr lang="en-IN" sz="1400" kern="100" dirty="0">
+                <a:solidFill>
+                  <a:schemeClr val="accent5">
+                    <a:lumMod val="75000"/>
+                  </a:schemeClr>
+                </a:solidFill>
+                <a:effectLst/>
+                <a:latin typeface="Aptos" panose="020B0004020202020204" pitchFamily="34" charset="0"/>
+                <a:ea typeface="Aptos" panose="020B0004020202020204" pitchFamily="34" charset="0"/>
+                <a:cs typeface="Times New Roman" panose="02020603050405020304" pitchFamily="18" charset="0"/>
+              </a:rPr>
+              <a:t>]</a:t>
             </a:r>
           </a:p>
         </p:txBody>
       </p:sp>
       <p:sp>
         <p:nvSpPr>
-          <p:cNvPr id="51" name="Flowchart: Alternate Process 50">
-            <a:extLst>
-              <a:ext uri="{FF2B5EF4-FFF2-40B4-BE49-F238E27FC236}">
-                <a16:creationId xmlns:a16="http://schemas.microsoft.com/office/drawing/2014/main" id="{58385CAC-205E-B0AA-F740-7D3F19DA79A3}"/>
-              </a:ext>
-            </a:extLst>
-          </p:cNvPr>
-          <p:cNvSpPr/>
-          <p:nvPr/>
-        </p:nvSpPr>
-        <p:spPr>
-          <a:xfrm>
-            <a:off x="4877927" y="1552233"/>
-            <a:ext cx="2661321" cy="4278102"/>
-          </a:xfrm>
-          <a:prstGeom prst="flowChartAlternateProcess">
-            <a:avLst/>
-          </a:prstGeom>
-        </p:spPr>
-        <p:style>
-          <a:lnRef idx="1">
-            <a:schemeClr val="accent4"/>
-          </a:lnRef>
-          <a:fillRef idx="2">
-            <a:schemeClr val="accent4"/>
-          </a:fillRef>
-          <a:effectRef idx="1">
-            <a:schemeClr val="accent4"/>
-          </a:effectRef>
-          <a:fontRef idx="minor">
-            <a:schemeClr val="dk1"/>
-          </a:fontRef>
-        </p:style>
-        <p:txBody>
-          <a:bodyPr rtlCol="0" anchor="ctr"/>
-          <a:lstStyle/>
-          <a:p>
-            <a:pPr algn="ctr"/>
-            <a:r>
-              <a:rPr lang="en-IN" sz="1600" dirty="0"/>
-              <a:t>Variable_Parameter.py</a:t>
-            </a:r>
-          </a:p>
-          <a:p>
-            <a:r>
-              <a:rPr lang="en-IN" sz="1600" b="1" dirty="0"/>
-              <a:t>Case 1:</a:t>
-            </a:r>
-          </a:p>
-          <a:p>
-            <a:pPr marL="285750" indent="-285750">
-              <a:buFont typeface="Wingdings" panose="05000000000000000000" pitchFamily="2" charset="2"/>
-              <a:buChar char="Ø"/>
-            </a:pPr>
-            <a:r>
-              <a:rPr lang="en-IN" sz="1600" dirty="0"/>
-              <a:t>Consuming Fuel</a:t>
-            </a:r>
-          </a:p>
-          <a:p>
-            <a:pPr marL="285750" indent="-285750">
-              <a:buFont typeface="Wingdings" panose="05000000000000000000" pitchFamily="2" charset="2"/>
-              <a:buChar char="Ø"/>
-            </a:pPr>
-            <a:r>
-              <a:rPr lang="en-IN" sz="1600" dirty="0"/>
-              <a:t>Travelling time</a:t>
-            </a:r>
-          </a:p>
-          <a:p>
-            <a:pPr marL="285750" indent="-285750">
-              <a:buFont typeface="Wingdings" panose="05000000000000000000" pitchFamily="2" charset="2"/>
-              <a:buChar char="Ø"/>
-            </a:pPr>
-            <a:r>
-              <a:rPr lang="en-IN" sz="1600" dirty="0"/>
-              <a:t>Co2 Emission factor</a:t>
-            </a:r>
-          </a:p>
-          <a:p>
-            <a:pPr marL="285750" indent="-285750">
-              <a:buFont typeface="Wingdings" panose="05000000000000000000" pitchFamily="2" charset="2"/>
-              <a:buChar char="Ø"/>
-            </a:pPr>
-            <a:r>
-              <a:rPr lang="en-IN" sz="1600" dirty="0"/>
-              <a:t>Fuel density</a:t>
-            </a:r>
-          </a:p>
-          <a:p>
-            <a:pPr marL="285750" indent="-285750">
-              <a:buFont typeface="Wingdings" panose="05000000000000000000" pitchFamily="2" charset="2"/>
-              <a:buChar char="Ø"/>
-            </a:pPr>
-            <a:r>
-              <a:rPr lang="en-IN" sz="1600" dirty="0"/>
-              <a:t>Energy content </a:t>
-            </a:r>
-          </a:p>
-          <a:p>
-            <a:pPr marL="285750" indent="-285750">
-              <a:buFont typeface="Wingdings" panose="05000000000000000000" pitchFamily="2" charset="2"/>
-              <a:buChar char="Ø"/>
-            </a:pPr>
-            <a:r>
-              <a:rPr lang="en-IN" sz="1600" dirty="0"/>
-              <a:t>Energy Cost</a:t>
-            </a:r>
-          </a:p>
-          <a:p>
-            <a:r>
-              <a:rPr lang="en-IN" sz="1600" b="1" dirty="0"/>
-              <a:t>Case 3:</a:t>
-            </a:r>
-          </a:p>
-          <a:p>
-            <a:pPr marL="285750" indent="-285750">
-              <a:buFont typeface="Wingdings" panose="05000000000000000000" pitchFamily="2" charset="2"/>
-              <a:buChar char="Ø"/>
-            </a:pPr>
-            <a:r>
-              <a:rPr lang="en-IN" sz="1600" dirty="0"/>
-              <a:t>Consuming Fuel</a:t>
-            </a:r>
-          </a:p>
-          <a:p>
-            <a:pPr marL="285750" indent="-285750">
-              <a:buFont typeface="Wingdings" panose="05000000000000000000" pitchFamily="2" charset="2"/>
-              <a:buChar char="Ø"/>
-            </a:pPr>
-            <a:r>
-              <a:rPr lang="en-IN" sz="1600" dirty="0"/>
-              <a:t>Travelling time</a:t>
-            </a:r>
-          </a:p>
-          <a:p>
-            <a:r>
-              <a:rPr lang="en-IN" sz="1600" b="1" dirty="0"/>
-              <a:t>Case 2:</a:t>
-            </a:r>
-          </a:p>
-          <a:p>
-            <a:pPr marL="285750" indent="-285750">
-              <a:buFont typeface="Wingdings" panose="05000000000000000000" pitchFamily="2" charset="2"/>
-              <a:buChar char="Ø"/>
-            </a:pPr>
-            <a:r>
-              <a:rPr lang="en-IN" sz="1600" dirty="0"/>
-              <a:t>Consuming Fuel</a:t>
-            </a:r>
-          </a:p>
-          <a:p>
-            <a:pPr marL="285750" indent="-285750">
-              <a:buFont typeface="Wingdings" panose="05000000000000000000" pitchFamily="2" charset="2"/>
-              <a:buChar char="Ø"/>
-            </a:pPr>
-            <a:r>
-              <a:rPr lang="en-IN" sz="1600" dirty="0"/>
-              <a:t>Working time per day</a:t>
-            </a:r>
-          </a:p>
-          <a:p>
-            <a:pPr marL="285750" indent="-285750">
-              <a:buFont typeface="Wingdings" panose="05000000000000000000" pitchFamily="2" charset="2"/>
-              <a:buChar char="Ø"/>
-            </a:pPr>
-            <a:r>
-              <a:rPr lang="en-IN" sz="1600" dirty="0"/>
-              <a:t>Decommissioning wind turbine days</a:t>
-            </a:r>
-          </a:p>
-          <a:p>
-            <a:pPr marL="285750" indent="-285750">
-              <a:buFont typeface="Wingdings" panose="05000000000000000000" pitchFamily="2" charset="2"/>
-              <a:buChar char="Ø"/>
-            </a:pPr>
-            <a:r>
-              <a:rPr lang="en-IN" sz="1600" dirty="0"/>
-              <a:t>No of Wind turbine </a:t>
-            </a:r>
-          </a:p>
-        </p:txBody>
-      </p:sp>
-      <p:cxnSp>
-        <p:nvCxnSpPr>
-          <p:cNvPr id="56" name="Connector: Elbow 55">
-            <a:extLst>
-              <a:ext uri="{FF2B5EF4-FFF2-40B4-BE49-F238E27FC236}">
-                <a16:creationId xmlns:a16="http://schemas.microsoft.com/office/drawing/2014/main" id="{CE16BD1E-3627-72E0-DE10-A99F229E6B14}"/>
-              </a:ext>
-            </a:extLst>
-          </p:cNvPr>
-          <p:cNvCxnSpPr>
-            <a:cxnSpLocks/>
-            <a:stCxn id="51" idx="1"/>
-            <a:endCxn id="1080" idx="3"/>
-          </p:cNvCxnSpPr>
-          <p:nvPr/>
-        </p:nvCxnSpPr>
-        <p:spPr>
-          <a:xfrm rot="10800000">
-            <a:off x="2383811" y="2168926"/>
-            <a:ext cx="2494116" cy="1522359"/>
-          </a:xfrm>
-          <a:prstGeom prst="bentConnector3">
-            <a:avLst>
-              <a:gd name="adj1" fmla="val 17827"/>
-            </a:avLst>
-          </a:prstGeom>
-          <a:ln>
-            <a:tailEnd type="triangle"/>
-          </a:ln>
-        </p:spPr>
-        <p:style>
-          <a:lnRef idx="1">
-            <a:schemeClr val="accent1"/>
-          </a:lnRef>
-          <a:fillRef idx="0">
-            <a:schemeClr val="accent1"/>
-          </a:fillRef>
-          <a:effectRef idx="0">
-            <a:schemeClr val="accent1"/>
-          </a:effectRef>
-          <a:fontRef idx="minor">
-            <a:schemeClr val="tx1"/>
-          </a:fontRef>
-        </p:style>
-      </p:cxnSp>
-      <p:sp>
-        <p:nvSpPr>
-          <p:cNvPr id="1069" name="Flowchart: Alternate Process 1068">
-            <a:extLst>
-              <a:ext uri="{FF2B5EF4-FFF2-40B4-BE49-F238E27FC236}">
-                <a16:creationId xmlns:a16="http://schemas.microsoft.com/office/drawing/2014/main" id="{C87B4F05-CE50-6222-6BD2-98CC7C620DCD}"/>
-              </a:ext>
-            </a:extLst>
-          </p:cNvPr>
-          <p:cNvSpPr/>
-          <p:nvPr/>
-        </p:nvSpPr>
-        <p:spPr>
-          <a:xfrm>
-            <a:off x="9327027" y="1453440"/>
-            <a:ext cx="2108718" cy="452868"/>
-          </a:xfrm>
-          <a:prstGeom prst="flowChartAlternateProcess">
-            <a:avLst/>
-          </a:prstGeom>
-        </p:spPr>
-        <p:style>
-          <a:lnRef idx="1">
-            <a:schemeClr val="accent1"/>
-          </a:lnRef>
-          <a:fillRef idx="2">
-            <a:schemeClr val="accent1"/>
-          </a:fillRef>
-          <a:effectRef idx="1">
-            <a:schemeClr val="accent1"/>
-          </a:effectRef>
-          <a:fontRef idx="minor">
-            <a:schemeClr val="dk1"/>
-          </a:fontRef>
-        </p:style>
-        <p:txBody>
-          <a:bodyPr rtlCol="0" anchor="ctr"/>
-          <a:lstStyle/>
-          <a:p>
-            <a:pPr algn="ctr"/>
-            <a:r>
-              <a:rPr lang="en-IN" dirty="0"/>
-              <a:t>Analysis.py</a:t>
-            </a:r>
-          </a:p>
-        </p:txBody>
-      </p:sp>
-      <p:sp>
-        <p:nvSpPr>
-          <p:cNvPr id="1070" name="Flowchart: Decision 1069">
-            <a:extLst>
-              <a:ext uri="{FF2B5EF4-FFF2-40B4-BE49-F238E27FC236}">
-                <a16:creationId xmlns:a16="http://schemas.microsoft.com/office/drawing/2014/main" id="{169141D6-8156-D088-0E8F-0EE0B0CB5270}"/>
-              </a:ext>
-            </a:extLst>
-          </p:cNvPr>
-          <p:cNvSpPr/>
-          <p:nvPr/>
-        </p:nvSpPr>
-        <p:spPr>
-          <a:xfrm>
-            <a:off x="9752198" y="2093207"/>
-            <a:ext cx="1258375" cy="452868"/>
-          </a:xfrm>
-          <a:prstGeom prst="flowChartDecision">
-            <a:avLst/>
-          </a:prstGeom>
-        </p:spPr>
-        <p:style>
-          <a:lnRef idx="1">
-            <a:schemeClr val="accent1"/>
-          </a:lnRef>
-          <a:fillRef idx="2">
-            <a:schemeClr val="accent1"/>
-          </a:fillRef>
-          <a:effectRef idx="1">
-            <a:schemeClr val="accent1"/>
-          </a:effectRef>
-          <a:fontRef idx="minor">
-            <a:schemeClr val="dk1"/>
-          </a:fontRef>
-        </p:style>
-        <p:txBody>
-          <a:bodyPr rtlCol="0" anchor="ctr"/>
-          <a:lstStyle/>
-          <a:p>
-            <a:pPr algn="ctr"/>
-            <a:r>
-              <a:rPr lang="en-IN" dirty="0"/>
-              <a:t>Start</a:t>
-            </a:r>
-          </a:p>
-        </p:txBody>
-      </p:sp>
-      <p:sp>
-        <p:nvSpPr>
-          <p:cNvPr id="1071" name="Flowchart: Alternate Process 1070">
-            <a:extLst>
-              <a:ext uri="{FF2B5EF4-FFF2-40B4-BE49-F238E27FC236}">
-                <a16:creationId xmlns:a16="http://schemas.microsoft.com/office/drawing/2014/main" id="{CE7ACB79-2F78-19A3-B964-F6C055CD054A}"/>
-              </a:ext>
-            </a:extLst>
-          </p:cNvPr>
-          <p:cNvSpPr/>
-          <p:nvPr/>
-        </p:nvSpPr>
-        <p:spPr>
-          <a:xfrm>
-            <a:off x="9103091" y="2727279"/>
-            <a:ext cx="2556588" cy="930593"/>
-          </a:xfrm>
-          <a:prstGeom prst="flowChartAlternateProcess">
-            <a:avLst/>
-          </a:prstGeom>
-        </p:spPr>
-        <p:style>
-          <a:lnRef idx="1">
-            <a:schemeClr val="accent1"/>
-          </a:lnRef>
-          <a:fillRef idx="2">
-            <a:schemeClr val="accent1"/>
-          </a:fillRef>
-          <a:effectRef idx="1">
-            <a:schemeClr val="accent1"/>
-          </a:effectRef>
-          <a:fontRef idx="minor">
-            <a:schemeClr val="dk1"/>
-          </a:fontRef>
-        </p:style>
-        <p:txBody>
-          <a:bodyPr rtlCol="0" anchor="ctr"/>
-          <a:lstStyle/>
-          <a:p>
-            <a:pPr algn="ctr"/>
-            <a:r>
-              <a:rPr lang="en-IN" dirty="0"/>
-              <a:t>Calculate Co2 emission and</a:t>
-            </a:r>
-          </a:p>
-          <a:p>
-            <a:pPr algn="ctr"/>
-            <a:r>
-              <a:rPr lang="en-IN" dirty="0"/>
-              <a:t>Cost for different Fuel</a:t>
-            </a:r>
-          </a:p>
-        </p:txBody>
-      </p:sp>
-      <p:sp>
-        <p:nvSpPr>
-          <p:cNvPr id="1072" name="Flowchart: Alternate Process 1071">
-            <a:extLst>
-              <a:ext uri="{FF2B5EF4-FFF2-40B4-BE49-F238E27FC236}">
-                <a16:creationId xmlns:a16="http://schemas.microsoft.com/office/drawing/2014/main" id="{56B4EB42-6F51-609A-B893-9BB90FED63C3}"/>
-              </a:ext>
-            </a:extLst>
-          </p:cNvPr>
-          <p:cNvSpPr/>
-          <p:nvPr/>
-        </p:nvSpPr>
-        <p:spPr>
-          <a:xfrm>
-            <a:off x="9103091" y="3888414"/>
-            <a:ext cx="2556588" cy="649851"/>
-          </a:xfrm>
-          <a:prstGeom prst="flowChartAlternateProcess">
-            <a:avLst/>
-          </a:prstGeom>
-        </p:spPr>
-        <p:style>
-          <a:lnRef idx="1">
-            <a:schemeClr val="accent1"/>
-          </a:lnRef>
-          <a:fillRef idx="2">
-            <a:schemeClr val="accent1"/>
-          </a:fillRef>
-          <a:effectRef idx="1">
-            <a:schemeClr val="accent1"/>
-          </a:effectRef>
-          <a:fontRef idx="minor">
-            <a:schemeClr val="dk1"/>
-          </a:fontRef>
-        </p:style>
-        <p:txBody>
-          <a:bodyPr rtlCol="0" anchor="ctr"/>
-          <a:lstStyle/>
-          <a:p>
-            <a:pPr algn="ctr"/>
-            <a:r>
-              <a:rPr lang="en-IN" dirty="0"/>
-              <a:t>Plot 1</a:t>
-            </a:r>
-          </a:p>
-          <a:p>
-            <a:pPr algn="ctr"/>
-            <a:r>
-              <a:rPr lang="en-IN" dirty="0"/>
-              <a:t>Fuel Vs Co2 emission</a:t>
-            </a:r>
-          </a:p>
-        </p:txBody>
-      </p:sp>
-      <p:sp>
-        <p:nvSpPr>
-          <p:cNvPr id="1073" name="Flowchart: Alternate Process 1072">
-            <a:extLst>
-              <a:ext uri="{FF2B5EF4-FFF2-40B4-BE49-F238E27FC236}">
-                <a16:creationId xmlns:a16="http://schemas.microsoft.com/office/drawing/2014/main" id="{BF3556BC-5963-0B3B-C286-20B24D0B0FE5}"/>
-              </a:ext>
-            </a:extLst>
-          </p:cNvPr>
-          <p:cNvSpPr/>
-          <p:nvPr/>
-        </p:nvSpPr>
-        <p:spPr>
-          <a:xfrm>
-            <a:off x="9103091" y="4803068"/>
-            <a:ext cx="2556588" cy="649851"/>
-          </a:xfrm>
-          <a:prstGeom prst="flowChartAlternateProcess">
-            <a:avLst/>
-          </a:prstGeom>
-        </p:spPr>
-        <p:style>
-          <a:lnRef idx="1">
-            <a:schemeClr val="accent1"/>
-          </a:lnRef>
-          <a:fillRef idx="2">
-            <a:schemeClr val="accent1"/>
-          </a:fillRef>
-          <a:effectRef idx="1">
-            <a:schemeClr val="accent1"/>
-          </a:effectRef>
-          <a:fontRef idx="minor">
-            <a:schemeClr val="dk1"/>
-          </a:fontRef>
-        </p:style>
-        <p:txBody>
-          <a:bodyPr rtlCol="0" anchor="ctr"/>
-          <a:lstStyle/>
-          <a:p>
-            <a:pPr algn="ctr"/>
-            <a:r>
-              <a:rPr lang="en-IN" dirty="0"/>
-              <a:t>Plot 2</a:t>
-            </a:r>
-          </a:p>
-          <a:p>
-            <a:pPr algn="ctr"/>
-            <a:r>
-              <a:rPr lang="en-IN" dirty="0"/>
-              <a:t>Fuel Vs Cost</a:t>
-            </a:r>
-          </a:p>
-        </p:txBody>
-      </p:sp>
-      <p:sp>
-        <p:nvSpPr>
-          <p:cNvPr id="1074" name="Flowchart: Decision 1073">
-            <a:extLst>
-              <a:ext uri="{FF2B5EF4-FFF2-40B4-BE49-F238E27FC236}">
-                <a16:creationId xmlns:a16="http://schemas.microsoft.com/office/drawing/2014/main" id="{01FA5C42-8516-4EAF-F5CE-D0D31BA4D2CA}"/>
-              </a:ext>
-            </a:extLst>
-          </p:cNvPr>
-          <p:cNvSpPr/>
-          <p:nvPr/>
-        </p:nvSpPr>
-        <p:spPr>
-          <a:xfrm>
-            <a:off x="9752198" y="5628899"/>
-            <a:ext cx="1258375" cy="452868"/>
-          </a:xfrm>
-          <a:prstGeom prst="flowChartDecision">
-            <a:avLst/>
-          </a:prstGeom>
-        </p:spPr>
-        <p:style>
-          <a:lnRef idx="1">
-            <a:schemeClr val="accent1"/>
-          </a:lnRef>
-          <a:fillRef idx="2">
-            <a:schemeClr val="accent1"/>
-          </a:fillRef>
-          <a:effectRef idx="1">
-            <a:schemeClr val="accent1"/>
-          </a:effectRef>
-          <a:fontRef idx="minor">
-            <a:schemeClr val="dk1"/>
-          </a:fontRef>
-        </p:style>
-        <p:txBody>
-          <a:bodyPr rtlCol="0" anchor="ctr"/>
-          <a:lstStyle/>
-          <a:p>
-            <a:pPr algn="ctr"/>
-            <a:r>
-              <a:rPr lang="en-IN" dirty="0"/>
-              <a:t>Stop</a:t>
-            </a:r>
-          </a:p>
-        </p:txBody>
-      </p:sp>
-      <p:cxnSp>
-        <p:nvCxnSpPr>
-          <p:cNvPr id="1075" name="Straight Arrow Connector 1074">
-            <a:extLst>
-              <a:ext uri="{FF2B5EF4-FFF2-40B4-BE49-F238E27FC236}">
-                <a16:creationId xmlns:a16="http://schemas.microsoft.com/office/drawing/2014/main" id="{272D8F9C-8488-8B6B-0EE5-0D0B7FCD17D2}"/>
-              </a:ext>
-            </a:extLst>
-          </p:cNvPr>
-          <p:cNvCxnSpPr>
-            <a:stCxn id="1069" idx="2"/>
-            <a:endCxn id="1070" idx="0"/>
-          </p:cNvCxnSpPr>
-          <p:nvPr/>
-        </p:nvCxnSpPr>
-        <p:spPr>
-          <a:xfrm>
-            <a:off x="10381386" y="1906308"/>
-            <a:ext cx="0" cy="186899"/>
-          </a:xfrm>
-          <a:prstGeom prst="straightConnector1">
-            <a:avLst/>
-          </a:prstGeom>
-          <a:ln>
-            <a:tailEnd type="triangle"/>
-          </a:ln>
-        </p:spPr>
-        <p:style>
-          <a:lnRef idx="1">
-            <a:schemeClr val="accent1"/>
-          </a:lnRef>
-          <a:fillRef idx="0">
-            <a:schemeClr val="accent1"/>
-          </a:fillRef>
-          <a:effectRef idx="0">
-            <a:schemeClr val="accent1"/>
-          </a:effectRef>
-          <a:fontRef idx="minor">
-            <a:schemeClr val="tx1"/>
-          </a:fontRef>
-        </p:style>
-      </p:cxnSp>
-      <p:cxnSp>
-        <p:nvCxnSpPr>
-          <p:cNvPr id="1076" name="Straight Arrow Connector 1075">
-            <a:extLst>
-              <a:ext uri="{FF2B5EF4-FFF2-40B4-BE49-F238E27FC236}">
-                <a16:creationId xmlns:a16="http://schemas.microsoft.com/office/drawing/2014/main" id="{85DC1A79-E393-751C-0652-CA7D5A63357C}"/>
-              </a:ext>
-            </a:extLst>
-          </p:cNvPr>
-          <p:cNvCxnSpPr/>
-          <p:nvPr/>
-        </p:nvCxnSpPr>
-        <p:spPr>
-          <a:xfrm>
-            <a:off x="10380906" y="2546075"/>
-            <a:ext cx="0" cy="186899"/>
-          </a:xfrm>
-          <a:prstGeom prst="straightConnector1">
-            <a:avLst/>
-          </a:prstGeom>
-          <a:ln>
-            <a:tailEnd type="triangle"/>
-          </a:ln>
-        </p:spPr>
-        <p:style>
-          <a:lnRef idx="1">
-            <a:schemeClr val="accent1"/>
-          </a:lnRef>
-          <a:fillRef idx="0">
-            <a:schemeClr val="accent1"/>
-          </a:fillRef>
-          <a:effectRef idx="0">
-            <a:schemeClr val="accent1"/>
-          </a:effectRef>
-          <a:fontRef idx="minor">
-            <a:schemeClr val="tx1"/>
-          </a:fontRef>
-        </p:style>
-      </p:cxnSp>
-      <p:cxnSp>
-        <p:nvCxnSpPr>
-          <p:cNvPr id="1077" name="Straight Arrow Connector 1076">
-            <a:extLst>
-              <a:ext uri="{FF2B5EF4-FFF2-40B4-BE49-F238E27FC236}">
-                <a16:creationId xmlns:a16="http://schemas.microsoft.com/office/drawing/2014/main" id="{CC435940-AC74-87C4-0F14-2A154F0A73C9}"/>
-              </a:ext>
-            </a:extLst>
-          </p:cNvPr>
-          <p:cNvCxnSpPr>
-            <a:cxnSpLocks/>
-            <a:stCxn id="1071" idx="2"/>
-            <a:endCxn id="1072" idx="0"/>
-          </p:cNvCxnSpPr>
-          <p:nvPr/>
-        </p:nvCxnSpPr>
-        <p:spPr>
-          <a:xfrm>
-            <a:off x="10381385" y="3657872"/>
-            <a:ext cx="0" cy="230542"/>
-          </a:xfrm>
-          <a:prstGeom prst="straightConnector1">
-            <a:avLst/>
-          </a:prstGeom>
-          <a:ln>
-            <a:tailEnd type="triangle"/>
-          </a:ln>
-        </p:spPr>
-        <p:style>
-          <a:lnRef idx="1">
-            <a:schemeClr val="accent1"/>
-          </a:lnRef>
-          <a:fillRef idx="0">
-            <a:schemeClr val="accent1"/>
-          </a:fillRef>
-          <a:effectRef idx="0">
-            <a:schemeClr val="accent1"/>
-          </a:effectRef>
-          <a:fontRef idx="minor">
-            <a:schemeClr val="tx1"/>
-          </a:fontRef>
-        </p:style>
-      </p:cxnSp>
-      <p:cxnSp>
-        <p:nvCxnSpPr>
-          <p:cNvPr id="1078" name="Straight Arrow Connector 1077">
-            <a:extLst>
-              <a:ext uri="{FF2B5EF4-FFF2-40B4-BE49-F238E27FC236}">
-                <a16:creationId xmlns:a16="http://schemas.microsoft.com/office/drawing/2014/main" id="{044BBC08-04D7-75B6-0BD7-2BAB31570CB4}"/>
-              </a:ext>
-            </a:extLst>
-          </p:cNvPr>
-          <p:cNvCxnSpPr>
-            <a:cxnSpLocks/>
-            <a:endCxn id="1073" idx="0"/>
-          </p:cNvCxnSpPr>
-          <p:nvPr/>
-        </p:nvCxnSpPr>
-        <p:spPr>
-          <a:xfrm>
-            <a:off x="10380906" y="4533624"/>
-            <a:ext cx="479" cy="269444"/>
-          </a:xfrm>
-          <a:prstGeom prst="straightConnector1">
-            <a:avLst/>
-          </a:prstGeom>
-          <a:ln>
-            <a:tailEnd type="triangle"/>
-          </a:ln>
-        </p:spPr>
-        <p:style>
-          <a:lnRef idx="1">
-            <a:schemeClr val="accent1"/>
-          </a:lnRef>
-          <a:fillRef idx="0">
-            <a:schemeClr val="accent1"/>
-          </a:fillRef>
-          <a:effectRef idx="0">
-            <a:schemeClr val="accent1"/>
-          </a:effectRef>
-          <a:fontRef idx="minor">
-            <a:schemeClr val="tx1"/>
-          </a:fontRef>
-        </p:style>
-      </p:cxnSp>
-      <p:cxnSp>
-        <p:nvCxnSpPr>
-          <p:cNvPr id="1079" name="Straight Arrow Connector 1078">
-            <a:extLst>
-              <a:ext uri="{FF2B5EF4-FFF2-40B4-BE49-F238E27FC236}">
-                <a16:creationId xmlns:a16="http://schemas.microsoft.com/office/drawing/2014/main" id="{5C03E846-D62B-1BE1-7921-2DFCE97DFD4D}"/>
-              </a:ext>
-            </a:extLst>
-          </p:cNvPr>
-          <p:cNvCxnSpPr/>
-          <p:nvPr/>
-        </p:nvCxnSpPr>
-        <p:spPr>
-          <a:xfrm>
-            <a:off x="10398919" y="5458264"/>
-            <a:ext cx="0" cy="186899"/>
-          </a:xfrm>
-          <a:prstGeom prst="straightConnector1">
-            <a:avLst/>
-          </a:prstGeom>
-          <a:ln>
-            <a:tailEnd type="triangle"/>
-          </a:ln>
-        </p:spPr>
-        <p:style>
-          <a:lnRef idx="1">
-            <a:schemeClr val="accent1"/>
-          </a:lnRef>
-          <a:fillRef idx="0">
-            <a:schemeClr val="accent1"/>
-          </a:fillRef>
-          <a:effectRef idx="0">
-            <a:schemeClr val="accent1"/>
-          </a:effectRef>
-          <a:fontRef idx="minor">
-            <a:schemeClr val="tx1"/>
-          </a:fontRef>
-        </p:style>
-      </p:cxnSp>
-      <p:sp>
-        <p:nvSpPr>
-          <p:cNvPr id="1080" name="Flowchart: Decision 1079">
-            <a:extLst>
-              <a:ext uri="{FF2B5EF4-FFF2-40B4-BE49-F238E27FC236}">
-                <a16:creationId xmlns:a16="http://schemas.microsoft.com/office/drawing/2014/main" id="{8B1F27AD-4037-0E5B-B920-15BD7B9BA49D}"/>
-              </a:ext>
-            </a:extLst>
-          </p:cNvPr>
-          <p:cNvSpPr/>
-          <p:nvPr/>
-        </p:nvSpPr>
-        <p:spPr>
-          <a:xfrm>
-            <a:off x="1125436" y="1942491"/>
-            <a:ext cx="1258375" cy="452868"/>
-          </a:xfrm>
-          <a:prstGeom prst="flowChartDecision">
-            <a:avLst/>
-          </a:prstGeom>
-        </p:spPr>
-        <p:style>
-          <a:lnRef idx="1">
-            <a:schemeClr val="accent1"/>
-          </a:lnRef>
-          <a:fillRef idx="2">
-            <a:schemeClr val="accent1"/>
-          </a:fillRef>
-          <a:effectRef idx="1">
-            <a:schemeClr val="accent1"/>
-          </a:effectRef>
-          <a:fontRef idx="minor">
-            <a:schemeClr val="dk1"/>
-          </a:fontRef>
-        </p:style>
-        <p:txBody>
-          <a:bodyPr rtlCol="0" anchor="ctr"/>
-          <a:lstStyle/>
-          <a:p>
-            <a:pPr algn="ctr"/>
-            <a:r>
-              <a:rPr lang="en-IN" dirty="0"/>
-              <a:t>Start</a:t>
-            </a:r>
-          </a:p>
-        </p:txBody>
-      </p:sp>
-      <p:sp>
-        <p:nvSpPr>
-          <p:cNvPr id="1081" name="Flowchart: Alternate Process 1080">
-            <a:extLst>
-              <a:ext uri="{FF2B5EF4-FFF2-40B4-BE49-F238E27FC236}">
-                <a16:creationId xmlns:a16="http://schemas.microsoft.com/office/drawing/2014/main" id="{06833E74-263D-CBEC-5336-6EE79C084222}"/>
-              </a:ext>
-            </a:extLst>
-          </p:cNvPr>
-          <p:cNvSpPr/>
-          <p:nvPr/>
-        </p:nvSpPr>
-        <p:spPr>
-          <a:xfrm>
-            <a:off x="700893" y="1344685"/>
-            <a:ext cx="2108718" cy="452868"/>
-          </a:xfrm>
-          <a:prstGeom prst="flowChartAlternateProcess">
-            <a:avLst/>
-          </a:prstGeom>
-        </p:spPr>
-        <p:style>
-          <a:lnRef idx="1">
-            <a:schemeClr val="accent1"/>
-          </a:lnRef>
-          <a:fillRef idx="2">
-            <a:schemeClr val="accent1"/>
-          </a:fillRef>
-          <a:effectRef idx="1">
-            <a:schemeClr val="accent1"/>
-          </a:effectRef>
-          <a:fontRef idx="minor">
-            <a:schemeClr val="dk1"/>
-          </a:fontRef>
-        </p:style>
-        <p:txBody>
-          <a:bodyPr rtlCol="0" anchor="ctr"/>
-          <a:lstStyle/>
-          <a:p>
-            <a:pPr algn="ctr"/>
-            <a:r>
-              <a:rPr lang="en-IN" dirty="0"/>
-              <a:t>Output.py</a:t>
-            </a:r>
-          </a:p>
-        </p:txBody>
-      </p:sp>
-      <p:sp>
-        <p:nvSpPr>
-          <p:cNvPr id="1082" name="Flowchart: Alternate Process 1081">
-            <a:extLst>
-              <a:ext uri="{FF2B5EF4-FFF2-40B4-BE49-F238E27FC236}">
-                <a16:creationId xmlns:a16="http://schemas.microsoft.com/office/drawing/2014/main" id="{96487586-BF72-874F-1095-09F2589211F2}"/>
-              </a:ext>
-            </a:extLst>
-          </p:cNvPr>
-          <p:cNvSpPr/>
-          <p:nvPr/>
-        </p:nvSpPr>
-        <p:spPr>
-          <a:xfrm>
-            <a:off x="476329" y="2546075"/>
-            <a:ext cx="2556588" cy="625637"/>
-          </a:xfrm>
-          <a:prstGeom prst="flowChartAlternateProcess">
-            <a:avLst/>
-          </a:prstGeom>
-        </p:spPr>
-        <p:style>
-          <a:lnRef idx="1">
-            <a:schemeClr val="accent1"/>
-          </a:lnRef>
-          <a:fillRef idx="2">
-            <a:schemeClr val="accent1"/>
-          </a:fillRef>
-          <a:effectRef idx="1">
-            <a:schemeClr val="accent1"/>
-          </a:effectRef>
-          <a:fontRef idx="minor">
-            <a:schemeClr val="dk1"/>
-          </a:fontRef>
-        </p:style>
-        <p:txBody>
-          <a:bodyPr rtlCol="0" anchor="ctr"/>
-          <a:lstStyle/>
-          <a:p>
-            <a:pPr algn="ctr"/>
-            <a:r>
-              <a:rPr lang="en-IN" dirty="0"/>
-              <a:t>Case 1:</a:t>
-            </a:r>
-          </a:p>
-          <a:p>
-            <a:pPr algn="ctr"/>
-            <a:r>
-              <a:rPr lang="en-IN" dirty="0"/>
-              <a:t>Calculate Co2 emission</a:t>
-            </a:r>
-          </a:p>
-        </p:txBody>
-      </p:sp>
-      <p:sp>
-        <p:nvSpPr>
-          <p:cNvPr id="1083" name="Flowchart: Alternate Process 1082">
-            <a:extLst>
-              <a:ext uri="{FF2B5EF4-FFF2-40B4-BE49-F238E27FC236}">
-                <a16:creationId xmlns:a16="http://schemas.microsoft.com/office/drawing/2014/main" id="{D6BFBA57-E7C4-3179-C3AE-D449F8D82DCA}"/>
-              </a:ext>
-            </a:extLst>
-          </p:cNvPr>
-          <p:cNvSpPr/>
-          <p:nvPr/>
-        </p:nvSpPr>
-        <p:spPr>
-          <a:xfrm>
-            <a:off x="476329" y="3348799"/>
-            <a:ext cx="2556588" cy="539616"/>
-          </a:xfrm>
-          <a:prstGeom prst="flowChartAlternateProcess">
-            <a:avLst/>
-          </a:prstGeom>
-        </p:spPr>
-        <p:style>
-          <a:lnRef idx="1">
-            <a:schemeClr val="accent1"/>
-          </a:lnRef>
-          <a:fillRef idx="2">
-            <a:schemeClr val="accent1"/>
-          </a:fillRef>
-          <a:effectRef idx="1">
-            <a:schemeClr val="accent1"/>
-          </a:effectRef>
-          <a:fontRef idx="minor">
-            <a:schemeClr val="dk1"/>
-          </a:fontRef>
-        </p:style>
-        <p:txBody>
-          <a:bodyPr rtlCol="0" anchor="ctr"/>
-          <a:lstStyle/>
-          <a:p>
-            <a:pPr algn="ctr"/>
-            <a:r>
-              <a:rPr lang="en-IN" dirty="0"/>
-              <a:t>Case 3:</a:t>
-            </a:r>
-          </a:p>
-          <a:p>
-            <a:pPr algn="ctr"/>
-            <a:r>
-              <a:rPr lang="en-IN" dirty="0"/>
-              <a:t>Calculate Co2 emission</a:t>
-            </a:r>
-          </a:p>
-        </p:txBody>
-      </p:sp>
-      <p:sp>
-        <p:nvSpPr>
-          <p:cNvPr id="1084" name="Flowchart: Alternate Process 1083">
-            <a:extLst>
-              <a:ext uri="{FF2B5EF4-FFF2-40B4-BE49-F238E27FC236}">
-                <a16:creationId xmlns:a16="http://schemas.microsoft.com/office/drawing/2014/main" id="{5695986C-5B26-C426-56B8-967E1967121B}"/>
-              </a:ext>
-            </a:extLst>
-          </p:cNvPr>
-          <p:cNvSpPr/>
-          <p:nvPr/>
-        </p:nvSpPr>
-        <p:spPr>
-          <a:xfrm>
-            <a:off x="474066" y="4021130"/>
-            <a:ext cx="2556588" cy="539616"/>
-          </a:xfrm>
-          <a:prstGeom prst="flowChartAlternateProcess">
-            <a:avLst/>
-          </a:prstGeom>
-        </p:spPr>
-        <p:style>
-          <a:lnRef idx="1">
-            <a:schemeClr val="accent1"/>
-          </a:lnRef>
-          <a:fillRef idx="2">
-            <a:schemeClr val="accent1"/>
-          </a:fillRef>
-          <a:effectRef idx="1">
-            <a:schemeClr val="accent1"/>
-          </a:effectRef>
-          <a:fontRef idx="minor">
-            <a:schemeClr val="dk1"/>
-          </a:fontRef>
-        </p:style>
-        <p:txBody>
-          <a:bodyPr rtlCol="0" anchor="ctr"/>
-          <a:lstStyle/>
-          <a:p>
-            <a:pPr algn="ctr"/>
-            <a:r>
-              <a:rPr lang="en-IN" dirty="0"/>
-              <a:t>Case 2:</a:t>
-            </a:r>
-          </a:p>
-          <a:p>
-            <a:pPr algn="ctr"/>
-            <a:r>
-              <a:rPr lang="en-IN" dirty="0"/>
-              <a:t>Calculate Co2 emission</a:t>
-            </a:r>
-          </a:p>
-        </p:txBody>
-      </p:sp>
-      <p:sp>
-        <p:nvSpPr>
-          <p:cNvPr id="1085" name="Flowchart: Alternate Process 1084">
-            <a:extLst>
-              <a:ext uri="{FF2B5EF4-FFF2-40B4-BE49-F238E27FC236}">
-                <a16:creationId xmlns:a16="http://schemas.microsoft.com/office/drawing/2014/main" id="{3BBBFB7A-6FC8-F710-E81A-281AD4E7E2C1}"/>
-              </a:ext>
-            </a:extLst>
-          </p:cNvPr>
-          <p:cNvSpPr/>
-          <p:nvPr/>
-        </p:nvSpPr>
-        <p:spPr>
-          <a:xfrm>
-            <a:off x="474066" y="4732192"/>
-            <a:ext cx="2556588" cy="475555"/>
-          </a:xfrm>
-          <a:prstGeom prst="flowChartAlternateProcess">
-            <a:avLst/>
-          </a:prstGeom>
-        </p:spPr>
-        <p:style>
-          <a:lnRef idx="1">
-            <a:schemeClr val="accent1"/>
-          </a:lnRef>
-          <a:fillRef idx="2">
-            <a:schemeClr val="accent1"/>
-          </a:fillRef>
-          <a:effectRef idx="1">
-            <a:schemeClr val="accent1"/>
-          </a:effectRef>
-          <a:fontRef idx="minor">
-            <a:schemeClr val="dk1"/>
-          </a:fontRef>
-        </p:style>
-        <p:txBody>
-          <a:bodyPr rtlCol="0" anchor="ctr"/>
-          <a:lstStyle/>
-          <a:p>
-            <a:pPr algn="ctr"/>
-            <a:r>
-              <a:rPr lang="en-IN" dirty="0"/>
-              <a:t>Total Co2 emission</a:t>
-            </a:r>
-          </a:p>
-        </p:txBody>
-      </p:sp>
-      <p:sp>
-        <p:nvSpPr>
-          <p:cNvPr id="1086" name="Flowchart: Alternate Process 1085">
-            <a:extLst>
-              <a:ext uri="{FF2B5EF4-FFF2-40B4-BE49-F238E27FC236}">
-                <a16:creationId xmlns:a16="http://schemas.microsoft.com/office/drawing/2014/main" id="{32F5897D-CD18-5E96-A6E7-7B7441908D1F}"/>
-              </a:ext>
-            </a:extLst>
-          </p:cNvPr>
-          <p:cNvSpPr/>
-          <p:nvPr/>
-        </p:nvSpPr>
-        <p:spPr>
-          <a:xfrm>
-            <a:off x="1230392" y="5349518"/>
-            <a:ext cx="1043935" cy="372878"/>
-          </a:xfrm>
-          <a:prstGeom prst="flowChartAlternateProcess">
-            <a:avLst/>
-          </a:prstGeom>
-        </p:spPr>
-        <p:style>
-          <a:lnRef idx="1">
-            <a:schemeClr val="accent1"/>
-          </a:lnRef>
-          <a:fillRef idx="2">
-            <a:schemeClr val="accent1"/>
-          </a:fillRef>
-          <a:effectRef idx="1">
-            <a:schemeClr val="accent1"/>
-          </a:effectRef>
-          <a:fontRef idx="minor">
-            <a:schemeClr val="dk1"/>
-          </a:fontRef>
-        </p:style>
-        <p:txBody>
-          <a:bodyPr rtlCol="0" anchor="ctr"/>
-          <a:lstStyle/>
-          <a:p>
-            <a:pPr algn="ctr"/>
-            <a:r>
-              <a:rPr lang="en-IN" dirty="0"/>
-              <a:t>Plot</a:t>
-            </a:r>
-          </a:p>
-        </p:txBody>
-      </p:sp>
-      <p:sp>
-        <p:nvSpPr>
-          <p:cNvPr id="1087" name="Flowchart: Decision 1086">
-            <a:extLst>
-              <a:ext uri="{FF2B5EF4-FFF2-40B4-BE49-F238E27FC236}">
-                <a16:creationId xmlns:a16="http://schemas.microsoft.com/office/drawing/2014/main" id="{689B00BD-4EBE-4EC5-C9BB-677A352CB34A}"/>
-              </a:ext>
-            </a:extLst>
-          </p:cNvPr>
-          <p:cNvSpPr/>
-          <p:nvPr/>
-        </p:nvSpPr>
-        <p:spPr>
-          <a:xfrm>
-            <a:off x="1123171" y="5837208"/>
-            <a:ext cx="1258375" cy="452868"/>
-          </a:xfrm>
-          <a:prstGeom prst="flowChartDecision">
-            <a:avLst/>
-          </a:prstGeom>
-        </p:spPr>
-        <p:style>
-          <a:lnRef idx="1">
-            <a:schemeClr val="accent1"/>
-          </a:lnRef>
-          <a:fillRef idx="2">
-            <a:schemeClr val="accent1"/>
-          </a:fillRef>
-          <a:effectRef idx="1">
-            <a:schemeClr val="accent1"/>
-          </a:effectRef>
-          <a:fontRef idx="minor">
-            <a:schemeClr val="dk1"/>
-          </a:fontRef>
-        </p:style>
-        <p:txBody>
-          <a:bodyPr rtlCol="0" anchor="ctr"/>
-          <a:lstStyle/>
-          <a:p>
-            <a:pPr algn="ctr"/>
-            <a:r>
-              <a:rPr lang="en-IN" dirty="0"/>
-              <a:t>Stop</a:t>
-            </a:r>
-          </a:p>
-        </p:txBody>
-      </p:sp>
-      <p:cxnSp>
-        <p:nvCxnSpPr>
-          <p:cNvPr id="1088" name="Straight Arrow Connector 1087">
-            <a:extLst>
-              <a:ext uri="{FF2B5EF4-FFF2-40B4-BE49-F238E27FC236}">
-                <a16:creationId xmlns:a16="http://schemas.microsoft.com/office/drawing/2014/main" id="{DEEC40CF-B817-0B9B-A052-188E127F7B1F}"/>
-              </a:ext>
-            </a:extLst>
-          </p:cNvPr>
-          <p:cNvCxnSpPr>
-            <a:cxnSpLocks/>
-            <a:stCxn id="1081" idx="2"/>
-            <a:endCxn id="1080" idx="0"/>
-          </p:cNvCxnSpPr>
-          <p:nvPr/>
-        </p:nvCxnSpPr>
-        <p:spPr>
-          <a:xfrm flipH="1">
-            <a:off x="1754624" y="1797553"/>
-            <a:ext cx="628" cy="144938"/>
-          </a:xfrm>
-          <a:prstGeom prst="straightConnector1">
-            <a:avLst/>
-          </a:prstGeom>
-          <a:ln>
-            <a:tailEnd type="triangle"/>
-          </a:ln>
-        </p:spPr>
-        <p:style>
-          <a:lnRef idx="1">
-            <a:schemeClr val="accent1"/>
-          </a:lnRef>
-          <a:fillRef idx="0">
-            <a:schemeClr val="accent1"/>
-          </a:fillRef>
-          <a:effectRef idx="0">
-            <a:schemeClr val="accent1"/>
-          </a:effectRef>
-          <a:fontRef idx="minor">
-            <a:schemeClr val="tx1"/>
-          </a:fontRef>
-        </p:style>
-      </p:cxnSp>
-      <p:cxnSp>
-        <p:nvCxnSpPr>
-          <p:cNvPr id="1089" name="Straight Arrow Connector 1088">
-            <a:extLst>
-              <a:ext uri="{FF2B5EF4-FFF2-40B4-BE49-F238E27FC236}">
-                <a16:creationId xmlns:a16="http://schemas.microsoft.com/office/drawing/2014/main" id="{05D9FDA5-3B7E-8B58-A819-90F10C19EE47}"/>
-              </a:ext>
-            </a:extLst>
-          </p:cNvPr>
-          <p:cNvCxnSpPr>
-            <a:cxnSpLocks/>
-            <a:stCxn id="1080" idx="2"/>
-            <a:endCxn id="1082" idx="0"/>
-          </p:cNvCxnSpPr>
-          <p:nvPr/>
-        </p:nvCxnSpPr>
-        <p:spPr>
-          <a:xfrm flipH="1">
-            <a:off x="1754623" y="2395359"/>
-            <a:ext cx="1" cy="150716"/>
-          </a:xfrm>
-          <a:prstGeom prst="straightConnector1">
-            <a:avLst/>
-          </a:prstGeom>
-          <a:ln>
-            <a:tailEnd type="triangle"/>
-          </a:ln>
-        </p:spPr>
-        <p:style>
-          <a:lnRef idx="1">
-            <a:schemeClr val="accent1"/>
-          </a:lnRef>
-          <a:fillRef idx="0">
-            <a:schemeClr val="accent1"/>
-          </a:fillRef>
-          <a:effectRef idx="0">
-            <a:schemeClr val="accent1"/>
-          </a:effectRef>
-          <a:fontRef idx="minor">
-            <a:schemeClr val="tx1"/>
-          </a:fontRef>
-        </p:style>
-      </p:cxnSp>
-      <p:cxnSp>
-        <p:nvCxnSpPr>
-          <p:cNvPr id="1090" name="Straight Arrow Connector 1089">
-            <a:extLst>
-              <a:ext uri="{FF2B5EF4-FFF2-40B4-BE49-F238E27FC236}">
-                <a16:creationId xmlns:a16="http://schemas.microsoft.com/office/drawing/2014/main" id="{EB81F9CB-C874-B463-B45D-269FDCAA2310}"/>
-              </a:ext>
-            </a:extLst>
-          </p:cNvPr>
-          <p:cNvCxnSpPr>
-            <a:cxnSpLocks/>
-            <a:stCxn id="1082" idx="2"/>
-            <a:endCxn id="1083" idx="0"/>
-          </p:cNvCxnSpPr>
-          <p:nvPr/>
-        </p:nvCxnSpPr>
-        <p:spPr>
-          <a:xfrm>
-            <a:off x="1754623" y="3171712"/>
-            <a:ext cx="0" cy="177087"/>
-          </a:xfrm>
-          <a:prstGeom prst="straightConnector1">
-            <a:avLst/>
-          </a:prstGeom>
-          <a:ln>
-            <a:tailEnd type="triangle"/>
-          </a:ln>
-        </p:spPr>
-        <p:style>
-          <a:lnRef idx="1">
-            <a:schemeClr val="accent1"/>
-          </a:lnRef>
-          <a:fillRef idx="0">
-            <a:schemeClr val="accent1"/>
-          </a:fillRef>
-          <a:effectRef idx="0">
-            <a:schemeClr val="accent1"/>
-          </a:effectRef>
-          <a:fontRef idx="minor">
-            <a:schemeClr val="tx1"/>
-          </a:fontRef>
-        </p:style>
-      </p:cxnSp>
-      <p:cxnSp>
-        <p:nvCxnSpPr>
-          <p:cNvPr id="1091" name="Straight Arrow Connector 1090">
-            <a:extLst>
-              <a:ext uri="{FF2B5EF4-FFF2-40B4-BE49-F238E27FC236}">
-                <a16:creationId xmlns:a16="http://schemas.microsoft.com/office/drawing/2014/main" id="{E80C8FAF-BA2D-7C3E-461A-3EB66C5F97E9}"/>
-              </a:ext>
-            </a:extLst>
-          </p:cNvPr>
-          <p:cNvCxnSpPr>
-            <a:cxnSpLocks/>
-            <a:stCxn id="1084" idx="2"/>
-            <a:endCxn id="1085" idx="0"/>
-          </p:cNvCxnSpPr>
-          <p:nvPr/>
-        </p:nvCxnSpPr>
-        <p:spPr>
-          <a:xfrm>
-            <a:off x="1752360" y="4560746"/>
-            <a:ext cx="0" cy="171446"/>
-          </a:xfrm>
-          <a:prstGeom prst="straightConnector1">
-            <a:avLst/>
-          </a:prstGeom>
-          <a:ln>
-            <a:tailEnd type="triangle"/>
-          </a:ln>
-        </p:spPr>
-        <p:style>
-          <a:lnRef idx="1">
-            <a:schemeClr val="accent1"/>
-          </a:lnRef>
-          <a:fillRef idx="0">
-            <a:schemeClr val="accent1"/>
-          </a:fillRef>
-          <a:effectRef idx="0">
-            <a:schemeClr val="accent1"/>
-          </a:effectRef>
-          <a:fontRef idx="minor">
-            <a:schemeClr val="tx1"/>
-          </a:fontRef>
-        </p:style>
-      </p:cxnSp>
-      <p:cxnSp>
-        <p:nvCxnSpPr>
-          <p:cNvPr id="1092" name="Straight Arrow Connector 1091">
-            <a:extLst>
-              <a:ext uri="{FF2B5EF4-FFF2-40B4-BE49-F238E27FC236}">
-                <a16:creationId xmlns:a16="http://schemas.microsoft.com/office/drawing/2014/main" id="{6A15E75E-A78B-4FFB-A6A8-2C07482B8A9B}"/>
-              </a:ext>
-            </a:extLst>
-          </p:cNvPr>
-          <p:cNvCxnSpPr>
-            <a:cxnSpLocks/>
-            <a:stCxn id="1085" idx="2"/>
-            <a:endCxn id="1086" idx="0"/>
-          </p:cNvCxnSpPr>
-          <p:nvPr/>
-        </p:nvCxnSpPr>
-        <p:spPr>
-          <a:xfrm>
-            <a:off x="1752360" y="5207747"/>
-            <a:ext cx="0" cy="141771"/>
-          </a:xfrm>
-          <a:prstGeom prst="straightConnector1">
-            <a:avLst/>
-          </a:prstGeom>
-          <a:ln>
-            <a:tailEnd type="triangle"/>
-          </a:ln>
-        </p:spPr>
-        <p:style>
-          <a:lnRef idx="1">
-            <a:schemeClr val="accent1"/>
-          </a:lnRef>
-          <a:fillRef idx="0">
-            <a:schemeClr val="accent1"/>
-          </a:fillRef>
-          <a:effectRef idx="0">
-            <a:schemeClr val="accent1"/>
-          </a:effectRef>
-          <a:fontRef idx="minor">
-            <a:schemeClr val="tx1"/>
-          </a:fontRef>
-        </p:style>
-      </p:cxnSp>
-      <p:cxnSp>
-        <p:nvCxnSpPr>
-          <p:cNvPr id="1093" name="Straight Arrow Connector 1092">
-            <a:extLst>
-              <a:ext uri="{FF2B5EF4-FFF2-40B4-BE49-F238E27FC236}">
-                <a16:creationId xmlns:a16="http://schemas.microsoft.com/office/drawing/2014/main" id="{C4D07258-1CD6-89A9-5328-A228D8D5D38A}"/>
-              </a:ext>
-            </a:extLst>
-          </p:cNvPr>
-          <p:cNvCxnSpPr>
-            <a:cxnSpLocks/>
-            <a:stCxn id="1086" idx="2"/>
-            <a:endCxn id="1087" idx="0"/>
-          </p:cNvCxnSpPr>
-          <p:nvPr/>
-        </p:nvCxnSpPr>
-        <p:spPr>
-          <a:xfrm flipH="1">
-            <a:off x="1752359" y="5722396"/>
-            <a:ext cx="1" cy="114812"/>
-          </a:xfrm>
-          <a:prstGeom prst="straightConnector1">
-            <a:avLst/>
-          </a:prstGeom>
-          <a:ln>
-            <a:tailEnd type="triangle"/>
-          </a:ln>
-        </p:spPr>
-        <p:style>
-          <a:lnRef idx="1">
-            <a:schemeClr val="accent1"/>
-          </a:lnRef>
-          <a:fillRef idx="0">
-            <a:schemeClr val="accent1"/>
-          </a:fillRef>
-          <a:effectRef idx="0">
-            <a:schemeClr val="accent1"/>
-          </a:effectRef>
-          <a:fontRef idx="minor">
-            <a:schemeClr val="tx1"/>
-          </a:fontRef>
-        </p:style>
-      </p:cxnSp>
-      <p:cxnSp>
-        <p:nvCxnSpPr>
-          <p:cNvPr id="1094" name="Straight Arrow Connector 1093">
-            <a:extLst>
-              <a:ext uri="{FF2B5EF4-FFF2-40B4-BE49-F238E27FC236}">
-                <a16:creationId xmlns:a16="http://schemas.microsoft.com/office/drawing/2014/main" id="{059C6A28-4D58-3AB0-751B-C823D9B51C56}"/>
-              </a:ext>
-            </a:extLst>
-          </p:cNvPr>
-          <p:cNvCxnSpPr>
-            <a:cxnSpLocks/>
-            <a:stCxn id="1083" idx="2"/>
-            <a:endCxn id="1084" idx="0"/>
-          </p:cNvCxnSpPr>
-          <p:nvPr/>
-        </p:nvCxnSpPr>
-        <p:spPr>
-          <a:xfrm flipH="1">
-            <a:off x="1752360" y="3888415"/>
-            <a:ext cx="2263" cy="132715"/>
-          </a:xfrm>
-          <a:prstGeom prst="straightConnector1">
-            <a:avLst/>
-          </a:prstGeom>
-          <a:ln>
-            <a:tailEnd type="triangle"/>
-          </a:ln>
-        </p:spPr>
-        <p:style>
-          <a:lnRef idx="1">
-            <a:schemeClr val="accent1"/>
-          </a:lnRef>
-          <a:fillRef idx="0">
-            <a:schemeClr val="accent1"/>
-          </a:fillRef>
-          <a:effectRef idx="0">
-            <a:schemeClr val="accent1"/>
-          </a:effectRef>
-          <a:fontRef idx="minor">
-            <a:schemeClr val="tx1"/>
-          </a:fontRef>
-        </p:style>
-      </p:cxnSp>
-      <p:cxnSp>
-        <p:nvCxnSpPr>
-          <p:cNvPr id="1095" name="Connector: Elbow 1094">
-            <a:extLst>
-              <a:ext uri="{FF2B5EF4-FFF2-40B4-BE49-F238E27FC236}">
-                <a16:creationId xmlns:a16="http://schemas.microsoft.com/office/drawing/2014/main" id="{C2A70160-249B-5682-5928-6E1D867212DA}"/>
-              </a:ext>
-            </a:extLst>
-          </p:cNvPr>
-          <p:cNvCxnSpPr>
-            <a:cxnSpLocks/>
-          </p:cNvCxnSpPr>
-          <p:nvPr/>
-        </p:nvCxnSpPr>
-        <p:spPr>
-          <a:xfrm flipH="1">
-            <a:off x="3028392" y="2891550"/>
-            <a:ext cx="2263" cy="2111076"/>
-          </a:xfrm>
-          <a:prstGeom prst="bentConnector3">
-            <a:avLst>
-              <a:gd name="adj1" fmla="val -34840300"/>
-            </a:avLst>
-          </a:prstGeom>
-          <a:ln>
-            <a:tailEnd type="triangle"/>
-          </a:ln>
-        </p:spPr>
-        <p:style>
-          <a:lnRef idx="1">
-            <a:schemeClr val="accent1"/>
-          </a:lnRef>
-          <a:fillRef idx="0">
-            <a:schemeClr val="accent1"/>
-          </a:fillRef>
-          <a:effectRef idx="0">
-            <a:schemeClr val="accent1"/>
-          </a:effectRef>
-          <a:fontRef idx="minor">
-            <a:schemeClr val="tx1"/>
-          </a:fontRef>
-        </p:style>
-      </p:cxnSp>
-      <p:cxnSp>
-        <p:nvCxnSpPr>
-          <p:cNvPr id="1096" name="Straight Arrow Connector 1095">
-            <a:extLst>
-              <a:ext uri="{FF2B5EF4-FFF2-40B4-BE49-F238E27FC236}">
-                <a16:creationId xmlns:a16="http://schemas.microsoft.com/office/drawing/2014/main" id="{DB2E4AEE-C5B6-7C36-012F-9AA836048A08}"/>
-              </a:ext>
-            </a:extLst>
-          </p:cNvPr>
-          <p:cNvCxnSpPr>
-            <a:cxnSpLocks/>
-            <a:stCxn id="1083" idx="3"/>
-          </p:cNvCxnSpPr>
-          <p:nvPr/>
-        </p:nvCxnSpPr>
-        <p:spPr>
-          <a:xfrm>
-            <a:off x="3032917" y="3618607"/>
-            <a:ext cx="763091" cy="0"/>
-          </a:xfrm>
-          <a:prstGeom prst="straightConnector1">
-            <a:avLst/>
-          </a:prstGeom>
-          <a:ln>
-            <a:tailEnd type="triangle"/>
-          </a:ln>
-        </p:spPr>
-        <p:style>
-          <a:lnRef idx="1">
-            <a:schemeClr val="accent1"/>
-          </a:lnRef>
-          <a:fillRef idx="0">
-            <a:schemeClr val="accent1"/>
-          </a:fillRef>
-          <a:effectRef idx="0">
-            <a:schemeClr val="accent1"/>
-          </a:effectRef>
-          <a:fontRef idx="minor">
-            <a:schemeClr val="tx1"/>
-          </a:fontRef>
-        </p:style>
-      </p:cxnSp>
-      <p:cxnSp>
-        <p:nvCxnSpPr>
-          <p:cNvPr id="1097" name="Straight Arrow Connector 1096">
-            <a:extLst>
-              <a:ext uri="{FF2B5EF4-FFF2-40B4-BE49-F238E27FC236}">
-                <a16:creationId xmlns:a16="http://schemas.microsoft.com/office/drawing/2014/main" id="{326C4AD3-D9BE-9AD0-E594-78FD2D562D74}"/>
-              </a:ext>
-            </a:extLst>
-          </p:cNvPr>
-          <p:cNvCxnSpPr>
-            <a:cxnSpLocks/>
-            <a:stCxn id="1084" idx="3"/>
-          </p:cNvCxnSpPr>
-          <p:nvPr/>
-        </p:nvCxnSpPr>
-        <p:spPr>
-          <a:xfrm>
-            <a:off x="3030654" y="4290938"/>
-            <a:ext cx="765354" cy="0"/>
-          </a:xfrm>
-          <a:prstGeom prst="straightConnector1">
-            <a:avLst/>
-          </a:prstGeom>
-          <a:ln>
-            <a:tailEnd type="triangle"/>
-          </a:ln>
-        </p:spPr>
-        <p:style>
-          <a:lnRef idx="1">
-            <a:schemeClr val="accent1"/>
-          </a:lnRef>
-          <a:fillRef idx="0">
-            <a:schemeClr val="accent1"/>
-          </a:fillRef>
-          <a:effectRef idx="0">
-            <a:schemeClr val="accent1"/>
-          </a:effectRef>
-          <a:fontRef idx="minor">
-            <a:schemeClr val="tx1"/>
-          </a:fontRef>
-        </p:style>
-      </p:cxnSp>
-      <p:sp>
-        <p:nvSpPr>
-          <p:cNvPr id="1098" name="TextBox 1097">
-            <a:extLst>
-              <a:ext uri="{FF2B5EF4-FFF2-40B4-BE49-F238E27FC236}">
-                <a16:creationId xmlns:a16="http://schemas.microsoft.com/office/drawing/2014/main" id="{72D9DE74-AA2D-760B-1018-744C2FC4AFC0}"/>
+          <p:cNvPr id="15" name="TextBox 14">
+            <a:extLst>
+              <a:ext uri="{FF2B5EF4-FFF2-40B4-BE49-F238E27FC236}">
+                <a16:creationId xmlns:a16="http://schemas.microsoft.com/office/drawing/2014/main" id="{19B2A63E-6DE2-2C63-8FD7-EF92CA4E2273}"/>
               </a:ext>
             </a:extLst>
           </p:cNvPr>
@@ -20205,8 +18814,8 @@
         </p:nvSpPr>
         <p:spPr>
           <a:xfrm>
-            <a:off x="3117443" y="4627074"/>
-            <a:ext cx="295888" cy="369332"/>
+            <a:off x="7117713" y="5536494"/>
+            <a:ext cx="4444090" cy="307777"/>
           </a:xfrm>
           <a:prstGeom prst="rect">
             <a:avLst/>
@@ -20214,136 +18823,94 @@
           <a:noFill/>
         </p:spPr>
         <p:txBody>
-          <a:bodyPr wrap="square" rtlCol="0">
+          <a:bodyPr wrap="square">
             <a:spAutoFit/>
           </a:bodyPr>
           <a:lstStyle/>
           <a:p>
             <a:r>
-              <a:rPr lang="en-IN" dirty="0"/>
-              <a:t>+</a:t>
-            </a:r>
-          </a:p>
-        </p:txBody>
-      </p:sp>
-      <p:sp>
-        <p:nvSpPr>
-          <p:cNvPr id="1099" name="TextBox 1098">
-            <a:extLst>
-              <a:ext uri="{FF2B5EF4-FFF2-40B4-BE49-F238E27FC236}">
-                <a16:creationId xmlns:a16="http://schemas.microsoft.com/office/drawing/2014/main" id="{9E74B214-552D-69F8-00AC-6073EEE5768C}"/>
-              </a:ext>
-            </a:extLst>
-          </p:cNvPr>
-          <p:cNvSpPr txBox="1"/>
-          <p:nvPr/>
-        </p:nvSpPr>
-        <p:spPr>
-          <a:xfrm>
-            <a:off x="3517332" y="3239393"/>
-            <a:ext cx="295887" cy="369332"/>
-          </a:xfrm>
-          <a:prstGeom prst="rect">
-            <a:avLst/>
-          </a:prstGeom>
-          <a:noFill/>
-        </p:spPr>
-        <p:txBody>
-          <a:bodyPr wrap="square" rtlCol="0">
-            <a:spAutoFit/>
-          </a:bodyPr>
-          <a:lstStyle/>
-          <a:p>
-            <a:r>
-              <a:rPr lang="en-IN" dirty="0"/>
-              <a:t>+</a:t>
-            </a:r>
-          </a:p>
-        </p:txBody>
-      </p:sp>
-      <p:cxnSp>
-        <p:nvCxnSpPr>
-          <p:cNvPr id="1103" name="Connector: Elbow 1102">
-            <a:extLst>
-              <a:ext uri="{FF2B5EF4-FFF2-40B4-BE49-F238E27FC236}">
-                <a16:creationId xmlns:a16="http://schemas.microsoft.com/office/drawing/2014/main" id="{74286DE8-A0DA-5549-556E-3E4791D11CA7}"/>
-              </a:ext>
-            </a:extLst>
-          </p:cNvPr>
-          <p:cNvCxnSpPr>
-            <a:stCxn id="51" idx="3"/>
-            <a:endCxn id="1071" idx="1"/>
-          </p:cNvCxnSpPr>
-          <p:nvPr/>
-        </p:nvCxnSpPr>
-        <p:spPr>
-          <a:xfrm flipV="1">
-            <a:off x="7539248" y="3192576"/>
-            <a:ext cx="1563843" cy="498708"/>
-          </a:xfrm>
-          <a:prstGeom prst="bentConnector3">
-            <a:avLst/>
-          </a:prstGeom>
-          <a:ln>
-            <a:tailEnd type="triangle"/>
-          </a:ln>
-        </p:spPr>
-        <p:style>
-          <a:lnRef idx="1">
-            <a:schemeClr val="accent1"/>
-          </a:lnRef>
-          <a:fillRef idx="0">
-            <a:schemeClr val="accent1"/>
-          </a:fillRef>
-          <a:effectRef idx="0">
-            <a:schemeClr val="accent1"/>
-          </a:effectRef>
-          <a:fontRef idx="minor">
-            <a:schemeClr val="tx1"/>
-          </a:fontRef>
-        </p:style>
-      </p:cxnSp>
-      <p:sp>
-        <p:nvSpPr>
-          <p:cNvPr id="6" name="TextBox 5">
-            <a:extLst>
-              <a:ext uri="{FF2B5EF4-FFF2-40B4-BE49-F238E27FC236}">
-                <a16:creationId xmlns:a16="http://schemas.microsoft.com/office/drawing/2014/main" id="{2633D53A-3D7C-E164-E184-D297DA9BBFE5}"/>
-              </a:ext>
-            </a:extLst>
-          </p:cNvPr>
-          <p:cNvSpPr txBox="1"/>
-          <p:nvPr/>
-        </p:nvSpPr>
-        <p:spPr>
-          <a:xfrm>
-            <a:off x="2381547" y="5924939"/>
-            <a:ext cx="7667522" cy="369332"/>
-          </a:xfrm>
-          <a:prstGeom prst="rect">
-            <a:avLst/>
-          </a:prstGeom>
-          <a:noFill/>
-        </p:spPr>
-        <p:txBody>
-          <a:bodyPr wrap="square" rtlCol="0">
-            <a:spAutoFit/>
-          </a:bodyPr>
-          <a:lstStyle/>
-          <a:p>
-            <a:r>
-              <a:rPr lang="en-IN" dirty="0"/>
-              <a:t>Code: </a:t>
-            </a:r>
-            <a:r>
-              <a:rPr lang="en-IN" sz="1400" dirty="0">
-                <a:hlinkClick r:id="rId4"/>
+              <a:rPr lang="en-IN" sz="1400" b="1" kern="100" dirty="0">
+                <a:effectLst/>
+                <a:latin typeface="Aptos" panose="020B0004020202020204" pitchFamily="34" charset="0"/>
+                <a:ea typeface="Aptos" panose="020B0004020202020204" pitchFamily="34" charset="0"/>
+                <a:cs typeface="Times New Roman" panose="02020603050405020304" pitchFamily="18" charset="0"/>
               </a:rPr>
-              <a:t>https://github.com/KSoni1505/Fraunhofer_IWES_Interview_Task_Offshore-Decommissioning</a:t>
-            </a:r>
-            <a:r>
-              <a:rPr lang="en-IN" sz="1400" dirty="0"/>
+              <a:t>Figure 6.2</a:t>
+            </a:r>
+            <a:r>
+              <a:rPr lang="en-IN" sz="1400" b="1" kern="100" dirty="0">
+                <a:latin typeface="Aptos" panose="020B0004020202020204" pitchFamily="34" charset="0"/>
+                <a:ea typeface="Aptos" panose="020B0004020202020204" pitchFamily="34" charset="0"/>
+                <a:cs typeface="Times New Roman" panose="02020603050405020304" pitchFamily="18" charset="0"/>
+              </a:rPr>
+              <a:t>:</a:t>
+            </a:r>
+            <a:r>
+              <a:rPr lang="en-IN" sz="1400" kern="100" dirty="0">
+                <a:effectLst/>
+                <a:latin typeface="Aptos" panose="020B0004020202020204" pitchFamily="34" charset="0"/>
+                <a:ea typeface="Aptos" panose="020B0004020202020204" pitchFamily="34" charset="0"/>
+                <a:cs typeface="Times New Roman" panose="02020603050405020304" pitchFamily="18" charset="0"/>
+              </a:rPr>
+              <a:t> Energy Consumption</a:t>
+            </a:r>
+            <a:r>
+              <a:rPr lang="en-IN" sz="1400" kern="100" dirty="0">
+                <a:latin typeface="Aptos" panose="020B0004020202020204" pitchFamily="34" charset="0"/>
+                <a:ea typeface="Aptos" panose="020B0004020202020204" pitchFamily="34" charset="0"/>
+                <a:cs typeface="Times New Roman" panose="02020603050405020304" pitchFamily="18" charset="0"/>
+              </a:rPr>
+              <a:t> Vs Cost</a:t>
+            </a:r>
+            <a:r>
+              <a:rPr lang="en-IN" sz="1400" kern="100" dirty="0">
+                <a:effectLst/>
+                <a:latin typeface="Aptos" panose="020B0004020202020204" pitchFamily="34" charset="0"/>
+                <a:ea typeface="Aptos" panose="020B0004020202020204" pitchFamily="34" charset="0"/>
+                <a:cs typeface="Times New Roman" panose="02020603050405020304" pitchFamily="18" charset="0"/>
+              </a:rPr>
               <a:t> </a:t>
+            </a:r>
+            <a:r>
+              <a:rPr lang="en-IN" sz="1400" kern="100" dirty="0">
+                <a:solidFill>
+                  <a:schemeClr val="accent5">
+                    <a:lumMod val="75000"/>
+                  </a:schemeClr>
+                </a:solidFill>
+                <a:effectLst/>
+                <a:latin typeface="Aptos" panose="020B0004020202020204" pitchFamily="34" charset="0"/>
+                <a:ea typeface="Aptos" panose="020B0004020202020204" pitchFamily="34" charset="0"/>
+                <a:cs typeface="Times New Roman" panose="02020603050405020304" pitchFamily="18" charset="0"/>
+              </a:rPr>
+              <a:t>[</a:t>
+            </a:r>
+            <a:r>
+              <a:rPr lang="en-IN" sz="1400" kern="100" dirty="0">
+                <a:solidFill>
+                  <a:schemeClr val="accent5">
+                    <a:lumMod val="75000"/>
+                  </a:schemeClr>
+                </a:solidFill>
+                <a:latin typeface="Aptos" panose="020B0004020202020204" pitchFamily="34" charset="0"/>
+                <a:ea typeface="Aptos" panose="020B0004020202020204" pitchFamily="34" charset="0"/>
+                <a:cs typeface="Times New Roman" panose="02020603050405020304" pitchFamily="18" charset="0"/>
+              </a:rPr>
+              <a:t>own drawing</a:t>
+            </a:r>
+            <a:r>
+              <a:rPr lang="en-IN" sz="1400" kern="100" dirty="0">
+                <a:solidFill>
+                  <a:schemeClr val="accent5">
+                    <a:lumMod val="75000"/>
+                  </a:schemeClr>
+                </a:solidFill>
+                <a:effectLst/>
+                <a:latin typeface="Aptos" panose="020B0004020202020204" pitchFamily="34" charset="0"/>
+                <a:ea typeface="Aptos" panose="020B0004020202020204" pitchFamily="34" charset="0"/>
+                <a:cs typeface="Times New Roman" panose="02020603050405020304" pitchFamily="18" charset="0"/>
+              </a:rPr>
+              <a:t>]</a:t>
             </a:r>
           </a:p>
         </p:txBody>
@@ -20351,7 +18918,7 @@
     </p:spTree>
     <p:extLst>
       <p:ext uri="{BB962C8B-B14F-4D97-AF65-F5344CB8AC3E}">
-        <p14:creationId xmlns:p14="http://schemas.microsoft.com/office/powerpoint/2010/main" val="1161363680"/>
+        <p14:creationId xmlns:p14="http://schemas.microsoft.com/office/powerpoint/2010/main" val="2133686698"/>
       </p:ext>
     </p:extLst>
   </p:cSld>
@@ -20369,7 +18936,7 @@
         <p:cNvPr id="1" name="">
           <a:extLst>
             <a:ext uri="{FF2B5EF4-FFF2-40B4-BE49-F238E27FC236}">
-              <a16:creationId xmlns:a16="http://schemas.microsoft.com/office/drawing/2014/main" id="{04F7EF9A-4D80-DDCE-9DF9-6D393A2DE66D}"/>
+              <a16:creationId xmlns:a16="http://schemas.microsoft.com/office/drawing/2014/main" id="{143A41E5-EACE-91B3-9B4F-D4BED18F1D8D}"/>
             </a:ext>
           </a:extLst>
         </p:cNvPr>
@@ -20389,7 +18956,7 @@
           <p:cNvPr id="5" name="Picture 4">
             <a:extLst>
               <a:ext uri="{FF2B5EF4-FFF2-40B4-BE49-F238E27FC236}">
-                <a16:creationId xmlns:a16="http://schemas.microsoft.com/office/drawing/2014/main" id="{3F6CF1DE-4EFC-2358-703B-1DD57412F4B4}"/>
+                <a16:creationId xmlns:a16="http://schemas.microsoft.com/office/drawing/2014/main" id="{B4C8BDBA-B6C0-843E-9BE0-57AA3ABB251A}"/>
               </a:ext>
             </a:extLst>
           </p:cNvPr>
@@ -20424,7 +18991,7 @@
           <p:cNvPr id="3" name="Rectangle 2">
             <a:extLst>
               <a:ext uri="{FF2B5EF4-FFF2-40B4-BE49-F238E27FC236}">
-                <a16:creationId xmlns:a16="http://schemas.microsoft.com/office/drawing/2014/main" id="{025815B2-824F-C89D-E0D8-9623056D2AD9}"/>
+                <a16:creationId xmlns:a16="http://schemas.microsoft.com/office/drawing/2014/main" id="{4A78779C-2F3C-9ED7-693C-882CE271C164}"/>
               </a:ext>
             </a:extLst>
           </p:cNvPr>
@@ -20491,7 +19058,7 @@
           <p:cNvPr id="11" name="Date Placeholder 10">
             <a:extLst>
               <a:ext uri="{FF2B5EF4-FFF2-40B4-BE49-F238E27FC236}">
-                <a16:creationId xmlns:a16="http://schemas.microsoft.com/office/drawing/2014/main" id="{1FAF7F2C-D2B7-CBEC-DD7D-985577B02C89}"/>
+                <a16:creationId xmlns:a16="http://schemas.microsoft.com/office/drawing/2014/main" id="{AA9D6A28-D500-3181-A45C-C6481CC77DFE}"/>
               </a:ext>
             </a:extLst>
           </p:cNvPr>
@@ -20528,7 +19095,7 @@
           <p:cNvPr id="14" name="Slide Number Placeholder 13">
             <a:extLst>
               <a:ext uri="{FF2B5EF4-FFF2-40B4-BE49-F238E27FC236}">
-                <a16:creationId xmlns:a16="http://schemas.microsoft.com/office/drawing/2014/main" id="{ACE3D7F1-59C1-61E4-7CF9-0742BD604F68}"/>
+                <a16:creationId xmlns:a16="http://schemas.microsoft.com/office/drawing/2014/main" id="{28522F4D-2174-6BC4-82E1-33CED82E906A}"/>
               </a:ext>
             </a:extLst>
           </p:cNvPr>
@@ -20565,7 +19132,7 @@
           <p:cNvPr id="2" name="Footer Placeholder 1">
             <a:extLst>
               <a:ext uri="{FF2B5EF4-FFF2-40B4-BE49-F238E27FC236}">
-                <a16:creationId xmlns:a16="http://schemas.microsoft.com/office/drawing/2014/main" id="{DD46C07F-A074-B97D-CDDE-D6075D0536ED}"/>
+                <a16:creationId xmlns:a16="http://schemas.microsoft.com/office/drawing/2014/main" id="{FE55A9D2-7DAF-5FEE-1B01-4DC6E14D0DE2}"/>
               </a:ext>
             </a:extLst>
           </p:cNvPr>
@@ -20614,7 +19181,7 @@
           <p:cNvPr id="1026" name="Picture 2" descr="Image result for Franhofer IWES">
             <a:extLst>
               <a:ext uri="{FF2B5EF4-FFF2-40B4-BE49-F238E27FC236}">
-                <a16:creationId xmlns:a16="http://schemas.microsoft.com/office/drawing/2014/main" id="{E70A8727-B146-52F0-D0F8-8395CA1C3DE9}"/>
+                <a16:creationId xmlns:a16="http://schemas.microsoft.com/office/drawing/2014/main" id="{89C2E0FC-B4EE-9929-624A-88EC8E3277A8}"/>
               </a:ext>
             </a:extLst>
           </p:cNvPr>
@@ -20661,7 +19228,7 @@
           <p:cNvPr id="4" name="TextBox 3">
             <a:extLst>
               <a:ext uri="{FF2B5EF4-FFF2-40B4-BE49-F238E27FC236}">
-                <a16:creationId xmlns:a16="http://schemas.microsoft.com/office/drawing/2014/main" id="{0E9B8EAB-9312-85A6-EDB5-75900108680F}"/>
+                <a16:creationId xmlns:a16="http://schemas.microsoft.com/office/drawing/2014/main" id="{2D82299E-D37D-80F4-2A34-7EB98512BD08}"/>
               </a:ext>
             </a:extLst>
           </p:cNvPr>
@@ -20687,7 +19254,2144 @@
             <a:pPr algn="ctr"/>
             <a:r>
               <a:rPr lang="en-IN" sz="3200" b="1" dirty="0"/>
-              <a:t>5. Flowchart of the code</a:t>
+              <a:t>6. Flowchart of the code</a:t>
+            </a:r>
+          </a:p>
+        </p:txBody>
+      </p:sp>
+      <p:cxnSp>
+        <p:nvCxnSpPr>
+          <p:cNvPr id="7" name="Straight Connector 6">
+            <a:extLst>
+              <a:ext uri="{FF2B5EF4-FFF2-40B4-BE49-F238E27FC236}">
+                <a16:creationId xmlns:a16="http://schemas.microsoft.com/office/drawing/2014/main" id="{493D2F6E-4813-7D23-6AFA-94517B5A70BE}"/>
+              </a:ext>
+            </a:extLst>
+          </p:cNvPr>
+          <p:cNvCxnSpPr>
+            <a:cxnSpLocks/>
+          </p:cNvCxnSpPr>
+          <p:nvPr/>
+        </p:nvCxnSpPr>
+        <p:spPr>
+          <a:xfrm flipH="1">
+            <a:off x="0" y="1306286"/>
+            <a:ext cx="12192000" cy="0"/>
+          </a:xfrm>
+          <a:prstGeom prst="line">
+            <a:avLst/>
+          </a:prstGeom>
+        </p:spPr>
+        <p:style>
+          <a:lnRef idx="1">
+            <a:schemeClr val="accent1"/>
+          </a:lnRef>
+          <a:fillRef idx="0">
+            <a:schemeClr val="accent1"/>
+          </a:fillRef>
+          <a:effectRef idx="0">
+            <a:schemeClr val="accent1"/>
+          </a:effectRef>
+          <a:fontRef idx="minor">
+            <a:schemeClr val="tx1"/>
+          </a:fontRef>
+        </p:style>
+      </p:cxnSp>
+      <p:sp>
+        <p:nvSpPr>
+          <p:cNvPr id="50" name="TextBox 49">
+            <a:extLst>
+              <a:ext uri="{FF2B5EF4-FFF2-40B4-BE49-F238E27FC236}">
+                <a16:creationId xmlns:a16="http://schemas.microsoft.com/office/drawing/2014/main" id="{306D34C4-5263-483F-6D68-97546C427E75}"/>
+              </a:ext>
+            </a:extLst>
+          </p:cNvPr>
+          <p:cNvSpPr txBox="1"/>
+          <p:nvPr/>
+        </p:nvSpPr>
+        <p:spPr>
+          <a:xfrm>
+            <a:off x="3311949" y="3950787"/>
+            <a:ext cx="295888" cy="369332"/>
+          </a:xfrm>
+          <a:prstGeom prst="rect">
+            <a:avLst/>
+          </a:prstGeom>
+          <a:noFill/>
+        </p:spPr>
+        <p:txBody>
+          <a:bodyPr wrap="square" rtlCol="0">
+            <a:spAutoFit/>
+          </a:bodyPr>
+          <a:lstStyle/>
+          <a:p>
+            <a:r>
+              <a:rPr lang="en-IN" dirty="0"/>
+              <a:t>+</a:t>
+            </a:r>
+          </a:p>
+        </p:txBody>
+      </p:sp>
+      <p:sp>
+        <p:nvSpPr>
+          <p:cNvPr id="51" name="Flowchart: Alternate Process 50">
+            <a:extLst>
+              <a:ext uri="{FF2B5EF4-FFF2-40B4-BE49-F238E27FC236}">
+                <a16:creationId xmlns:a16="http://schemas.microsoft.com/office/drawing/2014/main" id="{58385CAC-205E-B0AA-F740-7D3F19DA79A3}"/>
+              </a:ext>
+            </a:extLst>
+          </p:cNvPr>
+          <p:cNvSpPr/>
+          <p:nvPr/>
+        </p:nvSpPr>
+        <p:spPr>
+          <a:xfrm>
+            <a:off x="4877927" y="1552233"/>
+            <a:ext cx="2661321" cy="4278102"/>
+          </a:xfrm>
+          <a:prstGeom prst="flowChartAlternateProcess">
+            <a:avLst/>
+          </a:prstGeom>
+        </p:spPr>
+        <p:style>
+          <a:lnRef idx="1">
+            <a:schemeClr val="accent4"/>
+          </a:lnRef>
+          <a:fillRef idx="2">
+            <a:schemeClr val="accent4"/>
+          </a:fillRef>
+          <a:effectRef idx="1">
+            <a:schemeClr val="accent4"/>
+          </a:effectRef>
+          <a:fontRef idx="minor">
+            <a:schemeClr val="dk1"/>
+          </a:fontRef>
+        </p:style>
+        <p:txBody>
+          <a:bodyPr rtlCol="0" anchor="ctr"/>
+          <a:lstStyle/>
+          <a:p>
+            <a:pPr algn="ctr"/>
+            <a:r>
+              <a:rPr lang="en-IN" sz="1600" dirty="0"/>
+              <a:t>Variable_Parameter.py</a:t>
+            </a:r>
+          </a:p>
+          <a:p>
+            <a:r>
+              <a:rPr lang="en-IN" sz="1600" b="1" dirty="0"/>
+              <a:t>Case 1:</a:t>
+            </a:r>
+          </a:p>
+          <a:p>
+            <a:pPr marL="285750" indent="-285750">
+              <a:buFont typeface="Wingdings" panose="05000000000000000000" pitchFamily="2" charset="2"/>
+              <a:buChar char="Ø"/>
+            </a:pPr>
+            <a:r>
+              <a:rPr lang="en-IN" sz="1600" dirty="0"/>
+              <a:t>Consuming Fuel</a:t>
+            </a:r>
+          </a:p>
+          <a:p>
+            <a:pPr marL="285750" indent="-285750">
+              <a:buFont typeface="Wingdings" panose="05000000000000000000" pitchFamily="2" charset="2"/>
+              <a:buChar char="Ø"/>
+            </a:pPr>
+            <a:r>
+              <a:rPr lang="en-IN" sz="1600" dirty="0"/>
+              <a:t>Travelling time</a:t>
+            </a:r>
+          </a:p>
+          <a:p>
+            <a:pPr marL="285750" indent="-285750">
+              <a:buFont typeface="Wingdings" panose="05000000000000000000" pitchFamily="2" charset="2"/>
+              <a:buChar char="Ø"/>
+            </a:pPr>
+            <a:r>
+              <a:rPr lang="en-IN" sz="1600" dirty="0"/>
+              <a:t>Co2 Emission factor</a:t>
+            </a:r>
+          </a:p>
+          <a:p>
+            <a:pPr marL="285750" indent="-285750">
+              <a:buFont typeface="Wingdings" panose="05000000000000000000" pitchFamily="2" charset="2"/>
+              <a:buChar char="Ø"/>
+            </a:pPr>
+            <a:r>
+              <a:rPr lang="en-IN" sz="1600" dirty="0"/>
+              <a:t>Fuel density</a:t>
+            </a:r>
+          </a:p>
+          <a:p>
+            <a:pPr marL="285750" indent="-285750">
+              <a:buFont typeface="Wingdings" panose="05000000000000000000" pitchFamily="2" charset="2"/>
+              <a:buChar char="Ø"/>
+            </a:pPr>
+            <a:r>
+              <a:rPr lang="en-IN" sz="1600" dirty="0"/>
+              <a:t>Energy content </a:t>
+            </a:r>
+          </a:p>
+          <a:p>
+            <a:pPr marL="285750" indent="-285750">
+              <a:buFont typeface="Wingdings" panose="05000000000000000000" pitchFamily="2" charset="2"/>
+              <a:buChar char="Ø"/>
+            </a:pPr>
+            <a:r>
+              <a:rPr lang="en-IN" sz="1600" dirty="0"/>
+              <a:t>Energy Cost</a:t>
+            </a:r>
+          </a:p>
+          <a:p>
+            <a:r>
+              <a:rPr lang="en-IN" sz="1600" b="1" dirty="0"/>
+              <a:t>Case 3:</a:t>
+            </a:r>
+          </a:p>
+          <a:p>
+            <a:pPr marL="285750" indent="-285750">
+              <a:buFont typeface="Wingdings" panose="05000000000000000000" pitchFamily="2" charset="2"/>
+              <a:buChar char="Ø"/>
+            </a:pPr>
+            <a:r>
+              <a:rPr lang="en-IN" sz="1600" dirty="0"/>
+              <a:t>Consuming Fuel</a:t>
+            </a:r>
+          </a:p>
+          <a:p>
+            <a:pPr marL="285750" indent="-285750">
+              <a:buFont typeface="Wingdings" panose="05000000000000000000" pitchFamily="2" charset="2"/>
+              <a:buChar char="Ø"/>
+            </a:pPr>
+            <a:r>
+              <a:rPr lang="en-IN" sz="1600" dirty="0"/>
+              <a:t>Travelling time</a:t>
+            </a:r>
+          </a:p>
+          <a:p>
+            <a:r>
+              <a:rPr lang="en-IN" sz="1600" b="1" dirty="0"/>
+              <a:t>Case 2:</a:t>
+            </a:r>
+          </a:p>
+          <a:p>
+            <a:pPr marL="285750" indent="-285750">
+              <a:buFont typeface="Wingdings" panose="05000000000000000000" pitchFamily="2" charset="2"/>
+              <a:buChar char="Ø"/>
+            </a:pPr>
+            <a:r>
+              <a:rPr lang="en-IN" sz="1600" dirty="0"/>
+              <a:t>Consuming Fuel</a:t>
+            </a:r>
+          </a:p>
+          <a:p>
+            <a:pPr marL="285750" indent="-285750">
+              <a:buFont typeface="Wingdings" panose="05000000000000000000" pitchFamily="2" charset="2"/>
+              <a:buChar char="Ø"/>
+            </a:pPr>
+            <a:r>
+              <a:rPr lang="en-IN" sz="1600" dirty="0"/>
+              <a:t>Working time per day</a:t>
+            </a:r>
+          </a:p>
+          <a:p>
+            <a:pPr marL="285750" indent="-285750">
+              <a:buFont typeface="Wingdings" panose="05000000000000000000" pitchFamily="2" charset="2"/>
+              <a:buChar char="Ø"/>
+            </a:pPr>
+            <a:r>
+              <a:rPr lang="en-IN" sz="1600" dirty="0"/>
+              <a:t>Decommissioning wind turbine days</a:t>
+            </a:r>
+          </a:p>
+          <a:p>
+            <a:pPr marL="285750" indent="-285750">
+              <a:buFont typeface="Wingdings" panose="05000000000000000000" pitchFamily="2" charset="2"/>
+              <a:buChar char="Ø"/>
+            </a:pPr>
+            <a:r>
+              <a:rPr lang="en-IN" sz="1600" dirty="0"/>
+              <a:t>No of Wind turbine </a:t>
+            </a:r>
+          </a:p>
+        </p:txBody>
+      </p:sp>
+      <p:cxnSp>
+        <p:nvCxnSpPr>
+          <p:cNvPr id="56" name="Connector: Elbow 55">
+            <a:extLst>
+              <a:ext uri="{FF2B5EF4-FFF2-40B4-BE49-F238E27FC236}">
+                <a16:creationId xmlns:a16="http://schemas.microsoft.com/office/drawing/2014/main" id="{CE16BD1E-3627-72E0-DE10-A99F229E6B14}"/>
+              </a:ext>
+            </a:extLst>
+          </p:cNvPr>
+          <p:cNvCxnSpPr>
+            <a:cxnSpLocks/>
+            <a:stCxn id="51" idx="1"/>
+            <a:endCxn id="1080" idx="3"/>
+          </p:cNvCxnSpPr>
+          <p:nvPr/>
+        </p:nvCxnSpPr>
+        <p:spPr>
+          <a:xfrm rot="10800000">
+            <a:off x="2383811" y="2168926"/>
+            <a:ext cx="2494116" cy="1522359"/>
+          </a:xfrm>
+          <a:prstGeom prst="bentConnector3">
+            <a:avLst>
+              <a:gd name="adj1" fmla="val 17827"/>
+            </a:avLst>
+          </a:prstGeom>
+          <a:ln>
+            <a:tailEnd type="triangle"/>
+          </a:ln>
+        </p:spPr>
+        <p:style>
+          <a:lnRef idx="1">
+            <a:schemeClr val="accent1"/>
+          </a:lnRef>
+          <a:fillRef idx="0">
+            <a:schemeClr val="accent1"/>
+          </a:fillRef>
+          <a:effectRef idx="0">
+            <a:schemeClr val="accent1"/>
+          </a:effectRef>
+          <a:fontRef idx="minor">
+            <a:schemeClr val="tx1"/>
+          </a:fontRef>
+        </p:style>
+      </p:cxnSp>
+      <p:sp>
+        <p:nvSpPr>
+          <p:cNvPr id="1069" name="Flowchart: Alternate Process 1068">
+            <a:extLst>
+              <a:ext uri="{FF2B5EF4-FFF2-40B4-BE49-F238E27FC236}">
+                <a16:creationId xmlns:a16="http://schemas.microsoft.com/office/drawing/2014/main" id="{C87B4F05-CE50-6222-6BD2-98CC7C620DCD}"/>
+              </a:ext>
+            </a:extLst>
+          </p:cNvPr>
+          <p:cNvSpPr/>
+          <p:nvPr/>
+        </p:nvSpPr>
+        <p:spPr>
+          <a:xfrm>
+            <a:off x="9327027" y="1453440"/>
+            <a:ext cx="2108718" cy="452868"/>
+          </a:xfrm>
+          <a:prstGeom prst="flowChartAlternateProcess">
+            <a:avLst/>
+          </a:prstGeom>
+        </p:spPr>
+        <p:style>
+          <a:lnRef idx="1">
+            <a:schemeClr val="accent1"/>
+          </a:lnRef>
+          <a:fillRef idx="2">
+            <a:schemeClr val="accent1"/>
+          </a:fillRef>
+          <a:effectRef idx="1">
+            <a:schemeClr val="accent1"/>
+          </a:effectRef>
+          <a:fontRef idx="minor">
+            <a:schemeClr val="dk1"/>
+          </a:fontRef>
+        </p:style>
+        <p:txBody>
+          <a:bodyPr rtlCol="0" anchor="ctr"/>
+          <a:lstStyle/>
+          <a:p>
+            <a:pPr algn="ctr"/>
+            <a:r>
+              <a:rPr lang="en-IN" dirty="0"/>
+              <a:t>Analysis.py</a:t>
+            </a:r>
+          </a:p>
+        </p:txBody>
+      </p:sp>
+      <p:sp>
+        <p:nvSpPr>
+          <p:cNvPr id="1070" name="Flowchart: Decision 1069">
+            <a:extLst>
+              <a:ext uri="{FF2B5EF4-FFF2-40B4-BE49-F238E27FC236}">
+                <a16:creationId xmlns:a16="http://schemas.microsoft.com/office/drawing/2014/main" id="{169141D6-8156-D088-0E8F-0EE0B0CB5270}"/>
+              </a:ext>
+            </a:extLst>
+          </p:cNvPr>
+          <p:cNvSpPr/>
+          <p:nvPr/>
+        </p:nvSpPr>
+        <p:spPr>
+          <a:xfrm>
+            <a:off x="9752198" y="2093207"/>
+            <a:ext cx="1258375" cy="452868"/>
+          </a:xfrm>
+          <a:prstGeom prst="flowChartDecision">
+            <a:avLst/>
+          </a:prstGeom>
+        </p:spPr>
+        <p:style>
+          <a:lnRef idx="1">
+            <a:schemeClr val="accent1"/>
+          </a:lnRef>
+          <a:fillRef idx="2">
+            <a:schemeClr val="accent1"/>
+          </a:fillRef>
+          <a:effectRef idx="1">
+            <a:schemeClr val="accent1"/>
+          </a:effectRef>
+          <a:fontRef idx="minor">
+            <a:schemeClr val="dk1"/>
+          </a:fontRef>
+        </p:style>
+        <p:txBody>
+          <a:bodyPr rtlCol="0" anchor="ctr"/>
+          <a:lstStyle/>
+          <a:p>
+            <a:pPr algn="ctr"/>
+            <a:r>
+              <a:rPr lang="en-IN" dirty="0"/>
+              <a:t>Start</a:t>
+            </a:r>
+          </a:p>
+        </p:txBody>
+      </p:sp>
+      <p:sp>
+        <p:nvSpPr>
+          <p:cNvPr id="1071" name="Flowchart: Alternate Process 1070">
+            <a:extLst>
+              <a:ext uri="{FF2B5EF4-FFF2-40B4-BE49-F238E27FC236}">
+                <a16:creationId xmlns:a16="http://schemas.microsoft.com/office/drawing/2014/main" id="{CE7ACB79-2F78-19A3-B964-F6C055CD054A}"/>
+              </a:ext>
+            </a:extLst>
+          </p:cNvPr>
+          <p:cNvSpPr/>
+          <p:nvPr/>
+        </p:nvSpPr>
+        <p:spPr>
+          <a:xfrm>
+            <a:off x="9103091" y="2727279"/>
+            <a:ext cx="2556588" cy="930593"/>
+          </a:xfrm>
+          <a:prstGeom prst="flowChartAlternateProcess">
+            <a:avLst/>
+          </a:prstGeom>
+        </p:spPr>
+        <p:style>
+          <a:lnRef idx="1">
+            <a:schemeClr val="accent1"/>
+          </a:lnRef>
+          <a:fillRef idx="2">
+            <a:schemeClr val="accent1"/>
+          </a:fillRef>
+          <a:effectRef idx="1">
+            <a:schemeClr val="accent1"/>
+          </a:effectRef>
+          <a:fontRef idx="minor">
+            <a:schemeClr val="dk1"/>
+          </a:fontRef>
+        </p:style>
+        <p:txBody>
+          <a:bodyPr rtlCol="0" anchor="ctr"/>
+          <a:lstStyle/>
+          <a:p>
+            <a:pPr algn="ctr"/>
+            <a:r>
+              <a:rPr lang="en-IN" dirty="0"/>
+              <a:t>Calculate Co2 emission and</a:t>
+            </a:r>
+          </a:p>
+          <a:p>
+            <a:pPr algn="ctr"/>
+            <a:r>
+              <a:rPr lang="en-IN" dirty="0"/>
+              <a:t>Cost for different Fuel</a:t>
+            </a:r>
+          </a:p>
+        </p:txBody>
+      </p:sp>
+      <p:sp>
+        <p:nvSpPr>
+          <p:cNvPr id="1072" name="Flowchart: Alternate Process 1071">
+            <a:extLst>
+              <a:ext uri="{FF2B5EF4-FFF2-40B4-BE49-F238E27FC236}">
+                <a16:creationId xmlns:a16="http://schemas.microsoft.com/office/drawing/2014/main" id="{56B4EB42-6F51-609A-B893-9BB90FED63C3}"/>
+              </a:ext>
+            </a:extLst>
+          </p:cNvPr>
+          <p:cNvSpPr/>
+          <p:nvPr/>
+        </p:nvSpPr>
+        <p:spPr>
+          <a:xfrm>
+            <a:off x="9103091" y="3888414"/>
+            <a:ext cx="2556588" cy="649851"/>
+          </a:xfrm>
+          <a:prstGeom prst="flowChartAlternateProcess">
+            <a:avLst/>
+          </a:prstGeom>
+        </p:spPr>
+        <p:style>
+          <a:lnRef idx="1">
+            <a:schemeClr val="accent1"/>
+          </a:lnRef>
+          <a:fillRef idx="2">
+            <a:schemeClr val="accent1"/>
+          </a:fillRef>
+          <a:effectRef idx="1">
+            <a:schemeClr val="accent1"/>
+          </a:effectRef>
+          <a:fontRef idx="minor">
+            <a:schemeClr val="dk1"/>
+          </a:fontRef>
+        </p:style>
+        <p:txBody>
+          <a:bodyPr rtlCol="0" anchor="ctr"/>
+          <a:lstStyle/>
+          <a:p>
+            <a:pPr algn="ctr"/>
+            <a:r>
+              <a:rPr lang="en-IN" dirty="0"/>
+              <a:t>Plot 1</a:t>
+            </a:r>
+          </a:p>
+          <a:p>
+            <a:pPr algn="ctr"/>
+            <a:r>
+              <a:rPr lang="en-IN" dirty="0"/>
+              <a:t>Fuel Vs Co2 emission</a:t>
+            </a:r>
+          </a:p>
+        </p:txBody>
+      </p:sp>
+      <p:sp>
+        <p:nvSpPr>
+          <p:cNvPr id="1073" name="Flowchart: Alternate Process 1072">
+            <a:extLst>
+              <a:ext uri="{FF2B5EF4-FFF2-40B4-BE49-F238E27FC236}">
+                <a16:creationId xmlns:a16="http://schemas.microsoft.com/office/drawing/2014/main" id="{BF3556BC-5963-0B3B-C286-20B24D0B0FE5}"/>
+              </a:ext>
+            </a:extLst>
+          </p:cNvPr>
+          <p:cNvSpPr/>
+          <p:nvPr/>
+        </p:nvSpPr>
+        <p:spPr>
+          <a:xfrm>
+            <a:off x="9103091" y="4803068"/>
+            <a:ext cx="2556588" cy="649851"/>
+          </a:xfrm>
+          <a:prstGeom prst="flowChartAlternateProcess">
+            <a:avLst/>
+          </a:prstGeom>
+        </p:spPr>
+        <p:style>
+          <a:lnRef idx="1">
+            <a:schemeClr val="accent1"/>
+          </a:lnRef>
+          <a:fillRef idx="2">
+            <a:schemeClr val="accent1"/>
+          </a:fillRef>
+          <a:effectRef idx="1">
+            <a:schemeClr val="accent1"/>
+          </a:effectRef>
+          <a:fontRef idx="minor">
+            <a:schemeClr val="dk1"/>
+          </a:fontRef>
+        </p:style>
+        <p:txBody>
+          <a:bodyPr rtlCol="0" anchor="ctr"/>
+          <a:lstStyle/>
+          <a:p>
+            <a:pPr algn="ctr"/>
+            <a:r>
+              <a:rPr lang="en-IN" dirty="0"/>
+              <a:t>Plot 2</a:t>
+            </a:r>
+          </a:p>
+          <a:p>
+            <a:pPr algn="ctr"/>
+            <a:r>
+              <a:rPr lang="en-IN" dirty="0"/>
+              <a:t>Fuel Vs Cost</a:t>
+            </a:r>
+          </a:p>
+        </p:txBody>
+      </p:sp>
+      <p:sp>
+        <p:nvSpPr>
+          <p:cNvPr id="1074" name="Flowchart: Decision 1073">
+            <a:extLst>
+              <a:ext uri="{FF2B5EF4-FFF2-40B4-BE49-F238E27FC236}">
+                <a16:creationId xmlns:a16="http://schemas.microsoft.com/office/drawing/2014/main" id="{01FA5C42-8516-4EAF-F5CE-D0D31BA4D2CA}"/>
+              </a:ext>
+            </a:extLst>
+          </p:cNvPr>
+          <p:cNvSpPr/>
+          <p:nvPr/>
+        </p:nvSpPr>
+        <p:spPr>
+          <a:xfrm>
+            <a:off x="9752198" y="5628899"/>
+            <a:ext cx="1258375" cy="452868"/>
+          </a:xfrm>
+          <a:prstGeom prst="flowChartDecision">
+            <a:avLst/>
+          </a:prstGeom>
+        </p:spPr>
+        <p:style>
+          <a:lnRef idx="1">
+            <a:schemeClr val="accent1"/>
+          </a:lnRef>
+          <a:fillRef idx="2">
+            <a:schemeClr val="accent1"/>
+          </a:fillRef>
+          <a:effectRef idx="1">
+            <a:schemeClr val="accent1"/>
+          </a:effectRef>
+          <a:fontRef idx="minor">
+            <a:schemeClr val="dk1"/>
+          </a:fontRef>
+        </p:style>
+        <p:txBody>
+          <a:bodyPr rtlCol="0" anchor="ctr"/>
+          <a:lstStyle/>
+          <a:p>
+            <a:pPr algn="ctr"/>
+            <a:r>
+              <a:rPr lang="en-IN" dirty="0"/>
+              <a:t>Stop</a:t>
+            </a:r>
+          </a:p>
+        </p:txBody>
+      </p:sp>
+      <p:cxnSp>
+        <p:nvCxnSpPr>
+          <p:cNvPr id="1075" name="Straight Arrow Connector 1074">
+            <a:extLst>
+              <a:ext uri="{FF2B5EF4-FFF2-40B4-BE49-F238E27FC236}">
+                <a16:creationId xmlns:a16="http://schemas.microsoft.com/office/drawing/2014/main" id="{272D8F9C-8488-8B6B-0EE5-0D0B7FCD17D2}"/>
+              </a:ext>
+            </a:extLst>
+          </p:cNvPr>
+          <p:cNvCxnSpPr>
+            <a:stCxn id="1069" idx="2"/>
+            <a:endCxn id="1070" idx="0"/>
+          </p:cNvCxnSpPr>
+          <p:nvPr/>
+        </p:nvCxnSpPr>
+        <p:spPr>
+          <a:xfrm>
+            <a:off x="10381386" y="1906308"/>
+            <a:ext cx="0" cy="186899"/>
+          </a:xfrm>
+          <a:prstGeom prst="straightConnector1">
+            <a:avLst/>
+          </a:prstGeom>
+          <a:ln>
+            <a:tailEnd type="triangle"/>
+          </a:ln>
+        </p:spPr>
+        <p:style>
+          <a:lnRef idx="1">
+            <a:schemeClr val="accent1"/>
+          </a:lnRef>
+          <a:fillRef idx="0">
+            <a:schemeClr val="accent1"/>
+          </a:fillRef>
+          <a:effectRef idx="0">
+            <a:schemeClr val="accent1"/>
+          </a:effectRef>
+          <a:fontRef idx="minor">
+            <a:schemeClr val="tx1"/>
+          </a:fontRef>
+        </p:style>
+      </p:cxnSp>
+      <p:cxnSp>
+        <p:nvCxnSpPr>
+          <p:cNvPr id="1076" name="Straight Arrow Connector 1075">
+            <a:extLst>
+              <a:ext uri="{FF2B5EF4-FFF2-40B4-BE49-F238E27FC236}">
+                <a16:creationId xmlns:a16="http://schemas.microsoft.com/office/drawing/2014/main" id="{85DC1A79-E393-751C-0652-CA7D5A63357C}"/>
+              </a:ext>
+            </a:extLst>
+          </p:cNvPr>
+          <p:cNvCxnSpPr/>
+          <p:nvPr/>
+        </p:nvCxnSpPr>
+        <p:spPr>
+          <a:xfrm>
+            <a:off x="10380906" y="2546075"/>
+            <a:ext cx="0" cy="186899"/>
+          </a:xfrm>
+          <a:prstGeom prst="straightConnector1">
+            <a:avLst/>
+          </a:prstGeom>
+          <a:ln>
+            <a:tailEnd type="triangle"/>
+          </a:ln>
+        </p:spPr>
+        <p:style>
+          <a:lnRef idx="1">
+            <a:schemeClr val="accent1"/>
+          </a:lnRef>
+          <a:fillRef idx="0">
+            <a:schemeClr val="accent1"/>
+          </a:fillRef>
+          <a:effectRef idx="0">
+            <a:schemeClr val="accent1"/>
+          </a:effectRef>
+          <a:fontRef idx="minor">
+            <a:schemeClr val="tx1"/>
+          </a:fontRef>
+        </p:style>
+      </p:cxnSp>
+      <p:cxnSp>
+        <p:nvCxnSpPr>
+          <p:cNvPr id="1077" name="Straight Arrow Connector 1076">
+            <a:extLst>
+              <a:ext uri="{FF2B5EF4-FFF2-40B4-BE49-F238E27FC236}">
+                <a16:creationId xmlns:a16="http://schemas.microsoft.com/office/drawing/2014/main" id="{CC435940-AC74-87C4-0F14-2A154F0A73C9}"/>
+              </a:ext>
+            </a:extLst>
+          </p:cNvPr>
+          <p:cNvCxnSpPr>
+            <a:cxnSpLocks/>
+            <a:stCxn id="1071" idx="2"/>
+            <a:endCxn id="1072" idx="0"/>
+          </p:cNvCxnSpPr>
+          <p:nvPr/>
+        </p:nvCxnSpPr>
+        <p:spPr>
+          <a:xfrm>
+            <a:off x="10381385" y="3657872"/>
+            <a:ext cx="0" cy="230542"/>
+          </a:xfrm>
+          <a:prstGeom prst="straightConnector1">
+            <a:avLst/>
+          </a:prstGeom>
+          <a:ln>
+            <a:tailEnd type="triangle"/>
+          </a:ln>
+        </p:spPr>
+        <p:style>
+          <a:lnRef idx="1">
+            <a:schemeClr val="accent1"/>
+          </a:lnRef>
+          <a:fillRef idx="0">
+            <a:schemeClr val="accent1"/>
+          </a:fillRef>
+          <a:effectRef idx="0">
+            <a:schemeClr val="accent1"/>
+          </a:effectRef>
+          <a:fontRef idx="minor">
+            <a:schemeClr val="tx1"/>
+          </a:fontRef>
+        </p:style>
+      </p:cxnSp>
+      <p:cxnSp>
+        <p:nvCxnSpPr>
+          <p:cNvPr id="1078" name="Straight Arrow Connector 1077">
+            <a:extLst>
+              <a:ext uri="{FF2B5EF4-FFF2-40B4-BE49-F238E27FC236}">
+                <a16:creationId xmlns:a16="http://schemas.microsoft.com/office/drawing/2014/main" id="{044BBC08-04D7-75B6-0BD7-2BAB31570CB4}"/>
+              </a:ext>
+            </a:extLst>
+          </p:cNvPr>
+          <p:cNvCxnSpPr>
+            <a:cxnSpLocks/>
+            <a:endCxn id="1073" idx="0"/>
+          </p:cNvCxnSpPr>
+          <p:nvPr/>
+        </p:nvCxnSpPr>
+        <p:spPr>
+          <a:xfrm>
+            <a:off x="10380906" y="4533624"/>
+            <a:ext cx="479" cy="269444"/>
+          </a:xfrm>
+          <a:prstGeom prst="straightConnector1">
+            <a:avLst/>
+          </a:prstGeom>
+          <a:ln>
+            <a:tailEnd type="triangle"/>
+          </a:ln>
+        </p:spPr>
+        <p:style>
+          <a:lnRef idx="1">
+            <a:schemeClr val="accent1"/>
+          </a:lnRef>
+          <a:fillRef idx="0">
+            <a:schemeClr val="accent1"/>
+          </a:fillRef>
+          <a:effectRef idx="0">
+            <a:schemeClr val="accent1"/>
+          </a:effectRef>
+          <a:fontRef idx="minor">
+            <a:schemeClr val="tx1"/>
+          </a:fontRef>
+        </p:style>
+      </p:cxnSp>
+      <p:cxnSp>
+        <p:nvCxnSpPr>
+          <p:cNvPr id="1079" name="Straight Arrow Connector 1078">
+            <a:extLst>
+              <a:ext uri="{FF2B5EF4-FFF2-40B4-BE49-F238E27FC236}">
+                <a16:creationId xmlns:a16="http://schemas.microsoft.com/office/drawing/2014/main" id="{5C03E846-D62B-1BE1-7921-2DFCE97DFD4D}"/>
+              </a:ext>
+            </a:extLst>
+          </p:cNvPr>
+          <p:cNvCxnSpPr/>
+          <p:nvPr/>
+        </p:nvCxnSpPr>
+        <p:spPr>
+          <a:xfrm>
+            <a:off x="10398919" y="5458264"/>
+            <a:ext cx="0" cy="186899"/>
+          </a:xfrm>
+          <a:prstGeom prst="straightConnector1">
+            <a:avLst/>
+          </a:prstGeom>
+          <a:ln>
+            <a:tailEnd type="triangle"/>
+          </a:ln>
+        </p:spPr>
+        <p:style>
+          <a:lnRef idx="1">
+            <a:schemeClr val="accent1"/>
+          </a:lnRef>
+          <a:fillRef idx="0">
+            <a:schemeClr val="accent1"/>
+          </a:fillRef>
+          <a:effectRef idx="0">
+            <a:schemeClr val="accent1"/>
+          </a:effectRef>
+          <a:fontRef idx="minor">
+            <a:schemeClr val="tx1"/>
+          </a:fontRef>
+        </p:style>
+      </p:cxnSp>
+      <p:sp>
+        <p:nvSpPr>
+          <p:cNvPr id="1080" name="Flowchart: Decision 1079">
+            <a:extLst>
+              <a:ext uri="{FF2B5EF4-FFF2-40B4-BE49-F238E27FC236}">
+                <a16:creationId xmlns:a16="http://schemas.microsoft.com/office/drawing/2014/main" id="{8B1F27AD-4037-0E5B-B920-15BD7B9BA49D}"/>
+              </a:ext>
+            </a:extLst>
+          </p:cNvPr>
+          <p:cNvSpPr/>
+          <p:nvPr/>
+        </p:nvSpPr>
+        <p:spPr>
+          <a:xfrm>
+            <a:off x="1125436" y="1942491"/>
+            <a:ext cx="1258375" cy="452868"/>
+          </a:xfrm>
+          <a:prstGeom prst="flowChartDecision">
+            <a:avLst/>
+          </a:prstGeom>
+        </p:spPr>
+        <p:style>
+          <a:lnRef idx="1">
+            <a:schemeClr val="accent1"/>
+          </a:lnRef>
+          <a:fillRef idx="2">
+            <a:schemeClr val="accent1"/>
+          </a:fillRef>
+          <a:effectRef idx="1">
+            <a:schemeClr val="accent1"/>
+          </a:effectRef>
+          <a:fontRef idx="minor">
+            <a:schemeClr val="dk1"/>
+          </a:fontRef>
+        </p:style>
+        <p:txBody>
+          <a:bodyPr rtlCol="0" anchor="ctr"/>
+          <a:lstStyle/>
+          <a:p>
+            <a:pPr algn="ctr"/>
+            <a:r>
+              <a:rPr lang="en-IN" dirty="0"/>
+              <a:t>Start</a:t>
+            </a:r>
+          </a:p>
+        </p:txBody>
+      </p:sp>
+      <p:sp>
+        <p:nvSpPr>
+          <p:cNvPr id="1081" name="Flowchart: Alternate Process 1080">
+            <a:extLst>
+              <a:ext uri="{FF2B5EF4-FFF2-40B4-BE49-F238E27FC236}">
+                <a16:creationId xmlns:a16="http://schemas.microsoft.com/office/drawing/2014/main" id="{06833E74-263D-CBEC-5336-6EE79C084222}"/>
+              </a:ext>
+            </a:extLst>
+          </p:cNvPr>
+          <p:cNvSpPr/>
+          <p:nvPr/>
+        </p:nvSpPr>
+        <p:spPr>
+          <a:xfrm>
+            <a:off x="700893" y="1344685"/>
+            <a:ext cx="2108718" cy="452868"/>
+          </a:xfrm>
+          <a:prstGeom prst="flowChartAlternateProcess">
+            <a:avLst/>
+          </a:prstGeom>
+        </p:spPr>
+        <p:style>
+          <a:lnRef idx="1">
+            <a:schemeClr val="accent1"/>
+          </a:lnRef>
+          <a:fillRef idx="2">
+            <a:schemeClr val="accent1"/>
+          </a:fillRef>
+          <a:effectRef idx="1">
+            <a:schemeClr val="accent1"/>
+          </a:effectRef>
+          <a:fontRef idx="minor">
+            <a:schemeClr val="dk1"/>
+          </a:fontRef>
+        </p:style>
+        <p:txBody>
+          <a:bodyPr rtlCol="0" anchor="ctr"/>
+          <a:lstStyle/>
+          <a:p>
+            <a:pPr algn="ctr"/>
+            <a:r>
+              <a:rPr lang="en-IN" dirty="0"/>
+              <a:t>Output.py</a:t>
+            </a:r>
+          </a:p>
+        </p:txBody>
+      </p:sp>
+      <p:sp>
+        <p:nvSpPr>
+          <p:cNvPr id="1082" name="Flowchart: Alternate Process 1081">
+            <a:extLst>
+              <a:ext uri="{FF2B5EF4-FFF2-40B4-BE49-F238E27FC236}">
+                <a16:creationId xmlns:a16="http://schemas.microsoft.com/office/drawing/2014/main" id="{96487586-BF72-874F-1095-09F2589211F2}"/>
+              </a:ext>
+            </a:extLst>
+          </p:cNvPr>
+          <p:cNvSpPr/>
+          <p:nvPr/>
+        </p:nvSpPr>
+        <p:spPr>
+          <a:xfrm>
+            <a:off x="476329" y="2546075"/>
+            <a:ext cx="2556588" cy="625637"/>
+          </a:xfrm>
+          <a:prstGeom prst="flowChartAlternateProcess">
+            <a:avLst/>
+          </a:prstGeom>
+        </p:spPr>
+        <p:style>
+          <a:lnRef idx="1">
+            <a:schemeClr val="accent1"/>
+          </a:lnRef>
+          <a:fillRef idx="2">
+            <a:schemeClr val="accent1"/>
+          </a:fillRef>
+          <a:effectRef idx="1">
+            <a:schemeClr val="accent1"/>
+          </a:effectRef>
+          <a:fontRef idx="minor">
+            <a:schemeClr val="dk1"/>
+          </a:fontRef>
+        </p:style>
+        <p:txBody>
+          <a:bodyPr rtlCol="0" anchor="ctr"/>
+          <a:lstStyle/>
+          <a:p>
+            <a:pPr algn="ctr"/>
+            <a:r>
+              <a:rPr lang="en-IN" dirty="0"/>
+              <a:t>Case 1:</a:t>
+            </a:r>
+          </a:p>
+          <a:p>
+            <a:pPr algn="ctr"/>
+            <a:r>
+              <a:rPr lang="en-IN" dirty="0"/>
+              <a:t>Calculate Co2 emission</a:t>
+            </a:r>
+          </a:p>
+        </p:txBody>
+      </p:sp>
+      <p:sp>
+        <p:nvSpPr>
+          <p:cNvPr id="1083" name="Flowchart: Alternate Process 1082">
+            <a:extLst>
+              <a:ext uri="{FF2B5EF4-FFF2-40B4-BE49-F238E27FC236}">
+                <a16:creationId xmlns:a16="http://schemas.microsoft.com/office/drawing/2014/main" id="{D6BFBA57-E7C4-3179-C3AE-D449F8D82DCA}"/>
+              </a:ext>
+            </a:extLst>
+          </p:cNvPr>
+          <p:cNvSpPr/>
+          <p:nvPr/>
+        </p:nvSpPr>
+        <p:spPr>
+          <a:xfrm>
+            <a:off x="476329" y="3348799"/>
+            <a:ext cx="2556588" cy="539616"/>
+          </a:xfrm>
+          <a:prstGeom prst="flowChartAlternateProcess">
+            <a:avLst/>
+          </a:prstGeom>
+        </p:spPr>
+        <p:style>
+          <a:lnRef idx="1">
+            <a:schemeClr val="accent1"/>
+          </a:lnRef>
+          <a:fillRef idx="2">
+            <a:schemeClr val="accent1"/>
+          </a:fillRef>
+          <a:effectRef idx="1">
+            <a:schemeClr val="accent1"/>
+          </a:effectRef>
+          <a:fontRef idx="minor">
+            <a:schemeClr val="dk1"/>
+          </a:fontRef>
+        </p:style>
+        <p:txBody>
+          <a:bodyPr rtlCol="0" anchor="ctr"/>
+          <a:lstStyle/>
+          <a:p>
+            <a:pPr algn="ctr"/>
+            <a:r>
+              <a:rPr lang="en-IN" dirty="0"/>
+              <a:t>Case 3:</a:t>
+            </a:r>
+          </a:p>
+          <a:p>
+            <a:pPr algn="ctr"/>
+            <a:r>
+              <a:rPr lang="en-IN" dirty="0"/>
+              <a:t>Calculate Co2 emission</a:t>
+            </a:r>
+          </a:p>
+        </p:txBody>
+      </p:sp>
+      <p:sp>
+        <p:nvSpPr>
+          <p:cNvPr id="1084" name="Flowchart: Alternate Process 1083">
+            <a:extLst>
+              <a:ext uri="{FF2B5EF4-FFF2-40B4-BE49-F238E27FC236}">
+                <a16:creationId xmlns:a16="http://schemas.microsoft.com/office/drawing/2014/main" id="{5695986C-5B26-C426-56B8-967E1967121B}"/>
+              </a:ext>
+            </a:extLst>
+          </p:cNvPr>
+          <p:cNvSpPr/>
+          <p:nvPr/>
+        </p:nvSpPr>
+        <p:spPr>
+          <a:xfrm>
+            <a:off x="474066" y="4021130"/>
+            <a:ext cx="2556588" cy="539616"/>
+          </a:xfrm>
+          <a:prstGeom prst="flowChartAlternateProcess">
+            <a:avLst/>
+          </a:prstGeom>
+        </p:spPr>
+        <p:style>
+          <a:lnRef idx="1">
+            <a:schemeClr val="accent1"/>
+          </a:lnRef>
+          <a:fillRef idx="2">
+            <a:schemeClr val="accent1"/>
+          </a:fillRef>
+          <a:effectRef idx="1">
+            <a:schemeClr val="accent1"/>
+          </a:effectRef>
+          <a:fontRef idx="minor">
+            <a:schemeClr val="dk1"/>
+          </a:fontRef>
+        </p:style>
+        <p:txBody>
+          <a:bodyPr rtlCol="0" anchor="ctr"/>
+          <a:lstStyle/>
+          <a:p>
+            <a:pPr algn="ctr"/>
+            <a:r>
+              <a:rPr lang="en-IN" dirty="0"/>
+              <a:t>Case 2:</a:t>
+            </a:r>
+          </a:p>
+          <a:p>
+            <a:pPr algn="ctr"/>
+            <a:r>
+              <a:rPr lang="en-IN" dirty="0"/>
+              <a:t>Calculate Co2 emission</a:t>
+            </a:r>
+          </a:p>
+        </p:txBody>
+      </p:sp>
+      <p:sp>
+        <p:nvSpPr>
+          <p:cNvPr id="1085" name="Flowchart: Alternate Process 1084">
+            <a:extLst>
+              <a:ext uri="{FF2B5EF4-FFF2-40B4-BE49-F238E27FC236}">
+                <a16:creationId xmlns:a16="http://schemas.microsoft.com/office/drawing/2014/main" id="{3BBBFB7A-6FC8-F710-E81A-281AD4E7E2C1}"/>
+              </a:ext>
+            </a:extLst>
+          </p:cNvPr>
+          <p:cNvSpPr/>
+          <p:nvPr/>
+        </p:nvSpPr>
+        <p:spPr>
+          <a:xfrm>
+            <a:off x="474066" y="4732192"/>
+            <a:ext cx="2556588" cy="475555"/>
+          </a:xfrm>
+          <a:prstGeom prst="flowChartAlternateProcess">
+            <a:avLst/>
+          </a:prstGeom>
+        </p:spPr>
+        <p:style>
+          <a:lnRef idx="1">
+            <a:schemeClr val="accent1"/>
+          </a:lnRef>
+          <a:fillRef idx="2">
+            <a:schemeClr val="accent1"/>
+          </a:fillRef>
+          <a:effectRef idx="1">
+            <a:schemeClr val="accent1"/>
+          </a:effectRef>
+          <a:fontRef idx="minor">
+            <a:schemeClr val="dk1"/>
+          </a:fontRef>
+        </p:style>
+        <p:txBody>
+          <a:bodyPr rtlCol="0" anchor="ctr"/>
+          <a:lstStyle/>
+          <a:p>
+            <a:pPr algn="ctr"/>
+            <a:r>
+              <a:rPr lang="en-IN" dirty="0"/>
+              <a:t>Total Co2 emission</a:t>
+            </a:r>
+          </a:p>
+        </p:txBody>
+      </p:sp>
+      <p:sp>
+        <p:nvSpPr>
+          <p:cNvPr id="1086" name="Flowchart: Alternate Process 1085">
+            <a:extLst>
+              <a:ext uri="{FF2B5EF4-FFF2-40B4-BE49-F238E27FC236}">
+                <a16:creationId xmlns:a16="http://schemas.microsoft.com/office/drawing/2014/main" id="{32F5897D-CD18-5E96-A6E7-7B7441908D1F}"/>
+              </a:ext>
+            </a:extLst>
+          </p:cNvPr>
+          <p:cNvSpPr/>
+          <p:nvPr/>
+        </p:nvSpPr>
+        <p:spPr>
+          <a:xfrm>
+            <a:off x="1230392" y="5349518"/>
+            <a:ext cx="1043935" cy="372878"/>
+          </a:xfrm>
+          <a:prstGeom prst="flowChartAlternateProcess">
+            <a:avLst/>
+          </a:prstGeom>
+        </p:spPr>
+        <p:style>
+          <a:lnRef idx="1">
+            <a:schemeClr val="accent1"/>
+          </a:lnRef>
+          <a:fillRef idx="2">
+            <a:schemeClr val="accent1"/>
+          </a:fillRef>
+          <a:effectRef idx="1">
+            <a:schemeClr val="accent1"/>
+          </a:effectRef>
+          <a:fontRef idx="minor">
+            <a:schemeClr val="dk1"/>
+          </a:fontRef>
+        </p:style>
+        <p:txBody>
+          <a:bodyPr rtlCol="0" anchor="ctr"/>
+          <a:lstStyle/>
+          <a:p>
+            <a:pPr algn="ctr"/>
+            <a:r>
+              <a:rPr lang="en-IN" dirty="0"/>
+              <a:t>Plot</a:t>
+            </a:r>
+          </a:p>
+        </p:txBody>
+      </p:sp>
+      <p:sp>
+        <p:nvSpPr>
+          <p:cNvPr id="1087" name="Flowchart: Decision 1086">
+            <a:extLst>
+              <a:ext uri="{FF2B5EF4-FFF2-40B4-BE49-F238E27FC236}">
+                <a16:creationId xmlns:a16="http://schemas.microsoft.com/office/drawing/2014/main" id="{689B00BD-4EBE-4EC5-C9BB-677A352CB34A}"/>
+              </a:ext>
+            </a:extLst>
+          </p:cNvPr>
+          <p:cNvSpPr/>
+          <p:nvPr/>
+        </p:nvSpPr>
+        <p:spPr>
+          <a:xfrm>
+            <a:off x="1123171" y="5837208"/>
+            <a:ext cx="1258375" cy="452868"/>
+          </a:xfrm>
+          <a:prstGeom prst="flowChartDecision">
+            <a:avLst/>
+          </a:prstGeom>
+        </p:spPr>
+        <p:style>
+          <a:lnRef idx="1">
+            <a:schemeClr val="accent1"/>
+          </a:lnRef>
+          <a:fillRef idx="2">
+            <a:schemeClr val="accent1"/>
+          </a:fillRef>
+          <a:effectRef idx="1">
+            <a:schemeClr val="accent1"/>
+          </a:effectRef>
+          <a:fontRef idx="minor">
+            <a:schemeClr val="dk1"/>
+          </a:fontRef>
+        </p:style>
+        <p:txBody>
+          <a:bodyPr rtlCol="0" anchor="ctr"/>
+          <a:lstStyle/>
+          <a:p>
+            <a:pPr algn="ctr"/>
+            <a:r>
+              <a:rPr lang="en-IN" dirty="0"/>
+              <a:t>Stop</a:t>
+            </a:r>
+          </a:p>
+        </p:txBody>
+      </p:sp>
+      <p:cxnSp>
+        <p:nvCxnSpPr>
+          <p:cNvPr id="1088" name="Straight Arrow Connector 1087">
+            <a:extLst>
+              <a:ext uri="{FF2B5EF4-FFF2-40B4-BE49-F238E27FC236}">
+                <a16:creationId xmlns:a16="http://schemas.microsoft.com/office/drawing/2014/main" id="{DEEC40CF-B817-0B9B-A052-188E127F7B1F}"/>
+              </a:ext>
+            </a:extLst>
+          </p:cNvPr>
+          <p:cNvCxnSpPr>
+            <a:cxnSpLocks/>
+            <a:stCxn id="1081" idx="2"/>
+            <a:endCxn id="1080" idx="0"/>
+          </p:cNvCxnSpPr>
+          <p:nvPr/>
+        </p:nvCxnSpPr>
+        <p:spPr>
+          <a:xfrm flipH="1">
+            <a:off x="1754624" y="1797553"/>
+            <a:ext cx="628" cy="144938"/>
+          </a:xfrm>
+          <a:prstGeom prst="straightConnector1">
+            <a:avLst/>
+          </a:prstGeom>
+          <a:ln>
+            <a:tailEnd type="triangle"/>
+          </a:ln>
+        </p:spPr>
+        <p:style>
+          <a:lnRef idx="1">
+            <a:schemeClr val="accent1"/>
+          </a:lnRef>
+          <a:fillRef idx="0">
+            <a:schemeClr val="accent1"/>
+          </a:fillRef>
+          <a:effectRef idx="0">
+            <a:schemeClr val="accent1"/>
+          </a:effectRef>
+          <a:fontRef idx="minor">
+            <a:schemeClr val="tx1"/>
+          </a:fontRef>
+        </p:style>
+      </p:cxnSp>
+      <p:cxnSp>
+        <p:nvCxnSpPr>
+          <p:cNvPr id="1089" name="Straight Arrow Connector 1088">
+            <a:extLst>
+              <a:ext uri="{FF2B5EF4-FFF2-40B4-BE49-F238E27FC236}">
+                <a16:creationId xmlns:a16="http://schemas.microsoft.com/office/drawing/2014/main" id="{05D9FDA5-3B7E-8B58-A819-90F10C19EE47}"/>
+              </a:ext>
+            </a:extLst>
+          </p:cNvPr>
+          <p:cNvCxnSpPr>
+            <a:cxnSpLocks/>
+            <a:stCxn id="1080" idx="2"/>
+            <a:endCxn id="1082" idx="0"/>
+          </p:cNvCxnSpPr>
+          <p:nvPr/>
+        </p:nvCxnSpPr>
+        <p:spPr>
+          <a:xfrm flipH="1">
+            <a:off x="1754623" y="2395359"/>
+            <a:ext cx="1" cy="150716"/>
+          </a:xfrm>
+          <a:prstGeom prst="straightConnector1">
+            <a:avLst/>
+          </a:prstGeom>
+          <a:ln>
+            <a:tailEnd type="triangle"/>
+          </a:ln>
+        </p:spPr>
+        <p:style>
+          <a:lnRef idx="1">
+            <a:schemeClr val="accent1"/>
+          </a:lnRef>
+          <a:fillRef idx="0">
+            <a:schemeClr val="accent1"/>
+          </a:fillRef>
+          <a:effectRef idx="0">
+            <a:schemeClr val="accent1"/>
+          </a:effectRef>
+          <a:fontRef idx="minor">
+            <a:schemeClr val="tx1"/>
+          </a:fontRef>
+        </p:style>
+      </p:cxnSp>
+      <p:cxnSp>
+        <p:nvCxnSpPr>
+          <p:cNvPr id="1090" name="Straight Arrow Connector 1089">
+            <a:extLst>
+              <a:ext uri="{FF2B5EF4-FFF2-40B4-BE49-F238E27FC236}">
+                <a16:creationId xmlns:a16="http://schemas.microsoft.com/office/drawing/2014/main" id="{EB81F9CB-C874-B463-B45D-269FDCAA2310}"/>
+              </a:ext>
+            </a:extLst>
+          </p:cNvPr>
+          <p:cNvCxnSpPr>
+            <a:cxnSpLocks/>
+            <a:stCxn id="1082" idx="2"/>
+            <a:endCxn id="1083" idx="0"/>
+          </p:cNvCxnSpPr>
+          <p:nvPr/>
+        </p:nvCxnSpPr>
+        <p:spPr>
+          <a:xfrm>
+            <a:off x="1754623" y="3171712"/>
+            <a:ext cx="0" cy="177087"/>
+          </a:xfrm>
+          <a:prstGeom prst="straightConnector1">
+            <a:avLst/>
+          </a:prstGeom>
+          <a:ln>
+            <a:tailEnd type="triangle"/>
+          </a:ln>
+        </p:spPr>
+        <p:style>
+          <a:lnRef idx="1">
+            <a:schemeClr val="accent1"/>
+          </a:lnRef>
+          <a:fillRef idx="0">
+            <a:schemeClr val="accent1"/>
+          </a:fillRef>
+          <a:effectRef idx="0">
+            <a:schemeClr val="accent1"/>
+          </a:effectRef>
+          <a:fontRef idx="minor">
+            <a:schemeClr val="tx1"/>
+          </a:fontRef>
+        </p:style>
+      </p:cxnSp>
+      <p:cxnSp>
+        <p:nvCxnSpPr>
+          <p:cNvPr id="1091" name="Straight Arrow Connector 1090">
+            <a:extLst>
+              <a:ext uri="{FF2B5EF4-FFF2-40B4-BE49-F238E27FC236}">
+                <a16:creationId xmlns:a16="http://schemas.microsoft.com/office/drawing/2014/main" id="{E80C8FAF-BA2D-7C3E-461A-3EB66C5F97E9}"/>
+              </a:ext>
+            </a:extLst>
+          </p:cNvPr>
+          <p:cNvCxnSpPr>
+            <a:cxnSpLocks/>
+            <a:stCxn id="1084" idx="2"/>
+            <a:endCxn id="1085" idx="0"/>
+          </p:cNvCxnSpPr>
+          <p:nvPr/>
+        </p:nvCxnSpPr>
+        <p:spPr>
+          <a:xfrm>
+            <a:off x="1752360" y="4560746"/>
+            <a:ext cx="0" cy="171446"/>
+          </a:xfrm>
+          <a:prstGeom prst="straightConnector1">
+            <a:avLst/>
+          </a:prstGeom>
+          <a:ln>
+            <a:tailEnd type="triangle"/>
+          </a:ln>
+        </p:spPr>
+        <p:style>
+          <a:lnRef idx="1">
+            <a:schemeClr val="accent1"/>
+          </a:lnRef>
+          <a:fillRef idx="0">
+            <a:schemeClr val="accent1"/>
+          </a:fillRef>
+          <a:effectRef idx="0">
+            <a:schemeClr val="accent1"/>
+          </a:effectRef>
+          <a:fontRef idx="minor">
+            <a:schemeClr val="tx1"/>
+          </a:fontRef>
+        </p:style>
+      </p:cxnSp>
+      <p:cxnSp>
+        <p:nvCxnSpPr>
+          <p:cNvPr id="1092" name="Straight Arrow Connector 1091">
+            <a:extLst>
+              <a:ext uri="{FF2B5EF4-FFF2-40B4-BE49-F238E27FC236}">
+                <a16:creationId xmlns:a16="http://schemas.microsoft.com/office/drawing/2014/main" id="{6A15E75E-A78B-4FFB-A6A8-2C07482B8A9B}"/>
+              </a:ext>
+            </a:extLst>
+          </p:cNvPr>
+          <p:cNvCxnSpPr>
+            <a:cxnSpLocks/>
+            <a:stCxn id="1085" idx="2"/>
+            <a:endCxn id="1086" idx="0"/>
+          </p:cNvCxnSpPr>
+          <p:nvPr/>
+        </p:nvCxnSpPr>
+        <p:spPr>
+          <a:xfrm>
+            <a:off x="1752360" y="5207747"/>
+            <a:ext cx="0" cy="141771"/>
+          </a:xfrm>
+          <a:prstGeom prst="straightConnector1">
+            <a:avLst/>
+          </a:prstGeom>
+          <a:ln>
+            <a:tailEnd type="triangle"/>
+          </a:ln>
+        </p:spPr>
+        <p:style>
+          <a:lnRef idx="1">
+            <a:schemeClr val="accent1"/>
+          </a:lnRef>
+          <a:fillRef idx="0">
+            <a:schemeClr val="accent1"/>
+          </a:fillRef>
+          <a:effectRef idx="0">
+            <a:schemeClr val="accent1"/>
+          </a:effectRef>
+          <a:fontRef idx="minor">
+            <a:schemeClr val="tx1"/>
+          </a:fontRef>
+        </p:style>
+      </p:cxnSp>
+      <p:cxnSp>
+        <p:nvCxnSpPr>
+          <p:cNvPr id="1093" name="Straight Arrow Connector 1092">
+            <a:extLst>
+              <a:ext uri="{FF2B5EF4-FFF2-40B4-BE49-F238E27FC236}">
+                <a16:creationId xmlns:a16="http://schemas.microsoft.com/office/drawing/2014/main" id="{C4D07258-1CD6-89A9-5328-A228D8D5D38A}"/>
+              </a:ext>
+            </a:extLst>
+          </p:cNvPr>
+          <p:cNvCxnSpPr>
+            <a:cxnSpLocks/>
+            <a:stCxn id="1086" idx="2"/>
+            <a:endCxn id="1087" idx="0"/>
+          </p:cNvCxnSpPr>
+          <p:nvPr/>
+        </p:nvCxnSpPr>
+        <p:spPr>
+          <a:xfrm flipH="1">
+            <a:off x="1752359" y="5722396"/>
+            <a:ext cx="1" cy="114812"/>
+          </a:xfrm>
+          <a:prstGeom prst="straightConnector1">
+            <a:avLst/>
+          </a:prstGeom>
+          <a:ln>
+            <a:tailEnd type="triangle"/>
+          </a:ln>
+        </p:spPr>
+        <p:style>
+          <a:lnRef idx="1">
+            <a:schemeClr val="accent1"/>
+          </a:lnRef>
+          <a:fillRef idx="0">
+            <a:schemeClr val="accent1"/>
+          </a:fillRef>
+          <a:effectRef idx="0">
+            <a:schemeClr val="accent1"/>
+          </a:effectRef>
+          <a:fontRef idx="minor">
+            <a:schemeClr val="tx1"/>
+          </a:fontRef>
+        </p:style>
+      </p:cxnSp>
+      <p:cxnSp>
+        <p:nvCxnSpPr>
+          <p:cNvPr id="1094" name="Straight Arrow Connector 1093">
+            <a:extLst>
+              <a:ext uri="{FF2B5EF4-FFF2-40B4-BE49-F238E27FC236}">
+                <a16:creationId xmlns:a16="http://schemas.microsoft.com/office/drawing/2014/main" id="{059C6A28-4D58-3AB0-751B-C823D9B51C56}"/>
+              </a:ext>
+            </a:extLst>
+          </p:cNvPr>
+          <p:cNvCxnSpPr>
+            <a:cxnSpLocks/>
+            <a:stCxn id="1083" idx="2"/>
+            <a:endCxn id="1084" idx="0"/>
+          </p:cNvCxnSpPr>
+          <p:nvPr/>
+        </p:nvCxnSpPr>
+        <p:spPr>
+          <a:xfrm flipH="1">
+            <a:off x="1752360" y="3888415"/>
+            <a:ext cx="2263" cy="132715"/>
+          </a:xfrm>
+          <a:prstGeom prst="straightConnector1">
+            <a:avLst/>
+          </a:prstGeom>
+          <a:ln>
+            <a:tailEnd type="triangle"/>
+          </a:ln>
+        </p:spPr>
+        <p:style>
+          <a:lnRef idx="1">
+            <a:schemeClr val="accent1"/>
+          </a:lnRef>
+          <a:fillRef idx="0">
+            <a:schemeClr val="accent1"/>
+          </a:fillRef>
+          <a:effectRef idx="0">
+            <a:schemeClr val="accent1"/>
+          </a:effectRef>
+          <a:fontRef idx="minor">
+            <a:schemeClr val="tx1"/>
+          </a:fontRef>
+        </p:style>
+      </p:cxnSp>
+      <p:cxnSp>
+        <p:nvCxnSpPr>
+          <p:cNvPr id="1095" name="Connector: Elbow 1094">
+            <a:extLst>
+              <a:ext uri="{FF2B5EF4-FFF2-40B4-BE49-F238E27FC236}">
+                <a16:creationId xmlns:a16="http://schemas.microsoft.com/office/drawing/2014/main" id="{C2A70160-249B-5682-5928-6E1D867212DA}"/>
+              </a:ext>
+            </a:extLst>
+          </p:cNvPr>
+          <p:cNvCxnSpPr>
+            <a:cxnSpLocks/>
+          </p:cNvCxnSpPr>
+          <p:nvPr/>
+        </p:nvCxnSpPr>
+        <p:spPr>
+          <a:xfrm flipH="1">
+            <a:off x="3028392" y="2891550"/>
+            <a:ext cx="2263" cy="2111076"/>
+          </a:xfrm>
+          <a:prstGeom prst="bentConnector3">
+            <a:avLst>
+              <a:gd name="adj1" fmla="val -34840300"/>
+            </a:avLst>
+          </a:prstGeom>
+          <a:ln>
+            <a:tailEnd type="triangle"/>
+          </a:ln>
+        </p:spPr>
+        <p:style>
+          <a:lnRef idx="1">
+            <a:schemeClr val="accent1"/>
+          </a:lnRef>
+          <a:fillRef idx="0">
+            <a:schemeClr val="accent1"/>
+          </a:fillRef>
+          <a:effectRef idx="0">
+            <a:schemeClr val="accent1"/>
+          </a:effectRef>
+          <a:fontRef idx="minor">
+            <a:schemeClr val="tx1"/>
+          </a:fontRef>
+        </p:style>
+      </p:cxnSp>
+      <p:cxnSp>
+        <p:nvCxnSpPr>
+          <p:cNvPr id="1096" name="Straight Arrow Connector 1095">
+            <a:extLst>
+              <a:ext uri="{FF2B5EF4-FFF2-40B4-BE49-F238E27FC236}">
+                <a16:creationId xmlns:a16="http://schemas.microsoft.com/office/drawing/2014/main" id="{DB2E4AEE-C5B6-7C36-012F-9AA836048A08}"/>
+              </a:ext>
+            </a:extLst>
+          </p:cNvPr>
+          <p:cNvCxnSpPr>
+            <a:cxnSpLocks/>
+            <a:stCxn id="1083" idx="3"/>
+          </p:cNvCxnSpPr>
+          <p:nvPr/>
+        </p:nvCxnSpPr>
+        <p:spPr>
+          <a:xfrm>
+            <a:off x="3032917" y="3618607"/>
+            <a:ext cx="763091" cy="0"/>
+          </a:xfrm>
+          <a:prstGeom prst="straightConnector1">
+            <a:avLst/>
+          </a:prstGeom>
+          <a:ln>
+            <a:tailEnd type="triangle"/>
+          </a:ln>
+        </p:spPr>
+        <p:style>
+          <a:lnRef idx="1">
+            <a:schemeClr val="accent1"/>
+          </a:lnRef>
+          <a:fillRef idx="0">
+            <a:schemeClr val="accent1"/>
+          </a:fillRef>
+          <a:effectRef idx="0">
+            <a:schemeClr val="accent1"/>
+          </a:effectRef>
+          <a:fontRef idx="minor">
+            <a:schemeClr val="tx1"/>
+          </a:fontRef>
+        </p:style>
+      </p:cxnSp>
+      <p:cxnSp>
+        <p:nvCxnSpPr>
+          <p:cNvPr id="1097" name="Straight Arrow Connector 1096">
+            <a:extLst>
+              <a:ext uri="{FF2B5EF4-FFF2-40B4-BE49-F238E27FC236}">
+                <a16:creationId xmlns:a16="http://schemas.microsoft.com/office/drawing/2014/main" id="{326C4AD3-D9BE-9AD0-E594-78FD2D562D74}"/>
+              </a:ext>
+            </a:extLst>
+          </p:cNvPr>
+          <p:cNvCxnSpPr>
+            <a:cxnSpLocks/>
+            <a:stCxn id="1084" idx="3"/>
+          </p:cNvCxnSpPr>
+          <p:nvPr/>
+        </p:nvCxnSpPr>
+        <p:spPr>
+          <a:xfrm>
+            <a:off x="3030654" y="4290938"/>
+            <a:ext cx="765354" cy="0"/>
+          </a:xfrm>
+          <a:prstGeom prst="straightConnector1">
+            <a:avLst/>
+          </a:prstGeom>
+          <a:ln>
+            <a:tailEnd type="triangle"/>
+          </a:ln>
+        </p:spPr>
+        <p:style>
+          <a:lnRef idx="1">
+            <a:schemeClr val="accent1"/>
+          </a:lnRef>
+          <a:fillRef idx="0">
+            <a:schemeClr val="accent1"/>
+          </a:fillRef>
+          <a:effectRef idx="0">
+            <a:schemeClr val="accent1"/>
+          </a:effectRef>
+          <a:fontRef idx="minor">
+            <a:schemeClr val="tx1"/>
+          </a:fontRef>
+        </p:style>
+      </p:cxnSp>
+      <p:sp>
+        <p:nvSpPr>
+          <p:cNvPr id="1098" name="TextBox 1097">
+            <a:extLst>
+              <a:ext uri="{FF2B5EF4-FFF2-40B4-BE49-F238E27FC236}">
+                <a16:creationId xmlns:a16="http://schemas.microsoft.com/office/drawing/2014/main" id="{72D9DE74-AA2D-760B-1018-744C2FC4AFC0}"/>
+              </a:ext>
+            </a:extLst>
+          </p:cNvPr>
+          <p:cNvSpPr txBox="1"/>
+          <p:nvPr/>
+        </p:nvSpPr>
+        <p:spPr>
+          <a:xfrm>
+            <a:off x="3117443" y="4627074"/>
+            <a:ext cx="295888" cy="369332"/>
+          </a:xfrm>
+          <a:prstGeom prst="rect">
+            <a:avLst/>
+          </a:prstGeom>
+          <a:noFill/>
+        </p:spPr>
+        <p:txBody>
+          <a:bodyPr wrap="square" rtlCol="0">
+            <a:spAutoFit/>
+          </a:bodyPr>
+          <a:lstStyle/>
+          <a:p>
+            <a:r>
+              <a:rPr lang="en-IN" dirty="0"/>
+              <a:t>+</a:t>
+            </a:r>
+          </a:p>
+        </p:txBody>
+      </p:sp>
+      <p:sp>
+        <p:nvSpPr>
+          <p:cNvPr id="1099" name="TextBox 1098">
+            <a:extLst>
+              <a:ext uri="{FF2B5EF4-FFF2-40B4-BE49-F238E27FC236}">
+                <a16:creationId xmlns:a16="http://schemas.microsoft.com/office/drawing/2014/main" id="{9E74B214-552D-69F8-00AC-6073EEE5768C}"/>
+              </a:ext>
+            </a:extLst>
+          </p:cNvPr>
+          <p:cNvSpPr txBox="1"/>
+          <p:nvPr/>
+        </p:nvSpPr>
+        <p:spPr>
+          <a:xfrm>
+            <a:off x="3517332" y="3239393"/>
+            <a:ext cx="295887" cy="369332"/>
+          </a:xfrm>
+          <a:prstGeom prst="rect">
+            <a:avLst/>
+          </a:prstGeom>
+          <a:noFill/>
+        </p:spPr>
+        <p:txBody>
+          <a:bodyPr wrap="square" rtlCol="0">
+            <a:spAutoFit/>
+          </a:bodyPr>
+          <a:lstStyle/>
+          <a:p>
+            <a:r>
+              <a:rPr lang="en-IN" dirty="0"/>
+              <a:t>+</a:t>
+            </a:r>
+          </a:p>
+        </p:txBody>
+      </p:sp>
+      <p:cxnSp>
+        <p:nvCxnSpPr>
+          <p:cNvPr id="1103" name="Connector: Elbow 1102">
+            <a:extLst>
+              <a:ext uri="{FF2B5EF4-FFF2-40B4-BE49-F238E27FC236}">
+                <a16:creationId xmlns:a16="http://schemas.microsoft.com/office/drawing/2014/main" id="{74286DE8-A0DA-5549-556E-3E4791D11CA7}"/>
+              </a:ext>
+            </a:extLst>
+          </p:cNvPr>
+          <p:cNvCxnSpPr>
+            <a:stCxn id="51" idx="3"/>
+            <a:endCxn id="1071" idx="1"/>
+          </p:cNvCxnSpPr>
+          <p:nvPr/>
+        </p:nvCxnSpPr>
+        <p:spPr>
+          <a:xfrm flipV="1">
+            <a:off x="7539248" y="3192576"/>
+            <a:ext cx="1563843" cy="498708"/>
+          </a:xfrm>
+          <a:prstGeom prst="bentConnector3">
+            <a:avLst/>
+          </a:prstGeom>
+          <a:ln>
+            <a:tailEnd type="triangle"/>
+          </a:ln>
+        </p:spPr>
+        <p:style>
+          <a:lnRef idx="1">
+            <a:schemeClr val="accent1"/>
+          </a:lnRef>
+          <a:fillRef idx="0">
+            <a:schemeClr val="accent1"/>
+          </a:fillRef>
+          <a:effectRef idx="0">
+            <a:schemeClr val="accent1"/>
+          </a:effectRef>
+          <a:fontRef idx="minor">
+            <a:schemeClr val="tx1"/>
+          </a:fontRef>
+        </p:style>
+      </p:cxnSp>
+      <p:sp>
+        <p:nvSpPr>
+          <p:cNvPr id="6" name="TextBox 5">
+            <a:extLst>
+              <a:ext uri="{FF2B5EF4-FFF2-40B4-BE49-F238E27FC236}">
+                <a16:creationId xmlns:a16="http://schemas.microsoft.com/office/drawing/2014/main" id="{2633D53A-3D7C-E164-E184-D297DA9BBFE5}"/>
+              </a:ext>
+            </a:extLst>
+          </p:cNvPr>
+          <p:cNvSpPr txBox="1"/>
+          <p:nvPr/>
+        </p:nvSpPr>
+        <p:spPr>
+          <a:xfrm>
+            <a:off x="2381547" y="5924939"/>
+            <a:ext cx="7667522" cy="369332"/>
+          </a:xfrm>
+          <a:prstGeom prst="rect">
+            <a:avLst/>
+          </a:prstGeom>
+          <a:noFill/>
+        </p:spPr>
+        <p:txBody>
+          <a:bodyPr wrap="square" rtlCol="0">
+            <a:spAutoFit/>
+          </a:bodyPr>
+          <a:lstStyle/>
+          <a:p>
+            <a:r>
+              <a:rPr lang="en-IN" dirty="0"/>
+              <a:t>Code: </a:t>
+            </a:r>
+            <a:r>
+              <a:rPr lang="en-IN" sz="1400" dirty="0">
+                <a:hlinkClick r:id="rId4"/>
+              </a:rPr>
+              <a:t>https://github.com/KSoni1505/Fraunhofer_IWES_Interview_Task_Offshore-Decommissioning</a:t>
+            </a:r>
+            <a:r>
+              <a:rPr lang="en-IN" sz="1400" dirty="0"/>
+              <a:t> </a:t>
+            </a:r>
+          </a:p>
+        </p:txBody>
+      </p:sp>
+    </p:spTree>
+    <p:extLst>
+      <p:ext uri="{BB962C8B-B14F-4D97-AF65-F5344CB8AC3E}">
+        <p14:creationId xmlns:p14="http://schemas.microsoft.com/office/powerpoint/2010/main" val="1161363680"/>
+      </p:ext>
+    </p:extLst>
+  </p:cSld>
+  <p:clrMapOvr>
+    <a:masterClrMapping/>
+  </p:clrMapOvr>
+</p:sld>
+</file>
+
+<file path=ppt/slides/slide19.xml><?xml version="1.0" encoding="utf-8"?>
+<p:sld xmlns:a="http://schemas.openxmlformats.org/drawingml/2006/main" xmlns:r="http://schemas.openxmlformats.org/officeDocument/2006/relationships" xmlns:p="http://schemas.openxmlformats.org/presentationml/2006/main">
+  <p:cSld>
+    <p:spTree>
+      <p:nvGrpSpPr>
+        <p:cNvPr id="1" name="">
+          <a:extLst>
+            <a:ext uri="{FF2B5EF4-FFF2-40B4-BE49-F238E27FC236}">
+              <a16:creationId xmlns:a16="http://schemas.microsoft.com/office/drawing/2014/main" id="{04F7EF9A-4D80-DDCE-9DF9-6D393A2DE66D}"/>
+            </a:ext>
+          </a:extLst>
+        </p:cNvPr>
+        <p:cNvGrpSpPr/>
+        <p:nvPr/>
+      </p:nvGrpSpPr>
+      <p:grpSpPr>
+        <a:xfrm>
+          <a:off x="0" y="0"/>
+          <a:ext cx="0" cy="0"/>
+          <a:chOff x="0" y="0"/>
+          <a:chExt cx="0" cy="0"/>
+        </a:xfrm>
+      </p:grpSpPr>
+      <p:pic>
+        <p:nvPicPr>
+          <p:cNvPr id="5" name="Picture 4">
+            <a:extLst>
+              <a:ext uri="{FF2B5EF4-FFF2-40B4-BE49-F238E27FC236}">
+                <a16:creationId xmlns:a16="http://schemas.microsoft.com/office/drawing/2014/main" id="{3F6CF1DE-4EFC-2358-703B-1DD57412F4B4}"/>
+              </a:ext>
+            </a:extLst>
+          </p:cNvPr>
+          <p:cNvPicPr>
+            <a:picLocks noChangeAspect="1"/>
+          </p:cNvPicPr>
+          <p:nvPr/>
+        </p:nvPicPr>
+        <p:blipFill>
+          <a:blip r:embed="rId2">
+            <a:extLst>
+              <a:ext uri="{28A0092B-C50C-407E-A947-70E740481C1C}">
+                <a14:useLocalDpi xmlns:a14="http://schemas.microsoft.com/office/drawing/2010/main" val="0"/>
+              </a:ext>
+            </a:extLst>
+          </a:blip>
+          <a:srcRect/>
+          <a:stretch/>
+        </p:blipFill>
+        <p:spPr>
+          <a:xfrm>
+            <a:off x="284966" y="-15371"/>
+            <a:ext cx="2511357" cy="1412637"/>
+          </a:xfrm>
+          <a:prstGeom prst="rect">
+            <a:avLst/>
+          </a:prstGeom>
+        </p:spPr>
+      </p:pic>
+      <p:sp>
+        <p:nvSpPr>
+          <p:cNvPr id="3" name="Rectangle 2">
+            <a:extLst>
+              <a:ext uri="{FF2B5EF4-FFF2-40B4-BE49-F238E27FC236}">
+                <a16:creationId xmlns:a16="http://schemas.microsoft.com/office/drawing/2014/main" id="{025815B2-824F-C89D-E0D8-9623056D2AD9}"/>
+              </a:ext>
+            </a:extLst>
+          </p:cNvPr>
+          <p:cNvSpPr/>
+          <p:nvPr/>
+        </p:nvSpPr>
+        <p:spPr>
+          <a:xfrm>
+            <a:off x="0" y="6312310"/>
+            <a:ext cx="12192000" cy="545690"/>
+          </a:xfrm>
+          <a:prstGeom prst="rect">
+            <a:avLst/>
+          </a:prstGeom>
+          <a:solidFill>
+            <a:schemeClr val="accent1">
+              <a:lumMod val="60000"/>
+              <a:lumOff val="40000"/>
+            </a:schemeClr>
+          </a:solidFill>
+          <a:ln>
+            <a:solidFill>
+              <a:schemeClr val="accent1">
+                <a:lumMod val="40000"/>
+                <a:lumOff val="60000"/>
+              </a:schemeClr>
+            </a:solidFill>
+          </a:ln>
+        </p:spPr>
+        <p:style>
+          <a:lnRef idx="2">
+            <a:schemeClr val="accent1">
+              <a:shade val="15000"/>
+            </a:schemeClr>
+          </a:lnRef>
+          <a:fillRef idx="1">
+            <a:schemeClr val="accent1"/>
+          </a:fillRef>
+          <a:effectRef idx="0">
+            <a:schemeClr val="accent1"/>
+          </a:effectRef>
+          <a:fontRef idx="minor">
+            <a:schemeClr val="lt1"/>
+          </a:fontRef>
+        </p:style>
+        <p:txBody>
+          <a:bodyPr rtlCol="0" anchor="ctr"/>
+          <a:lstStyle/>
+          <a:p>
+            <a:pPr algn="ctr"/>
+            <a:endParaRPr lang="LID4096" dirty="0">
+              <a:solidFill>
+                <a:schemeClr val="accent1">
+                  <a:lumMod val="60000"/>
+                  <a:lumOff val="40000"/>
+                </a:schemeClr>
+              </a:solidFill>
+            </a:endParaRPr>
+          </a:p>
+        </p:txBody>
+      </p:sp>
+      <p:sp>
+        <p:nvSpPr>
+          <p:cNvPr id="11" name="Date Placeholder 10">
+            <a:extLst>
+              <a:ext uri="{FF2B5EF4-FFF2-40B4-BE49-F238E27FC236}">
+                <a16:creationId xmlns:a16="http://schemas.microsoft.com/office/drawing/2014/main" id="{1FAF7F2C-D2B7-CBEC-DD7D-985577B02C89}"/>
+              </a:ext>
+            </a:extLst>
+          </p:cNvPr>
+          <p:cNvSpPr>
+            <a:spLocks noGrp="1"/>
+          </p:cNvSpPr>
+          <p:nvPr>
+            <p:ph type="dt" sz="half" idx="10"/>
+          </p:nvPr>
+        </p:nvSpPr>
+        <p:spPr/>
+        <p:txBody>
+          <a:bodyPr/>
+          <a:lstStyle/>
+          <a:p>
+            <a:fld id="{313DD33B-839B-46E7-86F0-3CE0E6C0AEB2}" type="datetime1">
+              <a:rPr lang="en-IN" smtClean="0">
+                <a:solidFill>
+                  <a:schemeClr val="tx1"/>
+                </a:solidFill>
+              </a:rPr>
+              <a:t>20-11-2024</a:t>
+            </a:fld>
+            <a:endParaRPr lang="en-IN" dirty="0">
+              <a:solidFill>
+                <a:schemeClr val="tx1"/>
+              </a:solidFill>
+            </a:endParaRPr>
+          </a:p>
+        </p:txBody>
+      </p:sp>
+      <p:sp>
+        <p:nvSpPr>
+          <p:cNvPr id="14" name="Slide Number Placeholder 13">
+            <a:extLst>
+              <a:ext uri="{FF2B5EF4-FFF2-40B4-BE49-F238E27FC236}">
+                <a16:creationId xmlns:a16="http://schemas.microsoft.com/office/drawing/2014/main" id="{ACE3D7F1-59C1-61E4-7CF9-0742BD604F68}"/>
+              </a:ext>
+            </a:extLst>
+          </p:cNvPr>
+          <p:cNvSpPr>
+            <a:spLocks noGrp="1"/>
+          </p:cNvSpPr>
+          <p:nvPr>
+            <p:ph type="sldNum" sz="quarter" idx="12"/>
+          </p:nvPr>
+        </p:nvSpPr>
+        <p:spPr/>
+        <p:txBody>
+          <a:bodyPr/>
+          <a:lstStyle/>
+          <a:p>
+            <a:fld id="{E7687761-FC87-4A57-BD27-270B4C7228C2}" type="slidenum">
+              <a:rPr lang="en-IN" smtClean="0">
+                <a:solidFill>
+                  <a:schemeClr val="tx1"/>
+                </a:solidFill>
+              </a:rPr>
+              <a:t>19</a:t>
+            </a:fld>
+            <a:endParaRPr lang="en-IN" dirty="0">
+              <a:solidFill>
+                <a:schemeClr val="tx1"/>
+              </a:solidFill>
+            </a:endParaRPr>
+          </a:p>
+        </p:txBody>
+      </p:sp>
+      <p:sp>
+        <p:nvSpPr>
+          <p:cNvPr id="2" name="Footer Placeholder 1">
+            <a:extLst>
+              <a:ext uri="{FF2B5EF4-FFF2-40B4-BE49-F238E27FC236}">
+                <a16:creationId xmlns:a16="http://schemas.microsoft.com/office/drawing/2014/main" id="{DD46C07F-A074-B97D-CDDE-D6075D0536ED}"/>
+              </a:ext>
+            </a:extLst>
+          </p:cNvPr>
+          <p:cNvSpPr>
+            <a:spLocks noGrp="1"/>
+          </p:cNvSpPr>
+          <p:nvPr>
+            <p:ph type="ftr" sz="quarter" idx="11"/>
+          </p:nvPr>
+        </p:nvSpPr>
+        <p:spPr>
+          <a:xfrm>
+            <a:off x="4065037" y="6451081"/>
+            <a:ext cx="4114800" cy="365125"/>
+          </a:xfrm>
+        </p:spPr>
+        <p:txBody>
+          <a:bodyPr/>
+          <a:lstStyle/>
+          <a:p>
+            <a:r>
+              <a:rPr lang="en-GB" dirty="0">
+                <a:solidFill>
+                  <a:schemeClr val="tx1"/>
+                </a:solidFill>
+              </a:rPr>
+              <a:t>Offshore Decommissioning</a:t>
+            </a:r>
+            <a:endParaRPr lang="en-IN" dirty="0">
+              <a:solidFill>
+                <a:schemeClr val="tx1"/>
+              </a:solidFill>
+            </a:endParaRPr>
+          </a:p>
+          <a:p>
+            <a:endParaRPr lang="en-IN" dirty="0">
+              <a:solidFill>
+                <a:schemeClr val="tx1"/>
+              </a:solidFill>
+            </a:endParaRPr>
+          </a:p>
+        </p:txBody>
+      </p:sp>
+      <p:pic>
+        <p:nvPicPr>
+          <p:cNvPr id="1026" name="Picture 2" descr="Image result for Franhofer IWES">
+            <a:extLst>
+              <a:ext uri="{FF2B5EF4-FFF2-40B4-BE49-F238E27FC236}">
+                <a16:creationId xmlns:a16="http://schemas.microsoft.com/office/drawing/2014/main" id="{E70A8727-B146-52F0-D0F8-8395CA1C3DE9}"/>
+              </a:ext>
+            </a:extLst>
+          </p:cNvPr>
+          <p:cNvPicPr>
+            <a:picLocks noChangeAspect="1" noChangeArrowheads="1"/>
+          </p:cNvPicPr>
+          <p:nvPr/>
+        </p:nvPicPr>
+        <p:blipFill>
+          <a:blip r:embed="rId3">
+            <a:extLst>
+              <a:ext uri="{28A0092B-C50C-407E-A947-70E740481C1C}">
+                <a14:useLocalDpi xmlns:a14="http://schemas.microsoft.com/office/drawing/2010/main" val="0"/>
+              </a:ext>
+            </a:extLst>
+          </a:blip>
+          <a:srcRect/>
+          <a:stretch>
+            <a:fillRect/>
+          </a:stretch>
+        </p:blipFill>
+        <p:spPr bwMode="auto">
+          <a:xfrm>
+            <a:off x="9317692" y="25539"/>
+            <a:ext cx="2589342" cy="1344614"/>
+          </a:xfrm>
+          <a:prstGeom prst="rect">
+            <a:avLst/>
+          </a:prstGeom>
+          <a:noFill/>
+          <a:extLst>
+            <a:ext uri="{909E8E84-426E-40DD-AFC4-6F175D3DCCD1}">
+              <a14:hiddenFill xmlns:a14="http://schemas.microsoft.com/office/drawing/2010/main">
+                <a:solidFill>
+                  <a:srgbClr val="FFFFFF"/>
+                </a:solidFill>
+              </a14:hiddenFill>
+            </a:ext>
+          </a:extLst>
+        </p:spPr>
+      </p:pic>
+      <p:sp>
+        <p:nvSpPr>
+          <p:cNvPr id="4" name="TextBox 3">
+            <a:extLst>
+              <a:ext uri="{FF2B5EF4-FFF2-40B4-BE49-F238E27FC236}">
+                <a16:creationId xmlns:a16="http://schemas.microsoft.com/office/drawing/2014/main" id="{0E9B8EAB-9312-85A6-EDB5-75900108680F}"/>
+              </a:ext>
+            </a:extLst>
+          </p:cNvPr>
+          <p:cNvSpPr txBox="1"/>
+          <p:nvPr/>
+        </p:nvSpPr>
+        <p:spPr>
+          <a:xfrm>
+            <a:off x="1987420" y="303403"/>
+            <a:ext cx="7330272" cy="584775"/>
+          </a:xfrm>
+          <a:prstGeom prst="rect">
+            <a:avLst/>
+          </a:prstGeom>
+          <a:noFill/>
+        </p:spPr>
+        <p:txBody>
+          <a:bodyPr wrap="square" rtlCol="0">
+            <a:spAutoFit/>
+          </a:bodyPr>
+          <a:lstStyle/>
+          <a:p>
+            <a:pPr algn="ctr"/>
+            <a:r>
+              <a:rPr lang="en-IN" sz="3200" b="1" dirty="0"/>
+              <a:t>6. Flowchart of the code</a:t>
             </a:r>
           </a:p>
         </p:txBody>
@@ -22194,7 +22898,7 @@
 </p:sld>
 </file>
 
-<file path=ppt/slides/slide19.xml><?xml version="1.0" encoding="utf-8"?>
+<file path=ppt/slides/slide2.xml><?xml version="1.0" encoding="utf-8"?>
 <p:sld xmlns:a="http://schemas.openxmlformats.org/drawingml/2006/main" xmlns:r="http://schemas.openxmlformats.org/officeDocument/2006/relationships" xmlns:p="http://schemas.openxmlformats.org/presentationml/2006/main">
   <p:cSld>
     <p:spTree>
@@ -22202,7 +22906,7 @@
         <p:cNvPr id="1" name="">
           <a:extLst>
             <a:ext uri="{FF2B5EF4-FFF2-40B4-BE49-F238E27FC236}">
-              <a16:creationId xmlns:a16="http://schemas.microsoft.com/office/drawing/2014/main" id="{C56AAB35-70ED-7011-D23F-C760F06A7239}"/>
+              <a16:creationId xmlns:a16="http://schemas.microsoft.com/office/drawing/2014/main" id="{158A6CDD-EAE1-3C64-1FBE-2BB9FCCD2394}"/>
             </a:ext>
           </a:extLst>
         </p:cNvPr>
@@ -22222,7 +22926,7 @@
           <p:cNvPr id="5" name="Picture 4">
             <a:extLst>
               <a:ext uri="{FF2B5EF4-FFF2-40B4-BE49-F238E27FC236}">
-                <a16:creationId xmlns:a16="http://schemas.microsoft.com/office/drawing/2014/main" id="{7AE8434C-8ADE-1F6E-9B38-7E0390D87442}"/>
+                <a16:creationId xmlns:a16="http://schemas.microsoft.com/office/drawing/2014/main" id="{362F8AF9-7A27-1040-E35A-9E1EBA17B308}"/>
               </a:ext>
             </a:extLst>
           </p:cNvPr>
@@ -22257,7 +22961,7 @@
           <p:cNvPr id="3" name="Rectangle 2">
             <a:extLst>
               <a:ext uri="{FF2B5EF4-FFF2-40B4-BE49-F238E27FC236}">
-                <a16:creationId xmlns:a16="http://schemas.microsoft.com/office/drawing/2014/main" id="{2D7E4AB8-AB5F-9DC3-9E18-654B3D344E92}"/>
+                <a16:creationId xmlns:a16="http://schemas.microsoft.com/office/drawing/2014/main" id="{82B37595-9306-2538-A3A1-4F9FA36DE3D1}"/>
               </a:ext>
             </a:extLst>
           </p:cNvPr>
@@ -22324,710 +23028,6 @@
           <p:cNvPr id="11" name="Date Placeholder 10">
             <a:extLst>
               <a:ext uri="{FF2B5EF4-FFF2-40B4-BE49-F238E27FC236}">
-                <a16:creationId xmlns:a16="http://schemas.microsoft.com/office/drawing/2014/main" id="{B22212EE-8E3F-946C-2F4A-C3DD9968FD51}"/>
-              </a:ext>
-            </a:extLst>
-          </p:cNvPr>
-          <p:cNvSpPr>
-            <a:spLocks noGrp="1"/>
-          </p:cNvSpPr>
-          <p:nvPr>
-            <p:ph type="dt" sz="half" idx="10"/>
-          </p:nvPr>
-        </p:nvSpPr>
-        <p:spPr/>
-        <p:txBody>
-          <a:bodyPr/>
-          <a:lstStyle/>
-          <a:p>
-            <a:fld id="{313DD33B-839B-46E7-86F0-3CE0E6C0AEB2}" type="datetime1">
-              <a:rPr lang="en-IN" smtClean="0">
-                <a:solidFill>
-                  <a:schemeClr val="tx1"/>
-                </a:solidFill>
-              </a:rPr>
-              <a:t>20-11-2024</a:t>
-            </a:fld>
-            <a:endParaRPr lang="en-IN" dirty="0">
-              <a:solidFill>
-                <a:schemeClr val="tx1"/>
-              </a:solidFill>
-            </a:endParaRPr>
-          </a:p>
-        </p:txBody>
-      </p:sp>
-      <p:sp>
-        <p:nvSpPr>
-          <p:cNvPr id="14" name="Slide Number Placeholder 13">
-            <a:extLst>
-              <a:ext uri="{FF2B5EF4-FFF2-40B4-BE49-F238E27FC236}">
-                <a16:creationId xmlns:a16="http://schemas.microsoft.com/office/drawing/2014/main" id="{EAA176BA-ABAE-D66E-8E15-D6EACB29E1C3}"/>
-              </a:ext>
-            </a:extLst>
-          </p:cNvPr>
-          <p:cNvSpPr>
-            <a:spLocks noGrp="1"/>
-          </p:cNvSpPr>
-          <p:nvPr>
-            <p:ph type="sldNum" sz="quarter" idx="12"/>
-          </p:nvPr>
-        </p:nvSpPr>
-        <p:spPr/>
-        <p:txBody>
-          <a:bodyPr/>
-          <a:lstStyle/>
-          <a:p>
-            <a:fld id="{E7687761-FC87-4A57-BD27-270B4C7228C2}" type="slidenum">
-              <a:rPr lang="en-IN" smtClean="0">
-                <a:solidFill>
-                  <a:schemeClr val="tx1"/>
-                </a:solidFill>
-              </a:rPr>
-              <a:t>19</a:t>
-            </a:fld>
-            <a:endParaRPr lang="en-IN" dirty="0">
-              <a:solidFill>
-                <a:schemeClr val="tx1"/>
-              </a:solidFill>
-            </a:endParaRPr>
-          </a:p>
-        </p:txBody>
-      </p:sp>
-      <p:sp>
-        <p:nvSpPr>
-          <p:cNvPr id="2" name="Footer Placeholder 1">
-            <a:extLst>
-              <a:ext uri="{FF2B5EF4-FFF2-40B4-BE49-F238E27FC236}">
-                <a16:creationId xmlns:a16="http://schemas.microsoft.com/office/drawing/2014/main" id="{3F1B0384-C549-EE1D-2FA9-D31BA695390D}"/>
-              </a:ext>
-            </a:extLst>
-          </p:cNvPr>
-          <p:cNvSpPr>
-            <a:spLocks noGrp="1"/>
-          </p:cNvSpPr>
-          <p:nvPr>
-            <p:ph type="ftr" sz="quarter" idx="11"/>
-          </p:nvPr>
-        </p:nvSpPr>
-        <p:spPr>
-          <a:xfrm>
-            <a:off x="4065037" y="6451081"/>
-            <a:ext cx="4114800" cy="365125"/>
-          </a:xfrm>
-        </p:spPr>
-        <p:txBody>
-          <a:bodyPr/>
-          <a:lstStyle/>
-          <a:p>
-            <a:r>
-              <a:rPr lang="en-GB" dirty="0">
-                <a:solidFill>
-                  <a:schemeClr val="tx1"/>
-                </a:solidFill>
-              </a:rPr>
-              <a:t>Offshore Decommissioning</a:t>
-            </a:r>
-            <a:endParaRPr lang="en-IN" dirty="0">
-              <a:solidFill>
-                <a:schemeClr val="tx1"/>
-              </a:solidFill>
-            </a:endParaRPr>
-          </a:p>
-          <a:p>
-            <a:endParaRPr lang="en-IN" dirty="0">
-              <a:solidFill>
-                <a:schemeClr val="tx1"/>
-              </a:solidFill>
-            </a:endParaRPr>
-          </a:p>
-        </p:txBody>
-      </p:sp>
-      <p:pic>
-        <p:nvPicPr>
-          <p:cNvPr id="1026" name="Picture 2" descr="Image result for Franhofer IWES">
-            <a:extLst>
-              <a:ext uri="{FF2B5EF4-FFF2-40B4-BE49-F238E27FC236}">
-                <a16:creationId xmlns:a16="http://schemas.microsoft.com/office/drawing/2014/main" id="{60C04C6D-9C49-9F3B-9CC9-48B6C3685D53}"/>
-              </a:ext>
-            </a:extLst>
-          </p:cNvPr>
-          <p:cNvPicPr>
-            <a:picLocks noChangeAspect="1" noChangeArrowheads="1"/>
-          </p:cNvPicPr>
-          <p:nvPr/>
-        </p:nvPicPr>
-        <p:blipFill>
-          <a:blip r:embed="rId3">
-            <a:extLst>
-              <a:ext uri="{28A0092B-C50C-407E-A947-70E740481C1C}">
-                <a14:useLocalDpi xmlns:a14="http://schemas.microsoft.com/office/drawing/2010/main" val="0"/>
-              </a:ext>
-            </a:extLst>
-          </a:blip>
-          <a:srcRect/>
-          <a:stretch>
-            <a:fillRect/>
-          </a:stretch>
-        </p:blipFill>
-        <p:spPr bwMode="auto">
-          <a:xfrm>
-            <a:off x="9317692" y="25539"/>
-            <a:ext cx="2589342" cy="1344614"/>
-          </a:xfrm>
-          <a:prstGeom prst="rect">
-            <a:avLst/>
-          </a:prstGeom>
-          <a:noFill/>
-          <a:extLst>
-            <a:ext uri="{909E8E84-426E-40DD-AFC4-6F175D3DCCD1}">
-              <a14:hiddenFill xmlns:a14="http://schemas.microsoft.com/office/drawing/2010/main">
-                <a:solidFill>
-                  <a:srgbClr val="FFFFFF"/>
-                </a:solidFill>
-              </a14:hiddenFill>
-            </a:ext>
-          </a:extLst>
-        </p:spPr>
-      </p:pic>
-      <p:sp>
-        <p:nvSpPr>
-          <p:cNvPr id="4" name="TextBox 3">
-            <a:extLst>
-              <a:ext uri="{FF2B5EF4-FFF2-40B4-BE49-F238E27FC236}">
-                <a16:creationId xmlns:a16="http://schemas.microsoft.com/office/drawing/2014/main" id="{662653B3-F9F4-49D2-35F3-2780077DC540}"/>
-              </a:ext>
-            </a:extLst>
-          </p:cNvPr>
-          <p:cNvSpPr txBox="1"/>
-          <p:nvPr/>
-        </p:nvSpPr>
-        <p:spPr>
-          <a:xfrm>
-            <a:off x="1987420" y="303403"/>
-            <a:ext cx="7330272" cy="1077218"/>
-          </a:xfrm>
-          <a:prstGeom prst="rect">
-            <a:avLst/>
-          </a:prstGeom>
-          <a:noFill/>
-        </p:spPr>
-        <p:txBody>
-          <a:bodyPr wrap="square" rtlCol="0">
-            <a:spAutoFit/>
-          </a:bodyPr>
-          <a:lstStyle/>
-          <a:p>
-            <a:pPr algn="ctr"/>
-            <a:r>
-              <a:rPr lang="en-IN" sz="3200" b="1" dirty="0"/>
-              <a:t>6. </a:t>
-            </a:r>
-            <a:r>
-              <a:rPr lang="en-US" sz="3200" b="1" dirty="0"/>
-              <a:t>Fuel Usage, CO2 Emissions, and Cost Analysis for Ships</a:t>
-            </a:r>
-            <a:endParaRPr lang="en-IN" sz="3200" b="1" dirty="0"/>
-          </a:p>
-        </p:txBody>
-      </p:sp>
-      <p:cxnSp>
-        <p:nvCxnSpPr>
-          <p:cNvPr id="7" name="Straight Connector 6">
-            <a:extLst>
-              <a:ext uri="{FF2B5EF4-FFF2-40B4-BE49-F238E27FC236}">
-                <a16:creationId xmlns:a16="http://schemas.microsoft.com/office/drawing/2014/main" id="{0203ED00-7F3C-58A3-440F-059CEC377CA4}"/>
-              </a:ext>
-            </a:extLst>
-          </p:cNvPr>
-          <p:cNvCxnSpPr>
-            <a:cxnSpLocks/>
-          </p:cNvCxnSpPr>
-          <p:nvPr/>
-        </p:nvCxnSpPr>
-        <p:spPr>
-          <a:xfrm flipH="1">
-            <a:off x="0" y="1306286"/>
-            <a:ext cx="12192000" cy="0"/>
-          </a:xfrm>
-          <a:prstGeom prst="line">
-            <a:avLst/>
-          </a:prstGeom>
-        </p:spPr>
-        <p:style>
-          <a:lnRef idx="1">
-            <a:schemeClr val="accent1"/>
-          </a:lnRef>
-          <a:fillRef idx="0">
-            <a:schemeClr val="accent1"/>
-          </a:fillRef>
-          <a:effectRef idx="0">
-            <a:schemeClr val="accent1"/>
-          </a:effectRef>
-          <a:fontRef idx="minor">
-            <a:schemeClr val="tx1"/>
-          </a:fontRef>
-        </p:style>
-      </p:cxnSp>
-      <p:pic>
-        <p:nvPicPr>
-          <p:cNvPr id="8" name="Picture 7">
-            <a:extLst>
-              <a:ext uri="{FF2B5EF4-FFF2-40B4-BE49-F238E27FC236}">
-                <a16:creationId xmlns:a16="http://schemas.microsoft.com/office/drawing/2014/main" id="{CAD5C3AE-8C6E-CC69-68F1-DDFA4E3A6315}"/>
-              </a:ext>
-            </a:extLst>
-          </p:cNvPr>
-          <p:cNvPicPr>
-            <a:picLocks noChangeAspect="1"/>
-          </p:cNvPicPr>
-          <p:nvPr/>
-        </p:nvPicPr>
-        <p:blipFill>
-          <a:blip r:embed="rId4">
-            <a:extLst>
-              <a:ext uri="{28A0092B-C50C-407E-A947-70E740481C1C}">
-                <a14:useLocalDpi xmlns:a14="http://schemas.microsoft.com/office/drawing/2010/main" val="0"/>
-              </a:ext>
-            </a:extLst>
-          </a:blip>
-          <a:srcRect/>
-          <a:stretch/>
-        </p:blipFill>
-        <p:spPr>
-          <a:xfrm>
-            <a:off x="0" y="1918592"/>
-            <a:ext cx="5865853" cy="3519512"/>
-          </a:xfrm>
-          <a:prstGeom prst="rect">
-            <a:avLst/>
-          </a:prstGeom>
-        </p:spPr>
-      </p:pic>
-      <p:pic>
-        <p:nvPicPr>
-          <p:cNvPr id="10" name="Picture 9">
-            <a:extLst>
-              <a:ext uri="{FF2B5EF4-FFF2-40B4-BE49-F238E27FC236}">
-                <a16:creationId xmlns:a16="http://schemas.microsoft.com/office/drawing/2014/main" id="{D1B230EE-EF62-7190-E592-33BF3B6764C9}"/>
-              </a:ext>
-            </a:extLst>
-          </p:cNvPr>
-          <p:cNvPicPr>
-            <a:picLocks noChangeAspect="1"/>
-          </p:cNvPicPr>
-          <p:nvPr/>
-        </p:nvPicPr>
-        <p:blipFill>
-          <a:blip r:embed="rId5">
-            <a:extLst>
-              <a:ext uri="{28A0092B-C50C-407E-A947-70E740481C1C}">
-                <a14:useLocalDpi xmlns:a14="http://schemas.microsoft.com/office/drawing/2010/main" val="0"/>
-              </a:ext>
-            </a:extLst>
-          </a:blip>
-          <a:srcRect/>
-          <a:stretch/>
-        </p:blipFill>
-        <p:spPr>
-          <a:xfrm>
-            <a:off x="6122437" y="1918593"/>
-            <a:ext cx="5865853" cy="3519512"/>
-          </a:xfrm>
-          <a:prstGeom prst="rect">
-            <a:avLst/>
-          </a:prstGeom>
-        </p:spPr>
-      </p:pic>
-      <p:sp>
-        <p:nvSpPr>
-          <p:cNvPr id="12" name="TextBox 11">
-            <a:extLst>
-              <a:ext uri="{FF2B5EF4-FFF2-40B4-BE49-F238E27FC236}">
-                <a16:creationId xmlns:a16="http://schemas.microsoft.com/office/drawing/2014/main" id="{13F8430C-E5E0-D59D-1976-3EC466D350D0}"/>
-              </a:ext>
-            </a:extLst>
-          </p:cNvPr>
-          <p:cNvSpPr txBox="1"/>
-          <p:nvPr/>
-        </p:nvSpPr>
-        <p:spPr>
-          <a:xfrm>
-            <a:off x="630198" y="5576875"/>
-            <a:ext cx="5580888" cy="307777"/>
-          </a:xfrm>
-          <a:prstGeom prst="rect">
-            <a:avLst/>
-          </a:prstGeom>
-          <a:noFill/>
-        </p:spPr>
-        <p:txBody>
-          <a:bodyPr wrap="square">
-            <a:spAutoFit/>
-          </a:bodyPr>
-          <a:lstStyle/>
-          <a:p>
-            <a:r>
-              <a:rPr lang="en-IN" sz="1400" b="1" kern="100" dirty="0">
-                <a:effectLst/>
-                <a:latin typeface="Aptos" panose="020B0004020202020204" pitchFamily="34" charset="0"/>
-                <a:ea typeface="Aptos" panose="020B0004020202020204" pitchFamily="34" charset="0"/>
-                <a:cs typeface="Times New Roman" panose="02020603050405020304" pitchFamily="18" charset="0"/>
-              </a:rPr>
-              <a:t>Figure </a:t>
-            </a:r>
-            <a:r>
-              <a:rPr lang="en-IN" sz="1400" b="1" kern="100" dirty="0">
-                <a:latin typeface="Aptos" panose="020B0004020202020204" pitchFamily="34" charset="0"/>
-                <a:ea typeface="Aptos" panose="020B0004020202020204" pitchFamily="34" charset="0"/>
-                <a:cs typeface="Times New Roman" panose="02020603050405020304" pitchFamily="18" charset="0"/>
-              </a:rPr>
-              <a:t>6</a:t>
-            </a:r>
-            <a:r>
-              <a:rPr lang="en-IN" sz="1400" b="1" kern="100" dirty="0">
-                <a:effectLst/>
-                <a:latin typeface="Aptos" panose="020B0004020202020204" pitchFamily="34" charset="0"/>
-                <a:ea typeface="Aptos" panose="020B0004020202020204" pitchFamily="34" charset="0"/>
-                <a:cs typeface="Times New Roman" panose="02020603050405020304" pitchFamily="18" charset="0"/>
-              </a:rPr>
-              <a:t>.1</a:t>
-            </a:r>
-            <a:r>
-              <a:rPr lang="en-IN" sz="1400" b="1" kern="100" dirty="0">
-                <a:latin typeface="Aptos" panose="020B0004020202020204" pitchFamily="34" charset="0"/>
-                <a:ea typeface="Aptos" panose="020B0004020202020204" pitchFamily="34" charset="0"/>
-                <a:cs typeface="Times New Roman" panose="02020603050405020304" pitchFamily="18" charset="0"/>
-              </a:rPr>
-              <a:t>:</a:t>
-            </a:r>
-            <a:r>
-              <a:rPr lang="en-IN" sz="1400" kern="100" dirty="0">
-                <a:effectLst/>
-                <a:latin typeface="Aptos" panose="020B0004020202020204" pitchFamily="34" charset="0"/>
-                <a:ea typeface="Aptos" panose="020B0004020202020204" pitchFamily="34" charset="0"/>
-                <a:cs typeface="Times New Roman" panose="02020603050405020304" pitchFamily="18" charset="0"/>
-              </a:rPr>
-              <a:t> Energy Consumption</a:t>
-            </a:r>
-            <a:r>
-              <a:rPr lang="en-IN" sz="1400" kern="100" dirty="0">
-                <a:latin typeface="Aptos" panose="020B0004020202020204" pitchFamily="34" charset="0"/>
-                <a:ea typeface="Aptos" panose="020B0004020202020204" pitchFamily="34" charset="0"/>
-                <a:cs typeface="Times New Roman" panose="02020603050405020304" pitchFamily="18" charset="0"/>
-              </a:rPr>
-              <a:t> Vs Co2 Emission</a:t>
-            </a:r>
-            <a:r>
-              <a:rPr lang="en-IN" sz="1400" kern="100" dirty="0">
-                <a:effectLst/>
-                <a:latin typeface="Aptos" panose="020B0004020202020204" pitchFamily="34" charset="0"/>
-                <a:ea typeface="Aptos" panose="020B0004020202020204" pitchFamily="34" charset="0"/>
-                <a:cs typeface="Times New Roman" panose="02020603050405020304" pitchFamily="18" charset="0"/>
-              </a:rPr>
-              <a:t> </a:t>
-            </a:r>
-            <a:r>
-              <a:rPr lang="en-IN" sz="1400" kern="100" dirty="0">
-                <a:solidFill>
-                  <a:schemeClr val="accent5">
-                    <a:lumMod val="75000"/>
-                  </a:schemeClr>
-                </a:solidFill>
-                <a:effectLst/>
-                <a:latin typeface="Aptos" panose="020B0004020202020204" pitchFamily="34" charset="0"/>
-                <a:ea typeface="Aptos" panose="020B0004020202020204" pitchFamily="34" charset="0"/>
-                <a:cs typeface="Times New Roman" panose="02020603050405020304" pitchFamily="18" charset="0"/>
-              </a:rPr>
-              <a:t>[</a:t>
-            </a:r>
-            <a:r>
-              <a:rPr lang="en-IN" sz="1400" kern="100" dirty="0">
-                <a:solidFill>
-                  <a:schemeClr val="accent5">
-                    <a:lumMod val="75000"/>
-                  </a:schemeClr>
-                </a:solidFill>
-                <a:latin typeface="Aptos" panose="020B0004020202020204" pitchFamily="34" charset="0"/>
-                <a:ea typeface="Aptos" panose="020B0004020202020204" pitchFamily="34" charset="0"/>
-                <a:cs typeface="Times New Roman" panose="02020603050405020304" pitchFamily="18" charset="0"/>
-              </a:rPr>
-              <a:t>own drawing</a:t>
-            </a:r>
-            <a:r>
-              <a:rPr lang="en-IN" sz="1400" kern="100" dirty="0">
-                <a:solidFill>
-                  <a:schemeClr val="accent5">
-                    <a:lumMod val="75000"/>
-                  </a:schemeClr>
-                </a:solidFill>
-                <a:effectLst/>
-                <a:latin typeface="Aptos" panose="020B0004020202020204" pitchFamily="34" charset="0"/>
-                <a:ea typeface="Aptos" panose="020B0004020202020204" pitchFamily="34" charset="0"/>
-                <a:cs typeface="Times New Roman" panose="02020603050405020304" pitchFamily="18" charset="0"/>
-              </a:rPr>
-              <a:t>]</a:t>
-            </a:r>
-          </a:p>
-        </p:txBody>
-      </p:sp>
-      <p:sp>
-        <p:nvSpPr>
-          <p:cNvPr id="15" name="TextBox 14">
-            <a:extLst>
-              <a:ext uri="{FF2B5EF4-FFF2-40B4-BE49-F238E27FC236}">
-                <a16:creationId xmlns:a16="http://schemas.microsoft.com/office/drawing/2014/main" id="{19B2A63E-6DE2-2C63-8FD7-EF92CA4E2273}"/>
-              </a:ext>
-            </a:extLst>
-          </p:cNvPr>
-          <p:cNvSpPr txBox="1"/>
-          <p:nvPr/>
-        </p:nvSpPr>
-        <p:spPr>
-          <a:xfrm>
-            <a:off x="7117713" y="5536494"/>
-            <a:ext cx="4444090" cy="307777"/>
-          </a:xfrm>
-          <a:prstGeom prst="rect">
-            <a:avLst/>
-          </a:prstGeom>
-          <a:noFill/>
-        </p:spPr>
-        <p:txBody>
-          <a:bodyPr wrap="square">
-            <a:spAutoFit/>
-          </a:bodyPr>
-          <a:lstStyle/>
-          <a:p>
-            <a:r>
-              <a:rPr lang="en-IN" sz="1400" b="1" kern="100" dirty="0">
-                <a:effectLst/>
-                <a:latin typeface="Aptos" panose="020B0004020202020204" pitchFamily="34" charset="0"/>
-                <a:ea typeface="Aptos" panose="020B0004020202020204" pitchFamily="34" charset="0"/>
-                <a:cs typeface="Times New Roman" panose="02020603050405020304" pitchFamily="18" charset="0"/>
-              </a:rPr>
-              <a:t>Figure 6.2</a:t>
-            </a:r>
-            <a:r>
-              <a:rPr lang="en-IN" sz="1400" b="1" kern="100" dirty="0">
-                <a:latin typeface="Aptos" panose="020B0004020202020204" pitchFamily="34" charset="0"/>
-                <a:ea typeface="Aptos" panose="020B0004020202020204" pitchFamily="34" charset="0"/>
-                <a:cs typeface="Times New Roman" panose="02020603050405020304" pitchFamily="18" charset="0"/>
-              </a:rPr>
-              <a:t>:</a:t>
-            </a:r>
-            <a:r>
-              <a:rPr lang="en-IN" sz="1400" kern="100" dirty="0">
-                <a:effectLst/>
-                <a:latin typeface="Aptos" panose="020B0004020202020204" pitchFamily="34" charset="0"/>
-                <a:ea typeface="Aptos" panose="020B0004020202020204" pitchFamily="34" charset="0"/>
-                <a:cs typeface="Times New Roman" panose="02020603050405020304" pitchFamily="18" charset="0"/>
-              </a:rPr>
-              <a:t> Energy Consumption</a:t>
-            </a:r>
-            <a:r>
-              <a:rPr lang="en-IN" sz="1400" kern="100" dirty="0">
-                <a:latin typeface="Aptos" panose="020B0004020202020204" pitchFamily="34" charset="0"/>
-                <a:ea typeface="Aptos" panose="020B0004020202020204" pitchFamily="34" charset="0"/>
-                <a:cs typeface="Times New Roman" panose="02020603050405020304" pitchFamily="18" charset="0"/>
-              </a:rPr>
-              <a:t> Vs Cost</a:t>
-            </a:r>
-            <a:r>
-              <a:rPr lang="en-IN" sz="1400" kern="100" dirty="0">
-                <a:effectLst/>
-                <a:latin typeface="Aptos" panose="020B0004020202020204" pitchFamily="34" charset="0"/>
-                <a:ea typeface="Aptos" panose="020B0004020202020204" pitchFamily="34" charset="0"/>
-                <a:cs typeface="Times New Roman" panose="02020603050405020304" pitchFamily="18" charset="0"/>
-              </a:rPr>
-              <a:t> </a:t>
-            </a:r>
-            <a:r>
-              <a:rPr lang="en-IN" sz="1400" kern="100" dirty="0">
-                <a:solidFill>
-                  <a:schemeClr val="accent5">
-                    <a:lumMod val="75000"/>
-                  </a:schemeClr>
-                </a:solidFill>
-                <a:effectLst/>
-                <a:latin typeface="Aptos" panose="020B0004020202020204" pitchFamily="34" charset="0"/>
-                <a:ea typeface="Aptos" panose="020B0004020202020204" pitchFamily="34" charset="0"/>
-                <a:cs typeface="Times New Roman" panose="02020603050405020304" pitchFamily="18" charset="0"/>
-              </a:rPr>
-              <a:t>[</a:t>
-            </a:r>
-            <a:r>
-              <a:rPr lang="en-IN" sz="1400" kern="100" dirty="0">
-                <a:solidFill>
-                  <a:schemeClr val="accent5">
-                    <a:lumMod val="75000"/>
-                  </a:schemeClr>
-                </a:solidFill>
-                <a:latin typeface="Aptos" panose="020B0004020202020204" pitchFamily="34" charset="0"/>
-                <a:ea typeface="Aptos" panose="020B0004020202020204" pitchFamily="34" charset="0"/>
-                <a:cs typeface="Times New Roman" panose="02020603050405020304" pitchFamily="18" charset="0"/>
-              </a:rPr>
-              <a:t>own drawing</a:t>
-            </a:r>
-            <a:r>
-              <a:rPr lang="en-IN" sz="1400" kern="100" dirty="0">
-                <a:solidFill>
-                  <a:schemeClr val="accent5">
-                    <a:lumMod val="75000"/>
-                  </a:schemeClr>
-                </a:solidFill>
-                <a:effectLst/>
-                <a:latin typeface="Aptos" panose="020B0004020202020204" pitchFamily="34" charset="0"/>
-                <a:ea typeface="Aptos" panose="020B0004020202020204" pitchFamily="34" charset="0"/>
-                <a:cs typeface="Times New Roman" panose="02020603050405020304" pitchFamily="18" charset="0"/>
-              </a:rPr>
-              <a:t>]</a:t>
-            </a:r>
-          </a:p>
-        </p:txBody>
-      </p:sp>
-    </p:spTree>
-    <p:extLst>
-      <p:ext uri="{BB962C8B-B14F-4D97-AF65-F5344CB8AC3E}">
-        <p14:creationId xmlns:p14="http://schemas.microsoft.com/office/powerpoint/2010/main" val="2133686698"/>
-      </p:ext>
-    </p:extLst>
-  </p:cSld>
-  <p:clrMapOvr>
-    <a:masterClrMapping/>
-  </p:clrMapOvr>
-</p:sld>
-</file>
-
-<file path=ppt/slides/slide2.xml><?xml version="1.0" encoding="utf-8"?>
-<p:sld xmlns:a="http://schemas.openxmlformats.org/drawingml/2006/main" xmlns:r="http://schemas.openxmlformats.org/officeDocument/2006/relationships" xmlns:p="http://schemas.openxmlformats.org/presentationml/2006/main">
-  <p:cSld>
-    <p:spTree>
-      <p:nvGrpSpPr>
-        <p:cNvPr id="1" name="">
-          <a:extLst>
-            <a:ext uri="{FF2B5EF4-FFF2-40B4-BE49-F238E27FC236}">
-              <a16:creationId xmlns:a16="http://schemas.microsoft.com/office/drawing/2014/main" id="{158A6CDD-EAE1-3C64-1FBE-2BB9FCCD2394}"/>
-            </a:ext>
-          </a:extLst>
-        </p:cNvPr>
-        <p:cNvGrpSpPr/>
-        <p:nvPr/>
-      </p:nvGrpSpPr>
-      <p:grpSpPr>
-        <a:xfrm>
-          <a:off x="0" y="0"/>
-          <a:ext cx="0" cy="0"/>
-          <a:chOff x="0" y="0"/>
-          <a:chExt cx="0" cy="0"/>
-        </a:xfrm>
-      </p:grpSpPr>
-      <p:pic>
-        <p:nvPicPr>
-          <p:cNvPr id="5" name="Picture 4">
-            <a:extLst>
-              <a:ext uri="{FF2B5EF4-FFF2-40B4-BE49-F238E27FC236}">
-                <a16:creationId xmlns:a16="http://schemas.microsoft.com/office/drawing/2014/main" id="{362F8AF9-7A27-1040-E35A-9E1EBA17B308}"/>
-              </a:ext>
-            </a:extLst>
-          </p:cNvPr>
-          <p:cNvPicPr>
-            <a:picLocks noChangeAspect="1"/>
-          </p:cNvPicPr>
-          <p:nvPr/>
-        </p:nvPicPr>
-        <p:blipFill>
-          <a:blip r:embed="rId2">
-            <a:extLst>
-              <a:ext uri="{28A0092B-C50C-407E-A947-70E740481C1C}">
-                <a14:useLocalDpi xmlns:a14="http://schemas.microsoft.com/office/drawing/2010/main" val="0"/>
-              </a:ext>
-            </a:extLst>
-          </a:blip>
-          <a:srcRect/>
-          <a:stretch/>
-        </p:blipFill>
-        <p:spPr>
-          <a:xfrm>
-            <a:off x="284966" y="-15371"/>
-            <a:ext cx="2511357" cy="1412637"/>
-          </a:xfrm>
-          <a:prstGeom prst="rect">
-            <a:avLst/>
-          </a:prstGeom>
-        </p:spPr>
-      </p:pic>
-      <p:sp>
-        <p:nvSpPr>
-          <p:cNvPr id="3" name="Rectangle 2">
-            <a:extLst>
-              <a:ext uri="{FF2B5EF4-FFF2-40B4-BE49-F238E27FC236}">
-                <a16:creationId xmlns:a16="http://schemas.microsoft.com/office/drawing/2014/main" id="{82B37595-9306-2538-A3A1-4F9FA36DE3D1}"/>
-              </a:ext>
-            </a:extLst>
-          </p:cNvPr>
-          <p:cNvSpPr/>
-          <p:nvPr/>
-        </p:nvSpPr>
-        <p:spPr>
-          <a:xfrm>
-            <a:off x="0" y="6312310"/>
-            <a:ext cx="12192000" cy="545690"/>
-          </a:xfrm>
-          <a:prstGeom prst="rect">
-            <a:avLst/>
-          </a:prstGeom>
-          <a:solidFill>
-            <a:schemeClr val="accent1">
-              <a:lumMod val="60000"/>
-              <a:lumOff val="40000"/>
-            </a:schemeClr>
-          </a:solidFill>
-          <a:ln>
-            <a:solidFill>
-              <a:schemeClr val="accent1">
-                <a:lumMod val="40000"/>
-                <a:lumOff val="60000"/>
-              </a:schemeClr>
-            </a:solidFill>
-          </a:ln>
-        </p:spPr>
-        <p:style>
-          <a:lnRef idx="2">
-            <a:schemeClr val="accent1">
-              <a:shade val="15000"/>
-            </a:schemeClr>
-          </a:lnRef>
-          <a:fillRef idx="1">
-            <a:schemeClr val="accent1"/>
-          </a:fillRef>
-          <a:effectRef idx="0">
-            <a:schemeClr val="accent1"/>
-          </a:effectRef>
-          <a:fontRef idx="minor">
-            <a:schemeClr val="lt1"/>
-          </a:fontRef>
-        </p:style>
-        <p:txBody>
-          <a:bodyPr rtlCol="0" anchor="ctr"/>
-          <a:lstStyle/>
-          <a:p>
-            <a:pPr algn="ctr"/>
-            <a:endParaRPr lang="LID4096" dirty="0">
-              <a:solidFill>
-                <a:schemeClr val="accent1">
-                  <a:lumMod val="60000"/>
-                  <a:lumOff val="40000"/>
-                </a:schemeClr>
-              </a:solidFill>
-            </a:endParaRPr>
-          </a:p>
-        </p:txBody>
-      </p:sp>
-      <p:sp>
-        <p:nvSpPr>
-          <p:cNvPr id="11" name="Date Placeholder 10">
-            <a:extLst>
-              <a:ext uri="{FF2B5EF4-FFF2-40B4-BE49-F238E27FC236}">
                 <a16:creationId xmlns:a16="http://schemas.microsoft.com/office/drawing/2014/main" id="{3146560E-8EC8-3CA3-C094-68FCCFFE5033}"/>
               </a:ext>
             </a:extLst>
@@ -23355,8 +23355,8 @@
               <a:buAutoNum type="arabicPeriod"/>
             </a:pPr>
             <a:r>
-              <a:rPr lang="en-IN" sz="2400" dirty="0"/>
-              <a:t>Flow chart of the code</a:t>
+              <a:rPr lang="en-US" sz="2400" dirty="0"/>
+              <a:t>Fuel Usage, CO2 Emissions, and Cost Analysis for Ships</a:t>
             </a:r>
           </a:p>
           <a:p>
@@ -23368,8 +23368,8 @@
               <a:buAutoNum type="arabicPeriod"/>
             </a:pPr>
             <a:r>
-              <a:rPr lang="en-US" sz="2400" dirty="0"/>
-              <a:t>Fuel Usage, CO2 Emissions, and Cost Analysis for Ships</a:t>
+              <a:rPr lang="en-IN" sz="2400"/>
+              <a:t>Flow chart of the code</a:t>
             </a:r>
             <a:endParaRPr lang="en-IN" sz="2400" dirty="0"/>
           </a:p>

--- a/IWES/IWES_Task.pptx
+++ b/IWES/IWES_Task.pptx
@@ -22,8 +22,8 @@
     <p:sldId id="268" r:id="rId13"/>
     <p:sldId id="269" r:id="rId14"/>
     <p:sldId id="270" r:id="rId15"/>
-    <p:sldId id="271" r:id="rId16"/>
-    <p:sldId id="272" r:id="rId17"/>
+    <p:sldId id="272" r:id="rId16"/>
+    <p:sldId id="271" r:id="rId17"/>
     <p:sldId id="273" r:id="rId18"/>
     <p:sldId id="275" r:id="rId19"/>
     <p:sldId id="274" r:id="rId20"/>
@@ -4314,7 +4314,7 @@
           <a:p>
             <a:fld id="{A5C718D9-2C87-4814-8471-598F3A0B7D9E}" type="datetimeFigureOut">
               <a:rPr lang="en-IN" smtClean="0"/>
-              <a:t>20-11-2024</a:t>
+              <a:t>21-11-2024</a:t>
             </a:fld>
             <a:endParaRPr lang="en-IN"/>
           </a:p>
@@ -4731,7 +4731,7 @@
           <a:p>
             <a:fld id="{0AED1C6D-64A9-4E2D-9A6C-E91105B63EC9}" type="datetime1">
               <a:rPr lang="en-IN" smtClean="0"/>
-              <a:t>20-11-2024</a:t>
+              <a:t>21-11-2024</a:t>
             </a:fld>
             <a:endParaRPr lang="en-IN"/>
           </a:p>
@@ -4935,7 +4935,7 @@
           <a:p>
             <a:fld id="{DFEE0DA8-2651-4482-A0A2-AFA6C595E0B7}" type="datetime1">
               <a:rPr lang="en-IN" smtClean="0"/>
-              <a:t>20-11-2024</a:t>
+              <a:t>21-11-2024</a:t>
             </a:fld>
             <a:endParaRPr lang="en-IN"/>
           </a:p>
@@ -5149,7 +5149,7 @@
           <a:p>
             <a:fld id="{6CFC59C5-25AD-40A2-B8B6-710A7403660D}" type="datetime1">
               <a:rPr lang="en-IN" smtClean="0"/>
-              <a:t>20-11-2024</a:t>
+              <a:t>21-11-2024</a:t>
             </a:fld>
             <a:endParaRPr lang="en-IN"/>
           </a:p>
@@ -5375,7 +5375,7 @@
           <a:p>
             <a:fld id="{77BFAF5D-0002-429C-B0C5-8EE1E95ADF60}" type="datetime1">
               <a:rPr lang="en-IN" smtClean="0"/>
-              <a:t>20-11-2024</a:t>
+              <a:t>21-11-2024</a:t>
             </a:fld>
             <a:endParaRPr lang="en-IN" dirty="0"/>
           </a:p>
@@ -5579,7 +5579,7 @@
           <a:p>
             <a:fld id="{0409A6EE-35CB-4C55-BD57-77600E238904}" type="datetime1">
               <a:rPr lang="en-IN" smtClean="0"/>
-              <a:t>20-11-2024</a:t>
+              <a:t>21-11-2024</a:t>
             </a:fld>
             <a:endParaRPr lang="en-IN"/>
           </a:p>
@@ -5859,7 +5859,7 @@
           <a:p>
             <a:fld id="{91D31A59-5885-47CE-A56F-31BBD2ED4A81}" type="datetime1">
               <a:rPr lang="en-IN" smtClean="0"/>
-              <a:t>20-11-2024</a:t>
+              <a:t>21-11-2024</a:t>
             </a:fld>
             <a:endParaRPr lang="en-IN"/>
           </a:p>
@@ -6131,7 +6131,7 @@
           <a:p>
             <a:fld id="{FC71A6C9-A2A6-47CD-824A-3864682612D8}" type="datetime1">
               <a:rPr lang="en-IN" smtClean="0"/>
-              <a:t>20-11-2024</a:t>
+              <a:t>21-11-2024</a:t>
             </a:fld>
             <a:endParaRPr lang="en-IN"/>
           </a:p>
@@ -6550,7 +6550,7 @@
           <a:p>
             <a:fld id="{7CDF4A07-182A-4523-9400-45AF01FFCFA7}" type="datetime1">
               <a:rPr lang="en-IN" smtClean="0"/>
-              <a:t>20-11-2024</a:t>
+              <a:t>21-11-2024</a:t>
             </a:fld>
             <a:endParaRPr lang="en-IN"/>
           </a:p>
@@ -6696,7 +6696,7 @@
           <a:p>
             <a:fld id="{CCDD7BA3-CFC4-4702-BC50-593A513A0209}" type="datetime1">
               <a:rPr lang="en-IN" smtClean="0"/>
-              <a:t>20-11-2024</a:t>
+              <a:t>21-11-2024</a:t>
             </a:fld>
             <a:endParaRPr lang="en-IN"/>
           </a:p>
@@ -6813,7 +6813,7 @@
           <a:p>
             <a:fld id="{EC2F84AA-5082-4373-AD01-1489AA108879}" type="datetime1">
               <a:rPr lang="en-IN" smtClean="0"/>
-              <a:t>20-11-2024</a:t>
+              <a:t>21-11-2024</a:t>
             </a:fld>
             <a:endParaRPr lang="en-IN"/>
           </a:p>
@@ -7130,7 +7130,7 @@
           <a:p>
             <a:fld id="{49D1921A-33A5-44B8-8CE1-DF8DE646E4D6}" type="datetime1">
               <a:rPr lang="en-IN" smtClean="0"/>
-              <a:t>20-11-2024</a:t>
+              <a:t>21-11-2024</a:t>
             </a:fld>
             <a:endParaRPr lang="en-IN"/>
           </a:p>
@@ -7334,7 +7334,7 @@
           <a:p>
             <a:fld id="{32B90065-3C61-4839-BF62-6C1FD32A9DEF}" type="datetime1">
               <a:rPr lang="en-IN" smtClean="0"/>
-              <a:t>20-11-2024</a:t>
+              <a:t>21-11-2024</a:t>
             </a:fld>
             <a:endParaRPr lang="en-IN"/>
           </a:p>
@@ -7627,7 +7627,7 @@
           <a:p>
             <a:fld id="{D828FC35-AEDD-49BF-AE2C-325672DF1847}" type="datetime1">
               <a:rPr lang="en-IN" smtClean="0"/>
-              <a:t>20-11-2024</a:t>
+              <a:t>21-11-2024</a:t>
             </a:fld>
             <a:endParaRPr lang="en-IN"/>
           </a:p>
@@ -7831,7 +7831,7 @@
           <a:p>
             <a:fld id="{EEA70672-32A4-47E7-9497-9F5CB1C3C59E}" type="datetime1">
               <a:rPr lang="en-IN" smtClean="0"/>
-              <a:t>20-11-2024</a:t>
+              <a:t>21-11-2024</a:t>
             </a:fld>
             <a:endParaRPr lang="en-IN"/>
           </a:p>
@@ -8045,7 +8045,7 @@
           <a:p>
             <a:fld id="{ED98EDF0-2D2A-4441-B0F4-25DD1E88333E}" type="datetime1">
               <a:rPr lang="en-IN" smtClean="0"/>
-              <a:t>20-11-2024</a:t>
+              <a:t>21-11-2024</a:t>
             </a:fld>
             <a:endParaRPr lang="en-IN"/>
           </a:p>
@@ -8191,7 +8191,7 @@
           <a:p>
             <a:fld id="{BD29AC1A-A558-4C8B-AB6D-938DF87C7B21}" type="datetime1">
               <a:rPr lang="en-IN" smtClean="0"/>
-              <a:t>20-11-2024</a:t>
+              <a:t>21-11-2024</a:t>
             </a:fld>
             <a:endParaRPr lang="en-IN"/>
           </a:p>
@@ -8543,7 +8543,7 @@
           <a:p>
             <a:fld id="{811F9F72-8D0A-4C05-9342-DF72BE5EC6CB}" type="datetime1">
               <a:rPr lang="en-IN" smtClean="0"/>
-              <a:t>20-11-2024</a:t>
+              <a:t>21-11-2024</a:t>
             </a:fld>
             <a:endParaRPr lang="en-IN"/>
           </a:p>
@@ -8815,7 +8815,7 @@
           <a:p>
             <a:fld id="{CB1A39C3-845A-43B9-BEFB-7A236C2A4F79}" type="datetime1">
               <a:rPr lang="en-IN" smtClean="0"/>
-              <a:t>20-11-2024</a:t>
+              <a:t>21-11-2024</a:t>
             </a:fld>
             <a:endParaRPr lang="en-IN"/>
           </a:p>
@@ -9234,7 +9234,7 @@
           <a:p>
             <a:fld id="{872BE9B0-62DA-46AB-B07C-33A6CC14DBE0}" type="datetime1">
               <a:rPr lang="en-IN" smtClean="0"/>
-              <a:t>20-11-2024</a:t>
+              <a:t>21-11-2024</a:t>
             </a:fld>
             <a:endParaRPr lang="en-IN"/>
           </a:p>
@@ -9380,7 +9380,7 @@
           <a:p>
             <a:fld id="{E6D99EF7-647C-46B2-B1BC-7C7B1B904BC0}" type="datetime1">
               <a:rPr lang="en-IN" smtClean="0"/>
-              <a:t>20-11-2024</a:t>
+              <a:t>21-11-2024</a:t>
             </a:fld>
             <a:endParaRPr lang="en-IN"/>
           </a:p>
@@ -9497,7 +9497,7 @@
           <a:p>
             <a:fld id="{BB877DA7-96CC-40A9-B14D-4B9D7065EBC1}" type="datetime1">
               <a:rPr lang="en-IN" smtClean="0"/>
-              <a:t>20-11-2024</a:t>
+              <a:t>21-11-2024</a:t>
             </a:fld>
             <a:endParaRPr lang="en-IN"/>
           </a:p>
@@ -9814,7 +9814,7 @@
           <a:p>
             <a:fld id="{82083700-E7A2-4513-89D6-336D202C5B31}" type="datetime1">
               <a:rPr lang="en-IN" smtClean="0"/>
-              <a:t>20-11-2024</a:t>
+              <a:t>21-11-2024</a:t>
             </a:fld>
             <a:endParaRPr lang="en-IN"/>
           </a:p>
@@ -10107,7 +10107,7 @@
           <a:p>
             <a:fld id="{57E400B8-A844-477B-AC8D-F8435E419499}" type="datetime1">
               <a:rPr lang="en-IN" smtClean="0"/>
-              <a:t>20-11-2024</a:t>
+              <a:t>21-11-2024</a:t>
             </a:fld>
             <a:endParaRPr lang="en-IN"/>
           </a:p>
@@ -10354,7 +10354,7 @@
           <a:p>
             <a:fld id="{9E447CD2-85B9-4037-8D99-9B029080F3C1}" type="datetime1">
               <a:rPr lang="en-IN" smtClean="0"/>
-              <a:t>20-11-2024</a:t>
+              <a:t>21-11-2024</a:t>
             </a:fld>
             <a:endParaRPr lang="en-IN"/>
           </a:p>
@@ -10929,7 +10929,7 @@
           <a:p>
             <a:fld id="{38AFC714-A3AB-4562-85D8-8980BF3275E7}" type="datetime1">
               <a:rPr lang="en-IN" smtClean="0"/>
-              <a:t>20-11-2024</a:t>
+              <a:t>21-11-2024</a:t>
             </a:fld>
             <a:endParaRPr lang="en-IN"/>
           </a:p>
@@ -11580,7 +11580,7 @@
                   <a:schemeClr val="tx1"/>
                 </a:solidFill>
               </a:rPr>
-              <a:t>20-11-2024</a:t>
+              <a:t>21-11-2024</a:t>
             </a:fld>
             <a:endParaRPr lang="en-IN" dirty="0">
               <a:solidFill>
@@ -11926,7 +11926,7 @@
                   <a:schemeClr val="tx1"/>
                 </a:solidFill>
               </a:rPr>
-              <a:t>20-11-2024</a:t>
+              <a:t>21-11-2024</a:t>
             </a:fld>
             <a:endParaRPr lang="en-IN" dirty="0">
               <a:solidFill>
@@ -12485,7 +12485,7 @@
                   <a:schemeClr val="tx1"/>
                 </a:solidFill>
               </a:rPr>
-              <a:t>20-11-2024</a:t>
+              <a:t>21-11-2024</a:t>
             </a:fld>
             <a:endParaRPr lang="en-IN" dirty="0">
               <a:solidFill>
@@ -13384,7 +13384,7 @@
                   <a:schemeClr val="tx1"/>
                 </a:solidFill>
               </a:rPr>
-              <a:t>20-11-2024</a:t>
+              <a:t>21-11-2024</a:t>
             </a:fld>
             <a:endParaRPr lang="en-IN" dirty="0">
               <a:solidFill>
@@ -13980,7 +13980,7 @@
                   <a:schemeClr val="tx1"/>
                 </a:solidFill>
               </a:rPr>
-              <a:t>20-11-2024</a:t>
+              <a:t>21-11-2024</a:t>
             </a:fld>
             <a:endParaRPr lang="en-IN" dirty="0">
               <a:solidFill>
@@ -14449,7 +14449,7 @@
         <p:cNvPr id="1" name="">
           <a:extLst>
             <a:ext uri="{FF2B5EF4-FFF2-40B4-BE49-F238E27FC236}">
-              <a16:creationId xmlns:a16="http://schemas.microsoft.com/office/drawing/2014/main" id="{F18A8FB0-F06B-4E50-F86E-FA24EA7799F3}"/>
+              <a16:creationId xmlns:a16="http://schemas.microsoft.com/office/drawing/2014/main" id="{9BA31208-A941-26A5-496F-6B4917C15DBB}"/>
             </a:ext>
           </a:extLst>
         </p:cNvPr>
@@ -14469,7 +14469,7 @@
           <p:cNvPr id="5" name="Picture 4">
             <a:extLst>
               <a:ext uri="{FF2B5EF4-FFF2-40B4-BE49-F238E27FC236}">
-                <a16:creationId xmlns:a16="http://schemas.microsoft.com/office/drawing/2014/main" id="{F87341D0-3645-15C4-F984-AD2086E4F743}"/>
+                <a16:creationId xmlns:a16="http://schemas.microsoft.com/office/drawing/2014/main" id="{BA3C964E-7C69-2999-80DF-45545D0FAC9D}"/>
               </a:ext>
             </a:extLst>
           </p:cNvPr>
@@ -14504,7 +14504,7 @@
           <p:cNvPr id="3" name="Rectangle 2">
             <a:extLst>
               <a:ext uri="{FF2B5EF4-FFF2-40B4-BE49-F238E27FC236}">
-                <a16:creationId xmlns:a16="http://schemas.microsoft.com/office/drawing/2014/main" id="{6F124465-C225-35A9-DA53-21CDC87B7E21}"/>
+                <a16:creationId xmlns:a16="http://schemas.microsoft.com/office/drawing/2014/main" id="{0A3D87CB-A466-C78C-B654-DF27B9968764}"/>
               </a:ext>
             </a:extLst>
           </p:cNvPr>
@@ -14571,7 +14571,7 @@
           <p:cNvPr id="11" name="Date Placeholder 10">
             <a:extLst>
               <a:ext uri="{FF2B5EF4-FFF2-40B4-BE49-F238E27FC236}">
-                <a16:creationId xmlns:a16="http://schemas.microsoft.com/office/drawing/2014/main" id="{B37BD13E-E228-F7F9-A8DD-696667A3CCC7}"/>
+                <a16:creationId xmlns:a16="http://schemas.microsoft.com/office/drawing/2014/main" id="{40E9B6D9-9519-910F-0BEB-6EB317DCDB19}"/>
               </a:ext>
             </a:extLst>
           </p:cNvPr>
@@ -14593,7 +14593,7 @@
                   <a:schemeClr val="tx1"/>
                 </a:solidFill>
               </a:rPr>
-              <a:t>20-11-2024</a:t>
+              <a:t>21-11-2024</a:t>
             </a:fld>
             <a:endParaRPr lang="en-IN" dirty="0">
               <a:solidFill>
@@ -14608,7 +14608,7 @@
           <p:cNvPr id="14" name="Slide Number Placeholder 13">
             <a:extLst>
               <a:ext uri="{FF2B5EF4-FFF2-40B4-BE49-F238E27FC236}">
-                <a16:creationId xmlns:a16="http://schemas.microsoft.com/office/drawing/2014/main" id="{24B61098-D5A6-0960-367A-7B626A411E7D}"/>
+                <a16:creationId xmlns:a16="http://schemas.microsoft.com/office/drawing/2014/main" id="{E1359C15-8CD5-5AE3-7A10-19DE569A0D9E}"/>
               </a:ext>
             </a:extLst>
           </p:cNvPr>
@@ -14631,1298 +14631,6 @@
                 </a:solidFill>
               </a:rPr>
               <a:t>14</a:t>
-            </a:fld>
-            <a:endParaRPr lang="en-IN" dirty="0">
-              <a:solidFill>
-                <a:schemeClr val="tx1"/>
-              </a:solidFill>
-            </a:endParaRPr>
-          </a:p>
-        </p:txBody>
-      </p:sp>
-      <p:sp>
-        <p:nvSpPr>
-          <p:cNvPr id="2" name="Footer Placeholder 1">
-            <a:extLst>
-              <a:ext uri="{FF2B5EF4-FFF2-40B4-BE49-F238E27FC236}">
-                <a16:creationId xmlns:a16="http://schemas.microsoft.com/office/drawing/2014/main" id="{0EB8F471-1A25-1F60-DA9D-7974C0624430}"/>
-              </a:ext>
-            </a:extLst>
-          </p:cNvPr>
-          <p:cNvSpPr>
-            <a:spLocks noGrp="1"/>
-          </p:cNvSpPr>
-          <p:nvPr>
-            <p:ph type="ftr" sz="quarter" idx="11"/>
-          </p:nvPr>
-        </p:nvSpPr>
-        <p:spPr>
-          <a:xfrm>
-            <a:off x="4065037" y="6451081"/>
-            <a:ext cx="4114800" cy="365125"/>
-          </a:xfrm>
-        </p:spPr>
-        <p:txBody>
-          <a:bodyPr/>
-          <a:lstStyle/>
-          <a:p>
-            <a:r>
-              <a:rPr lang="en-GB" dirty="0">
-                <a:solidFill>
-                  <a:schemeClr val="tx1"/>
-                </a:solidFill>
-              </a:rPr>
-              <a:t>Offshore Decommissioning</a:t>
-            </a:r>
-            <a:endParaRPr lang="en-IN" dirty="0">
-              <a:solidFill>
-                <a:schemeClr val="tx1"/>
-              </a:solidFill>
-            </a:endParaRPr>
-          </a:p>
-          <a:p>
-            <a:endParaRPr lang="en-IN" dirty="0">
-              <a:solidFill>
-                <a:schemeClr val="tx1"/>
-              </a:solidFill>
-            </a:endParaRPr>
-          </a:p>
-        </p:txBody>
-      </p:sp>
-      <p:pic>
-        <p:nvPicPr>
-          <p:cNvPr id="1026" name="Picture 2" descr="Image result for Franhofer IWES">
-            <a:extLst>
-              <a:ext uri="{FF2B5EF4-FFF2-40B4-BE49-F238E27FC236}">
-                <a16:creationId xmlns:a16="http://schemas.microsoft.com/office/drawing/2014/main" id="{B4402A1A-6C09-5414-831D-FDB90F638732}"/>
-              </a:ext>
-            </a:extLst>
-          </p:cNvPr>
-          <p:cNvPicPr>
-            <a:picLocks noChangeAspect="1" noChangeArrowheads="1"/>
-          </p:cNvPicPr>
-          <p:nvPr/>
-        </p:nvPicPr>
-        <p:blipFill>
-          <a:blip r:embed="rId3">
-            <a:extLst>
-              <a:ext uri="{28A0092B-C50C-407E-A947-70E740481C1C}">
-                <a14:useLocalDpi xmlns:a14="http://schemas.microsoft.com/office/drawing/2010/main" val="0"/>
-              </a:ext>
-            </a:extLst>
-          </a:blip>
-          <a:srcRect/>
-          <a:stretch>
-            <a:fillRect/>
-          </a:stretch>
-        </p:blipFill>
-        <p:spPr bwMode="auto">
-          <a:xfrm>
-            <a:off x="9317692" y="25539"/>
-            <a:ext cx="2589342" cy="1344614"/>
-          </a:xfrm>
-          <a:prstGeom prst="rect">
-            <a:avLst/>
-          </a:prstGeom>
-          <a:noFill/>
-          <a:extLst>
-            <a:ext uri="{909E8E84-426E-40DD-AFC4-6F175D3DCCD1}">
-              <a14:hiddenFill xmlns:a14="http://schemas.microsoft.com/office/drawing/2010/main">
-                <a:solidFill>
-                  <a:srgbClr val="FFFFFF"/>
-                </a:solidFill>
-              </a14:hiddenFill>
-            </a:ext>
-          </a:extLst>
-        </p:spPr>
-      </p:pic>
-      <p:sp>
-        <p:nvSpPr>
-          <p:cNvPr id="4" name="TextBox 3">
-            <a:extLst>
-              <a:ext uri="{FF2B5EF4-FFF2-40B4-BE49-F238E27FC236}">
-                <a16:creationId xmlns:a16="http://schemas.microsoft.com/office/drawing/2014/main" id="{10BC9FB9-A3F4-7B32-238B-454E853C56A0}"/>
-              </a:ext>
-            </a:extLst>
-          </p:cNvPr>
-          <p:cNvSpPr txBox="1"/>
-          <p:nvPr/>
-        </p:nvSpPr>
-        <p:spPr>
-          <a:xfrm>
-            <a:off x="1987420" y="303403"/>
-            <a:ext cx="7330272" cy="1077218"/>
-          </a:xfrm>
-          <a:prstGeom prst="rect">
-            <a:avLst/>
-          </a:prstGeom>
-          <a:noFill/>
-        </p:spPr>
-        <p:txBody>
-          <a:bodyPr wrap="square" rtlCol="0">
-            <a:spAutoFit/>
-          </a:bodyPr>
-          <a:lstStyle/>
-          <a:p>
-            <a:pPr algn="ctr"/>
-            <a:r>
-              <a:rPr lang="en-IN" sz="3200" b="1" dirty="0"/>
-              <a:t>4. My Approach to Decommissioning </a:t>
-            </a:r>
-          </a:p>
-          <a:p>
-            <a:pPr algn="ctr"/>
-            <a:r>
-              <a:rPr lang="en-IN" sz="3200" b="1" dirty="0"/>
-              <a:t>Offshore Wind Farm</a:t>
-            </a:r>
-          </a:p>
-        </p:txBody>
-      </p:sp>
-      <p:cxnSp>
-        <p:nvCxnSpPr>
-          <p:cNvPr id="7" name="Straight Connector 6">
-            <a:extLst>
-              <a:ext uri="{FF2B5EF4-FFF2-40B4-BE49-F238E27FC236}">
-                <a16:creationId xmlns:a16="http://schemas.microsoft.com/office/drawing/2014/main" id="{7182490A-5B54-93E4-17C6-F98818172D0E}"/>
-              </a:ext>
-            </a:extLst>
-          </p:cNvPr>
-          <p:cNvCxnSpPr>
-            <a:cxnSpLocks/>
-          </p:cNvCxnSpPr>
-          <p:nvPr/>
-        </p:nvCxnSpPr>
-        <p:spPr>
-          <a:xfrm flipH="1">
-            <a:off x="0" y="1306286"/>
-            <a:ext cx="12192000" cy="0"/>
-          </a:xfrm>
-          <a:prstGeom prst="line">
-            <a:avLst/>
-          </a:prstGeom>
-        </p:spPr>
-        <p:style>
-          <a:lnRef idx="1">
-            <a:schemeClr val="accent1"/>
-          </a:lnRef>
-          <a:fillRef idx="0">
-            <a:schemeClr val="accent1"/>
-          </a:fillRef>
-          <a:effectRef idx="0">
-            <a:schemeClr val="accent1"/>
-          </a:effectRef>
-          <a:fontRef idx="minor">
-            <a:schemeClr val="tx1"/>
-          </a:fontRef>
-        </p:style>
-      </p:cxnSp>
-      <p:graphicFrame>
-        <p:nvGraphicFramePr>
-          <p:cNvPr id="6" name="Table 5">
-            <a:extLst>
-              <a:ext uri="{FF2B5EF4-FFF2-40B4-BE49-F238E27FC236}">
-                <a16:creationId xmlns:a16="http://schemas.microsoft.com/office/drawing/2014/main" id="{FD939A7A-FD08-8269-A951-04E72F439D83}"/>
-              </a:ext>
-            </a:extLst>
-          </p:cNvPr>
-          <p:cNvGraphicFramePr>
-            <a:graphicFrameLocks noGrp="1"/>
-          </p:cNvGraphicFramePr>
-          <p:nvPr>
-            <p:extLst>
-              <p:ext uri="{D42A27DB-BD31-4B8C-83A1-F6EECF244321}">
-                <p14:modId xmlns:p14="http://schemas.microsoft.com/office/powerpoint/2010/main" val="1600846185"/>
-              </p:ext>
-            </p:extLst>
-          </p:nvPr>
-        </p:nvGraphicFramePr>
-        <p:xfrm>
-          <a:off x="561582" y="1414193"/>
-          <a:ext cx="11068835" cy="4502984"/>
-        </p:xfrm>
-        <a:graphic>
-          <a:graphicData uri="http://schemas.openxmlformats.org/drawingml/2006/table">
-            <a:tbl>
-              <a:tblPr firstRow="1" bandRow="1">
-                <a:tableStyleId>{93296810-A885-4BE3-A3E7-6D5BEEA58F35}</a:tableStyleId>
-              </a:tblPr>
-              <a:tblGrid>
-                <a:gridCol w="2213767">
-                  <a:extLst>
-                    <a:ext uri="{9D8B030D-6E8A-4147-A177-3AD203B41FA5}">
-                      <a16:colId xmlns:a16="http://schemas.microsoft.com/office/drawing/2014/main" val="3322232552"/>
-                    </a:ext>
-                  </a:extLst>
-                </a:gridCol>
-                <a:gridCol w="2213767">
-                  <a:extLst>
-                    <a:ext uri="{9D8B030D-6E8A-4147-A177-3AD203B41FA5}">
-                      <a16:colId xmlns:a16="http://schemas.microsoft.com/office/drawing/2014/main" val="1665914765"/>
-                    </a:ext>
-                  </a:extLst>
-                </a:gridCol>
-                <a:gridCol w="2213767">
-                  <a:extLst>
-                    <a:ext uri="{9D8B030D-6E8A-4147-A177-3AD203B41FA5}">
-                      <a16:colId xmlns:a16="http://schemas.microsoft.com/office/drawing/2014/main" val="4024939663"/>
-                    </a:ext>
-                  </a:extLst>
-                </a:gridCol>
-                <a:gridCol w="2213767">
-                  <a:extLst>
-                    <a:ext uri="{9D8B030D-6E8A-4147-A177-3AD203B41FA5}">
-                      <a16:colId xmlns:a16="http://schemas.microsoft.com/office/drawing/2014/main" val="1405571450"/>
-                    </a:ext>
-                  </a:extLst>
-                </a:gridCol>
-                <a:gridCol w="2213767">
-                  <a:extLst>
-                    <a:ext uri="{9D8B030D-6E8A-4147-A177-3AD203B41FA5}">
-                      <a16:colId xmlns:a16="http://schemas.microsoft.com/office/drawing/2014/main" val="3521509204"/>
-                    </a:ext>
-                  </a:extLst>
-                </a:gridCol>
-              </a:tblGrid>
-              <a:tr h="654531">
-                <a:tc>
-                  <a:txBody>
-                    <a:bodyPr/>
-                    <a:lstStyle/>
-                    <a:p>
-                      <a:pPr algn="ctr"/>
-                      <a:r>
-                        <a:rPr lang="en-IN" dirty="0"/>
-                        <a:t>Vessel</a:t>
-                      </a:r>
-                    </a:p>
-                  </a:txBody>
-                  <a:tcPr/>
-                </a:tc>
-                <a:tc>
-                  <a:txBody>
-                    <a:bodyPr/>
-                    <a:lstStyle/>
-                    <a:p>
-                      <a:pPr algn="ctr"/>
-                      <a:r>
-                        <a:rPr lang="en-IN" dirty="0"/>
-                        <a:t>Fuel Consumptions ranges (litres/h) for Diesel</a:t>
-                      </a:r>
-                    </a:p>
-                  </a:txBody>
-                  <a:tcPr/>
-                </a:tc>
-                <a:tc>
-                  <a:txBody>
-                    <a:bodyPr/>
-                    <a:lstStyle/>
-                    <a:p>
-                      <a:pPr algn="ctr"/>
-                      <a:r>
-                        <a:rPr lang="en-IN" dirty="0"/>
-                        <a:t>Port to Site</a:t>
-                      </a:r>
-                    </a:p>
-                  </a:txBody>
-                  <a:tcPr/>
-                </a:tc>
-                <a:tc>
-                  <a:txBody>
-                    <a:bodyPr/>
-                    <a:lstStyle/>
-                    <a:p>
-                      <a:pPr algn="ctr"/>
-                      <a:r>
-                        <a:rPr lang="en-IN" dirty="0"/>
-                        <a:t>On Site</a:t>
-                      </a:r>
-                    </a:p>
-                  </a:txBody>
-                  <a:tcPr/>
-                </a:tc>
-                <a:tc>
-                  <a:txBody>
-                    <a:bodyPr/>
-                    <a:lstStyle/>
-                    <a:p>
-                      <a:pPr algn="ctr"/>
-                      <a:r>
-                        <a:rPr lang="en-IN" dirty="0"/>
-                        <a:t>Site to Port</a:t>
-                      </a:r>
-                    </a:p>
-                  </a:txBody>
-                  <a:tcPr/>
-                </a:tc>
-                <a:extLst>
-                  <a:ext uri="{0D108BD9-81ED-4DB2-BD59-A6C34878D82A}">
-                    <a16:rowId xmlns:a16="http://schemas.microsoft.com/office/drawing/2014/main" val="14506277"/>
-                  </a:ext>
-                </a:extLst>
-              </a:tr>
-              <a:tr h="535221">
-                <a:tc>
-                  <a:txBody>
-                    <a:bodyPr/>
-                    <a:lstStyle/>
-                    <a:p>
-                      <a:pPr algn="ctr"/>
-                      <a:r>
-                        <a:rPr lang="en-IN" kern="100" dirty="0">
-                          <a:ea typeface="Aptos" panose="020B0004020202020204" pitchFamily="34" charset="0"/>
-                          <a:cs typeface="Times New Roman" panose="02020603050405020304" pitchFamily="18" charset="0"/>
-                        </a:rPr>
-                        <a:t>Survey</a:t>
-                      </a:r>
-                      <a:endParaRPr lang="en-IN" dirty="0"/>
-                    </a:p>
-                  </a:txBody>
-                  <a:tcPr/>
-                </a:tc>
-                <a:tc>
-                  <a:txBody>
-                    <a:bodyPr/>
-                    <a:lstStyle/>
-                    <a:p>
-                      <a:pPr algn="ctr"/>
-                      <a:r>
-                        <a:rPr lang="en-IN" dirty="0"/>
-                        <a:t>200 - 300</a:t>
-                      </a:r>
-                    </a:p>
-                  </a:txBody>
-                  <a:tcPr/>
-                </a:tc>
-                <a:tc>
-                  <a:txBody>
-                    <a:bodyPr/>
-                    <a:lstStyle/>
-                    <a:p>
-                      <a:pPr algn="ctr"/>
-                      <a:r>
-                        <a:rPr lang="en-IN" dirty="0"/>
-                        <a:t>250</a:t>
-                      </a:r>
-                    </a:p>
-                  </a:txBody>
-                  <a:tcPr/>
-                </a:tc>
-                <a:tc>
-                  <a:txBody>
-                    <a:bodyPr/>
-                    <a:lstStyle/>
-                    <a:p>
-                      <a:pPr marL="0" marR="0" lvl="0" indent="0" algn="ctr" defTabSz="914400" rtl="0" eaLnBrk="1" fontAlgn="auto" latinLnBrk="0" hangingPunct="1">
-                        <a:lnSpc>
-                          <a:spcPct val="100000"/>
-                        </a:lnSpc>
-                        <a:spcBef>
-                          <a:spcPts val="0"/>
-                        </a:spcBef>
-                        <a:spcAft>
-                          <a:spcPts val="0"/>
-                        </a:spcAft>
-                        <a:buClrTx/>
-                        <a:buSzTx/>
-                        <a:buFontTx/>
-                        <a:buNone/>
-                        <a:tabLst/>
-                        <a:defRPr/>
-                      </a:pPr>
-                      <a:r>
-                        <a:rPr lang="en-IN" dirty="0"/>
-                        <a:t>200</a:t>
-                      </a:r>
-                    </a:p>
-                  </a:txBody>
-                  <a:tcPr/>
-                </a:tc>
-                <a:tc>
-                  <a:txBody>
-                    <a:bodyPr/>
-                    <a:lstStyle/>
-                    <a:p>
-                      <a:pPr algn="ctr"/>
-                      <a:r>
-                        <a:rPr lang="en-IN" dirty="0"/>
-                        <a:t>250</a:t>
-                      </a:r>
-                    </a:p>
-                  </a:txBody>
-                  <a:tcPr/>
-                </a:tc>
-                <a:extLst>
-                  <a:ext uri="{0D108BD9-81ED-4DB2-BD59-A6C34878D82A}">
-                    <a16:rowId xmlns:a16="http://schemas.microsoft.com/office/drawing/2014/main" val="2008726177"/>
-                  </a:ext>
-                </a:extLst>
-              </a:tr>
-              <a:tr h="535221">
-                <a:tc>
-                  <a:txBody>
-                    <a:bodyPr/>
-                    <a:lstStyle/>
-                    <a:p>
-                      <a:pPr algn="ctr"/>
-                      <a:r>
-                        <a:rPr lang="en-IN" kern="100" dirty="0">
-                          <a:ea typeface="Aptos" panose="020B0004020202020204" pitchFamily="34" charset="0"/>
-                          <a:cs typeface="Times New Roman" panose="02020603050405020304" pitchFamily="18" charset="0"/>
-                        </a:rPr>
-                        <a:t>SPIVs</a:t>
-                      </a:r>
-                      <a:endParaRPr lang="en-IN" dirty="0"/>
-                    </a:p>
-                  </a:txBody>
-                  <a:tcPr/>
-                </a:tc>
-                <a:tc>
-                  <a:txBody>
-                    <a:bodyPr/>
-                    <a:lstStyle/>
-                    <a:p>
-                      <a:pPr algn="ctr"/>
-                      <a:r>
-                        <a:rPr lang="en-IN" dirty="0"/>
-                        <a:t>200 - 300</a:t>
-                      </a:r>
-                    </a:p>
-                  </a:txBody>
-                  <a:tcPr/>
-                </a:tc>
-                <a:tc>
-                  <a:txBody>
-                    <a:bodyPr/>
-                    <a:lstStyle/>
-                    <a:p>
-                      <a:pPr algn="ctr"/>
-                      <a:r>
-                        <a:rPr lang="en-IN" b="1" dirty="0"/>
-                        <a:t>250</a:t>
-                      </a:r>
-                    </a:p>
-                  </a:txBody>
-                  <a:tcPr/>
-                </a:tc>
-                <a:tc>
-                  <a:txBody>
-                    <a:bodyPr/>
-                    <a:lstStyle/>
-                    <a:p>
-                      <a:pPr marL="0" marR="0" lvl="0" indent="0" algn="ctr" defTabSz="914400" rtl="0" eaLnBrk="1" fontAlgn="auto" latinLnBrk="0" hangingPunct="1">
-                        <a:lnSpc>
-                          <a:spcPct val="100000"/>
-                        </a:lnSpc>
-                        <a:spcBef>
-                          <a:spcPts val="0"/>
-                        </a:spcBef>
-                        <a:spcAft>
-                          <a:spcPts val="0"/>
-                        </a:spcAft>
-                        <a:buClrTx/>
-                        <a:buSzTx/>
-                        <a:buFontTx/>
-                        <a:buNone/>
-                        <a:tabLst/>
-                        <a:defRPr/>
-                      </a:pPr>
-                      <a:r>
-                        <a:rPr lang="en-IN" dirty="0"/>
-                        <a:t>200</a:t>
-                      </a:r>
-                    </a:p>
-                  </a:txBody>
-                  <a:tcPr/>
-                </a:tc>
-                <a:tc>
-                  <a:txBody>
-                    <a:bodyPr/>
-                    <a:lstStyle/>
-                    <a:p>
-                      <a:pPr algn="ctr"/>
-                      <a:r>
-                        <a:rPr lang="en-IN" b="1" dirty="0"/>
-                        <a:t>300</a:t>
-                      </a:r>
-                    </a:p>
-                  </a:txBody>
-                  <a:tcPr/>
-                </a:tc>
-                <a:extLst>
-                  <a:ext uri="{0D108BD9-81ED-4DB2-BD59-A6C34878D82A}">
-                    <a16:rowId xmlns:a16="http://schemas.microsoft.com/office/drawing/2014/main" val="4800565"/>
-                  </a:ext>
-                </a:extLst>
-              </a:tr>
-              <a:tr h="535221">
-                <a:tc>
-                  <a:txBody>
-                    <a:bodyPr/>
-                    <a:lstStyle/>
-                    <a:p>
-                      <a:pPr algn="ctr"/>
-                      <a:r>
-                        <a:rPr lang="en-IN" dirty="0"/>
-                        <a:t>Dive support</a:t>
-                      </a:r>
-                    </a:p>
-                  </a:txBody>
-                  <a:tcPr/>
-                </a:tc>
-                <a:tc>
-                  <a:txBody>
-                    <a:bodyPr/>
-                    <a:lstStyle/>
-                    <a:p>
-                      <a:pPr algn="ctr"/>
-                      <a:r>
-                        <a:rPr lang="en-IN" dirty="0"/>
-                        <a:t>300 - 500</a:t>
-                      </a:r>
-                    </a:p>
-                  </a:txBody>
-                  <a:tcPr/>
-                </a:tc>
-                <a:tc>
-                  <a:txBody>
-                    <a:bodyPr/>
-                    <a:lstStyle/>
-                    <a:p>
-                      <a:pPr algn="ctr"/>
-                      <a:r>
-                        <a:rPr lang="en-IN" dirty="0"/>
-                        <a:t>400</a:t>
-                      </a:r>
-                    </a:p>
-                  </a:txBody>
-                  <a:tcPr/>
-                </a:tc>
-                <a:tc>
-                  <a:txBody>
-                    <a:bodyPr/>
-                    <a:lstStyle/>
-                    <a:p>
-                      <a:pPr marL="0" marR="0" lvl="0" indent="0" algn="ctr" defTabSz="914400" rtl="0" eaLnBrk="1" fontAlgn="auto" latinLnBrk="0" hangingPunct="1">
-                        <a:lnSpc>
-                          <a:spcPct val="100000"/>
-                        </a:lnSpc>
-                        <a:spcBef>
-                          <a:spcPts val="0"/>
-                        </a:spcBef>
-                        <a:spcAft>
-                          <a:spcPts val="0"/>
-                        </a:spcAft>
-                        <a:buClrTx/>
-                        <a:buSzTx/>
-                        <a:buFontTx/>
-                        <a:buNone/>
-                        <a:tabLst/>
-                        <a:defRPr/>
-                      </a:pPr>
-                      <a:r>
-                        <a:rPr lang="en-IN" dirty="0"/>
-                        <a:t>300</a:t>
-                      </a:r>
-                    </a:p>
-                  </a:txBody>
-                  <a:tcPr/>
-                </a:tc>
-                <a:tc>
-                  <a:txBody>
-                    <a:bodyPr/>
-                    <a:lstStyle/>
-                    <a:p>
-                      <a:pPr algn="ctr"/>
-                      <a:r>
-                        <a:rPr lang="en-IN" dirty="0"/>
-                        <a:t>400</a:t>
-                      </a:r>
-                    </a:p>
-                  </a:txBody>
-                  <a:tcPr/>
-                </a:tc>
-                <a:extLst>
-                  <a:ext uri="{0D108BD9-81ED-4DB2-BD59-A6C34878D82A}">
-                    <a16:rowId xmlns:a16="http://schemas.microsoft.com/office/drawing/2014/main" val="908567724"/>
-                  </a:ext>
-                </a:extLst>
-              </a:tr>
-              <a:tr h="535221">
-                <a:tc>
-                  <a:txBody>
-                    <a:bodyPr/>
-                    <a:lstStyle/>
-                    <a:p>
-                      <a:pPr algn="ctr"/>
-                      <a:r>
-                        <a:rPr lang="en-IN" dirty="0"/>
-                        <a:t>Crew boat</a:t>
-                      </a:r>
-                    </a:p>
-                  </a:txBody>
-                  <a:tcPr/>
-                </a:tc>
-                <a:tc>
-                  <a:txBody>
-                    <a:bodyPr/>
-                    <a:lstStyle/>
-                    <a:p>
-                      <a:pPr algn="ctr"/>
-                      <a:r>
-                        <a:rPr lang="en-IN" dirty="0"/>
-                        <a:t>100 - 200</a:t>
-                      </a:r>
-                    </a:p>
-                  </a:txBody>
-                  <a:tcPr/>
-                </a:tc>
-                <a:tc>
-                  <a:txBody>
-                    <a:bodyPr/>
-                    <a:lstStyle/>
-                    <a:p>
-                      <a:pPr algn="ctr"/>
-                      <a:r>
-                        <a:rPr lang="en-IN" dirty="0"/>
-                        <a:t>150</a:t>
-                      </a:r>
-                    </a:p>
-                  </a:txBody>
-                  <a:tcPr/>
-                </a:tc>
-                <a:tc>
-                  <a:txBody>
-                    <a:bodyPr/>
-                    <a:lstStyle/>
-                    <a:p>
-                      <a:pPr marL="0" marR="0" lvl="0" indent="0" algn="ctr" defTabSz="914400" rtl="0" eaLnBrk="1" fontAlgn="auto" latinLnBrk="0" hangingPunct="1">
-                        <a:lnSpc>
-                          <a:spcPct val="100000"/>
-                        </a:lnSpc>
-                        <a:spcBef>
-                          <a:spcPts val="0"/>
-                        </a:spcBef>
-                        <a:spcAft>
-                          <a:spcPts val="0"/>
-                        </a:spcAft>
-                        <a:buClrTx/>
-                        <a:buSzTx/>
-                        <a:buFontTx/>
-                        <a:buNone/>
-                        <a:tabLst/>
-                        <a:defRPr/>
-                      </a:pPr>
-                      <a:r>
-                        <a:rPr lang="en-IN" dirty="0"/>
-                        <a:t>100</a:t>
-                      </a:r>
-                    </a:p>
-                  </a:txBody>
-                  <a:tcPr/>
-                </a:tc>
-                <a:tc>
-                  <a:txBody>
-                    <a:bodyPr/>
-                    <a:lstStyle/>
-                    <a:p>
-                      <a:pPr algn="ctr"/>
-                      <a:r>
-                        <a:rPr lang="en-IN" dirty="0"/>
-                        <a:t>`150</a:t>
-                      </a:r>
-                    </a:p>
-                  </a:txBody>
-                  <a:tcPr/>
-                </a:tc>
-                <a:extLst>
-                  <a:ext uri="{0D108BD9-81ED-4DB2-BD59-A6C34878D82A}">
-                    <a16:rowId xmlns:a16="http://schemas.microsoft.com/office/drawing/2014/main" val="241351483"/>
-                  </a:ext>
-                </a:extLst>
-              </a:tr>
-              <a:tr h="535221">
-                <a:tc>
-                  <a:txBody>
-                    <a:bodyPr/>
-                    <a:lstStyle/>
-                    <a:p>
-                      <a:pPr algn="ctr"/>
-                      <a:r>
-                        <a:rPr lang="en-IN" dirty="0"/>
-                        <a:t>Work boat</a:t>
-                      </a:r>
-                    </a:p>
-                  </a:txBody>
-                  <a:tcPr/>
-                </a:tc>
-                <a:tc>
-                  <a:txBody>
-                    <a:bodyPr/>
-                    <a:lstStyle/>
-                    <a:p>
-                      <a:pPr algn="ctr"/>
-                      <a:r>
-                        <a:rPr lang="en-IN" dirty="0"/>
-                        <a:t>200 -400</a:t>
-                      </a:r>
-                    </a:p>
-                  </a:txBody>
-                  <a:tcPr/>
-                </a:tc>
-                <a:tc>
-                  <a:txBody>
-                    <a:bodyPr/>
-                    <a:lstStyle/>
-                    <a:p>
-                      <a:pPr algn="ctr"/>
-                      <a:r>
-                        <a:rPr lang="en-IN" dirty="0"/>
-                        <a:t>300</a:t>
-                      </a:r>
-                    </a:p>
-                  </a:txBody>
-                  <a:tcPr/>
-                </a:tc>
-                <a:tc>
-                  <a:txBody>
-                    <a:bodyPr/>
-                    <a:lstStyle/>
-                    <a:p>
-                      <a:pPr marL="0" marR="0" lvl="0" indent="0" algn="ctr" defTabSz="914400" rtl="0" eaLnBrk="1" fontAlgn="auto" latinLnBrk="0" hangingPunct="1">
-                        <a:lnSpc>
-                          <a:spcPct val="100000"/>
-                        </a:lnSpc>
-                        <a:spcBef>
-                          <a:spcPts val="0"/>
-                        </a:spcBef>
-                        <a:spcAft>
-                          <a:spcPts val="0"/>
-                        </a:spcAft>
-                        <a:buClrTx/>
-                        <a:buSzTx/>
-                        <a:buFontTx/>
-                        <a:buNone/>
-                        <a:tabLst/>
-                        <a:defRPr/>
-                      </a:pPr>
-                      <a:r>
-                        <a:rPr lang="en-IN" dirty="0"/>
-                        <a:t>200</a:t>
-                      </a:r>
-                    </a:p>
-                  </a:txBody>
-                  <a:tcPr/>
-                </a:tc>
-                <a:tc>
-                  <a:txBody>
-                    <a:bodyPr/>
-                    <a:lstStyle/>
-                    <a:p>
-                      <a:pPr algn="ctr"/>
-                      <a:r>
-                        <a:rPr lang="en-IN" dirty="0"/>
-                        <a:t>300</a:t>
-                      </a:r>
-                    </a:p>
-                  </a:txBody>
-                  <a:tcPr/>
-                </a:tc>
-                <a:extLst>
-                  <a:ext uri="{0D108BD9-81ED-4DB2-BD59-A6C34878D82A}">
-                    <a16:rowId xmlns:a16="http://schemas.microsoft.com/office/drawing/2014/main" val="442639134"/>
-                  </a:ext>
-                </a:extLst>
-              </a:tr>
-              <a:tr h="535221">
-                <a:tc>
-                  <a:txBody>
-                    <a:bodyPr/>
-                    <a:lstStyle/>
-                    <a:p>
-                      <a:pPr algn="ctr"/>
-                      <a:r>
-                        <a:rPr lang="en-IN" dirty="0" err="1"/>
-                        <a:t>Multicats</a:t>
-                      </a:r>
-                      <a:r>
-                        <a:rPr lang="en-IN" dirty="0"/>
-                        <a:t>/ Tugs</a:t>
-                      </a:r>
-                    </a:p>
-                  </a:txBody>
-                  <a:tcPr/>
-                </a:tc>
-                <a:tc>
-                  <a:txBody>
-                    <a:bodyPr/>
-                    <a:lstStyle/>
-                    <a:p>
-                      <a:pPr algn="ctr"/>
-                      <a:r>
-                        <a:rPr lang="en-IN" dirty="0"/>
-                        <a:t>300 -500</a:t>
-                      </a:r>
-                    </a:p>
-                  </a:txBody>
-                  <a:tcPr/>
-                </a:tc>
-                <a:tc>
-                  <a:txBody>
-                    <a:bodyPr/>
-                    <a:lstStyle/>
-                    <a:p>
-                      <a:pPr algn="ctr"/>
-                      <a:r>
-                        <a:rPr lang="en-IN" dirty="0"/>
-                        <a:t>400</a:t>
-                      </a:r>
-                    </a:p>
-                  </a:txBody>
-                  <a:tcPr/>
-                </a:tc>
-                <a:tc>
-                  <a:txBody>
-                    <a:bodyPr/>
-                    <a:lstStyle/>
-                    <a:p>
-                      <a:pPr algn="ctr"/>
-                      <a:r>
-                        <a:rPr lang="en-IN" dirty="0"/>
-                        <a:t>300</a:t>
-                      </a:r>
-                    </a:p>
-                  </a:txBody>
-                  <a:tcPr/>
-                </a:tc>
-                <a:tc>
-                  <a:txBody>
-                    <a:bodyPr/>
-                    <a:lstStyle/>
-                    <a:p>
-                      <a:pPr algn="ctr"/>
-                      <a:r>
-                        <a:rPr lang="en-IN" dirty="0"/>
-                        <a:t>400</a:t>
-                      </a:r>
-                    </a:p>
-                  </a:txBody>
-                  <a:tcPr/>
-                </a:tc>
-                <a:extLst>
-                  <a:ext uri="{0D108BD9-81ED-4DB2-BD59-A6C34878D82A}">
-                    <a16:rowId xmlns:a16="http://schemas.microsoft.com/office/drawing/2014/main" val="2086779476"/>
-                  </a:ext>
-                </a:extLst>
-              </a:tr>
-              <a:tr h="377258">
-                <a:tc>
-                  <a:txBody>
-                    <a:bodyPr/>
-                    <a:lstStyle/>
-                    <a:p>
-                      <a:pPr algn="ctr"/>
-                      <a:r>
-                        <a:rPr lang="en-IN" dirty="0"/>
-                        <a:t>Cargo </a:t>
-                      </a:r>
-                    </a:p>
-                  </a:txBody>
-                  <a:tcPr/>
-                </a:tc>
-                <a:tc>
-                  <a:txBody>
-                    <a:bodyPr/>
-                    <a:lstStyle/>
-                    <a:p>
-                      <a:pPr algn="ctr"/>
-                      <a:r>
-                        <a:rPr lang="en-IN" dirty="0"/>
-                        <a:t>500 - 1000</a:t>
-                      </a:r>
-                    </a:p>
-                  </a:txBody>
-                  <a:tcPr/>
-                </a:tc>
-                <a:tc>
-                  <a:txBody>
-                    <a:bodyPr/>
-                    <a:lstStyle/>
-                    <a:p>
-                      <a:pPr algn="ctr"/>
-                      <a:r>
-                        <a:rPr lang="en-IN" b="1" dirty="0"/>
-                        <a:t>700</a:t>
-                      </a:r>
-                    </a:p>
-                  </a:txBody>
-                  <a:tcPr/>
-                </a:tc>
-                <a:tc>
-                  <a:txBody>
-                    <a:bodyPr/>
-                    <a:lstStyle/>
-                    <a:p>
-                      <a:pPr algn="ctr"/>
-                      <a:r>
-                        <a:rPr lang="en-IN" dirty="0"/>
-                        <a:t>500</a:t>
-                      </a:r>
-                    </a:p>
-                  </a:txBody>
-                  <a:tcPr/>
-                </a:tc>
-                <a:tc>
-                  <a:txBody>
-                    <a:bodyPr/>
-                    <a:lstStyle/>
-                    <a:p>
-                      <a:pPr algn="ctr"/>
-                      <a:r>
-                        <a:rPr lang="en-IN" b="1" dirty="0"/>
-                        <a:t>1000</a:t>
-                      </a:r>
-                    </a:p>
-                  </a:txBody>
-                  <a:tcPr/>
-                </a:tc>
-                <a:extLst>
-                  <a:ext uri="{0D108BD9-81ED-4DB2-BD59-A6C34878D82A}">
-                    <a16:rowId xmlns:a16="http://schemas.microsoft.com/office/drawing/2014/main" val="3667513790"/>
-                  </a:ext>
-                </a:extLst>
-              </a:tr>
-            </a:tbl>
-          </a:graphicData>
-        </a:graphic>
-      </p:graphicFrame>
-      <p:sp>
-        <p:nvSpPr>
-          <p:cNvPr id="10" name="TextBox 9">
-            <a:extLst>
-              <a:ext uri="{FF2B5EF4-FFF2-40B4-BE49-F238E27FC236}">
-                <a16:creationId xmlns:a16="http://schemas.microsoft.com/office/drawing/2014/main" id="{0C84C837-BC50-351B-F315-B9727455CB13}"/>
-              </a:ext>
-            </a:extLst>
-          </p:cNvPr>
-          <p:cNvSpPr txBox="1"/>
-          <p:nvPr/>
-        </p:nvSpPr>
-        <p:spPr>
-          <a:xfrm>
-            <a:off x="3879980" y="5873593"/>
-            <a:ext cx="6102220" cy="369332"/>
-          </a:xfrm>
-          <a:prstGeom prst="rect">
-            <a:avLst/>
-          </a:prstGeom>
-          <a:noFill/>
-        </p:spPr>
-        <p:txBody>
-          <a:bodyPr wrap="square">
-            <a:spAutoFit/>
-          </a:bodyPr>
-          <a:lstStyle/>
-          <a:p>
-            <a:r>
-              <a:rPr lang="en-IN" b="1" kern="100" dirty="0">
-                <a:latin typeface="Aptos" panose="020B0004020202020204" pitchFamily="34" charset="0"/>
-                <a:ea typeface="Aptos" panose="020B0004020202020204" pitchFamily="34" charset="0"/>
-                <a:cs typeface="Times New Roman" panose="02020603050405020304" pitchFamily="18" charset="0"/>
-              </a:rPr>
-              <a:t>Table</a:t>
-            </a:r>
-            <a:r>
-              <a:rPr lang="en-IN" sz="1800" b="1" kern="100" dirty="0">
-                <a:effectLst/>
-                <a:latin typeface="Aptos" panose="020B0004020202020204" pitchFamily="34" charset="0"/>
-                <a:ea typeface="Aptos" panose="020B0004020202020204" pitchFamily="34" charset="0"/>
-                <a:cs typeface="Times New Roman" panose="02020603050405020304" pitchFamily="18" charset="0"/>
-              </a:rPr>
-              <a:t> </a:t>
-            </a:r>
-            <a:r>
-              <a:rPr lang="en-IN" b="1" kern="100" dirty="0">
-                <a:effectLst/>
-                <a:latin typeface="Aptos" panose="020B0004020202020204" pitchFamily="34" charset="0"/>
-                <a:ea typeface="Aptos" panose="020B0004020202020204" pitchFamily="34" charset="0"/>
-                <a:cs typeface="Times New Roman" panose="02020603050405020304" pitchFamily="18" charset="0"/>
-              </a:rPr>
-              <a:t>4</a:t>
-            </a:r>
-            <a:r>
-              <a:rPr lang="en-IN" sz="1800" b="1" kern="100" dirty="0">
-                <a:effectLst/>
-                <a:latin typeface="Aptos" panose="020B0004020202020204" pitchFamily="34" charset="0"/>
-                <a:ea typeface="Aptos" panose="020B0004020202020204" pitchFamily="34" charset="0"/>
-                <a:cs typeface="Times New Roman" panose="02020603050405020304" pitchFamily="18" charset="0"/>
-              </a:rPr>
-              <a:t>.2</a:t>
-            </a:r>
-            <a:r>
-              <a:rPr lang="en-IN" sz="1800" b="1" kern="100" dirty="0">
-                <a:latin typeface="Aptos" panose="020B0004020202020204" pitchFamily="34" charset="0"/>
-                <a:ea typeface="Aptos" panose="020B0004020202020204" pitchFamily="34" charset="0"/>
-                <a:cs typeface="Times New Roman" panose="02020603050405020304" pitchFamily="18" charset="0"/>
-              </a:rPr>
-              <a:t>:</a:t>
-            </a:r>
-            <a:r>
-              <a:rPr lang="en-IN" sz="1800" kern="100" dirty="0">
-                <a:effectLst/>
-                <a:latin typeface="Aptos" panose="020B0004020202020204" pitchFamily="34" charset="0"/>
-                <a:ea typeface="Aptos" panose="020B0004020202020204" pitchFamily="34" charset="0"/>
-                <a:cs typeface="Times New Roman" panose="02020603050405020304" pitchFamily="18" charset="0"/>
-              </a:rPr>
-              <a:t> Vessel, Fuel Consumptions and case </a:t>
-            </a:r>
-            <a:r>
-              <a:rPr lang="en-IN" sz="1800" kern="100" dirty="0">
-                <a:solidFill>
-                  <a:schemeClr val="accent5">
-                    <a:lumMod val="75000"/>
-                  </a:schemeClr>
-                </a:solidFill>
-                <a:effectLst/>
-                <a:latin typeface="Aptos" panose="020B0004020202020204" pitchFamily="34" charset="0"/>
-                <a:ea typeface="Aptos" panose="020B0004020202020204" pitchFamily="34" charset="0"/>
-                <a:cs typeface="Times New Roman" panose="02020603050405020304" pitchFamily="18" charset="0"/>
-              </a:rPr>
-              <a:t>[</a:t>
-            </a:r>
-            <a:r>
-              <a:rPr lang="en-IN" sz="1800" kern="100" dirty="0">
-                <a:solidFill>
-                  <a:schemeClr val="accent5">
-                    <a:lumMod val="75000"/>
-                  </a:schemeClr>
-                </a:solidFill>
-                <a:latin typeface="Aptos" panose="020B0004020202020204" pitchFamily="34" charset="0"/>
-                <a:ea typeface="Aptos" panose="020B0004020202020204" pitchFamily="34" charset="0"/>
-                <a:cs typeface="Times New Roman" panose="02020603050405020304" pitchFamily="18" charset="0"/>
-              </a:rPr>
-              <a:t>6</a:t>
-            </a:r>
-            <a:r>
-              <a:rPr lang="en-IN" sz="1800" kern="100" dirty="0">
-                <a:solidFill>
-                  <a:schemeClr val="accent5">
-                    <a:lumMod val="75000"/>
-                  </a:schemeClr>
-                </a:solidFill>
-                <a:effectLst/>
-                <a:latin typeface="Aptos" panose="020B0004020202020204" pitchFamily="34" charset="0"/>
-                <a:ea typeface="Aptos" panose="020B0004020202020204" pitchFamily="34" charset="0"/>
-                <a:cs typeface="Times New Roman" panose="02020603050405020304" pitchFamily="18" charset="0"/>
-              </a:rPr>
-              <a:t>]</a:t>
-            </a:r>
-          </a:p>
-        </p:txBody>
-      </p:sp>
-    </p:spTree>
-    <p:extLst>
-      <p:ext uri="{BB962C8B-B14F-4D97-AF65-F5344CB8AC3E}">
-        <p14:creationId xmlns:p14="http://schemas.microsoft.com/office/powerpoint/2010/main" val="4190790008"/>
-      </p:ext>
-    </p:extLst>
-  </p:cSld>
-  <p:clrMapOvr>
-    <a:masterClrMapping/>
-  </p:clrMapOvr>
-</p:sld>
-</file>
-
-<file path=ppt/slides/slide15.xml><?xml version="1.0" encoding="utf-8"?>
-<p:sld xmlns:a="http://schemas.openxmlformats.org/drawingml/2006/main" xmlns:r="http://schemas.openxmlformats.org/officeDocument/2006/relationships" xmlns:p="http://schemas.openxmlformats.org/presentationml/2006/main">
-  <p:cSld>
-    <p:spTree>
-      <p:nvGrpSpPr>
-        <p:cNvPr id="1" name="">
-          <a:extLst>
-            <a:ext uri="{FF2B5EF4-FFF2-40B4-BE49-F238E27FC236}">
-              <a16:creationId xmlns:a16="http://schemas.microsoft.com/office/drawing/2014/main" id="{9BA31208-A941-26A5-496F-6B4917C15DBB}"/>
-            </a:ext>
-          </a:extLst>
-        </p:cNvPr>
-        <p:cNvGrpSpPr/>
-        <p:nvPr/>
-      </p:nvGrpSpPr>
-      <p:grpSpPr>
-        <a:xfrm>
-          <a:off x="0" y="0"/>
-          <a:ext cx="0" cy="0"/>
-          <a:chOff x="0" y="0"/>
-          <a:chExt cx="0" cy="0"/>
-        </a:xfrm>
-      </p:grpSpPr>
-      <p:pic>
-        <p:nvPicPr>
-          <p:cNvPr id="5" name="Picture 4">
-            <a:extLst>
-              <a:ext uri="{FF2B5EF4-FFF2-40B4-BE49-F238E27FC236}">
-                <a16:creationId xmlns:a16="http://schemas.microsoft.com/office/drawing/2014/main" id="{BA3C964E-7C69-2999-80DF-45545D0FAC9D}"/>
-              </a:ext>
-            </a:extLst>
-          </p:cNvPr>
-          <p:cNvPicPr>
-            <a:picLocks noChangeAspect="1"/>
-          </p:cNvPicPr>
-          <p:nvPr/>
-        </p:nvPicPr>
-        <p:blipFill>
-          <a:blip r:embed="rId2">
-            <a:extLst>
-              <a:ext uri="{28A0092B-C50C-407E-A947-70E740481C1C}">
-                <a14:useLocalDpi xmlns:a14="http://schemas.microsoft.com/office/drawing/2010/main" val="0"/>
-              </a:ext>
-            </a:extLst>
-          </a:blip>
-          <a:srcRect/>
-          <a:stretch/>
-        </p:blipFill>
-        <p:spPr>
-          <a:xfrm>
-            <a:off x="284966" y="-15371"/>
-            <a:ext cx="2511357" cy="1412637"/>
-          </a:xfrm>
-          <a:prstGeom prst="rect">
-            <a:avLst/>
-          </a:prstGeom>
-        </p:spPr>
-      </p:pic>
-      <p:sp>
-        <p:nvSpPr>
-          <p:cNvPr id="3" name="Rectangle 2">
-            <a:extLst>
-              <a:ext uri="{FF2B5EF4-FFF2-40B4-BE49-F238E27FC236}">
-                <a16:creationId xmlns:a16="http://schemas.microsoft.com/office/drawing/2014/main" id="{0A3D87CB-A466-C78C-B654-DF27B9968764}"/>
-              </a:ext>
-            </a:extLst>
-          </p:cNvPr>
-          <p:cNvSpPr/>
-          <p:nvPr/>
-        </p:nvSpPr>
-        <p:spPr>
-          <a:xfrm>
-            <a:off x="0" y="6312310"/>
-            <a:ext cx="12192000" cy="545690"/>
-          </a:xfrm>
-          <a:prstGeom prst="rect">
-            <a:avLst/>
-          </a:prstGeom>
-          <a:solidFill>
-            <a:schemeClr val="accent1">
-              <a:lumMod val="60000"/>
-              <a:lumOff val="40000"/>
-            </a:schemeClr>
-          </a:solidFill>
-          <a:ln>
-            <a:solidFill>
-              <a:schemeClr val="accent1">
-                <a:lumMod val="40000"/>
-                <a:lumOff val="60000"/>
-              </a:schemeClr>
-            </a:solidFill>
-          </a:ln>
-        </p:spPr>
-        <p:style>
-          <a:lnRef idx="2">
-            <a:schemeClr val="accent1">
-              <a:shade val="15000"/>
-            </a:schemeClr>
-          </a:lnRef>
-          <a:fillRef idx="1">
-            <a:schemeClr val="accent1"/>
-          </a:fillRef>
-          <a:effectRef idx="0">
-            <a:schemeClr val="accent1"/>
-          </a:effectRef>
-          <a:fontRef idx="minor">
-            <a:schemeClr val="lt1"/>
-          </a:fontRef>
-        </p:style>
-        <p:txBody>
-          <a:bodyPr rtlCol="0" anchor="ctr"/>
-          <a:lstStyle/>
-          <a:p>
-            <a:pPr algn="ctr"/>
-            <a:endParaRPr lang="LID4096" dirty="0">
-              <a:solidFill>
-                <a:schemeClr val="accent1">
-                  <a:lumMod val="60000"/>
-                  <a:lumOff val="40000"/>
-                </a:schemeClr>
-              </a:solidFill>
-            </a:endParaRPr>
-          </a:p>
-        </p:txBody>
-      </p:sp>
-      <p:sp>
-        <p:nvSpPr>
-          <p:cNvPr id="11" name="Date Placeholder 10">
-            <a:extLst>
-              <a:ext uri="{FF2B5EF4-FFF2-40B4-BE49-F238E27FC236}">
-                <a16:creationId xmlns:a16="http://schemas.microsoft.com/office/drawing/2014/main" id="{40E9B6D9-9519-910F-0BEB-6EB317DCDB19}"/>
-              </a:ext>
-            </a:extLst>
-          </p:cNvPr>
-          <p:cNvSpPr>
-            <a:spLocks noGrp="1"/>
-          </p:cNvSpPr>
-          <p:nvPr>
-            <p:ph type="dt" sz="half" idx="10"/>
-          </p:nvPr>
-        </p:nvSpPr>
-        <p:spPr/>
-        <p:txBody>
-          <a:bodyPr/>
-          <a:lstStyle/>
-          <a:p>
-            <a:fld id="{313DD33B-839B-46E7-86F0-3CE0E6C0AEB2}" type="datetime1">
-              <a:rPr lang="en-IN" smtClean="0">
-                <a:solidFill>
-                  <a:schemeClr val="tx1"/>
-                </a:solidFill>
-              </a:rPr>
-              <a:t>20-11-2024</a:t>
-            </a:fld>
-            <a:endParaRPr lang="en-IN" dirty="0">
-              <a:solidFill>
-                <a:schemeClr val="tx1"/>
-              </a:solidFill>
-            </a:endParaRPr>
-          </a:p>
-        </p:txBody>
-      </p:sp>
-      <p:sp>
-        <p:nvSpPr>
-          <p:cNvPr id="14" name="Slide Number Placeholder 13">
-            <a:extLst>
-              <a:ext uri="{FF2B5EF4-FFF2-40B4-BE49-F238E27FC236}">
-                <a16:creationId xmlns:a16="http://schemas.microsoft.com/office/drawing/2014/main" id="{E1359C15-8CD5-5AE3-7A10-19DE569A0D9E}"/>
-              </a:ext>
-            </a:extLst>
-          </p:cNvPr>
-          <p:cNvSpPr>
-            <a:spLocks noGrp="1"/>
-          </p:cNvSpPr>
-          <p:nvPr>
-            <p:ph type="sldNum" sz="quarter" idx="12"/>
-          </p:nvPr>
-        </p:nvSpPr>
-        <p:spPr/>
-        <p:txBody>
-          <a:bodyPr/>
-          <a:lstStyle/>
-          <a:p>
-            <a:fld id="{E7687761-FC87-4A57-BD27-270B4C7228C2}" type="slidenum">
-              <a:rPr lang="en-IN" smtClean="0">
-                <a:solidFill>
-                  <a:schemeClr val="tx1"/>
-                </a:solidFill>
-              </a:rPr>
-              <a:t>15</a:t>
             </a:fld>
             <a:endParaRPr lang="en-IN" dirty="0">
               <a:solidFill>
@@ -16953,15 +15661,7 @@
                 <a:ea typeface="Aptos" panose="020B0004020202020204" pitchFamily="34" charset="0"/>
                 <a:cs typeface="Times New Roman" panose="02020603050405020304" pitchFamily="18" charset="0"/>
               </a:rPr>
-              <a:t>.</a:t>
-            </a:r>
-            <a:r>
-              <a:rPr lang="en-IN" b="1" kern="100" dirty="0">
-                <a:latin typeface="Aptos" panose="020B0004020202020204" pitchFamily="34" charset="0"/>
-                <a:ea typeface="Aptos" panose="020B0004020202020204" pitchFamily="34" charset="0"/>
-                <a:cs typeface="Times New Roman" panose="02020603050405020304" pitchFamily="18" charset="0"/>
-              </a:rPr>
-              <a:t>3</a:t>
+              <a:t>.2</a:t>
             </a:r>
             <a:r>
               <a:rPr lang="en-IN" sz="1800" b="1" kern="100" dirty="0">
@@ -17037,7 +15737,7 @@
 </p:sld>
 </file>
 
-<file path=ppt/slides/slide16.xml><?xml version="1.0" encoding="utf-8"?>
+<file path=ppt/slides/slide15.xml><?xml version="1.0" encoding="utf-8"?>
 <p:sld xmlns:a="http://schemas.openxmlformats.org/drawingml/2006/main" xmlns:r="http://schemas.openxmlformats.org/officeDocument/2006/relationships" xmlns:p="http://schemas.openxmlformats.org/presentationml/2006/main">
   <p:cSld>
     <p:spTree>
@@ -17045,7 +15745,7 @@
         <p:cNvPr id="1" name="">
           <a:extLst>
             <a:ext uri="{FF2B5EF4-FFF2-40B4-BE49-F238E27FC236}">
-              <a16:creationId xmlns:a16="http://schemas.microsoft.com/office/drawing/2014/main" id="{3C93D3D3-671E-93B7-D66A-62B04969EF1C}"/>
+              <a16:creationId xmlns:a16="http://schemas.microsoft.com/office/drawing/2014/main" id="{F18A8FB0-F06B-4E50-F86E-FA24EA7799F3}"/>
             </a:ext>
           </a:extLst>
         </p:cNvPr>
@@ -17065,7 +15765,7 @@
           <p:cNvPr id="5" name="Picture 4">
             <a:extLst>
               <a:ext uri="{FF2B5EF4-FFF2-40B4-BE49-F238E27FC236}">
-                <a16:creationId xmlns:a16="http://schemas.microsoft.com/office/drawing/2014/main" id="{7718215D-EFCA-8F81-E119-66D5CF693707}"/>
+                <a16:creationId xmlns:a16="http://schemas.microsoft.com/office/drawing/2014/main" id="{F87341D0-3645-15C4-F984-AD2086E4F743}"/>
               </a:ext>
             </a:extLst>
           </p:cNvPr>
@@ -17100,7 +15800,7 @@
           <p:cNvPr id="3" name="Rectangle 2">
             <a:extLst>
               <a:ext uri="{FF2B5EF4-FFF2-40B4-BE49-F238E27FC236}">
-                <a16:creationId xmlns:a16="http://schemas.microsoft.com/office/drawing/2014/main" id="{2E7F7ED6-FA06-0928-04F7-DCD5E51B1571}"/>
+                <a16:creationId xmlns:a16="http://schemas.microsoft.com/office/drawing/2014/main" id="{6F124465-C225-35A9-DA53-21CDC87B7E21}"/>
               </a:ext>
             </a:extLst>
           </p:cNvPr>
@@ -17167,7 +15867,7 @@
           <p:cNvPr id="11" name="Date Placeholder 10">
             <a:extLst>
               <a:ext uri="{FF2B5EF4-FFF2-40B4-BE49-F238E27FC236}">
-                <a16:creationId xmlns:a16="http://schemas.microsoft.com/office/drawing/2014/main" id="{580A228C-1F16-A7F1-11A1-43D11E24A866}"/>
+                <a16:creationId xmlns:a16="http://schemas.microsoft.com/office/drawing/2014/main" id="{B37BD13E-E228-F7F9-A8DD-696667A3CCC7}"/>
               </a:ext>
             </a:extLst>
           </p:cNvPr>
@@ -17189,7 +15889,1397 @@
                   <a:schemeClr val="tx1"/>
                 </a:solidFill>
               </a:rPr>
-              <a:t>20-11-2024</a:t>
+              <a:t>21-11-2024</a:t>
+            </a:fld>
+            <a:endParaRPr lang="en-IN" dirty="0">
+              <a:solidFill>
+                <a:schemeClr val="tx1"/>
+              </a:solidFill>
+            </a:endParaRPr>
+          </a:p>
+        </p:txBody>
+      </p:sp>
+      <p:sp>
+        <p:nvSpPr>
+          <p:cNvPr id="14" name="Slide Number Placeholder 13">
+            <a:extLst>
+              <a:ext uri="{FF2B5EF4-FFF2-40B4-BE49-F238E27FC236}">
+                <a16:creationId xmlns:a16="http://schemas.microsoft.com/office/drawing/2014/main" id="{24B61098-D5A6-0960-367A-7B626A411E7D}"/>
+              </a:ext>
+            </a:extLst>
+          </p:cNvPr>
+          <p:cNvSpPr>
+            <a:spLocks noGrp="1"/>
+          </p:cNvSpPr>
+          <p:nvPr>
+            <p:ph type="sldNum" sz="quarter" idx="12"/>
+          </p:nvPr>
+        </p:nvSpPr>
+        <p:spPr/>
+        <p:txBody>
+          <a:bodyPr/>
+          <a:lstStyle/>
+          <a:p>
+            <a:fld id="{E7687761-FC87-4A57-BD27-270B4C7228C2}" type="slidenum">
+              <a:rPr lang="en-IN" smtClean="0">
+                <a:solidFill>
+                  <a:schemeClr val="tx1"/>
+                </a:solidFill>
+              </a:rPr>
+              <a:t>15</a:t>
+            </a:fld>
+            <a:endParaRPr lang="en-IN" dirty="0">
+              <a:solidFill>
+                <a:schemeClr val="tx1"/>
+              </a:solidFill>
+            </a:endParaRPr>
+          </a:p>
+        </p:txBody>
+      </p:sp>
+      <p:sp>
+        <p:nvSpPr>
+          <p:cNvPr id="2" name="Footer Placeholder 1">
+            <a:extLst>
+              <a:ext uri="{FF2B5EF4-FFF2-40B4-BE49-F238E27FC236}">
+                <a16:creationId xmlns:a16="http://schemas.microsoft.com/office/drawing/2014/main" id="{0EB8F471-1A25-1F60-DA9D-7974C0624430}"/>
+              </a:ext>
+            </a:extLst>
+          </p:cNvPr>
+          <p:cNvSpPr>
+            <a:spLocks noGrp="1"/>
+          </p:cNvSpPr>
+          <p:nvPr>
+            <p:ph type="ftr" sz="quarter" idx="11"/>
+          </p:nvPr>
+        </p:nvSpPr>
+        <p:spPr>
+          <a:xfrm>
+            <a:off x="4065037" y="6451081"/>
+            <a:ext cx="4114800" cy="365125"/>
+          </a:xfrm>
+        </p:spPr>
+        <p:txBody>
+          <a:bodyPr/>
+          <a:lstStyle/>
+          <a:p>
+            <a:r>
+              <a:rPr lang="en-GB" dirty="0">
+                <a:solidFill>
+                  <a:schemeClr val="tx1"/>
+                </a:solidFill>
+              </a:rPr>
+              <a:t>Offshore Decommissioning</a:t>
+            </a:r>
+            <a:endParaRPr lang="en-IN" dirty="0">
+              <a:solidFill>
+                <a:schemeClr val="tx1"/>
+              </a:solidFill>
+            </a:endParaRPr>
+          </a:p>
+          <a:p>
+            <a:endParaRPr lang="en-IN" dirty="0">
+              <a:solidFill>
+                <a:schemeClr val="tx1"/>
+              </a:solidFill>
+            </a:endParaRPr>
+          </a:p>
+        </p:txBody>
+      </p:sp>
+      <p:pic>
+        <p:nvPicPr>
+          <p:cNvPr id="1026" name="Picture 2" descr="Image result for Franhofer IWES">
+            <a:extLst>
+              <a:ext uri="{FF2B5EF4-FFF2-40B4-BE49-F238E27FC236}">
+                <a16:creationId xmlns:a16="http://schemas.microsoft.com/office/drawing/2014/main" id="{B4402A1A-6C09-5414-831D-FDB90F638732}"/>
+              </a:ext>
+            </a:extLst>
+          </p:cNvPr>
+          <p:cNvPicPr>
+            <a:picLocks noChangeAspect="1" noChangeArrowheads="1"/>
+          </p:cNvPicPr>
+          <p:nvPr/>
+        </p:nvPicPr>
+        <p:blipFill>
+          <a:blip r:embed="rId3">
+            <a:extLst>
+              <a:ext uri="{28A0092B-C50C-407E-A947-70E740481C1C}">
+                <a14:useLocalDpi xmlns:a14="http://schemas.microsoft.com/office/drawing/2010/main" val="0"/>
+              </a:ext>
+            </a:extLst>
+          </a:blip>
+          <a:srcRect/>
+          <a:stretch>
+            <a:fillRect/>
+          </a:stretch>
+        </p:blipFill>
+        <p:spPr bwMode="auto">
+          <a:xfrm>
+            <a:off x="9317692" y="25539"/>
+            <a:ext cx="2589342" cy="1344614"/>
+          </a:xfrm>
+          <a:prstGeom prst="rect">
+            <a:avLst/>
+          </a:prstGeom>
+          <a:noFill/>
+          <a:extLst>
+            <a:ext uri="{909E8E84-426E-40DD-AFC4-6F175D3DCCD1}">
+              <a14:hiddenFill xmlns:a14="http://schemas.microsoft.com/office/drawing/2010/main">
+                <a:solidFill>
+                  <a:srgbClr val="FFFFFF"/>
+                </a:solidFill>
+              </a14:hiddenFill>
+            </a:ext>
+          </a:extLst>
+        </p:spPr>
+      </p:pic>
+      <p:sp>
+        <p:nvSpPr>
+          <p:cNvPr id="4" name="TextBox 3">
+            <a:extLst>
+              <a:ext uri="{FF2B5EF4-FFF2-40B4-BE49-F238E27FC236}">
+                <a16:creationId xmlns:a16="http://schemas.microsoft.com/office/drawing/2014/main" id="{10BC9FB9-A3F4-7B32-238B-454E853C56A0}"/>
+              </a:ext>
+            </a:extLst>
+          </p:cNvPr>
+          <p:cNvSpPr txBox="1"/>
+          <p:nvPr/>
+        </p:nvSpPr>
+        <p:spPr>
+          <a:xfrm>
+            <a:off x="1987420" y="303403"/>
+            <a:ext cx="7330272" cy="1077218"/>
+          </a:xfrm>
+          <a:prstGeom prst="rect">
+            <a:avLst/>
+          </a:prstGeom>
+          <a:noFill/>
+        </p:spPr>
+        <p:txBody>
+          <a:bodyPr wrap="square" rtlCol="0">
+            <a:spAutoFit/>
+          </a:bodyPr>
+          <a:lstStyle/>
+          <a:p>
+            <a:pPr algn="ctr"/>
+            <a:r>
+              <a:rPr lang="en-IN" sz="3200" b="1" dirty="0"/>
+              <a:t>4. My Approach to Decommissioning </a:t>
+            </a:r>
+          </a:p>
+          <a:p>
+            <a:pPr algn="ctr"/>
+            <a:r>
+              <a:rPr lang="en-IN" sz="3200" b="1" dirty="0"/>
+              <a:t>Offshore Wind Farm</a:t>
+            </a:r>
+          </a:p>
+        </p:txBody>
+      </p:sp>
+      <p:cxnSp>
+        <p:nvCxnSpPr>
+          <p:cNvPr id="7" name="Straight Connector 6">
+            <a:extLst>
+              <a:ext uri="{FF2B5EF4-FFF2-40B4-BE49-F238E27FC236}">
+                <a16:creationId xmlns:a16="http://schemas.microsoft.com/office/drawing/2014/main" id="{7182490A-5B54-93E4-17C6-F98818172D0E}"/>
+              </a:ext>
+            </a:extLst>
+          </p:cNvPr>
+          <p:cNvCxnSpPr>
+            <a:cxnSpLocks/>
+          </p:cNvCxnSpPr>
+          <p:nvPr/>
+        </p:nvCxnSpPr>
+        <p:spPr>
+          <a:xfrm flipH="1">
+            <a:off x="0" y="1306286"/>
+            <a:ext cx="12192000" cy="0"/>
+          </a:xfrm>
+          <a:prstGeom prst="line">
+            <a:avLst/>
+          </a:prstGeom>
+        </p:spPr>
+        <p:style>
+          <a:lnRef idx="1">
+            <a:schemeClr val="accent1"/>
+          </a:lnRef>
+          <a:fillRef idx="0">
+            <a:schemeClr val="accent1"/>
+          </a:fillRef>
+          <a:effectRef idx="0">
+            <a:schemeClr val="accent1"/>
+          </a:effectRef>
+          <a:fontRef idx="minor">
+            <a:schemeClr val="tx1"/>
+          </a:fontRef>
+        </p:style>
+      </p:cxnSp>
+      <p:graphicFrame>
+        <p:nvGraphicFramePr>
+          <p:cNvPr id="6" name="Table 5">
+            <a:extLst>
+              <a:ext uri="{FF2B5EF4-FFF2-40B4-BE49-F238E27FC236}">
+                <a16:creationId xmlns:a16="http://schemas.microsoft.com/office/drawing/2014/main" id="{FD939A7A-FD08-8269-A951-04E72F439D83}"/>
+              </a:ext>
+            </a:extLst>
+          </p:cNvPr>
+          <p:cNvGraphicFramePr>
+            <a:graphicFrameLocks noGrp="1"/>
+          </p:cNvGraphicFramePr>
+          <p:nvPr>
+            <p:extLst>
+              <p:ext uri="{D42A27DB-BD31-4B8C-83A1-F6EECF244321}">
+                <p14:modId xmlns:p14="http://schemas.microsoft.com/office/powerpoint/2010/main" val="1364639851"/>
+              </p:ext>
+            </p:extLst>
+          </p:nvPr>
+        </p:nvGraphicFramePr>
+        <p:xfrm>
+          <a:off x="561582" y="1414193"/>
+          <a:ext cx="11068836" cy="4502984"/>
+        </p:xfrm>
+        <a:graphic>
+          <a:graphicData uri="http://schemas.openxmlformats.org/drawingml/2006/table">
+            <a:tbl>
+              <a:tblPr firstRow="1" bandRow="1">
+                <a:tableStyleId>{93296810-A885-4BE3-A3E7-6D5BEEA58F35}</a:tableStyleId>
+              </a:tblPr>
+              <a:tblGrid>
+                <a:gridCol w="1844806">
+                  <a:extLst>
+                    <a:ext uri="{9D8B030D-6E8A-4147-A177-3AD203B41FA5}">
+                      <a16:colId xmlns:a16="http://schemas.microsoft.com/office/drawing/2014/main" val="3322232552"/>
+                    </a:ext>
+                  </a:extLst>
+                </a:gridCol>
+                <a:gridCol w="2268249">
+                  <a:extLst>
+                    <a:ext uri="{9D8B030D-6E8A-4147-A177-3AD203B41FA5}">
+                      <a16:colId xmlns:a16="http://schemas.microsoft.com/office/drawing/2014/main" val="1665914765"/>
+                    </a:ext>
+                  </a:extLst>
+                </a:gridCol>
+                <a:gridCol w="1931436">
+                  <a:extLst>
+                    <a:ext uri="{9D8B030D-6E8A-4147-A177-3AD203B41FA5}">
+                      <a16:colId xmlns:a16="http://schemas.microsoft.com/office/drawing/2014/main" val="4024939663"/>
+                    </a:ext>
+                  </a:extLst>
+                </a:gridCol>
+                <a:gridCol w="1763486">
+                  <a:extLst>
+                    <a:ext uri="{9D8B030D-6E8A-4147-A177-3AD203B41FA5}">
+                      <a16:colId xmlns:a16="http://schemas.microsoft.com/office/drawing/2014/main" val="1405571450"/>
+                    </a:ext>
+                  </a:extLst>
+                </a:gridCol>
+                <a:gridCol w="1416053">
+                  <a:extLst>
+                    <a:ext uri="{9D8B030D-6E8A-4147-A177-3AD203B41FA5}">
+                      <a16:colId xmlns:a16="http://schemas.microsoft.com/office/drawing/2014/main" val="3521509204"/>
+                    </a:ext>
+                  </a:extLst>
+                </a:gridCol>
+                <a:gridCol w="1844806">
+                  <a:extLst>
+                    <a:ext uri="{9D8B030D-6E8A-4147-A177-3AD203B41FA5}">
+                      <a16:colId xmlns:a16="http://schemas.microsoft.com/office/drawing/2014/main" val="484626376"/>
+                    </a:ext>
+                  </a:extLst>
+                </a:gridCol>
+              </a:tblGrid>
+              <a:tr h="654531">
+                <a:tc>
+                  <a:txBody>
+                    <a:bodyPr/>
+                    <a:lstStyle/>
+                    <a:p>
+                      <a:pPr algn="ctr"/>
+                      <a:r>
+                        <a:rPr lang="en-IN" dirty="0"/>
+                        <a:t>Vessel</a:t>
+                      </a:r>
+                    </a:p>
+                  </a:txBody>
+                  <a:tcPr/>
+                </a:tc>
+                <a:tc>
+                  <a:txBody>
+                    <a:bodyPr/>
+                    <a:lstStyle/>
+                    <a:p>
+                      <a:pPr algn="ctr"/>
+                      <a:r>
+                        <a:rPr lang="en-IN" dirty="0"/>
+                        <a:t>Fuel Consumptions ranges (litres/h) for Diesel</a:t>
+                      </a:r>
+                    </a:p>
+                  </a:txBody>
+                  <a:tcPr/>
+                </a:tc>
+                <a:tc>
+                  <a:txBody>
+                    <a:bodyPr/>
+                    <a:lstStyle/>
+                    <a:p>
+                      <a:pPr algn="ctr"/>
+                      <a:r>
+                        <a:rPr lang="en-IN" dirty="0"/>
+                        <a:t>Port to Site</a:t>
+                      </a:r>
+                    </a:p>
+                  </a:txBody>
+                  <a:tcPr/>
+                </a:tc>
+                <a:tc>
+                  <a:txBody>
+                    <a:bodyPr/>
+                    <a:lstStyle/>
+                    <a:p>
+                      <a:pPr algn="ctr"/>
+                      <a:r>
+                        <a:rPr lang="en-IN" dirty="0"/>
+                        <a:t>On Site</a:t>
+                      </a:r>
+                    </a:p>
+                  </a:txBody>
+                  <a:tcPr/>
+                </a:tc>
+                <a:tc>
+                  <a:txBody>
+                    <a:bodyPr/>
+                    <a:lstStyle/>
+                    <a:p>
+                      <a:pPr algn="ctr"/>
+                      <a:r>
+                        <a:rPr lang="en-IN" dirty="0"/>
+                        <a:t>Site to Port</a:t>
+                      </a:r>
+                    </a:p>
+                  </a:txBody>
+                  <a:tcPr/>
+                </a:tc>
+                <a:tc>
+                  <a:txBody>
+                    <a:bodyPr/>
+                    <a:lstStyle/>
+                    <a:p>
+                      <a:pPr algn="ctr"/>
+                      <a:r>
+                        <a:rPr lang="en-IN" dirty="0"/>
+                        <a:t>Total Fuel Consumptions for Diesel</a:t>
+                      </a:r>
+                    </a:p>
+                  </a:txBody>
+                  <a:tcPr/>
+                </a:tc>
+                <a:extLst>
+                  <a:ext uri="{0D108BD9-81ED-4DB2-BD59-A6C34878D82A}">
+                    <a16:rowId xmlns:a16="http://schemas.microsoft.com/office/drawing/2014/main" val="14506277"/>
+                  </a:ext>
+                </a:extLst>
+              </a:tr>
+              <a:tr h="535221">
+                <a:tc>
+                  <a:txBody>
+                    <a:bodyPr/>
+                    <a:lstStyle/>
+                    <a:p>
+                      <a:pPr algn="ctr"/>
+                      <a:r>
+                        <a:rPr lang="en-IN" kern="100" dirty="0">
+                          <a:ea typeface="Aptos" panose="020B0004020202020204" pitchFamily="34" charset="0"/>
+                          <a:cs typeface="Times New Roman" panose="02020603050405020304" pitchFamily="18" charset="0"/>
+                        </a:rPr>
+                        <a:t>Survey</a:t>
+                      </a:r>
+                      <a:endParaRPr lang="en-IN" dirty="0"/>
+                    </a:p>
+                  </a:txBody>
+                  <a:tcPr/>
+                </a:tc>
+                <a:tc>
+                  <a:txBody>
+                    <a:bodyPr/>
+                    <a:lstStyle/>
+                    <a:p>
+                      <a:pPr algn="ctr"/>
+                      <a:r>
+                        <a:rPr lang="en-IN" dirty="0"/>
+                        <a:t>200 - 300</a:t>
+                      </a:r>
+                    </a:p>
+                  </a:txBody>
+                  <a:tcPr/>
+                </a:tc>
+                <a:tc>
+                  <a:txBody>
+                    <a:bodyPr/>
+                    <a:lstStyle/>
+                    <a:p>
+                      <a:pPr algn="ctr"/>
+                      <a:r>
+                        <a:rPr lang="en-IN" dirty="0"/>
+                        <a:t>250 </a:t>
+                      </a:r>
+                    </a:p>
+                  </a:txBody>
+                  <a:tcPr/>
+                </a:tc>
+                <a:tc>
+                  <a:txBody>
+                    <a:bodyPr/>
+                    <a:lstStyle/>
+                    <a:p>
+                      <a:pPr marL="0" marR="0" lvl="0" indent="0" algn="ctr" defTabSz="914400" rtl="0" eaLnBrk="1" fontAlgn="auto" latinLnBrk="0" hangingPunct="1">
+                        <a:lnSpc>
+                          <a:spcPct val="100000"/>
+                        </a:lnSpc>
+                        <a:spcBef>
+                          <a:spcPts val="0"/>
+                        </a:spcBef>
+                        <a:spcAft>
+                          <a:spcPts val="0"/>
+                        </a:spcAft>
+                        <a:buClrTx/>
+                        <a:buSzTx/>
+                        <a:buFontTx/>
+                        <a:buNone/>
+                        <a:tabLst/>
+                        <a:defRPr/>
+                      </a:pPr>
+                      <a:r>
+                        <a:rPr lang="en-IN" dirty="0"/>
+                        <a:t>200</a:t>
+                      </a:r>
+                    </a:p>
+                  </a:txBody>
+                  <a:tcPr/>
+                </a:tc>
+                <a:tc>
+                  <a:txBody>
+                    <a:bodyPr/>
+                    <a:lstStyle/>
+                    <a:p>
+                      <a:pPr algn="ctr"/>
+                      <a:r>
+                        <a:rPr lang="en-IN" dirty="0"/>
+                        <a:t>250</a:t>
+                      </a:r>
+                    </a:p>
+                  </a:txBody>
+                  <a:tcPr/>
+                </a:tc>
+                <a:tc>
+                  <a:txBody>
+                    <a:bodyPr/>
+                    <a:lstStyle/>
+                    <a:p>
+                      <a:pPr algn="ctr"/>
+                      <a:endParaRPr lang="en-IN" dirty="0"/>
+                    </a:p>
+                  </a:txBody>
+                  <a:tcPr/>
+                </a:tc>
+                <a:extLst>
+                  <a:ext uri="{0D108BD9-81ED-4DB2-BD59-A6C34878D82A}">
+                    <a16:rowId xmlns:a16="http://schemas.microsoft.com/office/drawing/2014/main" val="2008726177"/>
+                  </a:ext>
+                </a:extLst>
+              </a:tr>
+              <a:tr h="535221">
+                <a:tc>
+                  <a:txBody>
+                    <a:bodyPr/>
+                    <a:lstStyle/>
+                    <a:p>
+                      <a:pPr algn="ctr"/>
+                      <a:r>
+                        <a:rPr lang="en-IN" kern="100" dirty="0">
+                          <a:ea typeface="Aptos" panose="020B0004020202020204" pitchFamily="34" charset="0"/>
+                          <a:cs typeface="Times New Roman" panose="02020603050405020304" pitchFamily="18" charset="0"/>
+                        </a:rPr>
+                        <a:t>SPIVs</a:t>
+                      </a:r>
+                      <a:endParaRPr lang="en-IN" dirty="0"/>
+                    </a:p>
+                  </a:txBody>
+                  <a:tcPr/>
+                </a:tc>
+                <a:tc>
+                  <a:txBody>
+                    <a:bodyPr/>
+                    <a:lstStyle/>
+                    <a:p>
+                      <a:pPr algn="ctr"/>
+                      <a:r>
+                        <a:rPr lang="en-IN" dirty="0"/>
+                        <a:t>200 - 300</a:t>
+                      </a:r>
+                    </a:p>
+                  </a:txBody>
+                  <a:tcPr/>
+                </a:tc>
+                <a:tc>
+                  <a:txBody>
+                    <a:bodyPr/>
+                    <a:lstStyle/>
+                    <a:p>
+                      <a:pPr algn="ctr"/>
+                      <a:r>
+                        <a:rPr lang="en-IN" b="1" dirty="0"/>
+                        <a:t>250 </a:t>
+                      </a:r>
+                    </a:p>
+                  </a:txBody>
+                  <a:tcPr/>
+                </a:tc>
+                <a:tc>
+                  <a:txBody>
+                    <a:bodyPr/>
+                    <a:lstStyle/>
+                    <a:p>
+                      <a:pPr marL="0" marR="0" lvl="0" indent="0" algn="ctr" defTabSz="914400" rtl="0" eaLnBrk="1" fontAlgn="auto" latinLnBrk="0" hangingPunct="1">
+                        <a:lnSpc>
+                          <a:spcPct val="100000"/>
+                        </a:lnSpc>
+                        <a:spcBef>
+                          <a:spcPts val="0"/>
+                        </a:spcBef>
+                        <a:spcAft>
+                          <a:spcPts val="0"/>
+                        </a:spcAft>
+                        <a:buClrTx/>
+                        <a:buSzTx/>
+                        <a:buFontTx/>
+                        <a:buNone/>
+                        <a:tabLst/>
+                        <a:defRPr/>
+                      </a:pPr>
+                      <a:r>
+                        <a:rPr lang="en-IN" dirty="0"/>
+                        <a:t>200</a:t>
+                      </a:r>
+                    </a:p>
+                  </a:txBody>
+                  <a:tcPr/>
+                </a:tc>
+                <a:tc>
+                  <a:txBody>
+                    <a:bodyPr/>
+                    <a:lstStyle/>
+                    <a:p>
+                      <a:pPr algn="ctr"/>
+                      <a:r>
+                        <a:rPr lang="en-IN" b="1" dirty="0"/>
+                        <a:t>300</a:t>
+                      </a:r>
+                    </a:p>
+                  </a:txBody>
+                  <a:tcPr/>
+                </a:tc>
+                <a:tc>
+                  <a:txBody>
+                    <a:bodyPr/>
+                    <a:lstStyle/>
+                    <a:p>
+                      <a:pPr algn="ctr"/>
+                      <a:endParaRPr lang="en-IN" b="1" dirty="0"/>
+                    </a:p>
+                  </a:txBody>
+                  <a:tcPr/>
+                </a:tc>
+                <a:extLst>
+                  <a:ext uri="{0D108BD9-81ED-4DB2-BD59-A6C34878D82A}">
+                    <a16:rowId xmlns:a16="http://schemas.microsoft.com/office/drawing/2014/main" val="4800565"/>
+                  </a:ext>
+                </a:extLst>
+              </a:tr>
+              <a:tr h="535221">
+                <a:tc>
+                  <a:txBody>
+                    <a:bodyPr/>
+                    <a:lstStyle/>
+                    <a:p>
+                      <a:pPr algn="ctr"/>
+                      <a:r>
+                        <a:rPr lang="en-IN" dirty="0"/>
+                        <a:t>Dive support</a:t>
+                      </a:r>
+                    </a:p>
+                  </a:txBody>
+                  <a:tcPr/>
+                </a:tc>
+                <a:tc>
+                  <a:txBody>
+                    <a:bodyPr/>
+                    <a:lstStyle/>
+                    <a:p>
+                      <a:pPr algn="ctr"/>
+                      <a:r>
+                        <a:rPr lang="en-IN" dirty="0"/>
+                        <a:t>300 - 500</a:t>
+                      </a:r>
+                    </a:p>
+                  </a:txBody>
+                  <a:tcPr/>
+                </a:tc>
+                <a:tc>
+                  <a:txBody>
+                    <a:bodyPr/>
+                    <a:lstStyle/>
+                    <a:p>
+                      <a:pPr algn="ctr"/>
+                      <a:r>
+                        <a:rPr lang="en-IN" dirty="0"/>
+                        <a:t>400 </a:t>
+                      </a:r>
+                    </a:p>
+                  </a:txBody>
+                  <a:tcPr/>
+                </a:tc>
+                <a:tc>
+                  <a:txBody>
+                    <a:bodyPr/>
+                    <a:lstStyle/>
+                    <a:p>
+                      <a:pPr marL="0" marR="0" lvl="0" indent="0" algn="ctr" defTabSz="914400" rtl="0" eaLnBrk="1" fontAlgn="auto" latinLnBrk="0" hangingPunct="1">
+                        <a:lnSpc>
+                          <a:spcPct val="100000"/>
+                        </a:lnSpc>
+                        <a:spcBef>
+                          <a:spcPts val="0"/>
+                        </a:spcBef>
+                        <a:spcAft>
+                          <a:spcPts val="0"/>
+                        </a:spcAft>
+                        <a:buClrTx/>
+                        <a:buSzTx/>
+                        <a:buFontTx/>
+                        <a:buNone/>
+                        <a:tabLst/>
+                        <a:defRPr/>
+                      </a:pPr>
+                      <a:r>
+                        <a:rPr lang="en-IN" dirty="0"/>
+                        <a:t>300</a:t>
+                      </a:r>
+                    </a:p>
+                  </a:txBody>
+                  <a:tcPr/>
+                </a:tc>
+                <a:tc>
+                  <a:txBody>
+                    <a:bodyPr/>
+                    <a:lstStyle/>
+                    <a:p>
+                      <a:pPr algn="ctr"/>
+                      <a:r>
+                        <a:rPr lang="en-IN" dirty="0"/>
+                        <a:t>400</a:t>
+                      </a:r>
+                    </a:p>
+                  </a:txBody>
+                  <a:tcPr/>
+                </a:tc>
+                <a:tc>
+                  <a:txBody>
+                    <a:bodyPr/>
+                    <a:lstStyle/>
+                    <a:p>
+                      <a:pPr algn="ctr"/>
+                      <a:endParaRPr lang="en-IN" dirty="0"/>
+                    </a:p>
+                  </a:txBody>
+                  <a:tcPr/>
+                </a:tc>
+                <a:extLst>
+                  <a:ext uri="{0D108BD9-81ED-4DB2-BD59-A6C34878D82A}">
+                    <a16:rowId xmlns:a16="http://schemas.microsoft.com/office/drawing/2014/main" val="908567724"/>
+                  </a:ext>
+                </a:extLst>
+              </a:tr>
+              <a:tr h="535221">
+                <a:tc>
+                  <a:txBody>
+                    <a:bodyPr/>
+                    <a:lstStyle/>
+                    <a:p>
+                      <a:pPr algn="ctr"/>
+                      <a:r>
+                        <a:rPr lang="en-IN" dirty="0"/>
+                        <a:t>Crew boat</a:t>
+                      </a:r>
+                    </a:p>
+                  </a:txBody>
+                  <a:tcPr/>
+                </a:tc>
+                <a:tc>
+                  <a:txBody>
+                    <a:bodyPr/>
+                    <a:lstStyle/>
+                    <a:p>
+                      <a:pPr algn="ctr"/>
+                      <a:r>
+                        <a:rPr lang="en-IN" dirty="0"/>
+                        <a:t>100 - 200</a:t>
+                      </a:r>
+                    </a:p>
+                  </a:txBody>
+                  <a:tcPr/>
+                </a:tc>
+                <a:tc>
+                  <a:txBody>
+                    <a:bodyPr/>
+                    <a:lstStyle/>
+                    <a:p>
+                      <a:pPr algn="ctr"/>
+                      <a:r>
+                        <a:rPr lang="en-IN" dirty="0"/>
+                        <a:t>150 </a:t>
+                      </a:r>
+                    </a:p>
+                  </a:txBody>
+                  <a:tcPr/>
+                </a:tc>
+                <a:tc>
+                  <a:txBody>
+                    <a:bodyPr/>
+                    <a:lstStyle/>
+                    <a:p>
+                      <a:pPr marL="0" marR="0" lvl="0" indent="0" algn="ctr" defTabSz="914400" rtl="0" eaLnBrk="1" fontAlgn="auto" latinLnBrk="0" hangingPunct="1">
+                        <a:lnSpc>
+                          <a:spcPct val="100000"/>
+                        </a:lnSpc>
+                        <a:spcBef>
+                          <a:spcPts val="0"/>
+                        </a:spcBef>
+                        <a:spcAft>
+                          <a:spcPts val="0"/>
+                        </a:spcAft>
+                        <a:buClrTx/>
+                        <a:buSzTx/>
+                        <a:buFontTx/>
+                        <a:buNone/>
+                        <a:tabLst/>
+                        <a:defRPr/>
+                      </a:pPr>
+                      <a:r>
+                        <a:rPr lang="en-IN" dirty="0"/>
+                        <a:t>100</a:t>
+                      </a:r>
+                    </a:p>
+                  </a:txBody>
+                  <a:tcPr/>
+                </a:tc>
+                <a:tc>
+                  <a:txBody>
+                    <a:bodyPr/>
+                    <a:lstStyle/>
+                    <a:p>
+                      <a:pPr algn="ctr"/>
+                      <a:r>
+                        <a:rPr lang="en-IN" dirty="0"/>
+                        <a:t>`150</a:t>
+                      </a:r>
+                    </a:p>
+                  </a:txBody>
+                  <a:tcPr/>
+                </a:tc>
+                <a:tc>
+                  <a:txBody>
+                    <a:bodyPr/>
+                    <a:lstStyle/>
+                    <a:p>
+                      <a:pPr algn="ctr"/>
+                      <a:endParaRPr lang="en-IN" dirty="0"/>
+                    </a:p>
+                  </a:txBody>
+                  <a:tcPr/>
+                </a:tc>
+                <a:extLst>
+                  <a:ext uri="{0D108BD9-81ED-4DB2-BD59-A6C34878D82A}">
+                    <a16:rowId xmlns:a16="http://schemas.microsoft.com/office/drawing/2014/main" val="241351483"/>
+                  </a:ext>
+                </a:extLst>
+              </a:tr>
+              <a:tr h="535221">
+                <a:tc>
+                  <a:txBody>
+                    <a:bodyPr/>
+                    <a:lstStyle/>
+                    <a:p>
+                      <a:pPr algn="ctr"/>
+                      <a:r>
+                        <a:rPr lang="en-IN" dirty="0"/>
+                        <a:t>Work boat</a:t>
+                      </a:r>
+                    </a:p>
+                  </a:txBody>
+                  <a:tcPr/>
+                </a:tc>
+                <a:tc>
+                  <a:txBody>
+                    <a:bodyPr/>
+                    <a:lstStyle/>
+                    <a:p>
+                      <a:pPr algn="ctr"/>
+                      <a:r>
+                        <a:rPr lang="en-IN" dirty="0"/>
+                        <a:t>200 -400</a:t>
+                      </a:r>
+                    </a:p>
+                  </a:txBody>
+                  <a:tcPr/>
+                </a:tc>
+                <a:tc>
+                  <a:txBody>
+                    <a:bodyPr/>
+                    <a:lstStyle/>
+                    <a:p>
+                      <a:pPr algn="ctr"/>
+                      <a:r>
+                        <a:rPr lang="en-IN" dirty="0"/>
+                        <a:t>300 </a:t>
+                      </a:r>
+                    </a:p>
+                  </a:txBody>
+                  <a:tcPr/>
+                </a:tc>
+                <a:tc>
+                  <a:txBody>
+                    <a:bodyPr/>
+                    <a:lstStyle/>
+                    <a:p>
+                      <a:pPr marL="0" marR="0" lvl="0" indent="0" algn="ctr" defTabSz="914400" rtl="0" eaLnBrk="1" fontAlgn="auto" latinLnBrk="0" hangingPunct="1">
+                        <a:lnSpc>
+                          <a:spcPct val="100000"/>
+                        </a:lnSpc>
+                        <a:spcBef>
+                          <a:spcPts val="0"/>
+                        </a:spcBef>
+                        <a:spcAft>
+                          <a:spcPts val="0"/>
+                        </a:spcAft>
+                        <a:buClrTx/>
+                        <a:buSzTx/>
+                        <a:buFontTx/>
+                        <a:buNone/>
+                        <a:tabLst/>
+                        <a:defRPr/>
+                      </a:pPr>
+                      <a:r>
+                        <a:rPr lang="en-IN" dirty="0"/>
+                        <a:t>200</a:t>
+                      </a:r>
+                    </a:p>
+                  </a:txBody>
+                  <a:tcPr/>
+                </a:tc>
+                <a:tc>
+                  <a:txBody>
+                    <a:bodyPr/>
+                    <a:lstStyle/>
+                    <a:p>
+                      <a:pPr algn="ctr"/>
+                      <a:r>
+                        <a:rPr lang="en-IN" dirty="0"/>
+                        <a:t>300</a:t>
+                      </a:r>
+                    </a:p>
+                  </a:txBody>
+                  <a:tcPr/>
+                </a:tc>
+                <a:tc>
+                  <a:txBody>
+                    <a:bodyPr/>
+                    <a:lstStyle/>
+                    <a:p>
+                      <a:pPr algn="ctr"/>
+                      <a:endParaRPr lang="en-IN" dirty="0"/>
+                    </a:p>
+                  </a:txBody>
+                  <a:tcPr/>
+                </a:tc>
+                <a:extLst>
+                  <a:ext uri="{0D108BD9-81ED-4DB2-BD59-A6C34878D82A}">
+                    <a16:rowId xmlns:a16="http://schemas.microsoft.com/office/drawing/2014/main" val="442639134"/>
+                  </a:ext>
+                </a:extLst>
+              </a:tr>
+              <a:tr h="535221">
+                <a:tc>
+                  <a:txBody>
+                    <a:bodyPr/>
+                    <a:lstStyle/>
+                    <a:p>
+                      <a:pPr algn="ctr"/>
+                      <a:r>
+                        <a:rPr lang="en-IN" dirty="0" err="1"/>
+                        <a:t>Multicats</a:t>
+                      </a:r>
+                      <a:r>
+                        <a:rPr lang="en-IN" dirty="0"/>
+                        <a:t>/ Tugs</a:t>
+                      </a:r>
+                    </a:p>
+                  </a:txBody>
+                  <a:tcPr/>
+                </a:tc>
+                <a:tc>
+                  <a:txBody>
+                    <a:bodyPr/>
+                    <a:lstStyle/>
+                    <a:p>
+                      <a:pPr algn="ctr"/>
+                      <a:r>
+                        <a:rPr lang="en-IN" dirty="0"/>
+                        <a:t>300 -500</a:t>
+                      </a:r>
+                    </a:p>
+                  </a:txBody>
+                  <a:tcPr/>
+                </a:tc>
+                <a:tc>
+                  <a:txBody>
+                    <a:bodyPr/>
+                    <a:lstStyle/>
+                    <a:p>
+                      <a:pPr algn="ctr"/>
+                      <a:r>
+                        <a:rPr lang="en-IN" dirty="0"/>
+                        <a:t>400 </a:t>
+                      </a:r>
+                    </a:p>
+                  </a:txBody>
+                  <a:tcPr/>
+                </a:tc>
+                <a:tc>
+                  <a:txBody>
+                    <a:bodyPr/>
+                    <a:lstStyle/>
+                    <a:p>
+                      <a:pPr algn="ctr"/>
+                      <a:r>
+                        <a:rPr lang="en-IN" dirty="0"/>
+                        <a:t>300</a:t>
+                      </a:r>
+                    </a:p>
+                  </a:txBody>
+                  <a:tcPr/>
+                </a:tc>
+                <a:tc>
+                  <a:txBody>
+                    <a:bodyPr/>
+                    <a:lstStyle/>
+                    <a:p>
+                      <a:pPr algn="ctr"/>
+                      <a:r>
+                        <a:rPr lang="en-IN" dirty="0"/>
+                        <a:t>400</a:t>
+                      </a:r>
+                    </a:p>
+                  </a:txBody>
+                  <a:tcPr/>
+                </a:tc>
+                <a:tc>
+                  <a:txBody>
+                    <a:bodyPr/>
+                    <a:lstStyle/>
+                    <a:p>
+                      <a:pPr algn="ctr"/>
+                      <a:endParaRPr lang="en-IN" dirty="0"/>
+                    </a:p>
+                  </a:txBody>
+                  <a:tcPr/>
+                </a:tc>
+                <a:extLst>
+                  <a:ext uri="{0D108BD9-81ED-4DB2-BD59-A6C34878D82A}">
+                    <a16:rowId xmlns:a16="http://schemas.microsoft.com/office/drawing/2014/main" val="2086779476"/>
+                  </a:ext>
+                </a:extLst>
+              </a:tr>
+              <a:tr h="377258">
+                <a:tc>
+                  <a:txBody>
+                    <a:bodyPr/>
+                    <a:lstStyle/>
+                    <a:p>
+                      <a:pPr algn="ctr"/>
+                      <a:r>
+                        <a:rPr lang="en-IN" dirty="0"/>
+                        <a:t>Cargo </a:t>
+                      </a:r>
+                    </a:p>
+                  </a:txBody>
+                  <a:tcPr/>
+                </a:tc>
+                <a:tc>
+                  <a:txBody>
+                    <a:bodyPr/>
+                    <a:lstStyle/>
+                    <a:p>
+                      <a:pPr algn="ctr"/>
+                      <a:r>
+                        <a:rPr lang="en-IN" dirty="0"/>
+                        <a:t>500 - 1000</a:t>
+                      </a:r>
+                    </a:p>
+                  </a:txBody>
+                  <a:tcPr/>
+                </a:tc>
+                <a:tc>
+                  <a:txBody>
+                    <a:bodyPr/>
+                    <a:lstStyle/>
+                    <a:p>
+                      <a:pPr algn="ctr"/>
+                      <a:r>
+                        <a:rPr lang="en-IN" b="1" dirty="0"/>
+                        <a:t>700 </a:t>
+                      </a:r>
+                    </a:p>
+                  </a:txBody>
+                  <a:tcPr/>
+                </a:tc>
+                <a:tc>
+                  <a:txBody>
+                    <a:bodyPr/>
+                    <a:lstStyle/>
+                    <a:p>
+                      <a:pPr algn="ctr"/>
+                      <a:r>
+                        <a:rPr lang="en-IN" dirty="0"/>
+                        <a:t>500</a:t>
+                      </a:r>
+                    </a:p>
+                  </a:txBody>
+                  <a:tcPr/>
+                </a:tc>
+                <a:tc>
+                  <a:txBody>
+                    <a:bodyPr/>
+                    <a:lstStyle/>
+                    <a:p>
+                      <a:pPr algn="ctr"/>
+                      <a:r>
+                        <a:rPr lang="en-IN" b="1" dirty="0"/>
+                        <a:t>1000</a:t>
+                      </a:r>
+                    </a:p>
+                  </a:txBody>
+                  <a:tcPr/>
+                </a:tc>
+                <a:tc>
+                  <a:txBody>
+                    <a:bodyPr/>
+                    <a:lstStyle/>
+                    <a:p>
+                      <a:pPr algn="ctr"/>
+                      <a:endParaRPr lang="en-IN" b="1" dirty="0"/>
+                    </a:p>
+                  </a:txBody>
+                  <a:tcPr/>
+                </a:tc>
+                <a:extLst>
+                  <a:ext uri="{0D108BD9-81ED-4DB2-BD59-A6C34878D82A}">
+                    <a16:rowId xmlns:a16="http://schemas.microsoft.com/office/drawing/2014/main" val="3667513790"/>
+                  </a:ext>
+                </a:extLst>
+              </a:tr>
+            </a:tbl>
+          </a:graphicData>
+        </a:graphic>
+      </p:graphicFrame>
+      <p:sp>
+        <p:nvSpPr>
+          <p:cNvPr id="10" name="TextBox 9">
+            <a:extLst>
+              <a:ext uri="{FF2B5EF4-FFF2-40B4-BE49-F238E27FC236}">
+                <a16:creationId xmlns:a16="http://schemas.microsoft.com/office/drawing/2014/main" id="{0C84C837-BC50-351B-F315-B9727455CB13}"/>
+              </a:ext>
+            </a:extLst>
+          </p:cNvPr>
+          <p:cNvSpPr txBox="1"/>
+          <p:nvPr/>
+        </p:nvSpPr>
+        <p:spPr>
+          <a:xfrm>
+            <a:off x="3879980" y="5873593"/>
+            <a:ext cx="6102220" cy="369332"/>
+          </a:xfrm>
+          <a:prstGeom prst="rect">
+            <a:avLst/>
+          </a:prstGeom>
+          <a:noFill/>
+        </p:spPr>
+        <p:txBody>
+          <a:bodyPr wrap="square">
+            <a:spAutoFit/>
+          </a:bodyPr>
+          <a:lstStyle/>
+          <a:p>
+            <a:r>
+              <a:rPr lang="en-IN" b="1" kern="100" dirty="0">
+                <a:latin typeface="Aptos" panose="020B0004020202020204" pitchFamily="34" charset="0"/>
+                <a:ea typeface="Aptos" panose="020B0004020202020204" pitchFamily="34" charset="0"/>
+                <a:cs typeface="Times New Roman" panose="02020603050405020304" pitchFamily="18" charset="0"/>
+              </a:rPr>
+              <a:t>Table</a:t>
+            </a:r>
+            <a:r>
+              <a:rPr lang="en-IN" sz="1800" b="1" kern="100" dirty="0">
+                <a:effectLst/>
+                <a:latin typeface="Aptos" panose="020B0004020202020204" pitchFamily="34" charset="0"/>
+                <a:ea typeface="Aptos" panose="020B0004020202020204" pitchFamily="34" charset="0"/>
+                <a:cs typeface="Times New Roman" panose="02020603050405020304" pitchFamily="18" charset="0"/>
+              </a:rPr>
+              <a:t> </a:t>
+            </a:r>
+            <a:r>
+              <a:rPr lang="en-IN" b="1" kern="100" dirty="0">
+                <a:effectLst/>
+                <a:latin typeface="Aptos" panose="020B0004020202020204" pitchFamily="34" charset="0"/>
+                <a:ea typeface="Aptos" panose="020B0004020202020204" pitchFamily="34" charset="0"/>
+                <a:cs typeface="Times New Roman" panose="02020603050405020304" pitchFamily="18" charset="0"/>
+              </a:rPr>
+              <a:t>4</a:t>
+            </a:r>
+            <a:r>
+              <a:rPr lang="en-IN" sz="1800" b="1" kern="100" dirty="0">
+                <a:effectLst/>
+                <a:latin typeface="Aptos" panose="020B0004020202020204" pitchFamily="34" charset="0"/>
+                <a:ea typeface="Aptos" panose="020B0004020202020204" pitchFamily="34" charset="0"/>
+                <a:cs typeface="Times New Roman" panose="02020603050405020304" pitchFamily="18" charset="0"/>
+              </a:rPr>
+              <a:t>.3</a:t>
+            </a:r>
+            <a:r>
+              <a:rPr lang="en-IN" sz="1800" b="1" kern="100" dirty="0">
+                <a:latin typeface="Aptos" panose="020B0004020202020204" pitchFamily="34" charset="0"/>
+                <a:ea typeface="Aptos" panose="020B0004020202020204" pitchFamily="34" charset="0"/>
+                <a:cs typeface="Times New Roman" panose="02020603050405020304" pitchFamily="18" charset="0"/>
+              </a:rPr>
+              <a:t>:</a:t>
+            </a:r>
+            <a:r>
+              <a:rPr lang="en-IN" sz="1800" kern="100" dirty="0">
+                <a:effectLst/>
+                <a:latin typeface="Aptos" panose="020B0004020202020204" pitchFamily="34" charset="0"/>
+                <a:ea typeface="Aptos" panose="020B0004020202020204" pitchFamily="34" charset="0"/>
+                <a:cs typeface="Times New Roman" panose="02020603050405020304" pitchFamily="18" charset="0"/>
+              </a:rPr>
+              <a:t> Vessel, Fuel Consumptions and case </a:t>
+            </a:r>
+            <a:r>
+              <a:rPr lang="en-IN" sz="1800" kern="100" dirty="0">
+                <a:solidFill>
+                  <a:schemeClr val="accent5">
+                    <a:lumMod val="75000"/>
+                  </a:schemeClr>
+                </a:solidFill>
+                <a:effectLst/>
+                <a:latin typeface="Aptos" panose="020B0004020202020204" pitchFamily="34" charset="0"/>
+                <a:ea typeface="Aptos" panose="020B0004020202020204" pitchFamily="34" charset="0"/>
+                <a:cs typeface="Times New Roman" panose="02020603050405020304" pitchFamily="18" charset="0"/>
+              </a:rPr>
+              <a:t>[</a:t>
+            </a:r>
+            <a:r>
+              <a:rPr lang="en-IN" sz="1800" kern="100" dirty="0">
+                <a:solidFill>
+                  <a:schemeClr val="accent5">
+                    <a:lumMod val="75000"/>
+                  </a:schemeClr>
+                </a:solidFill>
+                <a:latin typeface="Aptos" panose="020B0004020202020204" pitchFamily="34" charset="0"/>
+                <a:ea typeface="Aptos" panose="020B0004020202020204" pitchFamily="34" charset="0"/>
+                <a:cs typeface="Times New Roman" panose="02020603050405020304" pitchFamily="18" charset="0"/>
+              </a:rPr>
+              <a:t>6</a:t>
+            </a:r>
+            <a:r>
+              <a:rPr lang="en-IN" sz="1800" kern="100" dirty="0">
+                <a:solidFill>
+                  <a:schemeClr val="accent5">
+                    <a:lumMod val="75000"/>
+                  </a:schemeClr>
+                </a:solidFill>
+                <a:effectLst/>
+                <a:latin typeface="Aptos" panose="020B0004020202020204" pitchFamily="34" charset="0"/>
+                <a:ea typeface="Aptos" panose="020B0004020202020204" pitchFamily="34" charset="0"/>
+                <a:cs typeface="Times New Roman" panose="02020603050405020304" pitchFamily="18" charset="0"/>
+              </a:rPr>
+              <a:t>]</a:t>
+            </a:r>
+          </a:p>
+        </p:txBody>
+      </p:sp>
+    </p:spTree>
+    <p:extLst>
+      <p:ext uri="{BB962C8B-B14F-4D97-AF65-F5344CB8AC3E}">
+        <p14:creationId xmlns:p14="http://schemas.microsoft.com/office/powerpoint/2010/main" val="4190790008"/>
+      </p:ext>
+    </p:extLst>
+  </p:cSld>
+  <p:clrMapOvr>
+    <a:masterClrMapping/>
+  </p:clrMapOvr>
+</p:sld>
+</file>
+
+<file path=ppt/slides/slide16.xml><?xml version="1.0" encoding="utf-8"?>
+<p:sld xmlns:a="http://schemas.openxmlformats.org/drawingml/2006/main" xmlns:r="http://schemas.openxmlformats.org/officeDocument/2006/relationships" xmlns:p="http://schemas.openxmlformats.org/presentationml/2006/main">
+  <p:cSld>
+    <p:spTree>
+      <p:nvGrpSpPr>
+        <p:cNvPr id="1" name="">
+          <a:extLst>
+            <a:ext uri="{FF2B5EF4-FFF2-40B4-BE49-F238E27FC236}">
+              <a16:creationId xmlns:a16="http://schemas.microsoft.com/office/drawing/2014/main" id="{3C93D3D3-671E-93B7-D66A-62B04969EF1C}"/>
+            </a:ext>
+          </a:extLst>
+        </p:cNvPr>
+        <p:cNvGrpSpPr/>
+        <p:nvPr/>
+      </p:nvGrpSpPr>
+      <p:grpSpPr>
+        <a:xfrm>
+          <a:off x="0" y="0"/>
+          <a:ext cx="0" cy="0"/>
+          <a:chOff x="0" y="0"/>
+          <a:chExt cx="0" cy="0"/>
+        </a:xfrm>
+      </p:grpSpPr>
+      <p:pic>
+        <p:nvPicPr>
+          <p:cNvPr id="5" name="Picture 4">
+            <a:extLst>
+              <a:ext uri="{FF2B5EF4-FFF2-40B4-BE49-F238E27FC236}">
+                <a16:creationId xmlns:a16="http://schemas.microsoft.com/office/drawing/2014/main" id="{7718215D-EFCA-8F81-E119-66D5CF693707}"/>
+              </a:ext>
+            </a:extLst>
+          </p:cNvPr>
+          <p:cNvPicPr>
+            <a:picLocks noChangeAspect="1"/>
+          </p:cNvPicPr>
+          <p:nvPr/>
+        </p:nvPicPr>
+        <p:blipFill>
+          <a:blip r:embed="rId2">
+            <a:extLst>
+              <a:ext uri="{28A0092B-C50C-407E-A947-70E740481C1C}">
+                <a14:useLocalDpi xmlns:a14="http://schemas.microsoft.com/office/drawing/2010/main" val="0"/>
+              </a:ext>
+            </a:extLst>
+          </a:blip>
+          <a:srcRect/>
+          <a:stretch/>
+        </p:blipFill>
+        <p:spPr>
+          <a:xfrm>
+            <a:off x="284966" y="-15371"/>
+            <a:ext cx="2511357" cy="1412637"/>
+          </a:xfrm>
+          <a:prstGeom prst="rect">
+            <a:avLst/>
+          </a:prstGeom>
+        </p:spPr>
+      </p:pic>
+      <p:sp>
+        <p:nvSpPr>
+          <p:cNvPr id="3" name="Rectangle 2">
+            <a:extLst>
+              <a:ext uri="{FF2B5EF4-FFF2-40B4-BE49-F238E27FC236}">
+                <a16:creationId xmlns:a16="http://schemas.microsoft.com/office/drawing/2014/main" id="{2E7F7ED6-FA06-0928-04F7-DCD5E51B1571}"/>
+              </a:ext>
+            </a:extLst>
+          </p:cNvPr>
+          <p:cNvSpPr/>
+          <p:nvPr/>
+        </p:nvSpPr>
+        <p:spPr>
+          <a:xfrm>
+            <a:off x="0" y="6312310"/>
+            <a:ext cx="12192000" cy="545690"/>
+          </a:xfrm>
+          <a:prstGeom prst="rect">
+            <a:avLst/>
+          </a:prstGeom>
+          <a:solidFill>
+            <a:schemeClr val="accent1">
+              <a:lumMod val="60000"/>
+              <a:lumOff val="40000"/>
+            </a:schemeClr>
+          </a:solidFill>
+          <a:ln>
+            <a:solidFill>
+              <a:schemeClr val="accent1">
+                <a:lumMod val="40000"/>
+                <a:lumOff val="60000"/>
+              </a:schemeClr>
+            </a:solidFill>
+          </a:ln>
+        </p:spPr>
+        <p:style>
+          <a:lnRef idx="2">
+            <a:schemeClr val="accent1">
+              <a:shade val="15000"/>
+            </a:schemeClr>
+          </a:lnRef>
+          <a:fillRef idx="1">
+            <a:schemeClr val="accent1"/>
+          </a:fillRef>
+          <a:effectRef idx="0">
+            <a:schemeClr val="accent1"/>
+          </a:effectRef>
+          <a:fontRef idx="minor">
+            <a:schemeClr val="lt1"/>
+          </a:fontRef>
+        </p:style>
+        <p:txBody>
+          <a:bodyPr rtlCol="0" anchor="ctr"/>
+          <a:lstStyle/>
+          <a:p>
+            <a:pPr algn="ctr"/>
+            <a:endParaRPr lang="LID4096" dirty="0">
+              <a:solidFill>
+                <a:schemeClr val="accent1">
+                  <a:lumMod val="60000"/>
+                  <a:lumOff val="40000"/>
+                </a:schemeClr>
+              </a:solidFill>
+            </a:endParaRPr>
+          </a:p>
+        </p:txBody>
+      </p:sp>
+      <p:sp>
+        <p:nvSpPr>
+          <p:cNvPr id="11" name="Date Placeholder 10">
+            <a:extLst>
+              <a:ext uri="{FF2B5EF4-FFF2-40B4-BE49-F238E27FC236}">
+                <a16:creationId xmlns:a16="http://schemas.microsoft.com/office/drawing/2014/main" id="{580A228C-1F16-A7F1-11A1-43D11E24A866}"/>
+              </a:ext>
+            </a:extLst>
+          </p:cNvPr>
+          <p:cNvSpPr>
+            <a:spLocks noGrp="1"/>
+          </p:cNvSpPr>
+          <p:nvPr>
+            <p:ph type="dt" sz="half" idx="10"/>
+          </p:nvPr>
+        </p:nvSpPr>
+        <p:spPr/>
+        <p:txBody>
+          <a:bodyPr/>
+          <a:lstStyle/>
+          <a:p>
+            <a:fld id="{313DD33B-839B-46E7-86F0-3CE0E6C0AEB2}" type="datetime1">
+              <a:rPr lang="en-IN" smtClean="0">
+                <a:solidFill>
+                  <a:schemeClr val="tx1"/>
+                </a:solidFill>
+              </a:rPr>
+              <a:t>21-11-2024</a:t>
             </a:fld>
             <a:endParaRPr lang="en-IN" dirty="0">
               <a:solidFill>
@@ -18376,7 +18466,7 @@
                   <a:schemeClr val="tx1"/>
                 </a:solidFill>
               </a:rPr>
-              <a:t>20-11-2024</a:t>
+              <a:t>21-11-2024</a:t>
             </a:fld>
             <a:endParaRPr lang="en-IN" dirty="0">
               <a:solidFill>
@@ -19080,7 +19170,7 @@
                   <a:schemeClr val="tx1"/>
                 </a:solidFill>
               </a:rPr>
-              <a:t>20-11-2024</a:t>
+              <a:t>21-11-2024</a:t>
             </a:fld>
             <a:endParaRPr lang="en-IN" dirty="0">
               <a:solidFill>
@@ -21217,7 +21307,7 @@
                   <a:schemeClr val="tx1"/>
                 </a:solidFill>
               </a:rPr>
-              <a:t>20-11-2024</a:t>
+              <a:t>21-11-2024</a:t>
             </a:fld>
             <a:endParaRPr lang="en-IN" dirty="0">
               <a:solidFill>
@@ -23050,7 +23140,7 @@
                   <a:schemeClr val="tx1"/>
                 </a:solidFill>
               </a:rPr>
-              <a:t>20-11-2024</a:t>
+              <a:t>21-11-2024</a:t>
             </a:fld>
             <a:endParaRPr lang="en-IN" dirty="0">
               <a:solidFill>
@@ -23343,7 +23433,7 @@
             </a:pPr>
             <a:r>
               <a:rPr lang="en-IN" sz="2400" dirty="0"/>
-              <a:t>My approach to Decommissioning Offshore Wind Farm</a:t>
+              <a:t>Steps involved in my approach to Decommissioning Offshore Wind Farm</a:t>
             </a:r>
           </a:p>
           <a:p>
@@ -23368,10 +23458,9 @@
               <a:buAutoNum type="arabicPeriod"/>
             </a:pPr>
             <a:r>
-              <a:rPr lang="en-IN" sz="2400"/>
+              <a:rPr lang="en-IN" sz="2400" dirty="0"/>
               <a:t>Flow chart of the code</a:t>
             </a:r>
-            <a:endParaRPr lang="en-IN" sz="2400" dirty="0"/>
           </a:p>
           <a:p>
             <a:pPr marL="514350" indent="-514350">
@@ -23566,7 +23655,7 @@
                   <a:schemeClr val="tx1"/>
                 </a:solidFill>
               </a:rPr>
-              <a:t>20-11-2024</a:t>
+              <a:t>21-11-2024</a:t>
             </a:fld>
             <a:endParaRPr lang="en-IN" dirty="0">
               <a:solidFill>
@@ -24123,7 +24212,7 @@
                   <a:schemeClr val="tx1"/>
                 </a:solidFill>
               </a:rPr>
-              <a:t>20-11-2024</a:t>
+              <a:t>21-11-2024</a:t>
             </a:fld>
             <a:endParaRPr lang="en-IN" dirty="0">
               <a:solidFill>
@@ -24752,7 +24841,7 @@
                   <a:schemeClr val="tx1"/>
                 </a:solidFill>
               </a:rPr>
-              <a:t>20-11-2024</a:t>
+              <a:t>21-11-2024</a:t>
             </a:fld>
             <a:endParaRPr lang="en-IN" dirty="0">
               <a:solidFill>
@@ -25567,7 +25656,7 @@
                   <a:schemeClr val="tx1"/>
                 </a:solidFill>
               </a:rPr>
-              <a:t>20-11-2024</a:t>
+              <a:t>21-11-2024</a:t>
             </a:fld>
             <a:endParaRPr lang="en-IN" dirty="0">
               <a:solidFill>
@@ -26022,7 +26111,7 @@
                   <a:schemeClr val="tx1"/>
                 </a:solidFill>
               </a:rPr>
-              <a:t>20-11-2024</a:t>
+              <a:t>21-11-2024</a:t>
             </a:fld>
             <a:endParaRPr lang="en-IN" dirty="0">
               <a:solidFill>
@@ -26634,7 +26723,7 @@
                   <a:schemeClr val="tx1"/>
                 </a:solidFill>
               </a:rPr>
-              <a:t>20-11-2024</a:t>
+              <a:t>21-11-2024</a:t>
             </a:fld>
             <a:endParaRPr lang="en-IN" dirty="0">
               <a:solidFill>
@@ -28004,7 +28093,7 @@
                   <a:schemeClr val="tx1"/>
                 </a:solidFill>
               </a:rPr>
-              <a:t>20-11-2024</a:t>
+              <a:t>21-11-2024</a:t>
             </a:fld>
             <a:endParaRPr lang="en-IN" dirty="0">
               <a:solidFill>
@@ -28727,7 +28816,7 @@
                 <a:ea typeface="Aptos" panose="020B0004020202020204" pitchFamily="34" charset="0"/>
                 <a:cs typeface="Times New Roman" panose="02020603050405020304" pitchFamily="18" charset="0"/>
               </a:rPr>
-              <a:t>Lift</a:t>
+              <a:t>Lift or Leave</a:t>
             </a:r>
             <a:endParaRPr lang="en-IN" sz="2800" dirty="0">
               <a:effectLst/>
@@ -29581,7 +29670,7 @@
                   <a:schemeClr val="tx1"/>
                 </a:solidFill>
               </a:rPr>
-              <a:t>20-11-2024</a:t>
+              <a:t>21-11-2024</a:t>
             </a:fld>
             <a:endParaRPr lang="en-IN" dirty="0">
               <a:solidFill>
@@ -30621,7 +30710,7 @@
                   <a:schemeClr val="tx1"/>
                 </a:solidFill>
               </a:rPr>
-              <a:t>20-11-2024</a:t>
+              <a:t>21-11-2024</a:t>
             </a:fld>
             <a:endParaRPr lang="en-IN" dirty="0">
               <a:solidFill>
@@ -31247,7 +31336,7 @@
                   <a:schemeClr val="tx1"/>
                 </a:solidFill>
               </a:rPr>
-              <a:t>20-11-2024</a:t>
+              <a:t>21-11-2024</a:t>
             </a:fld>
             <a:endParaRPr lang="en-IN" dirty="0">
               <a:solidFill>

--- a/IWES/IWES_Task.pptx
+++ b/IWES/IWES_Task.pptx
@@ -4314,7 +4314,7 @@
           <a:p>
             <a:fld id="{A5C718D9-2C87-4814-8471-598F3A0B7D9E}" type="datetimeFigureOut">
               <a:rPr lang="en-IN" smtClean="0"/>
-              <a:t>21-11-2024</a:t>
+              <a:t>22-11-2024</a:t>
             </a:fld>
             <a:endParaRPr lang="en-IN"/>
           </a:p>
@@ -4731,7 +4731,7 @@
           <a:p>
             <a:fld id="{0AED1C6D-64A9-4E2D-9A6C-E91105B63EC9}" type="datetime1">
               <a:rPr lang="en-IN" smtClean="0"/>
-              <a:t>21-11-2024</a:t>
+              <a:t>22-11-2024</a:t>
             </a:fld>
             <a:endParaRPr lang="en-IN"/>
           </a:p>
@@ -4935,7 +4935,7 @@
           <a:p>
             <a:fld id="{DFEE0DA8-2651-4482-A0A2-AFA6C595E0B7}" type="datetime1">
               <a:rPr lang="en-IN" smtClean="0"/>
-              <a:t>21-11-2024</a:t>
+              <a:t>22-11-2024</a:t>
             </a:fld>
             <a:endParaRPr lang="en-IN"/>
           </a:p>
@@ -5149,7 +5149,7 @@
           <a:p>
             <a:fld id="{6CFC59C5-25AD-40A2-B8B6-710A7403660D}" type="datetime1">
               <a:rPr lang="en-IN" smtClean="0"/>
-              <a:t>21-11-2024</a:t>
+              <a:t>22-11-2024</a:t>
             </a:fld>
             <a:endParaRPr lang="en-IN"/>
           </a:p>
@@ -5375,7 +5375,7 @@
           <a:p>
             <a:fld id="{77BFAF5D-0002-429C-B0C5-8EE1E95ADF60}" type="datetime1">
               <a:rPr lang="en-IN" smtClean="0"/>
-              <a:t>21-11-2024</a:t>
+              <a:t>22-11-2024</a:t>
             </a:fld>
             <a:endParaRPr lang="en-IN" dirty="0"/>
           </a:p>
@@ -5579,7 +5579,7 @@
           <a:p>
             <a:fld id="{0409A6EE-35CB-4C55-BD57-77600E238904}" type="datetime1">
               <a:rPr lang="en-IN" smtClean="0"/>
-              <a:t>21-11-2024</a:t>
+              <a:t>22-11-2024</a:t>
             </a:fld>
             <a:endParaRPr lang="en-IN"/>
           </a:p>
@@ -5859,7 +5859,7 @@
           <a:p>
             <a:fld id="{91D31A59-5885-47CE-A56F-31BBD2ED4A81}" type="datetime1">
               <a:rPr lang="en-IN" smtClean="0"/>
-              <a:t>21-11-2024</a:t>
+              <a:t>22-11-2024</a:t>
             </a:fld>
             <a:endParaRPr lang="en-IN"/>
           </a:p>
@@ -6131,7 +6131,7 @@
           <a:p>
             <a:fld id="{FC71A6C9-A2A6-47CD-824A-3864682612D8}" type="datetime1">
               <a:rPr lang="en-IN" smtClean="0"/>
-              <a:t>21-11-2024</a:t>
+              <a:t>22-11-2024</a:t>
             </a:fld>
             <a:endParaRPr lang="en-IN"/>
           </a:p>
@@ -6550,7 +6550,7 @@
           <a:p>
             <a:fld id="{7CDF4A07-182A-4523-9400-45AF01FFCFA7}" type="datetime1">
               <a:rPr lang="en-IN" smtClean="0"/>
-              <a:t>21-11-2024</a:t>
+              <a:t>22-11-2024</a:t>
             </a:fld>
             <a:endParaRPr lang="en-IN"/>
           </a:p>
@@ -6696,7 +6696,7 @@
           <a:p>
             <a:fld id="{CCDD7BA3-CFC4-4702-BC50-593A513A0209}" type="datetime1">
               <a:rPr lang="en-IN" smtClean="0"/>
-              <a:t>21-11-2024</a:t>
+              <a:t>22-11-2024</a:t>
             </a:fld>
             <a:endParaRPr lang="en-IN"/>
           </a:p>
@@ -6813,7 +6813,7 @@
           <a:p>
             <a:fld id="{EC2F84AA-5082-4373-AD01-1489AA108879}" type="datetime1">
               <a:rPr lang="en-IN" smtClean="0"/>
-              <a:t>21-11-2024</a:t>
+              <a:t>22-11-2024</a:t>
             </a:fld>
             <a:endParaRPr lang="en-IN"/>
           </a:p>
@@ -7130,7 +7130,7 @@
           <a:p>
             <a:fld id="{49D1921A-33A5-44B8-8CE1-DF8DE646E4D6}" type="datetime1">
               <a:rPr lang="en-IN" smtClean="0"/>
-              <a:t>21-11-2024</a:t>
+              <a:t>22-11-2024</a:t>
             </a:fld>
             <a:endParaRPr lang="en-IN"/>
           </a:p>
@@ -7334,7 +7334,7 @@
           <a:p>
             <a:fld id="{32B90065-3C61-4839-BF62-6C1FD32A9DEF}" type="datetime1">
               <a:rPr lang="en-IN" smtClean="0"/>
-              <a:t>21-11-2024</a:t>
+              <a:t>22-11-2024</a:t>
             </a:fld>
             <a:endParaRPr lang="en-IN"/>
           </a:p>
@@ -7627,7 +7627,7 @@
           <a:p>
             <a:fld id="{D828FC35-AEDD-49BF-AE2C-325672DF1847}" type="datetime1">
               <a:rPr lang="en-IN" smtClean="0"/>
-              <a:t>21-11-2024</a:t>
+              <a:t>22-11-2024</a:t>
             </a:fld>
             <a:endParaRPr lang="en-IN"/>
           </a:p>
@@ -7831,7 +7831,7 @@
           <a:p>
             <a:fld id="{EEA70672-32A4-47E7-9497-9F5CB1C3C59E}" type="datetime1">
               <a:rPr lang="en-IN" smtClean="0"/>
-              <a:t>21-11-2024</a:t>
+              <a:t>22-11-2024</a:t>
             </a:fld>
             <a:endParaRPr lang="en-IN"/>
           </a:p>
@@ -8045,7 +8045,7 @@
           <a:p>
             <a:fld id="{ED98EDF0-2D2A-4441-B0F4-25DD1E88333E}" type="datetime1">
               <a:rPr lang="en-IN" smtClean="0"/>
-              <a:t>21-11-2024</a:t>
+              <a:t>22-11-2024</a:t>
             </a:fld>
             <a:endParaRPr lang="en-IN"/>
           </a:p>
@@ -8191,7 +8191,7 @@
           <a:p>
             <a:fld id="{BD29AC1A-A558-4C8B-AB6D-938DF87C7B21}" type="datetime1">
               <a:rPr lang="en-IN" smtClean="0"/>
-              <a:t>21-11-2024</a:t>
+              <a:t>22-11-2024</a:t>
             </a:fld>
             <a:endParaRPr lang="en-IN"/>
           </a:p>
@@ -8543,7 +8543,7 @@
           <a:p>
             <a:fld id="{811F9F72-8D0A-4C05-9342-DF72BE5EC6CB}" type="datetime1">
               <a:rPr lang="en-IN" smtClean="0"/>
-              <a:t>21-11-2024</a:t>
+              <a:t>22-11-2024</a:t>
             </a:fld>
             <a:endParaRPr lang="en-IN"/>
           </a:p>
@@ -8815,7 +8815,7 @@
           <a:p>
             <a:fld id="{CB1A39C3-845A-43B9-BEFB-7A236C2A4F79}" type="datetime1">
               <a:rPr lang="en-IN" smtClean="0"/>
-              <a:t>21-11-2024</a:t>
+              <a:t>22-11-2024</a:t>
             </a:fld>
             <a:endParaRPr lang="en-IN"/>
           </a:p>
@@ -9234,7 +9234,7 @@
           <a:p>
             <a:fld id="{872BE9B0-62DA-46AB-B07C-33A6CC14DBE0}" type="datetime1">
               <a:rPr lang="en-IN" smtClean="0"/>
-              <a:t>21-11-2024</a:t>
+              <a:t>22-11-2024</a:t>
             </a:fld>
             <a:endParaRPr lang="en-IN"/>
           </a:p>
@@ -9380,7 +9380,7 @@
           <a:p>
             <a:fld id="{E6D99EF7-647C-46B2-B1BC-7C7B1B904BC0}" type="datetime1">
               <a:rPr lang="en-IN" smtClean="0"/>
-              <a:t>21-11-2024</a:t>
+              <a:t>22-11-2024</a:t>
             </a:fld>
             <a:endParaRPr lang="en-IN"/>
           </a:p>
@@ -9497,7 +9497,7 @@
           <a:p>
             <a:fld id="{BB877DA7-96CC-40A9-B14D-4B9D7065EBC1}" type="datetime1">
               <a:rPr lang="en-IN" smtClean="0"/>
-              <a:t>21-11-2024</a:t>
+              <a:t>22-11-2024</a:t>
             </a:fld>
             <a:endParaRPr lang="en-IN"/>
           </a:p>
@@ -9814,7 +9814,7 @@
           <a:p>
             <a:fld id="{82083700-E7A2-4513-89D6-336D202C5B31}" type="datetime1">
               <a:rPr lang="en-IN" smtClean="0"/>
-              <a:t>21-11-2024</a:t>
+              <a:t>22-11-2024</a:t>
             </a:fld>
             <a:endParaRPr lang="en-IN"/>
           </a:p>
@@ -10107,7 +10107,7 @@
           <a:p>
             <a:fld id="{57E400B8-A844-477B-AC8D-F8435E419499}" type="datetime1">
               <a:rPr lang="en-IN" smtClean="0"/>
-              <a:t>21-11-2024</a:t>
+              <a:t>22-11-2024</a:t>
             </a:fld>
             <a:endParaRPr lang="en-IN"/>
           </a:p>
@@ -10354,7 +10354,7 @@
           <a:p>
             <a:fld id="{9E447CD2-85B9-4037-8D99-9B029080F3C1}" type="datetime1">
               <a:rPr lang="en-IN" smtClean="0"/>
-              <a:t>21-11-2024</a:t>
+              <a:t>22-11-2024</a:t>
             </a:fld>
             <a:endParaRPr lang="en-IN"/>
           </a:p>
@@ -10929,7 +10929,7 @@
           <a:p>
             <a:fld id="{38AFC714-A3AB-4562-85D8-8980BF3275E7}" type="datetime1">
               <a:rPr lang="en-IN" smtClean="0"/>
-              <a:t>21-11-2024</a:t>
+              <a:t>22-11-2024</a:t>
             </a:fld>
             <a:endParaRPr lang="en-IN"/>
           </a:p>
@@ -11580,7 +11580,7 @@
                   <a:schemeClr val="tx1"/>
                 </a:solidFill>
               </a:rPr>
-              <a:t>21-11-2024</a:t>
+              <a:t>22-11-2024</a:t>
             </a:fld>
             <a:endParaRPr lang="en-IN" dirty="0">
               <a:solidFill>
@@ -11926,7 +11926,7 @@
                   <a:schemeClr val="tx1"/>
                 </a:solidFill>
               </a:rPr>
-              <a:t>21-11-2024</a:t>
+              <a:t>22-11-2024</a:t>
             </a:fld>
             <a:endParaRPr lang="en-IN" dirty="0">
               <a:solidFill>
@@ -12485,7 +12485,7 @@
                   <a:schemeClr val="tx1"/>
                 </a:solidFill>
               </a:rPr>
-              <a:t>21-11-2024</a:t>
+              <a:t>22-11-2024</a:t>
             </a:fld>
             <a:endParaRPr lang="en-IN" dirty="0">
               <a:solidFill>
@@ -13384,7 +13384,7 @@
                   <a:schemeClr val="tx1"/>
                 </a:solidFill>
               </a:rPr>
-              <a:t>21-11-2024</a:t>
+              <a:t>22-11-2024</a:t>
             </a:fld>
             <a:endParaRPr lang="en-IN" dirty="0">
               <a:solidFill>
@@ -13980,7 +13980,7 @@
                   <a:schemeClr val="tx1"/>
                 </a:solidFill>
               </a:rPr>
-              <a:t>21-11-2024</a:t>
+              <a:t>22-11-2024</a:t>
             </a:fld>
             <a:endParaRPr lang="en-IN" dirty="0">
               <a:solidFill>
@@ -14593,7 +14593,7 @@
                   <a:schemeClr val="tx1"/>
                 </a:solidFill>
               </a:rPr>
-              <a:t>21-11-2024</a:t>
+              <a:t>22-11-2024</a:t>
             </a:fld>
             <a:endParaRPr lang="en-IN" dirty="0">
               <a:solidFill>
@@ -15889,7 +15889,7 @@
                   <a:schemeClr val="tx1"/>
                 </a:solidFill>
               </a:rPr>
-              <a:t>21-11-2024</a:t>
+              <a:t>22-11-2024</a:t>
             </a:fld>
             <a:endParaRPr lang="en-IN" dirty="0">
               <a:solidFill>
@@ -17279,7 +17279,7 @@
                   <a:schemeClr val="tx1"/>
                 </a:solidFill>
               </a:rPr>
-              <a:t>21-11-2024</a:t>
+              <a:t>22-11-2024</a:t>
             </a:fld>
             <a:endParaRPr lang="en-IN" dirty="0">
               <a:solidFill>
@@ -18466,7 +18466,7 @@
                   <a:schemeClr val="tx1"/>
                 </a:solidFill>
               </a:rPr>
-              <a:t>21-11-2024</a:t>
+              <a:t>22-11-2024</a:t>
             </a:fld>
             <a:endParaRPr lang="en-IN" dirty="0">
               <a:solidFill>
@@ -19170,7 +19170,7 @@
                   <a:schemeClr val="tx1"/>
                 </a:solidFill>
               </a:rPr>
-              <a:t>21-11-2024</a:t>
+              <a:t>22-11-2024</a:t>
             </a:fld>
             <a:endParaRPr lang="en-IN" dirty="0">
               <a:solidFill>
@@ -21307,7 +21307,7 @@
                   <a:schemeClr val="tx1"/>
                 </a:solidFill>
               </a:rPr>
-              <a:t>21-11-2024</a:t>
+              <a:t>22-11-2024</a:t>
             </a:fld>
             <a:endParaRPr lang="en-IN" dirty="0">
               <a:solidFill>
@@ -23140,7 +23140,7 @@
                   <a:schemeClr val="tx1"/>
                 </a:solidFill>
               </a:rPr>
-              <a:t>21-11-2024</a:t>
+              <a:t>22-11-2024</a:t>
             </a:fld>
             <a:endParaRPr lang="en-IN" dirty="0">
               <a:solidFill>
@@ -23655,7 +23655,7 @@
                   <a:schemeClr val="tx1"/>
                 </a:solidFill>
               </a:rPr>
-              <a:t>21-11-2024</a:t>
+              <a:t>22-11-2024</a:t>
             </a:fld>
             <a:endParaRPr lang="en-IN" dirty="0">
               <a:solidFill>
@@ -24040,7 +24040,7 @@
         <p:spPr>
           <a:xfrm>
             <a:off x="1569562" y="1350327"/>
-            <a:ext cx="9105749" cy="4552874"/>
+            <a:ext cx="9105748" cy="4552874"/>
           </a:xfrm>
           <a:prstGeom prst="rect">
             <a:avLst/>
@@ -24212,7 +24212,7 @@
                   <a:schemeClr val="tx1"/>
                 </a:solidFill>
               </a:rPr>
-              <a:t>21-11-2024</a:t>
+              <a:t>22-11-2024</a:t>
             </a:fld>
             <a:endParaRPr lang="en-IN" dirty="0">
               <a:solidFill>
@@ -24563,8 +24563,8 @@
         </p:blipFill>
         <p:spPr>
           <a:xfrm>
-            <a:off x="135674" y="1393724"/>
-            <a:ext cx="4940177" cy="2341705"/>
+            <a:off x="135674" y="1405147"/>
+            <a:ext cx="4940177" cy="2318858"/>
           </a:xfrm>
           <a:prstGeom prst="rect">
             <a:avLst/>
@@ -24598,8 +24598,8 @@
         </p:blipFill>
         <p:spPr>
           <a:xfrm>
-            <a:off x="5448441" y="1422567"/>
-            <a:ext cx="6307375" cy="2950223"/>
+            <a:off x="5457812" y="1422567"/>
+            <a:ext cx="6288633" cy="2950223"/>
           </a:xfrm>
           <a:prstGeom prst="rect">
             <a:avLst/>
@@ -24633,8 +24633,8 @@
         </p:blipFill>
         <p:spPr>
           <a:xfrm>
-            <a:off x="175812" y="3833741"/>
-            <a:ext cx="4859903" cy="2409183"/>
+            <a:off x="181333" y="3833741"/>
+            <a:ext cx="4848861" cy="2409183"/>
           </a:xfrm>
           <a:prstGeom prst="rect">
             <a:avLst/>
@@ -24668,8 +24668,8 @@
         </p:blipFill>
         <p:spPr>
           <a:xfrm>
-            <a:off x="5448442" y="4600012"/>
-            <a:ext cx="6307376" cy="1015851"/>
+            <a:off x="6118939" y="4600012"/>
+            <a:ext cx="4966382" cy="1015851"/>
           </a:xfrm>
           <a:prstGeom prst="rect">
             <a:avLst/>
@@ -24841,7 +24841,7 @@
                   <a:schemeClr val="tx1"/>
                 </a:solidFill>
               </a:rPr>
-              <a:t>21-11-2024</a:t>
+              <a:t>22-11-2024</a:t>
             </a:fld>
             <a:endParaRPr lang="en-IN" dirty="0">
               <a:solidFill>
@@ -25656,7 +25656,7 @@
                   <a:schemeClr val="tx1"/>
                 </a:solidFill>
               </a:rPr>
-              <a:t>21-11-2024</a:t>
+              <a:t>22-11-2024</a:t>
             </a:fld>
             <a:endParaRPr lang="en-IN" dirty="0">
               <a:solidFill>
@@ -26111,7 +26111,7 @@
                   <a:schemeClr val="tx1"/>
                 </a:solidFill>
               </a:rPr>
-              <a:t>21-11-2024</a:t>
+              <a:t>22-11-2024</a:t>
             </a:fld>
             <a:endParaRPr lang="en-IN" dirty="0">
               <a:solidFill>
@@ -26723,7 +26723,7 @@
                   <a:schemeClr val="tx1"/>
                 </a:solidFill>
               </a:rPr>
-              <a:t>21-11-2024</a:t>
+              <a:t>22-11-2024</a:t>
             </a:fld>
             <a:endParaRPr lang="en-IN" dirty="0">
               <a:solidFill>
@@ -28093,7 +28093,7 @@
                   <a:schemeClr val="tx1"/>
                 </a:solidFill>
               </a:rPr>
-              <a:t>21-11-2024</a:t>
+              <a:t>22-11-2024</a:t>
             </a:fld>
             <a:endParaRPr lang="en-IN" dirty="0">
               <a:solidFill>
@@ -29670,7 +29670,7 @@
                   <a:schemeClr val="tx1"/>
                 </a:solidFill>
               </a:rPr>
-              <a:t>21-11-2024</a:t>
+              <a:t>22-11-2024</a:t>
             </a:fld>
             <a:endParaRPr lang="en-IN" dirty="0">
               <a:solidFill>
@@ -30710,7 +30710,7 @@
                   <a:schemeClr val="tx1"/>
                 </a:solidFill>
               </a:rPr>
-              <a:t>21-11-2024</a:t>
+              <a:t>22-11-2024</a:t>
             </a:fld>
             <a:endParaRPr lang="en-IN" dirty="0">
               <a:solidFill>
@@ -31336,7 +31336,7 @@
                   <a:schemeClr val="tx1"/>
                 </a:solidFill>
               </a:rPr>
-              <a:t>21-11-2024</a:t>
+              <a:t>22-11-2024</a:t>
             </a:fld>
             <a:endParaRPr lang="en-IN" dirty="0">
               <a:solidFill>
